--- a/Sprint Review Slides/Insight.pptx
+++ b/Sprint Review Slides/Insight.pptx
@@ -1,25 +1,121 @@
 
 <file path=ppt/presentation.xml><?xml version="1.0" encoding="utf-8"?>
-<p:presentation xmlns:a="http://schemas.openxmlformats.org/drawingml/2006/main" xmlns:p="http://schemas.openxmlformats.org/presentationml/2006/main" xmlns:r="http://schemas.openxmlformats.org/officeDocument/2006/relationships" xmlns:p14="http://schemas.microsoft.com/office/powerpoint/2010/main" xmlns:p15="http://schemas.microsoft.com/office/powerpoint/2012/main" xmlns:mc="http://schemas.openxmlformats.org/markup-compatibility/2006">
+<p:presentation xmlns:a="http://schemas.openxmlformats.org/drawingml/2006/main" xmlns:r="http://schemas.openxmlformats.org/officeDocument/2006/relationships" xmlns:p="http://schemas.openxmlformats.org/presentationml/2006/main">
   <p:sldMasterIdLst>
-    <p:sldMasterId id="2147483648" r:id="rId2"/>
-    <p:sldMasterId id="2147483661" r:id="rId3"/>
-    <p:sldMasterId id="2147483674" r:id="rId4"/>
-    <p:sldMasterId id="2147483687" r:id="rId5"/>
+    <p:sldMasterId id="2147483648" r:id="rId1"/>
+    <p:sldMasterId id="2147483661" r:id="rId2"/>
+    <p:sldMasterId id="2147483674" r:id="rId3"/>
+    <p:sldMasterId id="2147483687" r:id="rId4"/>
   </p:sldMasterIdLst>
   <p:sldIdLst>
-    <p:sldId id="256" r:id="rId6"/>
-    <p:sldId id="257" r:id="rId7"/>
-    <p:sldId id="258" r:id="rId8"/>
+    <p:sldId id="256" r:id="rId5"/>
+    <p:sldId id="257" r:id="rId6"/>
+    <p:sldId id="258" r:id="rId7"/>
+    <p:sldId id="260" r:id="rId8"/>
     <p:sldId id="259" r:id="rId9"/>
   </p:sldIdLst>
   <p:sldSz cx="12188825" cy="6858000"/>
   <p:notesSz cx="6858000" cy="9144000"/>
+  <p:defaultTextStyle>
+    <a:defPPr>
+      <a:defRPr lang="en-US"/>
+    </a:defPPr>
+    <a:lvl1pPr marL="0" algn="l" defTabSz="914400" rtl="0" eaLnBrk="1" latinLnBrk="0" hangingPunct="1">
+      <a:defRPr sz="1800" kern="1200">
+        <a:solidFill>
+          <a:schemeClr val="tx1"/>
+        </a:solidFill>
+        <a:latin typeface="+mn-lt"/>
+        <a:ea typeface="+mn-ea"/>
+        <a:cs typeface="+mn-cs"/>
+      </a:defRPr>
+    </a:lvl1pPr>
+    <a:lvl2pPr marL="457200" algn="l" defTabSz="914400" rtl="0" eaLnBrk="1" latinLnBrk="0" hangingPunct="1">
+      <a:defRPr sz="1800" kern="1200">
+        <a:solidFill>
+          <a:schemeClr val="tx1"/>
+        </a:solidFill>
+        <a:latin typeface="+mn-lt"/>
+        <a:ea typeface="+mn-ea"/>
+        <a:cs typeface="+mn-cs"/>
+      </a:defRPr>
+    </a:lvl2pPr>
+    <a:lvl3pPr marL="914400" algn="l" defTabSz="914400" rtl="0" eaLnBrk="1" latinLnBrk="0" hangingPunct="1">
+      <a:defRPr sz="1800" kern="1200">
+        <a:solidFill>
+          <a:schemeClr val="tx1"/>
+        </a:solidFill>
+        <a:latin typeface="+mn-lt"/>
+        <a:ea typeface="+mn-ea"/>
+        <a:cs typeface="+mn-cs"/>
+      </a:defRPr>
+    </a:lvl3pPr>
+    <a:lvl4pPr marL="1371600" algn="l" defTabSz="914400" rtl="0" eaLnBrk="1" latinLnBrk="0" hangingPunct="1">
+      <a:defRPr sz="1800" kern="1200">
+        <a:solidFill>
+          <a:schemeClr val="tx1"/>
+        </a:solidFill>
+        <a:latin typeface="+mn-lt"/>
+        <a:ea typeface="+mn-ea"/>
+        <a:cs typeface="+mn-cs"/>
+      </a:defRPr>
+    </a:lvl4pPr>
+    <a:lvl5pPr marL="1828800" algn="l" defTabSz="914400" rtl="0" eaLnBrk="1" latinLnBrk="0" hangingPunct="1">
+      <a:defRPr sz="1800" kern="1200">
+        <a:solidFill>
+          <a:schemeClr val="tx1"/>
+        </a:solidFill>
+        <a:latin typeface="+mn-lt"/>
+        <a:ea typeface="+mn-ea"/>
+        <a:cs typeface="+mn-cs"/>
+      </a:defRPr>
+    </a:lvl5pPr>
+    <a:lvl6pPr marL="2286000" algn="l" defTabSz="914400" rtl="0" eaLnBrk="1" latinLnBrk="0" hangingPunct="1">
+      <a:defRPr sz="1800" kern="1200">
+        <a:solidFill>
+          <a:schemeClr val="tx1"/>
+        </a:solidFill>
+        <a:latin typeface="+mn-lt"/>
+        <a:ea typeface="+mn-ea"/>
+        <a:cs typeface="+mn-cs"/>
+      </a:defRPr>
+    </a:lvl6pPr>
+    <a:lvl7pPr marL="2743200" algn="l" defTabSz="914400" rtl="0" eaLnBrk="1" latinLnBrk="0" hangingPunct="1">
+      <a:defRPr sz="1800" kern="1200">
+        <a:solidFill>
+          <a:schemeClr val="tx1"/>
+        </a:solidFill>
+        <a:latin typeface="+mn-lt"/>
+        <a:ea typeface="+mn-ea"/>
+        <a:cs typeface="+mn-cs"/>
+      </a:defRPr>
+    </a:lvl7pPr>
+    <a:lvl8pPr marL="3200400" algn="l" defTabSz="914400" rtl="0" eaLnBrk="1" latinLnBrk="0" hangingPunct="1">
+      <a:defRPr sz="1800" kern="1200">
+        <a:solidFill>
+          <a:schemeClr val="tx1"/>
+        </a:solidFill>
+        <a:latin typeface="+mn-lt"/>
+        <a:ea typeface="+mn-ea"/>
+        <a:cs typeface="+mn-cs"/>
+      </a:defRPr>
+    </a:lvl8pPr>
+    <a:lvl9pPr marL="3657600" algn="l" defTabSz="914400" rtl="0" eaLnBrk="1" latinLnBrk="0" hangingPunct="1">
+      <a:defRPr sz="1800" kern="1200">
+        <a:solidFill>
+          <a:schemeClr val="tx1"/>
+        </a:solidFill>
+        <a:latin typeface="+mn-lt"/>
+        <a:ea typeface="+mn-ea"/>
+        <a:cs typeface="+mn-cs"/>
+      </a:defRPr>
+    </a:lvl9pPr>
+  </p:defaultTextStyle>
 </p:presentation>
 </file>
 
 <file path=ppt/slideLayouts/slideLayout1.xml><?xml version="1.0" encoding="utf-8"?>
-<p:sldLayout xmlns:a="http://schemas.openxmlformats.org/drawingml/2006/main" xmlns:p="http://schemas.openxmlformats.org/presentationml/2006/main" xmlns:r="http://schemas.openxmlformats.org/officeDocument/2006/relationships" xmlns:p14="http://schemas.microsoft.com/office/powerpoint/2010/main" xmlns:p15="http://schemas.microsoft.com/office/powerpoint/2012/main" xmlns:mc="http://schemas.openxmlformats.org/markup-compatibility/2006" type="blank" preserve="1">
+<p:sldLayout xmlns:a="http://schemas.openxmlformats.org/drawingml/2006/main" xmlns:r="http://schemas.openxmlformats.org/officeDocument/2006/relationships" xmlns:p="http://schemas.openxmlformats.org/presentationml/2006/main" type="blank" preserve="1">
   <p:cSld name="Blank Slide">
     <p:spTree>
       <p:nvGrpSpPr>
@@ -37,11 +133,14 @@
       </p:grpSpPr>
     </p:spTree>
   </p:cSld>
+  <p:clrMapOvr>
+    <a:masterClrMapping/>
+  </p:clrMapOvr>
 </p:sldLayout>
 </file>
 
 <file path=ppt/slideLayouts/slideLayout10.xml><?xml version="1.0" encoding="utf-8"?>
-<p:sldLayout xmlns:a="http://schemas.openxmlformats.org/drawingml/2006/main" xmlns:p="http://schemas.openxmlformats.org/presentationml/2006/main" xmlns:r="http://schemas.openxmlformats.org/officeDocument/2006/relationships" xmlns:p14="http://schemas.microsoft.com/office/powerpoint/2010/main" xmlns:p15="http://schemas.microsoft.com/office/powerpoint/2012/main" xmlns:mc="http://schemas.openxmlformats.org/markup-compatibility/2006" type="objOverTx" preserve="1">
+<p:sldLayout xmlns:a="http://schemas.openxmlformats.org/drawingml/2006/main" xmlns:r="http://schemas.openxmlformats.org/officeDocument/2006/relationships" xmlns:p="http://schemas.openxmlformats.org/presentationml/2006/main" type="objOverTx" preserve="1">
   <p:cSld name="Title, Content over Content">
     <p:spTree>
       <p:nvGrpSpPr>
@@ -77,13 +176,14 @@
           </a:prstGeom>
         </p:spPr>
         <p:txBody>
-          <a:bodyPr lIns="0" rIns="0" tIns="0" bIns="0" anchor="ctr">
+          <a:bodyPr lIns="0" tIns="0" rIns="0" bIns="0" anchor="ctr">
             <a:noAutofit/>
           </a:bodyPr>
-          <a:p>
-            <a:endParaRPr b="0" lang="en-US" sz="2400" spc="-1" strike="noStrike">
-              <a:solidFill>
-                <a:srgbClr val="ffffff"/>
+          <a:lstStyle/>
+          <a:p>
+            <a:endParaRPr lang="en-US" sz="2400" b="0" strike="noStrike" spc="-1">
+              <a:solidFill>
+                <a:srgbClr val="FFFFFF"/>
               </a:solidFill>
               <a:latin typeface="Calibri"/>
             </a:endParaRPr>
@@ -110,13 +210,14 @@
           </a:prstGeom>
         </p:spPr>
         <p:txBody>
-          <a:bodyPr lIns="0" rIns="0" tIns="0" bIns="0">
+          <a:bodyPr lIns="0" tIns="0" rIns="0" bIns="0">
             <a:normAutofit/>
           </a:bodyPr>
-          <a:p>
-            <a:endParaRPr b="0" lang="en-US" sz="2800" spc="-1" strike="noStrike">
-              <a:solidFill>
-                <a:srgbClr val="ffffff"/>
+          <a:lstStyle/>
+          <a:p>
+            <a:endParaRPr lang="en-US" sz="2800" b="0" strike="noStrike" spc="-1">
+              <a:solidFill>
+                <a:srgbClr val="FFFFFF"/>
               </a:solidFill>
               <a:latin typeface="Calibri"/>
             </a:endParaRPr>
@@ -143,13 +244,14 @@
           </a:prstGeom>
         </p:spPr>
         <p:txBody>
-          <a:bodyPr lIns="0" rIns="0" tIns="0" bIns="0">
+          <a:bodyPr lIns="0" tIns="0" rIns="0" bIns="0">
             <a:normAutofit/>
           </a:bodyPr>
-          <a:p>
-            <a:endParaRPr b="0" lang="en-US" sz="2800" spc="-1" strike="noStrike">
-              <a:solidFill>
-                <a:srgbClr val="ffffff"/>
+          <a:lstStyle/>
+          <a:p>
+            <a:endParaRPr lang="en-US" sz="2800" b="0" strike="noStrike" spc="-1">
+              <a:solidFill>
+                <a:srgbClr val="FFFFFF"/>
               </a:solidFill>
               <a:latin typeface="Calibri"/>
             </a:endParaRPr>
@@ -158,11 +260,14 @@
       </p:sp>
     </p:spTree>
   </p:cSld>
+  <p:clrMapOvr>
+    <a:masterClrMapping/>
+  </p:clrMapOvr>
 </p:sldLayout>
 </file>
 
 <file path=ppt/slideLayouts/slideLayout11.xml><?xml version="1.0" encoding="utf-8"?>
-<p:sldLayout xmlns:a="http://schemas.openxmlformats.org/drawingml/2006/main" xmlns:p="http://schemas.openxmlformats.org/presentationml/2006/main" xmlns:r="http://schemas.openxmlformats.org/officeDocument/2006/relationships" xmlns:p14="http://schemas.microsoft.com/office/powerpoint/2010/main" xmlns:p15="http://schemas.microsoft.com/office/powerpoint/2012/main" xmlns:mc="http://schemas.openxmlformats.org/markup-compatibility/2006" type="fourObj" preserve="1">
+<p:sldLayout xmlns:a="http://schemas.openxmlformats.org/drawingml/2006/main" xmlns:r="http://schemas.openxmlformats.org/officeDocument/2006/relationships" xmlns:p="http://schemas.openxmlformats.org/presentationml/2006/main" type="fourObj" preserve="1">
   <p:cSld name="Title, 4 Content">
     <p:spTree>
       <p:nvGrpSpPr>
@@ -198,13 +303,14 @@
           </a:prstGeom>
         </p:spPr>
         <p:txBody>
-          <a:bodyPr lIns="0" rIns="0" tIns="0" bIns="0" anchor="ctr">
+          <a:bodyPr lIns="0" tIns="0" rIns="0" bIns="0" anchor="ctr">
             <a:noAutofit/>
           </a:bodyPr>
-          <a:p>
-            <a:endParaRPr b="0" lang="en-US" sz="2400" spc="-1" strike="noStrike">
-              <a:solidFill>
-                <a:srgbClr val="ffffff"/>
+          <a:lstStyle/>
+          <a:p>
+            <a:endParaRPr lang="en-US" sz="2400" b="0" strike="noStrike" spc="-1">
+              <a:solidFill>
+                <a:srgbClr val="FFFFFF"/>
               </a:solidFill>
               <a:latin typeface="Calibri"/>
             </a:endParaRPr>
@@ -231,13 +337,14 @@
           </a:prstGeom>
         </p:spPr>
         <p:txBody>
-          <a:bodyPr lIns="0" rIns="0" tIns="0" bIns="0">
+          <a:bodyPr lIns="0" tIns="0" rIns="0" bIns="0">
             <a:normAutofit/>
           </a:bodyPr>
-          <a:p>
-            <a:endParaRPr b="0" lang="en-US" sz="2800" spc="-1" strike="noStrike">
-              <a:solidFill>
-                <a:srgbClr val="ffffff"/>
+          <a:lstStyle/>
+          <a:p>
+            <a:endParaRPr lang="en-US" sz="2800" b="0" strike="noStrike" spc="-1">
+              <a:solidFill>
+                <a:srgbClr val="FFFFFF"/>
               </a:solidFill>
               <a:latin typeface="Calibri"/>
             </a:endParaRPr>
@@ -264,13 +371,14 @@
           </a:prstGeom>
         </p:spPr>
         <p:txBody>
-          <a:bodyPr lIns="0" rIns="0" tIns="0" bIns="0">
+          <a:bodyPr lIns="0" tIns="0" rIns="0" bIns="0">
             <a:normAutofit/>
           </a:bodyPr>
-          <a:p>
-            <a:endParaRPr b="0" lang="en-US" sz="2800" spc="-1" strike="noStrike">
-              <a:solidFill>
-                <a:srgbClr val="ffffff"/>
+          <a:lstStyle/>
+          <a:p>
+            <a:endParaRPr lang="en-US" sz="2800" b="0" strike="noStrike" spc="-1">
+              <a:solidFill>
+                <a:srgbClr val="FFFFFF"/>
               </a:solidFill>
               <a:latin typeface="Calibri"/>
             </a:endParaRPr>
@@ -297,13 +405,14 @@
           </a:prstGeom>
         </p:spPr>
         <p:txBody>
-          <a:bodyPr lIns="0" rIns="0" tIns="0" bIns="0">
+          <a:bodyPr lIns="0" tIns="0" rIns="0" bIns="0">
             <a:normAutofit/>
           </a:bodyPr>
-          <a:p>
-            <a:endParaRPr b="0" lang="en-US" sz="2800" spc="-1" strike="noStrike">
-              <a:solidFill>
-                <a:srgbClr val="ffffff"/>
+          <a:lstStyle/>
+          <a:p>
+            <a:endParaRPr lang="en-US" sz="2800" b="0" strike="noStrike" spc="-1">
+              <a:solidFill>
+                <a:srgbClr val="FFFFFF"/>
               </a:solidFill>
               <a:latin typeface="Calibri"/>
             </a:endParaRPr>
@@ -330,13 +439,14 @@
           </a:prstGeom>
         </p:spPr>
         <p:txBody>
-          <a:bodyPr lIns="0" rIns="0" tIns="0" bIns="0">
+          <a:bodyPr lIns="0" tIns="0" rIns="0" bIns="0">
             <a:normAutofit/>
           </a:bodyPr>
-          <a:p>
-            <a:endParaRPr b="0" lang="en-US" sz="2800" spc="-1" strike="noStrike">
-              <a:solidFill>
-                <a:srgbClr val="ffffff"/>
+          <a:lstStyle/>
+          <a:p>
+            <a:endParaRPr lang="en-US" sz="2800" b="0" strike="noStrike" spc="-1">
+              <a:solidFill>
+                <a:srgbClr val="FFFFFF"/>
               </a:solidFill>
               <a:latin typeface="Calibri"/>
             </a:endParaRPr>
@@ -345,11 +455,14 @@
       </p:sp>
     </p:spTree>
   </p:cSld>
+  <p:clrMapOvr>
+    <a:masterClrMapping/>
+  </p:clrMapOvr>
 </p:sldLayout>
 </file>
 
 <file path=ppt/slideLayouts/slideLayout12.xml><?xml version="1.0" encoding="utf-8"?>
-<p:sldLayout xmlns:a="http://schemas.openxmlformats.org/drawingml/2006/main" xmlns:p="http://schemas.openxmlformats.org/presentationml/2006/main" xmlns:r="http://schemas.openxmlformats.org/officeDocument/2006/relationships" xmlns:p14="http://schemas.microsoft.com/office/powerpoint/2010/main" xmlns:p15="http://schemas.microsoft.com/office/powerpoint/2012/main" xmlns:mc="http://schemas.openxmlformats.org/markup-compatibility/2006" type="blank" preserve="1">
+<p:sldLayout xmlns:a="http://schemas.openxmlformats.org/drawingml/2006/main" xmlns:r="http://schemas.openxmlformats.org/officeDocument/2006/relationships" xmlns:p="http://schemas.openxmlformats.org/presentationml/2006/main" type="blank" preserve="1">
   <p:cSld name="Title, 6 Content">
     <p:spTree>
       <p:nvGrpSpPr>
@@ -385,13 +498,14 @@
           </a:prstGeom>
         </p:spPr>
         <p:txBody>
-          <a:bodyPr lIns="0" rIns="0" tIns="0" bIns="0" anchor="ctr">
+          <a:bodyPr lIns="0" tIns="0" rIns="0" bIns="0" anchor="ctr">
             <a:noAutofit/>
           </a:bodyPr>
-          <a:p>
-            <a:endParaRPr b="0" lang="en-US" sz="2400" spc="-1" strike="noStrike">
-              <a:solidFill>
-                <a:srgbClr val="ffffff"/>
+          <a:lstStyle/>
+          <a:p>
+            <a:endParaRPr lang="en-US" sz="2400" b="0" strike="noStrike" spc="-1">
+              <a:solidFill>
+                <a:srgbClr val="FFFFFF"/>
               </a:solidFill>
               <a:latin typeface="Calibri"/>
             </a:endParaRPr>
@@ -418,13 +532,14 @@
           </a:prstGeom>
         </p:spPr>
         <p:txBody>
-          <a:bodyPr lIns="0" rIns="0" tIns="0" bIns="0">
+          <a:bodyPr lIns="0" tIns="0" rIns="0" bIns="0">
             <a:normAutofit/>
           </a:bodyPr>
-          <a:p>
-            <a:endParaRPr b="0" lang="en-US" sz="2800" spc="-1" strike="noStrike">
-              <a:solidFill>
-                <a:srgbClr val="ffffff"/>
+          <a:lstStyle/>
+          <a:p>
+            <a:endParaRPr lang="en-US" sz="2800" b="0" strike="noStrike" spc="-1">
+              <a:solidFill>
+                <a:srgbClr val="FFFFFF"/>
               </a:solidFill>
               <a:latin typeface="Calibri"/>
             </a:endParaRPr>
@@ -451,13 +566,14 @@
           </a:prstGeom>
         </p:spPr>
         <p:txBody>
-          <a:bodyPr lIns="0" rIns="0" tIns="0" bIns="0">
+          <a:bodyPr lIns="0" tIns="0" rIns="0" bIns="0">
             <a:normAutofit/>
           </a:bodyPr>
-          <a:p>
-            <a:endParaRPr b="0" lang="en-US" sz="2800" spc="-1" strike="noStrike">
-              <a:solidFill>
-                <a:srgbClr val="ffffff"/>
+          <a:lstStyle/>
+          <a:p>
+            <a:endParaRPr lang="en-US" sz="2800" b="0" strike="noStrike" spc="-1">
+              <a:solidFill>
+                <a:srgbClr val="FFFFFF"/>
               </a:solidFill>
               <a:latin typeface="Calibri"/>
             </a:endParaRPr>
@@ -484,13 +600,14 @@
           </a:prstGeom>
         </p:spPr>
         <p:txBody>
-          <a:bodyPr lIns="0" rIns="0" tIns="0" bIns="0">
+          <a:bodyPr lIns="0" tIns="0" rIns="0" bIns="0">
             <a:normAutofit/>
           </a:bodyPr>
-          <a:p>
-            <a:endParaRPr b="0" lang="en-US" sz="2800" spc="-1" strike="noStrike">
-              <a:solidFill>
-                <a:srgbClr val="ffffff"/>
+          <a:lstStyle/>
+          <a:p>
+            <a:endParaRPr lang="en-US" sz="2800" b="0" strike="noStrike" spc="-1">
+              <a:solidFill>
+                <a:srgbClr val="FFFFFF"/>
               </a:solidFill>
               <a:latin typeface="Calibri"/>
             </a:endParaRPr>
@@ -517,13 +634,14 @@
           </a:prstGeom>
         </p:spPr>
         <p:txBody>
-          <a:bodyPr lIns="0" rIns="0" tIns="0" bIns="0">
+          <a:bodyPr lIns="0" tIns="0" rIns="0" bIns="0">
             <a:normAutofit/>
           </a:bodyPr>
-          <a:p>
-            <a:endParaRPr b="0" lang="en-US" sz="2800" spc="-1" strike="noStrike">
-              <a:solidFill>
-                <a:srgbClr val="ffffff"/>
+          <a:lstStyle/>
+          <a:p>
+            <a:endParaRPr lang="en-US" sz="2800" b="0" strike="noStrike" spc="-1">
+              <a:solidFill>
+                <a:srgbClr val="FFFFFF"/>
               </a:solidFill>
               <a:latin typeface="Calibri"/>
             </a:endParaRPr>
@@ -550,13 +668,14 @@
           </a:prstGeom>
         </p:spPr>
         <p:txBody>
-          <a:bodyPr lIns="0" rIns="0" tIns="0" bIns="0">
+          <a:bodyPr lIns="0" tIns="0" rIns="0" bIns="0">
             <a:normAutofit/>
           </a:bodyPr>
-          <a:p>
-            <a:endParaRPr b="0" lang="en-US" sz="2800" spc="-1" strike="noStrike">
-              <a:solidFill>
-                <a:srgbClr val="ffffff"/>
+          <a:lstStyle/>
+          <a:p>
+            <a:endParaRPr lang="en-US" sz="2800" b="0" strike="noStrike" spc="-1">
+              <a:solidFill>
+                <a:srgbClr val="FFFFFF"/>
               </a:solidFill>
               <a:latin typeface="Calibri"/>
             </a:endParaRPr>
@@ -583,13 +702,14 @@
           </a:prstGeom>
         </p:spPr>
         <p:txBody>
-          <a:bodyPr lIns="0" rIns="0" tIns="0" bIns="0">
+          <a:bodyPr lIns="0" tIns="0" rIns="0" bIns="0">
             <a:normAutofit/>
           </a:bodyPr>
-          <a:p>
-            <a:endParaRPr b="0" lang="en-US" sz="2800" spc="-1" strike="noStrike">
-              <a:solidFill>
-                <a:srgbClr val="ffffff"/>
+          <a:lstStyle/>
+          <a:p>
+            <a:endParaRPr lang="en-US" sz="2800" b="0" strike="noStrike" spc="-1">
+              <a:solidFill>
+                <a:srgbClr val="FFFFFF"/>
               </a:solidFill>
               <a:latin typeface="Calibri"/>
             </a:endParaRPr>
@@ -598,11 +718,14 @@
       </p:sp>
     </p:spTree>
   </p:cSld>
+  <p:clrMapOvr>
+    <a:masterClrMapping/>
+  </p:clrMapOvr>
 </p:sldLayout>
 </file>
 
 <file path=ppt/slideLayouts/slideLayout13.xml><?xml version="1.0" encoding="utf-8"?>
-<p:sldLayout xmlns:a="http://schemas.openxmlformats.org/drawingml/2006/main" xmlns:p="http://schemas.openxmlformats.org/presentationml/2006/main" xmlns:r="http://schemas.openxmlformats.org/officeDocument/2006/relationships" xmlns:p14="http://schemas.microsoft.com/office/powerpoint/2010/main" xmlns:p15="http://schemas.microsoft.com/office/powerpoint/2012/main" xmlns:mc="http://schemas.openxmlformats.org/markup-compatibility/2006" type="blank" preserve="1">
+<p:sldLayout xmlns:a="http://schemas.openxmlformats.org/drawingml/2006/main" xmlns:r="http://schemas.openxmlformats.org/officeDocument/2006/relationships" xmlns:p="http://schemas.openxmlformats.org/presentationml/2006/main" type="blank" preserve="1">
   <p:cSld name="Blank Slide">
     <p:spTree>
       <p:nvGrpSpPr>
@@ -620,11 +743,14 @@
       </p:grpSpPr>
     </p:spTree>
   </p:cSld>
+  <p:clrMapOvr>
+    <a:masterClrMapping/>
+  </p:clrMapOvr>
 </p:sldLayout>
 </file>
 
 <file path=ppt/slideLayouts/slideLayout14.xml><?xml version="1.0" encoding="utf-8"?>
-<p:sldLayout xmlns:a="http://schemas.openxmlformats.org/drawingml/2006/main" xmlns:p="http://schemas.openxmlformats.org/presentationml/2006/main" xmlns:r="http://schemas.openxmlformats.org/officeDocument/2006/relationships" xmlns:p14="http://schemas.microsoft.com/office/powerpoint/2010/main" xmlns:p15="http://schemas.microsoft.com/office/powerpoint/2012/main" xmlns:mc="http://schemas.openxmlformats.org/markup-compatibility/2006" type="tx" preserve="1">
+<p:sldLayout xmlns:a="http://schemas.openxmlformats.org/drawingml/2006/main" xmlns:r="http://schemas.openxmlformats.org/officeDocument/2006/relationships" xmlns:p="http://schemas.openxmlformats.org/presentationml/2006/main" type="tx" preserve="1">
   <p:cSld name="Title Slide">
     <p:spTree>
       <p:nvGrpSpPr>
@@ -660,13 +786,14 @@
           </a:prstGeom>
         </p:spPr>
         <p:txBody>
-          <a:bodyPr lIns="0" rIns="0" tIns="0" bIns="0" anchor="ctr">
+          <a:bodyPr lIns="0" tIns="0" rIns="0" bIns="0" anchor="ctr">
             <a:noAutofit/>
           </a:bodyPr>
-          <a:p>
-            <a:endParaRPr b="0" lang="en-US" sz="2400" spc="-1" strike="noStrike">
-              <a:solidFill>
-                <a:srgbClr val="ffffff"/>
+          <a:lstStyle/>
+          <a:p>
+            <a:endParaRPr lang="en-US" sz="2400" b="0" strike="noStrike" spc="-1">
+              <a:solidFill>
+                <a:srgbClr val="FFFFFF"/>
               </a:solidFill>
               <a:latin typeface="Calibri"/>
             </a:endParaRPr>
@@ -693,12 +820,13 @@
           </a:prstGeom>
         </p:spPr>
         <p:txBody>
-          <a:bodyPr lIns="0" rIns="0" tIns="0" bIns="0" anchor="ctr">
+          <a:bodyPr lIns="0" tIns="0" rIns="0" bIns="0" anchor="ctr">
             <a:noAutofit/>
           </a:bodyPr>
+          <a:lstStyle/>
           <a:p>
             <a:pPr algn="ctr"/>
-            <a:endParaRPr b="0" lang="en-US" sz="3200" spc="-1" strike="noStrike">
+            <a:endParaRPr lang="en-US" sz="3200" b="0" strike="noStrike" spc="-1">
               <a:latin typeface="Arial"/>
             </a:endParaRPr>
           </a:p>
@@ -706,11 +834,14 @@
       </p:sp>
     </p:spTree>
   </p:cSld>
+  <p:clrMapOvr>
+    <a:masterClrMapping/>
+  </p:clrMapOvr>
 </p:sldLayout>
 </file>
 
 <file path=ppt/slideLayouts/slideLayout15.xml><?xml version="1.0" encoding="utf-8"?>
-<p:sldLayout xmlns:a="http://schemas.openxmlformats.org/drawingml/2006/main" xmlns:p="http://schemas.openxmlformats.org/presentationml/2006/main" xmlns:r="http://schemas.openxmlformats.org/officeDocument/2006/relationships" xmlns:p14="http://schemas.microsoft.com/office/powerpoint/2010/main" xmlns:p15="http://schemas.microsoft.com/office/powerpoint/2012/main" xmlns:mc="http://schemas.openxmlformats.org/markup-compatibility/2006" type="obj" preserve="1">
+<p:sldLayout xmlns:a="http://schemas.openxmlformats.org/drawingml/2006/main" xmlns:r="http://schemas.openxmlformats.org/officeDocument/2006/relationships" xmlns:p="http://schemas.openxmlformats.org/presentationml/2006/main" type="obj" preserve="1">
   <p:cSld name="Title, Content">
     <p:spTree>
       <p:nvGrpSpPr>
@@ -746,13 +877,14 @@
           </a:prstGeom>
         </p:spPr>
         <p:txBody>
-          <a:bodyPr lIns="0" rIns="0" tIns="0" bIns="0" anchor="ctr">
+          <a:bodyPr lIns="0" tIns="0" rIns="0" bIns="0" anchor="ctr">
             <a:noAutofit/>
           </a:bodyPr>
-          <a:p>
-            <a:endParaRPr b="0" lang="en-US" sz="2400" spc="-1" strike="noStrike">
-              <a:solidFill>
-                <a:srgbClr val="ffffff"/>
+          <a:lstStyle/>
+          <a:p>
+            <a:endParaRPr lang="en-US" sz="2400" b="0" strike="noStrike" spc="-1">
+              <a:solidFill>
+                <a:srgbClr val="FFFFFF"/>
               </a:solidFill>
               <a:latin typeface="Calibri"/>
             </a:endParaRPr>
@@ -779,13 +911,14 @@
           </a:prstGeom>
         </p:spPr>
         <p:txBody>
-          <a:bodyPr lIns="0" rIns="0" tIns="0" bIns="0">
+          <a:bodyPr lIns="0" tIns="0" rIns="0" bIns="0">
             <a:normAutofit/>
           </a:bodyPr>
-          <a:p>
-            <a:endParaRPr b="0" lang="en-US" sz="2800" spc="-1" strike="noStrike">
-              <a:solidFill>
-                <a:srgbClr val="ffffff"/>
+          <a:lstStyle/>
+          <a:p>
+            <a:endParaRPr lang="en-US" sz="2800" b="0" strike="noStrike" spc="-1">
+              <a:solidFill>
+                <a:srgbClr val="FFFFFF"/>
               </a:solidFill>
               <a:latin typeface="Calibri"/>
             </a:endParaRPr>
@@ -794,11 +927,14 @@
       </p:sp>
     </p:spTree>
   </p:cSld>
+  <p:clrMapOvr>
+    <a:masterClrMapping/>
+  </p:clrMapOvr>
 </p:sldLayout>
 </file>
 
 <file path=ppt/slideLayouts/slideLayout16.xml><?xml version="1.0" encoding="utf-8"?>
-<p:sldLayout xmlns:a="http://schemas.openxmlformats.org/drawingml/2006/main" xmlns:p="http://schemas.openxmlformats.org/presentationml/2006/main" xmlns:r="http://schemas.openxmlformats.org/officeDocument/2006/relationships" xmlns:p14="http://schemas.microsoft.com/office/powerpoint/2010/main" xmlns:p15="http://schemas.microsoft.com/office/powerpoint/2012/main" xmlns:mc="http://schemas.openxmlformats.org/markup-compatibility/2006" type="twoObj" preserve="1">
+<p:sldLayout xmlns:a="http://schemas.openxmlformats.org/drawingml/2006/main" xmlns:r="http://schemas.openxmlformats.org/officeDocument/2006/relationships" xmlns:p="http://schemas.openxmlformats.org/presentationml/2006/main" type="twoObj" preserve="1">
   <p:cSld name="Title, 2 Content">
     <p:spTree>
       <p:nvGrpSpPr>
@@ -834,13 +970,14 @@
           </a:prstGeom>
         </p:spPr>
         <p:txBody>
-          <a:bodyPr lIns="0" rIns="0" tIns="0" bIns="0" anchor="ctr">
+          <a:bodyPr lIns="0" tIns="0" rIns="0" bIns="0" anchor="ctr">
             <a:noAutofit/>
           </a:bodyPr>
-          <a:p>
-            <a:endParaRPr b="0" lang="en-US" sz="2400" spc="-1" strike="noStrike">
-              <a:solidFill>
-                <a:srgbClr val="ffffff"/>
+          <a:lstStyle/>
+          <a:p>
+            <a:endParaRPr lang="en-US" sz="2400" b="0" strike="noStrike" spc="-1">
+              <a:solidFill>
+                <a:srgbClr val="FFFFFF"/>
               </a:solidFill>
               <a:latin typeface="Calibri"/>
             </a:endParaRPr>
@@ -867,13 +1004,14 @@
           </a:prstGeom>
         </p:spPr>
         <p:txBody>
-          <a:bodyPr lIns="0" rIns="0" tIns="0" bIns="0">
+          <a:bodyPr lIns="0" tIns="0" rIns="0" bIns="0">
             <a:normAutofit/>
           </a:bodyPr>
-          <a:p>
-            <a:endParaRPr b="0" lang="en-US" sz="2800" spc="-1" strike="noStrike">
-              <a:solidFill>
-                <a:srgbClr val="ffffff"/>
+          <a:lstStyle/>
+          <a:p>
+            <a:endParaRPr lang="en-US" sz="2800" b="0" strike="noStrike" spc="-1">
+              <a:solidFill>
+                <a:srgbClr val="FFFFFF"/>
               </a:solidFill>
               <a:latin typeface="Calibri"/>
             </a:endParaRPr>
@@ -900,13 +1038,14 @@
           </a:prstGeom>
         </p:spPr>
         <p:txBody>
-          <a:bodyPr lIns="0" rIns="0" tIns="0" bIns="0">
+          <a:bodyPr lIns="0" tIns="0" rIns="0" bIns="0">
             <a:normAutofit/>
           </a:bodyPr>
-          <a:p>
-            <a:endParaRPr b="0" lang="en-US" sz="2800" spc="-1" strike="noStrike">
-              <a:solidFill>
-                <a:srgbClr val="ffffff"/>
+          <a:lstStyle/>
+          <a:p>
+            <a:endParaRPr lang="en-US" sz="2800" b="0" strike="noStrike" spc="-1">
+              <a:solidFill>
+                <a:srgbClr val="FFFFFF"/>
               </a:solidFill>
               <a:latin typeface="Calibri"/>
             </a:endParaRPr>
@@ -915,11 +1054,14 @@
       </p:sp>
     </p:spTree>
   </p:cSld>
+  <p:clrMapOvr>
+    <a:masterClrMapping/>
+  </p:clrMapOvr>
 </p:sldLayout>
 </file>
 
 <file path=ppt/slideLayouts/slideLayout17.xml><?xml version="1.0" encoding="utf-8"?>
-<p:sldLayout xmlns:a="http://schemas.openxmlformats.org/drawingml/2006/main" xmlns:p="http://schemas.openxmlformats.org/presentationml/2006/main" xmlns:r="http://schemas.openxmlformats.org/officeDocument/2006/relationships" xmlns:p14="http://schemas.microsoft.com/office/powerpoint/2010/main" xmlns:p15="http://schemas.microsoft.com/office/powerpoint/2012/main" xmlns:mc="http://schemas.openxmlformats.org/markup-compatibility/2006" type="titleOnly" preserve="1">
+<p:sldLayout xmlns:a="http://schemas.openxmlformats.org/drawingml/2006/main" xmlns:r="http://schemas.openxmlformats.org/officeDocument/2006/relationships" xmlns:p="http://schemas.openxmlformats.org/presentationml/2006/main" type="titleOnly" preserve="1">
   <p:cSld name="Title Only">
     <p:spTree>
       <p:nvGrpSpPr>
@@ -955,13 +1097,14 @@
           </a:prstGeom>
         </p:spPr>
         <p:txBody>
-          <a:bodyPr lIns="0" rIns="0" tIns="0" bIns="0" anchor="ctr">
+          <a:bodyPr lIns="0" tIns="0" rIns="0" bIns="0" anchor="ctr">
             <a:noAutofit/>
           </a:bodyPr>
-          <a:p>
-            <a:endParaRPr b="0" lang="en-US" sz="2400" spc="-1" strike="noStrike">
-              <a:solidFill>
-                <a:srgbClr val="ffffff"/>
+          <a:lstStyle/>
+          <a:p>
+            <a:endParaRPr lang="en-US" sz="2400" b="0" strike="noStrike" spc="-1">
+              <a:solidFill>
+                <a:srgbClr val="FFFFFF"/>
               </a:solidFill>
               <a:latin typeface="Calibri"/>
             </a:endParaRPr>
@@ -970,11 +1113,14 @@
       </p:sp>
     </p:spTree>
   </p:cSld>
+  <p:clrMapOvr>
+    <a:masterClrMapping/>
+  </p:clrMapOvr>
 </p:sldLayout>
 </file>
 
 <file path=ppt/slideLayouts/slideLayout18.xml><?xml version="1.0" encoding="utf-8"?>
-<p:sldLayout xmlns:a="http://schemas.openxmlformats.org/drawingml/2006/main" xmlns:p="http://schemas.openxmlformats.org/presentationml/2006/main" xmlns:r="http://schemas.openxmlformats.org/officeDocument/2006/relationships" xmlns:p14="http://schemas.microsoft.com/office/powerpoint/2010/main" xmlns:p15="http://schemas.microsoft.com/office/powerpoint/2012/main" xmlns:mc="http://schemas.openxmlformats.org/markup-compatibility/2006" type="objOnly" preserve="1">
+<p:sldLayout xmlns:a="http://schemas.openxmlformats.org/drawingml/2006/main" xmlns:r="http://schemas.openxmlformats.org/officeDocument/2006/relationships" xmlns:p="http://schemas.openxmlformats.org/presentationml/2006/main" type="objOnly" preserve="1">
   <p:cSld name="Centered Text">
     <p:spTree>
       <p:nvGrpSpPr>
@@ -1010,12 +1156,13 @@
           </a:prstGeom>
         </p:spPr>
         <p:txBody>
-          <a:bodyPr lIns="0" rIns="0" tIns="0" bIns="0" anchor="ctr">
+          <a:bodyPr lIns="0" tIns="0" rIns="0" bIns="0" anchor="ctr">
             <a:noAutofit/>
           </a:bodyPr>
+          <a:lstStyle/>
           <a:p>
             <a:pPr algn="ctr"/>
-            <a:endParaRPr b="0" lang="en-US" sz="3200" spc="-1" strike="noStrike">
+            <a:endParaRPr lang="en-US" sz="3200" b="0" strike="noStrike" spc="-1">
               <a:latin typeface="Arial"/>
             </a:endParaRPr>
           </a:p>
@@ -1023,11 +1170,14 @@
       </p:sp>
     </p:spTree>
   </p:cSld>
+  <p:clrMapOvr>
+    <a:masterClrMapping/>
+  </p:clrMapOvr>
 </p:sldLayout>
 </file>
 
 <file path=ppt/slideLayouts/slideLayout19.xml><?xml version="1.0" encoding="utf-8"?>
-<p:sldLayout xmlns:a="http://schemas.openxmlformats.org/drawingml/2006/main" xmlns:p="http://schemas.openxmlformats.org/presentationml/2006/main" xmlns:r="http://schemas.openxmlformats.org/officeDocument/2006/relationships" xmlns:p14="http://schemas.microsoft.com/office/powerpoint/2010/main" xmlns:p15="http://schemas.microsoft.com/office/powerpoint/2012/main" xmlns:mc="http://schemas.openxmlformats.org/markup-compatibility/2006" type="twoObjAndObj" preserve="1">
+<p:sldLayout xmlns:a="http://schemas.openxmlformats.org/drawingml/2006/main" xmlns:r="http://schemas.openxmlformats.org/officeDocument/2006/relationships" xmlns:p="http://schemas.openxmlformats.org/presentationml/2006/main" type="twoObjAndObj" preserve="1">
   <p:cSld name="Title, 2 Content and Content">
     <p:spTree>
       <p:nvGrpSpPr>
@@ -1063,13 +1213,14 @@
           </a:prstGeom>
         </p:spPr>
         <p:txBody>
-          <a:bodyPr lIns="0" rIns="0" tIns="0" bIns="0" anchor="ctr">
+          <a:bodyPr lIns="0" tIns="0" rIns="0" bIns="0" anchor="ctr">
             <a:noAutofit/>
           </a:bodyPr>
-          <a:p>
-            <a:endParaRPr b="0" lang="en-US" sz="2400" spc="-1" strike="noStrike">
-              <a:solidFill>
-                <a:srgbClr val="ffffff"/>
+          <a:lstStyle/>
+          <a:p>
+            <a:endParaRPr lang="en-US" sz="2400" b="0" strike="noStrike" spc="-1">
+              <a:solidFill>
+                <a:srgbClr val="FFFFFF"/>
               </a:solidFill>
               <a:latin typeface="Calibri"/>
             </a:endParaRPr>
@@ -1096,13 +1247,14 @@
           </a:prstGeom>
         </p:spPr>
         <p:txBody>
-          <a:bodyPr lIns="0" rIns="0" tIns="0" bIns="0">
+          <a:bodyPr lIns="0" tIns="0" rIns="0" bIns="0">
             <a:normAutofit/>
           </a:bodyPr>
-          <a:p>
-            <a:endParaRPr b="0" lang="en-US" sz="2800" spc="-1" strike="noStrike">
-              <a:solidFill>
-                <a:srgbClr val="ffffff"/>
+          <a:lstStyle/>
+          <a:p>
+            <a:endParaRPr lang="en-US" sz="2800" b="0" strike="noStrike" spc="-1">
+              <a:solidFill>
+                <a:srgbClr val="FFFFFF"/>
               </a:solidFill>
               <a:latin typeface="Calibri"/>
             </a:endParaRPr>
@@ -1129,13 +1281,14 @@
           </a:prstGeom>
         </p:spPr>
         <p:txBody>
-          <a:bodyPr lIns="0" rIns="0" tIns="0" bIns="0">
+          <a:bodyPr lIns="0" tIns="0" rIns="0" bIns="0">
             <a:normAutofit/>
           </a:bodyPr>
-          <a:p>
-            <a:endParaRPr b="0" lang="en-US" sz="2800" spc="-1" strike="noStrike">
-              <a:solidFill>
-                <a:srgbClr val="ffffff"/>
+          <a:lstStyle/>
+          <a:p>
+            <a:endParaRPr lang="en-US" sz="2800" b="0" strike="noStrike" spc="-1">
+              <a:solidFill>
+                <a:srgbClr val="FFFFFF"/>
               </a:solidFill>
               <a:latin typeface="Calibri"/>
             </a:endParaRPr>
@@ -1162,13 +1315,14 @@
           </a:prstGeom>
         </p:spPr>
         <p:txBody>
-          <a:bodyPr lIns="0" rIns="0" tIns="0" bIns="0">
+          <a:bodyPr lIns="0" tIns="0" rIns="0" bIns="0">
             <a:normAutofit/>
           </a:bodyPr>
-          <a:p>
-            <a:endParaRPr b="0" lang="en-US" sz="2800" spc="-1" strike="noStrike">
-              <a:solidFill>
-                <a:srgbClr val="ffffff"/>
+          <a:lstStyle/>
+          <a:p>
+            <a:endParaRPr lang="en-US" sz="2800" b="0" strike="noStrike" spc="-1">
+              <a:solidFill>
+                <a:srgbClr val="FFFFFF"/>
               </a:solidFill>
               <a:latin typeface="Calibri"/>
             </a:endParaRPr>
@@ -1177,11 +1331,14 @@
       </p:sp>
     </p:spTree>
   </p:cSld>
+  <p:clrMapOvr>
+    <a:masterClrMapping/>
+  </p:clrMapOvr>
 </p:sldLayout>
 </file>
 
 <file path=ppt/slideLayouts/slideLayout2.xml><?xml version="1.0" encoding="utf-8"?>
-<p:sldLayout xmlns:a="http://schemas.openxmlformats.org/drawingml/2006/main" xmlns:p="http://schemas.openxmlformats.org/presentationml/2006/main" xmlns:r="http://schemas.openxmlformats.org/officeDocument/2006/relationships" xmlns:p14="http://schemas.microsoft.com/office/powerpoint/2010/main" xmlns:p15="http://schemas.microsoft.com/office/powerpoint/2012/main" xmlns:mc="http://schemas.openxmlformats.org/markup-compatibility/2006" type="tx" preserve="1">
+<p:sldLayout xmlns:a="http://schemas.openxmlformats.org/drawingml/2006/main" xmlns:r="http://schemas.openxmlformats.org/officeDocument/2006/relationships" xmlns:p="http://schemas.openxmlformats.org/presentationml/2006/main" type="tx" preserve="1">
   <p:cSld name="Title Slide">
     <p:spTree>
       <p:nvGrpSpPr>
@@ -1217,13 +1374,14 @@
           </a:prstGeom>
         </p:spPr>
         <p:txBody>
-          <a:bodyPr lIns="0" rIns="0" tIns="0" bIns="0" anchor="ctr">
+          <a:bodyPr lIns="0" tIns="0" rIns="0" bIns="0" anchor="ctr">
             <a:noAutofit/>
           </a:bodyPr>
-          <a:p>
-            <a:endParaRPr b="0" lang="en-US" sz="2400" spc="-1" strike="noStrike">
-              <a:solidFill>
-                <a:srgbClr val="ffffff"/>
+          <a:lstStyle/>
+          <a:p>
+            <a:endParaRPr lang="en-US" sz="2400" b="0" strike="noStrike" spc="-1">
+              <a:solidFill>
+                <a:srgbClr val="FFFFFF"/>
               </a:solidFill>
               <a:latin typeface="Calibri"/>
             </a:endParaRPr>
@@ -1250,12 +1408,13 @@
           </a:prstGeom>
         </p:spPr>
         <p:txBody>
-          <a:bodyPr lIns="0" rIns="0" tIns="0" bIns="0" anchor="ctr">
+          <a:bodyPr lIns="0" tIns="0" rIns="0" bIns="0" anchor="ctr">
             <a:noAutofit/>
           </a:bodyPr>
+          <a:lstStyle/>
           <a:p>
             <a:pPr algn="ctr"/>
-            <a:endParaRPr b="0" lang="en-US" sz="3200" spc="-1" strike="noStrike">
+            <a:endParaRPr lang="en-US" sz="3200" b="0" strike="noStrike" spc="-1">
               <a:latin typeface="Arial"/>
             </a:endParaRPr>
           </a:p>
@@ -1263,11 +1422,14 @@
       </p:sp>
     </p:spTree>
   </p:cSld>
+  <p:clrMapOvr>
+    <a:masterClrMapping/>
+  </p:clrMapOvr>
 </p:sldLayout>
 </file>
 
 <file path=ppt/slideLayouts/slideLayout20.xml><?xml version="1.0" encoding="utf-8"?>
-<p:sldLayout xmlns:a="http://schemas.openxmlformats.org/drawingml/2006/main" xmlns:p="http://schemas.openxmlformats.org/presentationml/2006/main" xmlns:r="http://schemas.openxmlformats.org/officeDocument/2006/relationships" xmlns:p14="http://schemas.microsoft.com/office/powerpoint/2010/main" xmlns:p15="http://schemas.microsoft.com/office/powerpoint/2012/main" xmlns:mc="http://schemas.openxmlformats.org/markup-compatibility/2006" type="objAndTwoObj" preserve="1">
+<p:sldLayout xmlns:a="http://schemas.openxmlformats.org/drawingml/2006/main" xmlns:r="http://schemas.openxmlformats.org/officeDocument/2006/relationships" xmlns:p="http://schemas.openxmlformats.org/presentationml/2006/main" type="objAndTwoObj" preserve="1">
   <p:cSld name="Title Content and 2 Content">
     <p:spTree>
       <p:nvGrpSpPr>
@@ -1303,13 +1465,14 @@
           </a:prstGeom>
         </p:spPr>
         <p:txBody>
-          <a:bodyPr lIns="0" rIns="0" tIns="0" bIns="0" anchor="ctr">
+          <a:bodyPr lIns="0" tIns="0" rIns="0" bIns="0" anchor="ctr">
             <a:noAutofit/>
           </a:bodyPr>
-          <a:p>
-            <a:endParaRPr b="0" lang="en-US" sz="2400" spc="-1" strike="noStrike">
-              <a:solidFill>
-                <a:srgbClr val="ffffff"/>
+          <a:lstStyle/>
+          <a:p>
+            <a:endParaRPr lang="en-US" sz="2400" b="0" strike="noStrike" spc="-1">
+              <a:solidFill>
+                <a:srgbClr val="FFFFFF"/>
               </a:solidFill>
               <a:latin typeface="Calibri"/>
             </a:endParaRPr>
@@ -1336,13 +1499,14 @@
           </a:prstGeom>
         </p:spPr>
         <p:txBody>
-          <a:bodyPr lIns="0" rIns="0" tIns="0" bIns="0">
+          <a:bodyPr lIns="0" tIns="0" rIns="0" bIns="0">
             <a:normAutofit/>
           </a:bodyPr>
-          <a:p>
-            <a:endParaRPr b="0" lang="en-US" sz="2800" spc="-1" strike="noStrike">
-              <a:solidFill>
-                <a:srgbClr val="ffffff"/>
+          <a:lstStyle/>
+          <a:p>
+            <a:endParaRPr lang="en-US" sz="2800" b="0" strike="noStrike" spc="-1">
+              <a:solidFill>
+                <a:srgbClr val="FFFFFF"/>
               </a:solidFill>
               <a:latin typeface="Calibri"/>
             </a:endParaRPr>
@@ -1369,13 +1533,14 @@
           </a:prstGeom>
         </p:spPr>
         <p:txBody>
-          <a:bodyPr lIns="0" rIns="0" tIns="0" bIns="0">
+          <a:bodyPr lIns="0" tIns="0" rIns="0" bIns="0">
             <a:normAutofit/>
           </a:bodyPr>
-          <a:p>
-            <a:endParaRPr b="0" lang="en-US" sz="2800" spc="-1" strike="noStrike">
-              <a:solidFill>
-                <a:srgbClr val="ffffff"/>
+          <a:lstStyle/>
+          <a:p>
+            <a:endParaRPr lang="en-US" sz="2800" b="0" strike="noStrike" spc="-1">
+              <a:solidFill>
+                <a:srgbClr val="FFFFFF"/>
               </a:solidFill>
               <a:latin typeface="Calibri"/>
             </a:endParaRPr>
@@ -1402,13 +1567,14 @@
           </a:prstGeom>
         </p:spPr>
         <p:txBody>
-          <a:bodyPr lIns="0" rIns="0" tIns="0" bIns="0">
+          <a:bodyPr lIns="0" tIns="0" rIns="0" bIns="0">
             <a:normAutofit/>
           </a:bodyPr>
-          <a:p>
-            <a:endParaRPr b="0" lang="en-US" sz="2800" spc="-1" strike="noStrike">
-              <a:solidFill>
-                <a:srgbClr val="ffffff"/>
+          <a:lstStyle/>
+          <a:p>
+            <a:endParaRPr lang="en-US" sz="2800" b="0" strike="noStrike" spc="-1">
+              <a:solidFill>
+                <a:srgbClr val="FFFFFF"/>
               </a:solidFill>
               <a:latin typeface="Calibri"/>
             </a:endParaRPr>
@@ -1417,11 +1583,14 @@
       </p:sp>
     </p:spTree>
   </p:cSld>
+  <p:clrMapOvr>
+    <a:masterClrMapping/>
+  </p:clrMapOvr>
 </p:sldLayout>
 </file>
 
 <file path=ppt/slideLayouts/slideLayout21.xml><?xml version="1.0" encoding="utf-8"?>
-<p:sldLayout xmlns:a="http://schemas.openxmlformats.org/drawingml/2006/main" xmlns:p="http://schemas.openxmlformats.org/presentationml/2006/main" xmlns:r="http://schemas.openxmlformats.org/officeDocument/2006/relationships" xmlns:p14="http://schemas.microsoft.com/office/powerpoint/2010/main" xmlns:p15="http://schemas.microsoft.com/office/powerpoint/2012/main" xmlns:mc="http://schemas.openxmlformats.org/markup-compatibility/2006" type="twoObjOverTx" preserve="1">
+<p:sldLayout xmlns:a="http://schemas.openxmlformats.org/drawingml/2006/main" xmlns:r="http://schemas.openxmlformats.org/officeDocument/2006/relationships" xmlns:p="http://schemas.openxmlformats.org/presentationml/2006/main" type="twoObjOverTx" preserve="1">
   <p:cSld name="Title, 2 Content over Content">
     <p:spTree>
       <p:nvGrpSpPr>
@@ -1457,13 +1626,14 @@
           </a:prstGeom>
         </p:spPr>
         <p:txBody>
-          <a:bodyPr lIns="0" rIns="0" tIns="0" bIns="0" anchor="ctr">
+          <a:bodyPr lIns="0" tIns="0" rIns="0" bIns="0" anchor="ctr">
             <a:noAutofit/>
           </a:bodyPr>
-          <a:p>
-            <a:endParaRPr b="0" lang="en-US" sz="2400" spc="-1" strike="noStrike">
-              <a:solidFill>
-                <a:srgbClr val="ffffff"/>
+          <a:lstStyle/>
+          <a:p>
+            <a:endParaRPr lang="en-US" sz="2400" b="0" strike="noStrike" spc="-1">
+              <a:solidFill>
+                <a:srgbClr val="FFFFFF"/>
               </a:solidFill>
               <a:latin typeface="Calibri"/>
             </a:endParaRPr>
@@ -1490,13 +1660,14 @@
           </a:prstGeom>
         </p:spPr>
         <p:txBody>
-          <a:bodyPr lIns="0" rIns="0" tIns="0" bIns="0">
+          <a:bodyPr lIns="0" tIns="0" rIns="0" bIns="0">
             <a:normAutofit/>
           </a:bodyPr>
-          <a:p>
-            <a:endParaRPr b="0" lang="en-US" sz="2800" spc="-1" strike="noStrike">
-              <a:solidFill>
-                <a:srgbClr val="ffffff"/>
+          <a:lstStyle/>
+          <a:p>
+            <a:endParaRPr lang="en-US" sz="2800" b="0" strike="noStrike" spc="-1">
+              <a:solidFill>
+                <a:srgbClr val="FFFFFF"/>
               </a:solidFill>
               <a:latin typeface="Calibri"/>
             </a:endParaRPr>
@@ -1523,13 +1694,14 @@
           </a:prstGeom>
         </p:spPr>
         <p:txBody>
-          <a:bodyPr lIns="0" rIns="0" tIns="0" bIns="0">
+          <a:bodyPr lIns="0" tIns="0" rIns="0" bIns="0">
             <a:normAutofit/>
           </a:bodyPr>
-          <a:p>
-            <a:endParaRPr b="0" lang="en-US" sz="2800" spc="-1" strike="noStrike">
-              <a:solidFill>
-                <a:srgbClr val="ffffff"/>
+          <a:lstStyle/>
+          <a:p>
+            <a:endParaRPr lang="en-US" sz="2800" b="0" strike="noStrike" spc="-1">
+              <a:solidFill>
+                <a:srgbClr val="FFFFFF"/>
               </a:solidFill>
               <a:latin typeface="Calibri"/>
             </a:endParaRPr>
@@ -1556,13 +1728,14 @@
           </a:prstGeom>
         </p:spPr>
         <p:txBody>
-          <a:bodyPr lIns="0" rIns="0" tIns="0" bIns="0">
+          <a:bodyPr lIns="0" tIns="0" rIns="0" bIns="0">
             <a:normAutofit/>
           </a:bodyPr>
-          <a:p>
-            <a:endParaRPr b="0" lang="en-US" sz="2800" spc="-1" strike="noStrike">
-              <a:solidFill>
-                <a:srgbClr val="ffffff"/>
+          <a:lstStyle/>
+          <a:p>
+            <a:endParaRPr lang="en-US" sz="2800" b="0" strike="noStrike" spc="-1">
+              <a:solidFill>
+                <a:srgbClr val="FFFFFF"/>
               </a:solidFill>
               <a:latin typeface="Calibri"/>
             </a:endParaRPr>
@@ -1571,11 +1744,14 @@
       </p:sp>
     </p:spTree>
   </p:cSld>
+  <p:clrMapOvr>
+    <a:masterClrMapping/>
+  </p:clrMapOvr>
 </p:sldLayout>
 </file>
 
 <file path=ppt/slideLayouts/slideLayout22.xml><?xml version="1.0" encoding="utf-8"?>
-<p:sldLayout xmlns:a="http://schemas.openxmlformats.org/drawingml/2006/main" xmlns:p="http://schemas.openxmlformats.org/presentationml/2006/main" xmlns:r="http://schemas.openxmlformats.org/officeDocument/2006/relationships" xmlns:p14="http://schemas.microsoft.com/office/powerpoint/2010/main" xmlns:p15="http://schemas.microsoft.com/office/powerpoint/2012/main" xmlns:mc="http://schemas.openxmlformats.org/markup-compatibility/2006" type="objOverTx" preserve="1">
+<p:sldLayout xmlns:a="http://schemas.openxmlformats.org/drawingml/2006/main" xmlns:r="http://schemas.openxmlformats.org/officeDocument/2006/relationships" xmlns:p="http://schemas.openxmlformats.org/presentationml/2006/main" type="objOverTx" preserve="1">
   <p:cSld name="Title, Content over Content">
     <p:spTree>
       <p:nvGrpSpPr>
@@ -1611,13 +1787,14 @@
           </a:prstGeom>
         </p:spPr>
         <p:txBody>
-          <a:bodyPr lIns="0" rIns="0" tIns="0" bIns="0" anchor="ctr">
+          <a:bodyPr lIns="0" tIns="0" rIns="0" bIns="0" anchor="ctr">
             <a:noAutofit/>
           </a:bodyPr>
-          <a:p>
-            <a:endParaRPr b="0" lang="en-US" sz="2400" spc="-1" strike="noStrike">
-              <a:solidFill>
-                <a:srgbClr val="ffffff"/>
+          <a:lstStyle/>
+          <a:p>
+            <a:endParaRPr lang="en-US" sz="2400" b="0" strike="noStrike" spc="-1">
+              <a:solidFill>
+                <a:srgbClr val="FFFFFF"/>
               </a:solidFill>
               <a:latin typeface="Calibri"/>
             </a:endParaRPr>
@@ -1644,13 +1821,14 @@
           </a:prstGeom>
         </p:spPr>
         <p:txBody>
-          <a:bodyPr lIns="0" rIns="0" tIns="0" bIns="0">
+          <a:bodyPr lIns="0" tIns="0" rIns="0" bIns="0">
             <a:normAutofit/>
           </a:bodyPr>
-          <a:p>
-            <a:endParaRPr b="0" lang="en-US" sz="2800" spc="-1" strike="noStrike">
-              <a:solidFill>
-                <a:srgbClr val="ffffff"/>
+          <a:lstStyle/>
+          <a:p>
+            <a:endParaRPr lang="en-US" sz="2800" b="0" strike="noStrike" spc="-1">
+              <a:solidFill>
+                <a:srgbClr val="FFFFFF"/>
               </a:solidFill>
               <a:latin typeface="Calibri"/>
             </a:endParaRPr>
@@ -1677,13 +1855,14 @@
           </a:prstGeom>
         </p:spPr>
         <p:txBody>
-          <a:bodyPr lIns="0" rIns="0" tIns="0" bIns="0">
+          <a:bodyPr lIns="0" tIns="0" rIns="0" bIns="0">
             <a:normAutofit/>
           </a:bodyPr>
-          <a:p>
-            <a:endParaRPr b="0" lang="en-US" sz="2800" spc="-1" strike="noStrike">
-              <a:solidFill>
-                <a:srgbClr val="ffffff"/>
+          <a:lstStyle/>
+          <a:p>
+            <a:endParaRPr lang="en-US" sz="2800" b="0" strike="noStrike" spc="-1">
+              <a:solidFill>
+                <a:srgbClr val="FFFFFF"/>
               </a:solidFill>
               <a:latin typeface="Calibri"/>
             </a:endParaRPr>
@@ -1692,11 +1871,14 @@
       </p:sp>
     </p:spTree>
   </p:cSld>
+  <p:clrMapOvr>
+    <a:masterClrMapping/>
+  </p:clrMapOvr>
 </p:sldLayout>
 </file>
 
 <file path=ppt/slideLayouts/slideLayout23.xml><?xml version="1.0" encoding="utf-8"?>
-<p:sldLayout xmlns:a="http://schemas.openxmlformats.org/drawingml/2006/main" xmlns:p="http://schemas.openxmlformats.org/presentationml/2006/main" xmlns:r="http://schemas.openxmlformats.org/officeDocument/2006/relationships" xmlns:p14="http://schemas.microsoft.com/office/powerpoint/2010/main" xmlns:p15="http://schemas.microsoft.com/office/powerpoint/2012/main" xmlns:mc="http://schemas.openxmlformats.org/markup-compatibility/2006" type="fourObj" preserve="1">
+<p:sldLayout xmlns:a="http://schemas.openxmlformats.org/drawingml/2006/main" xmlns:r="http://schemas.openxmlformats.org/officeDocument/2006/relationships" xmlns:p="http://schemas.openxmlformats.org/presentationml/2006/main" type="fourObj" preserve="1">
   <p:cSld name="Title, 4 Content">
     <p:spTree>
       <p:nvGrpSpPr>
@@ -1732,13 +1914,14 @@
           </a:prstGeom>
         </p:spPr>
         <p:txBody>
-          <a:bodyPr lIns="0" rIns="0" tIns="0" bIns="0" anchor="ctr">
+          <a:bodyPr lIns="0" tIns="0" rIns="0" bIns="0" anchor="ctr">
             <a:noAutofit/>
           </a:bodyPr>
-          <a:p>
-            <a:endParaRPr b="0" lang="en-US" sz="2400" spc="-1" strike="noStrike">
-              <a:solidFill>
-                <a:srgbClr val="ffffff"/>
+          <a:lstStyle/>
+          <a:p>
+            <a:endParaRPr lang="en-US" sz="2400" b="0" strike="noStrike" spc="-1">
+              <a:solidFill>
+                <a:srgbClr val="FFFFFF"/>
               </a:solidFill>
               <a:latin typeface="Calibri"/>
             </a:endParaRPr>
@@ -1765,13 +1948,14 @@
           </a:prstGeom>
         </p:spPr>
         <p:txBody>
-          <a:bodyPr lIns="0" rIns="0" tIns="0" bIns="0">
+          <a:bodyPr lIns="0" tIns="0" rIns="0" bIns="0">
             <a:normAutofit/>
           </a:bodyPr>
-          <a:p>
-            <a:endParaRPr b="0" lang="en-US" sz="2800" spc="-1" strike="noStrike">
-              <a:solidFill>
-                <a:srgbClr val="ffffff"/>
+          <a:lstStyle/>
+          <a:p>
+            <a:endParaRPr lang="en-US" sz="2800" b="0" strike="noStrike" spc="-1">
+              <a:solidFill>
+                <a:srgbClr val="FFFFFF"/>
               </a:solidFill>
               <a:latin typeface="Calibri"/>
             </a:endParaRPr>
@@ -1798,13 +1982,14 @@
           </a:prstGeom>
         </p:spPr>
         <p:txBody>
-          <a:bodyPr lIns="0" rIns="0" tIns="0" bIns="0">
+          <a:bodyPr lIns="0" tIns="0" rIns="0" bIns="0">
             <a:normAutofit/>
           </a:bodyPr>
-          <a:p>
-            <a:endParaRPr b="0" lang="en-US" sz="2800" spc="-1" strike="noStrike">
-              <a:solidFill>
-                <a:srgbClr val="ffffff"/>
+          <a:lstStyle/>
+          <a:p>
+            <a:endParaRPr lang="en-US" sz="2800" b="0" strike="noStrike" spc="-1">
+              <a:solidFill>
+                <a:srgbClr val="FFFFFF"/>
               </a:solidFill>
               <a:latin typeface="Calibri"/>
             </a:endParaRPr>
@@ -1831,13 +2016,14 @@
           </a:prstGeom>
         </p:spPr>
         <p:txBody>
-          <a:bodyPr lIns="0" rIns="0" tIns="0" bIns="0">
+          <a:bodyPr lIns="0" tIns="0" rIns="0" bIns="0">
             <a:normAutofit/>
           </a:bodyPr>
-          <a:p>
-            <a:endParaRPr b="0" lang="en-US" sz="2800" spc="-1" strike="noStrike">
-              <a:solidFill>
-                <a:srgbClr val="ffffff"/>
+          <a:lstStyle/>
+          <a:p>
+            <a:endParaRPr lang="en-US" sz="2800" b="0" strike="noStrike" spc="-1">
+              <a:solidFill>
+                <a:srgbClr val="FFFFFF"/>
               </a:solidFill>
               <a:latin typeface="Calibri"/>
             </a:endParaRPr>
@@ -1864,13 +2050,14 @@
           </a:prstGeom>
         </p:spPr>
         <p:txBody>
-          <a:bodyPr lIns="0" rIns="0" tIns="0" bIns="0">
+          <a:bodyPr lIns="0" tIns="0" rIns="0" bIns="0">
             <a:normAutofit/>
           </a:bodyPr>
-          <a:p>
-            <a:endParaRPr b="0" lang="en-US" sz="2800" spc="-1" strike="noStrike">
-              <a:solidFill>
-                <a:srgbClr val="ffffff"/>
+          <a:lstStyle/>
+          <a:p>
+            <a:endParaRPr lang="en-US" sz="2800" b="0" strike="noStrike" spc="-1">
+              <a:solidFill>
+                <a:srgbClr val="FFFFFF"/>
               </a:solidFill>
               <a:latin typeface="Calibri"/>
             </a:endParaRPr>
@@ -1879,11 +2066,14 @@
       </p:sp>
     </p:spTree>
   </p:cSld>
+  <p:clrMapOvr>
+    <a:masterClrMapping/>
+  </p:clrMapOvr>
 </p:sldLayout>
 </file>
 
 <file path=ppt/slideLayouts/slideLayout24.xml><?xml version="1.0" encoding="utf-8"?>
-<p:sldLayout xmlns:a="http://schemas.openxmlformats.org/drawingml/2006/main" xmlns:p="http://schemas.openxmlformats.org/presentationml/2006/main" xmlns:r="http://schemas.openxmlformats.org/officeDocument/2006/relationships" xmlns:p14="http://schemas.microsoft.com/office/powerpoint/2010/main" xmlns:p15="http://schemas.microsoft.com/office/powerpoint/2012/main" xmlns:mc="http://schemas.openxmlformats.org/markup-compatibility/2006" type="blank" preserve="1">
+<p:sldLayout xmlns:a="http://schemas.openxmlformats.org/drawingml/2006/main" xmlns:r="http://schemas.openxmlformats.org/officeDocument/2006/relationships" xmlns:p="http://schemas.openxmlformats.org/presentationml/2006/main" type="blank" preserve="1">
   <p:cSld name="Title, 6 Content">
     <p:spTree>
       <p:nvGrpSpPr>
@@ -1919,13 +2109,14 @@
           </a:prstGeom>
         </p:spPr>
         <p:txBody>
-          <a:bodyPr lIns="0" rIns="0" tIns="0" bIns="0" anchor="ctr">
+          <a:bodyPr lIns="0" tIns="0" rIns="0" bIns="0" anchor="ctr">
             <a:noAutofit/>
           </a:bodyPr>
-          <a:p>
-            <a:endParaRPr b="0" lang="en-US" sz="2400" spc="-1" strike="noStrike">
-              <a:solidFill>
-                <a:srgbClr val="ffffff"/>
+          <a:lstStyle/>
+          <a:p>
+            <a:endParaRPr lang="en-US" sz="2400" b="0" strike="noStrike" spc="-1">
+              <a:solidFill>
+                <a:srgbClr val="FFFFFF"/>
               </a:solidFill>
               <a:latin typeface="Calibri"/>
             </a:endParaRPr>
@@ -1952,13 +2143,14 @@
           </a:prstGeom>
         </p:spPr>
         <p:txBody>
-          <a:bodyPr lIns="0" rIns="0" tIns="0" bIns="0">
+          <a:bodyPr lIns="0" tIns="0" rIns="0" bIns="0">
             <a:normAutofit/>
           </a:bodyPr>
-          <a:p>
-            <a:endParaRPr b="0" lang="en-US" sz="2800" spc="-1" strike="noStrike">
-              <a:solidFill>
-                <a:srgbClr val="ffffff"/>
+          <a:lstStyle/>
+          <a:p>
+            <a:endParaRPr lang="en-US" sz="2800" b="0" strike="noStrike" spc="-1">
+              <a:solidFill>
+                <a:srgbClr val="FFFFFF"/>
               </a:solidFill>
               <a:latin typeface="Calibri"/>
             </a:endParaRPr>
@@ -1985,13 +2177,14 @@
           </a:prstGeom>
         </p:spPr>
         <p:txBody>
-          <a:bodyPr lIns="0" rIns="0" tIns="0" bIns="0">
+          <a:bodyPr lIns="0" tIns="0" rIns="0" bIns="0">
             <a:normAutofit/>
           </a:bodyPr>
-          <a:p>
-            <a:endParaRPr b="0" lang="en-US" sz="2800" spc="-1" strike="noStrike">
-              <a:solidFill>
-                <a:srgbClr val="ffffff"/>
+          <a:lstStyle/>
+          <a:p>
+            <a:endParaRPr lang="en-US" sz="2800" b="0" strike="noStrike" spc="-1">
+              <a:solidFill>
+                <a:srgbClr val="FFFFFF"/>
               </a:solidFill>
               <a:latin typeface="Calibri"/>
             </a:endParaRPr>
@@ -2018,13 +2211,14 @@
           </a:prstGeom>
         </p:spPr>
         <p:txBody>
-          <a:bodyPr lIns="0" rIns="0" tIns="0" bIns="0">
+          <a:bodyPr lIns="0" tIns="0" rIns="0" bIns="0">
             <a:normAutofit/>
           </a:bodyPr>
-          <a:p>
-            <a:endParaRPr b="0" lang="en-US" sz="2800" spc="-1" strike="noStrike">
-              <a:solidFill>
-                <a:srgbClr val="ffffff"/>
+          <a:lstStyle/>
+          <a:p>
+            <a:endParaRPr lang="en-US" sz="2800" b="0" strike="noStrike" spc="-1">
+              <a:solidFill>
+                <a:srgbClr val="FFFFFF"/>
               </a:solidFill>
               <a:latin typeface="Calibri"/>
             </a:endParaRPr>
@@ -2051,13 +2245,14 @@
           </a:prstGeom>
         </p:spPr>
         <p:txBody>
-          <a:bodyPr lIns="0" rIns="0" tIns="0" bIns="0">
+          <a:bodyPr lIns="0" tIns="0" rIns="0" bIns="0">
             <a:normAutofit/>
           </a:bodyPr>
-          <a:p>
-            <a:endParaRPr b="0" lang="en-US" sz="2800" spc="-1" strike="noStrike">
-              <a:solidFill>
-                <a:srgbClr val="ffffff"/>
+          <a:lstStyle/>
+          <a:p>
+            <a:endParaRPr lang="en-US" sz="2800" b="0" strike="noStrike" spc="-1">
+              <a:solidFill>
+                <a:srgbClr val="FFFFFF"/>
               </a:solidFill>
               <a:latin typeface="Calibri"/>
             </a:endParaRPr>
@@ -2084,13 +2279,14 @@
           </a:prstGeom>
         </p:spPr>
         <p:txBody>
-          <a:bodyPr lIns="0" rIns="0" tIns="0" bIns="0">
+          <a:bodyPr lIns="0" tIns="0" rIns="0" bIns="0">
             <a:normAutofit/>
           </a:bodyPr>
-          <a:p>
-            <a:endParaRPr b="0" lang="en-US" sz="2800" spc="-1" strike="noStrike">
-              <a:solidFill>
-                <a:srgbClr val="ffffff"/>
+          <a:lstStyle/>
+          <a:p>
+            <a:endParaRPr lang="en-US" sz="2800" b="0" strike="noStrike" spc="-1">
+              <a:solidFill>
+                <a:srgbClr val="FFFFFF"/>
               </a:solidFill>
               <a:latin typeface="Calibri"/>
             </a:endParaRPr>
@@ -2117,13 +2313,14 @@
           </a:prstGeom>
         </p:spPr>
         <p:txBody>
-          <a:bodyPr lIns="0" rIns="0" tIns="0" bIns="0">
+          <a:bodyPr lIns="0" tIns="0" rIns="0" bIns="0">
             <a:normAutofit/>
           </a:bodyPr>
-          <a:p>
-            <a:endParaRPr b="0" lang="en-US" sz="2800" spc="-1" strike="noStrike">
-              <a:solidFill>
-                <a:srgbClr val="ffffff"/>
+          <a:lstStyle/>
+          <a:p>
+            <a:endParaRPr lang="en-US" sz="2800" b="0" strike="noStrike" spc="-1">
+              <a:solidFill>
+                <a:srgbClr val="FFFFFF"/>
               </a:solidFill>
               <a:latin typeface="Calibri"/>
             </a:endParaRPr>
@@ -2132,11 +2329,14 @@
       </p:sp>
     </p:spTree>
   </p:cSld>
+  <p:clrMapOvr>
+    <a:masterClrMapping/>
+  </p:clrMapOvr>
 </p:sldLayout>
 </file>
 
 <file path=ppt/slideLayouts/slideLayout25.xml><?xml version="1.0" encoding="utf-8"?>
-<p:sldLayout xmlns:a="http://schemas.openxmlformats.org/drawingml/2006/main" xmlns:p="http://schemas.openxmlformats.org/presentationml/2006/main" xmlns:r="http://schemas.openxmlformats.org/officeDocument/2006/relationships" xmlns:p14="http://schemas.microsoft.com/office/powerpoint/2010/main" xmlns:p15="http://schemas.microsoft.com/office/powerpoint/2012/main" xmlns:mc="http://schemas.openxmlformats.org/markup-compatibility/2006" type="blank" preserve="1">
+<p:sldLayout xmlns:a="http://schemas.openxmlformats.org/drawingml/2006/main" xmlns:r="http://schemas.openxmlformats.org/officeDocument/2006/relationships" xmlns:p="http://schemas.openxmlformats.org/presentationml/2006/main" type="blank" preserve="1">
   <p:cSld name="Blank Slide">
     <p:spTree>
       <p:nvGrpSpPr>
@@ -2154,11 +2354,14 @@
       </p:grpSpPr>
     </p:spTree>
   </p:cSld>
+  <p:clrMapOvr>
+    <a:masterClrMapping/>
+  </p:clrMapOvr>
 </p:sldLayout>
 </file>
 
 <file path=ppt/slideLayouts/slideLayout26.xml><?xml version="1.0" encoding="utf-8"?>
-<p:sldLayout xmlns:a="http://schemas.openxmlformats.org/drawingml/2006/main" xmlns:p="http://schemas.openxmlformats.org/presentationml/2006/main" xmlns:r="http://schemas.openxmlformats.org/officeDocument/2006/relationships" xmlns:p14="http://schemas.microsoft.com/office/powerpoint/2010/main" xmlns:p15="http://schemas.microsoft.com/office/powerpoint/2012/main" xmlns:mc="http://schemas.openxmlformats.org/markup-compatibility/2006" type="tx" preserve="1">
+<p:sldLayout xmlns:a="http://schemas.openxmlformats.org/drawingml/2006/main" xmlns:r="http://schemas.openxmlformats.org/officeDocument/2006/relationships" xmlns:p="http://schemas.openxmlformats.org/presentationml/2006/main" type="tx" preserve="1">
   <p:cSld name="Title Slide">
     <p:spTree>
       <p:nvGrpSpPr>
@@ -2194,13 +2397,14 @@
           </a:prstGeom>
         </p:spPr>
         <p:txBody>
-          <a:bodyPr lIns="0" rIns="0" tIns="0" bIns="0" anchor="ctr">
+          <a:bodyPr lIns="0" tIns="0" rIns="0" bIns="0" anchor="ctr">
             <a:noAutofit/>
           </a:bodyPr>
-          <a:p>
-            <a:endParaRPr b="0" lang="en-US" sz="2400" spc="-1" strike="noStrike">
-              <a:solidFill>
-                <a:srgbClr val="ffffff"/>
+          <a:lstStyle/>
+          <a:p>
+            <a:endParaRPr lang="en-US" sz="2400" b="0" strike="noStrike" spc="-1">
+              <a:solidFill>
+                <a:srgbClr val="FFFFFF"/>
               </a:solidFill>
               <a:latin typeface="Calibri"/>
             </a:endParaRPr>
@@ -2227,12 +2431,13 @@
           </a:prstGeom>
         </p:spPr>
         <p:txBody>
-          <a:bodyPr lIns="0" rIns="0" tIns="0" bIns="0" anchor="ctr">
+          <a:bodyPr lIns="0" tIns="0" rIns="0" bIns="0" anchor="ctr">
             <a:noAutofit/>
           </a:bodyPr>
+          <a:lstStyle/>
           <a:p>
             <a:pPr algn="ctr"/>
-            <a:endParaRPr b="0" lang="en-US" sz="3200" spc="-1" strike="noStrike">
+            <a:endParaRPr lang="en-US" sz="3200" b="0" strike="noStrike" spc="-1">
               <a:latin typeface="Arial"/>
             </a:endParaRPr>
           </a:p>
@@ -2240,11 +2445,14 @@
       </p:sp>
     </p:spTree>
   </p:cSld>
+  <p:clrMapOvr>
+    <a:masterClrMapping/>
+  </p:clrMapOvr>
 </p:sldLayout>
 </file>
 
 <file path=ppt/slideLayouts/slideLayout27.xml><?xml version="1.0" encoding="utf-8"?>
-<p:sldLayout xmlns:a="http://schemas.openxmlformats.org/drawingml/2006/main" xmlns:p="http://schemas.openxmlformats.org/presentationml/2006/main" xmlns:r="http://schemas.openxmlformats.org/officeDocument/2006/relationships" xmlns:p14="http://schemas.microsoft.com/office/powerpoint/2010/main" xmlns:p15="http://schemas.microsoft.com/office/powerpoint/2012/main" xmlns:mc="http://schemas.openxmlformats.org/markup-compatibility/2006" type="obj" preserve="1">
+<p:sldLayout xmlns:a="http://schemas.openxmlformats.org/drawingml/2006/main" xmlns:r="http://schemas.openxmlformats.org/officeDocument/2006/relationships" xmlns:p="http://schemas.openxmlformats.org/presentationml/2006/main" type="obj" preserve="1">
   <p:cSld name="Title, Content">
     <p:spTree>
       <p:nvGrpSpPr>
@@ -2280,13 +2488,14 @@
           </a:prstGeom>
         </p:spPr>
         <p:txBody>
-          <a:bodyPr lIns="0" rIns="0" tIns="0" bIns="0" anchor="ctr">
+          <a:bodyPr lIns="0" tIns="0" rIns="0" bIns="0" anchor="ctr">
             <a:noAutofit/>
           </a:bodyPr>
-          <a:p>
-            <a:endParaRPr b="0" lang="en-US" sz="2400" spc="-1" strike="noStrike">
-              <a:solidFill>
-                <a:srgbClr val="ffffff"/>
+          <a:lstStyle/>
+          <a:p>
+            <a:endParaRPr lang="en-US" sz="2400" b="0" strike="noStrike" spc="-1">
+              <a:solidFill>
+                <a:srgbClr val="FFFFFF"/>
               </a:solidFill>
               <a:latin typeface="Calibri"/>
             </a:endParaRPr>
@@ -2313,13 +2522,14 @@
           </a:prstGeom>
         </p:spPr>
         <p:txBody>
-          <a:bodyPr lIns="0" rIns="0" tIns="0" bIns="0">
+          <a:bodyPr lIns="0" tIns="0" rIns="0" bIns="0">
             <a:normAutofit/>
           </a:bodyPr>
-          <a:p>
-            <a:endParaRPr b="0" lang="en-US" sz="2800" spc="-1" strike="noStrike">
-              <a:solidFill>
-                <a:srgbClr val="ffffff"/>
+          <a:lstStyle/>
+          <a:p>
+            <a:endParaRPr lang="en-US" sz="2800" b="0" strike="noStrike" spc="-1">
+              <a:solidFill>
+                <a:srgbClr val="FFFFFF"/>
               </a:solidFill>
               <a:latin typeface="Calibri"/>
             </a:endParaRPr>
@@ -2328,11 +2538,14 @@
       </p:sp>
     </p:spTree>
   </p:cSld>
+  <p:clrMapOvr>
+    <a:masterClrMapping/>
+  </p:clrMapOvr>
 </p:sldLayout>
 </file>
 
 <file path=ppt/slideLayouts/slideLayout28.xml><?xml version="1.0" encoding="utf-8"?>
-<p:sldLayout xmlns:a="http://schemas.openxmlformats.org/drawingml/2006/main" xmlns:p="http://schemas.openxmlformats.org/presentationml/2006/main" xmlns:r="http://schemas.openxmlformats.org/officeDocument/2006/relationships" xmlns:p14="http://schemas.microsoft.com/office/powerpoint/2010/main" xmlns:p15="http://schemas.microsoft.com/office/powerpoint/2012/main" xmlns:mc="http://schemas.openxmlformats.org/markup-compatibility/2006" type="twoObj" preserve="1">
+<p:sldLayout xmlns:a="http://schemas.openxmlformats.org/drawingml/2006/main" xmlns:r="http://schemas.openxmlformats.org/officeDocument/2006/relationships" xmlns:p="http://schemas.openxmlformats.org/presentationml/2006/main" type="twoObj" preserve="1">
   <p:cSld name="Title, 2 Content">
     <p:spTree>
       <p:nvGrpSpPr>
@@ -2368,13 +2581,14 @@
           </a:prstGeom>
         </p:spPr>
         <p:txBody>
-          <a:bodyPr lIns="0" rIns="0" tIns="0" bIns="0" anchor="ctr">
+          <a:bodyPr lIns="0" tIns="0" rIns="0" bIns="0" anchor="ctr">
             <a:noAutofit/>
           </a:bodyPr>
-          <a:p>
-            <a:endParaRPr b="0" lang="en-US" sz="2400" spc="-1" strike="noStrike">
-              <a:solidFill>
-                <a:srgbClr val="ffffff"/>
+          <a:lstStyle/>
+          <a:p>
+            <a:endParaRPr lang="en-US" sz="2400" b="0" strike="noStrike" spc="-1">
+              <a:solidFill>
+                <a:srgbClr val="FFFFFF"/>
               </a:solidFill>
               <a:latin typeface="Calibri"/>
             </a:endParaRPr>
@@ -2401,13 +2615,14 @@
           </a:prstGeom>
         </p:spPr>
         <p:txBody>
-          <a:bodyPr lIns="0" rIns="0" tIns="0" bIns="0">
+          <a:bodyPr lIns="0" tIns="0" rIns="0" bIns="0">
             <a:normAutofit/>
           </a:bodyPr>
-          <a:p>
-            <a:endParaRPr b="0" lang="en-US" sz="2800" spc="-1" strike="noStrike">
-              <a:solidFill>
-                <a:srgbClr val="ffffff"/>
+          <a:lstStyle/>
+          <a:p>
+            <a:endParaRPr lang="en-US" sz="2800" b="0" strike="noStrike" spc="-1">
+              <a:solidFill>
+                <a:srgbClr val="FFFFFF"/>
               </a:solidFill>
               <a:latin typeface="Calibri"/>
             </a:endParaRPr>
@@ -2434,13 +2649,14 @@
           </a:prstGeom>
         </p:spPr>
         <p:txBody>
-          <a:bodyPr lIns="0" rIns="0" tIns="0" bIns="0">
+          <a:bodyPr lIns="0" tIns="0" rIns="0" bIns="0">
             <a:normAutofit/>
           </a:bodyPr>
-          <a:p>
-            <a:endParaRPr b="0" lang="en-US" sz="2800" spc="-1" strike="noStrike">
-              <a:solidFill>
-                <a:srgbClr val="ffffff"/>
+          <a:lstStyle/>
+          <a:p>
+            <a:endParaRPr lang="en-US" sz="2800" b="0" strike="noStrike" spc="-1">
+              <a:solidFill>
+                <a:srgbClr val="FFFFFF"/>
               </a:solidFill>
               <a:latin typeface="Calibri"/>
             </a:endParaRPr>
@@ -2449,11 +2665,14 @@
       </p:sp>
     </p:spTree>
   </p:cSld>
+  <p:clrMapOvr>
+    <a:masterClrMapping/>
+  </p:clrMapOvr>
 </p:sldLayout>
 </file>
 
 <file path=ppt/slideLayouts/slideLayout29.xml><?xml version="1.0" encoding="utf-8"?>
-<p:sldLayout xmlns:a="http://schemas.openxmlformats.org/drawingml/2006/main" xmlns:p="http://schemas.openxmlformats.org/presentationml/2006/main" xmlns:r="http://schemas.openxmlformats.org/officeDocument/2006/relationships" xmlns:p14="http://schemas.microsoft.com/office/powerpoint/2010/main" xmlns:p15="http://schemas.microsoft.com/office/powerpoint/2012/main" xmlns:mc="http://schemas.openxmlformats.org/markup-compatibility/2006" type="titleOnly" preserve="1">
+<p:sldLayout xmlns:a="http://schemas.openxmlformats.org/drawingml/2006/main" xmlns:r="http://schemas.openxmlformats.org/officeDocument/2006/relationships" xmlns:p="http://schemas.openxmlformats.org/presentationml/2006/main" type="titleOnly" preserve="1">
   <p:cSld name="Title Only">
     <p:spTree>
       <p:nvGrpSpPr>
@@ -2489,13 +2708,14 @@
           </a:prstGeom>
         </p:spPr>
         <p:txBody>
-          <a:bodyPr lIns="0" rIns="0" tIns="0" bIns="0" anchor="ctr">
+          <a:bodyPr lIns="0" tIns="0" rIns="0" bIns="0" anchor="ctr">
             <a:noAutofit/>
           </a:bodyPr>
-          <a:p>
-            <a:endParaRPr b="0" lang="en-US" sz="2400" spc="-1" strike="noStrike">
-              <a:solidFill>
-                <a:srgbClr val="ffffff"/>
+          <a:lstStyle/>
+          <a:p>
+            <a:endParaRPr lang="en-US" sz="2400" b="0" strike="noStrike" spc="-1">
+              <a:solidFill>
+                <a:srgbClr val="FFFFFF"/>
               </a:solidFill>
               <a:latin typeface="Calibri"/>
             </a:endParaRPr>
@@ -2504,11 +2724,14 @@
       </p:sp>
     </p:spTree>
   </p:cSld>
+  <p:clrMapOvr>
+    <a:masterClrMapping/>
+  </p:clrMapOvr>
 </p:sldLayout>
 </file>
 
 <file path=ppt/slideLayouts/slideLayout3.xml><?xml version="1.0" encoding="utf-8"?>
-<p:sldLayout xmlns:a="http://schemas.openxmlformats.org/drawingml/2006/main" xmlns:p="http://schemas.openxmlformats.org/presentationml/2006/main" xmlns:r="http://schemas.openxmlformats.org/officeDocument/2006/relationships" xmlns:p14="http://schemas.microsoft.com/office/powerpoint/2010/main" xmlns:p15="http://schemas.microsoft.com/office/powerpoint/2012/main" xmlns:mc="http://schemas.openxmlformats.org/markup-compatibility/2006" type="obj" preserve="1">
+<p:sldLayout xmlns:a="http://schemas.openxmlformats.org/drawingml/2006/main" xmlns:r="http://schemas.openxmlformats.org/officeDocument/2006/relationships" xmlns:p="http://schemas.openxmlformats.org/presentationml/2006/main" type="obj" preserve="1">
   <p:cSld name="Title, Content">
     <p:spTree>
       <p:nvGrpSpPr>
@@ -2544,13 +2767,14 @@
           </a:prstGeom>
         </p:spPr>
         <p:txBody>
-          <a:bodyPr lIns="0" rIns="0" tIns="0" bIns="0" anchor="ctr">
+          <a:bodyPr lIns="0" tIns="0" rIns="0" bIns="0" anchor="ctr">
             <a:noAutofit/>
           </a:bodyPr>
-          <a:p>
-            <a:endParaRPr b="0" lang="en-US" sz="2400" spc="-1" strike="noStrike">
-              <a:solidFill>
-                <a:srgbClr val="ffffff"/>
+          <a:lstStyle/>
+          <a:p>
+            <a:endParaRPr lang="en-US" sz="2400" b="0" strike="noStrike" spc="-1">
+              <a:solidFill>
+                <a:srgbClr val="FFFFFF"/>
               </a:solidFill>
               <a:latin typeface="Calibri"/>
             </a:endParaRPr>
@@ -2577,13 +2801,14 @@
           </a:prstGeom>
         </p:spPr>
         <p:txBody>
-          <a:bodyPr lIns="0" rIns="0" tIns="0" bIns="0">
+          <a:bodyPr lIns="0" tIns="0" rIns="0" bIns="0">
             <a:normAutofit/>
           </a:bodyPr>
-          <a:p>
-            <a:endParaRPr b="0" lang="en-US" sz="2800" spc="-1" strike="noStrike">
-              <a:solidFill>
-                <a:srgbClr val="ffffff"/>
+          <a:lstStyle/>
+          <a:p>
+            <a:endParaRPr lang="en-US" sz="2800" b="0" strike="noStrike" spc="-1">
+              <a:solidFill>
+                <a:srgbClr val="FFFFFF"/>
               </a:solidFill>
               <a:latin typeface="Calibri"/>
             </a:endParaRPr>
@@ -2592,11 +2817,14 @@
       </p:sp>
     </p:spTree>
   </p:cSld>
+  <p:clrMapOvr>
+    <a:masterClrMapping/>
+  </p:clrMapOvr>
 </p:sldLayout>
 </file>
 
 <file path=ppt/slideLayouts/slideLayout30.xml><?xml version="1.0" encoding="utf-8"?>
-<p:sldLayout xmlns:a="http://schemas.openxmlformats.org/drawingml/2006/main" xmlns:p="http://schemas.openxmlformats.org/presentationml/2006/main" xmlns:r="http://schemas.openxmlformats.org/officeDocument/2006/relationships" xmlns:p14="http://schemas.microsoft.com/office/powerpoint/2010/main" xmlns:p15="http://schemas.microsoft.com/office/powerpoint/2012/main" xmlns:mc="http://schemas.openxmlformats.org/markup-compatibility/2006" type="objOnly" preserve="1">
+<p:sldLayout xmlns:a="http://schemas.openxmlformats.org/drawingml/2006/main" xmlns:r="http://schemas.openxmlformats.org/officeDocument/2006/relationships" xmlns:p="http://schemas.openxmlformats.org/presentationml/2006/main" type="objOnly" preserve="1">
   <p:cSld name="Centered Text">
     <p:spTree>
       <p:nvGrpSpPr>
@@ -2632,12 +2860,13 @@
           </a:prstGeom>
         </p:spPr>
         <p:txBody>
-          <a:bodyPr lIns="0" rIns="0" tIns="0" bIns="0" anchor="ctr">
+          <a:bodyPr lIns="0" tIns="0" rIns="0" bIns="0" anchor="ctr">
             <a:noAutofit/>
           </a:bodyPr>
+          <a:lstStyle/>
           <a:p>
             <a:pPr algn="ctr"/>
-            <a:endParaRPr b="0" lang="en-US" sz="3200" spc="-1" strike="noStrike">
+            <a:endParaRPr lang="en-US" sz="3200" b="0" strike="noStrike" spc="-1">
               <a:latin typeface="Arial"/>
             </a:endParaRPr>
           </a:p>
@@ -2645,11 +2874,14 @@
       </p:sp>
     </p:spTree>
   </p:cSld>
+  <p:clrMapOvr>
+    <a:masterClrMapping/>
+  </p:clrMapOvr>
 </p:sldLayout>
 </file>
 
 <file path=ppt/slideLayouts/slideLayout31.xml><?xml version="1.0" encoding="utf-8"?>
-<p:sldLayout xmlns:a="http://schemas.openxmlformats.org/drawingml/2006/main" xmlns:p="http://schemas.openxmlformats.org/presentationml/2006/main" xmlns:r="http://schemas.openxmlformats.org/officeDocument/2006/relationships" xmlns:p14="http://schemas.microsoft.com/office/powerpoint/2010/main" xmlns:p15="http://schemas.microsoft.com/office/powerpoint/2012/main" xmlns:mc="http://schemas.openxmlformats.org/markup-compatibility/2006" type="twoObjAndObj" preserve="1">
+<p:sldLayout xmlns:a="http://schemas.openxmlformats.org/drawingml/2006/main" xmlns:r="http://schemas.openxmlformats.org/officeDocument/2006/relationships" xmlns:p="http://schemas.openxmlformats.org/presentationml/2006/main" type="twoObjAndObj" preserve="1">
   <p:cSld name="Title, 2 Content and Content">
     <p:spTree>
       <p:nvGrpSpPr>
@@ -2685,13 +2917,14 @@
           </a:prstGeom>
         </p:spPr>
         <p:txBody>
-          <a:bodyPr lIns="0" rIns="0" tIns="0" bIns="0" anchor="ctr">
+          <a:bodyPr lIns="0" tIns="0" rIns="0" bIns="0" anchor="ctr">
             <a:noAutofit/>
           </a:bodyPr>
-          <a:p>
-            <a:endParaRPr b="0" lang="en-US" sz="2400" spc="-1" strike="noStrike">
-              <a:solidFill>
-                <a:srgbClr val="ffffff"/>
+          <a:lstStyle/>
+          <a:p>
+            <a:endParaRPr lang="en-US" sz="2400" b="0" strike="noStrike" spc="-1">
+              <a:solidFill>
+                <a:srgbClr val="FFFFFF"/>
               </a:solidFill>
               <a:latin typeface="Calibri"/>
             </a:endParaRPr>
@@ -2718,13 +2951,14 @@
           </a:prstGeom>
         </p:spPr>
         <p:txBody>
-          <a:bodyPr lIns="0" rIns="0" tIns="0" bIns="0">
+          <a:bodyPr lIns="0" tIns="0" rIns="0" bIns="0">
             <a:normAutofit/>
           </a:bodyPr>
-          <a:p>
-            <a:endParaRPr b="0" lang="en-US" sz="2800" spc="-1" strike="noStrike">
-              <a:solidFill>
-                <a:srgbClr val="ffffff"/>
+          <a:lstStyle/>
+          <a:p>
+            <a:endParaRPr lang="en-US" sz="2800" b="0" strike="noStrike" spc="-1">
+              <a:solidFill>
+                <a:srgbClr val="FFFFFF"/>
               </a:solidFill>
               <a:latin typeface="Calibri"/>
             </a:endParaRPr>
@@ -2751,13 +2985,14 @@
           </a:prstGeom>
         </p:spPr>
         <p:txBody>
-          <a:bodyPr lIns="0" rIns="0" tIns="0" bIns="0">
+          <a:bodyPr lIns="0" tIns="0" rIns="0" bIns="0">
             <a:normAutofit/>
           </a:bodyPr>
-          <a:p>
-            <a:endParaRPr b="0" lang="en-US" sz="2800" spc="-1" strike="noStrike">
-              <a:solidFill>
-                <a:srgbClr val="ffffff"/>
+          <a:lstStyle/>
+          <a:p>
+            <a:endParaRPr lang="en-US" sz="2800" b="0" strike="noStrike" spc="-1">
+              <a:solidFill>
+                <a:srgbClr val="FFFFFF"/>
               </a:solidFill>
               <a:latin typeface="Calibri"/>
             </a:endParaRPr>
@@ -2784,13 +3019,14 @@
           </a:prstGeom>
         </p:spPr>
         <p:txBody>
-          <a:bodyPr lIns="0" rIns="0" tIns="0" bIns="0">
+          <a:bodyPr lIns="0" tIns="0" rIns="0" bIns="0">
             <a:normAutofit/>
           </a:bodyPr>
-          <a:p>
-            <a:endParaRPr b="0" lang="en-US" sz="2800" spc="-1" strike="noStrike">
-              <a:solidFill>
-                <a:srgbClr val="ffffff"/>
+          <a:lstStyle/>
+          <a:p>
+            <a:endParaRPr lang="en-US" sz="2800" b="0" strike="noStrike" spc="-1">
+              <a:solidFill>
+                <a:srgbClr val="FFFFFF"/>
               </a:solidFill>
               <a:latin typeface="Calibri"/>
             </a:endParaRPr>
@@ -2799,11 +3035,14 @@
       </p:sp>
     </p:spTree>
   </p:cSld>
+  <p:clrMapOvr>
+    <a:masterClrMapping/>
+  </p:clrMapOvr>
 </p:sldLayout>
 </file>
 
 <file path=ppt/slideLayouts/slideLayout32.xml><?xml version="1.0" encoding="utf-8"?>
-<p:sldLayout xmlns:a="http://schemas.openxmlformats.org/drawingml/2006/main" xmlns:p="http://schemas.openxmlformats.org/presentationml/2006/main" xmlns:r="http://schemas.openxmlformats.org/officeDocument/2006/relationships" xmlns:p14="http://schemas.microsoft.com/office/powerpoint/2010/main" xmlns:p15="http://schemas.microsoft.com/office/powerpoint/2012/main" xmlns:mc="http://schemas.openxmlformats.org/markup-compatibility/2006" type="objAndTwoObj" preserve="1">
+<p:sldLayout xmlns:a="http://schemas.openxmlformats.org/drawingml/2006/main" xmlns:r="http://schemas.openxmlformats.org/officeDocument/2006/relationships" xmlns:p="http://schemas.openxmlformats.org/presentationml/2006/main" type="objAndTwoObj" preserve="1">
   <p:cSld name="Title Content and 2 Content">
     <p:spTree>
       <p:nvGrpSpPr>
@@ -2839,13 +3078,14 @@
           </a:prstGeom>
         </p:spPr>
         <p:txBody>
-          <a:bodyPr lIns="0" rIns="0" tIns="0" bIns="0" anchor="ctr">
+          <a:bodyPr lIns="0" tIns="0" rIns="0" bIns="0" anchor="ctr">
             <a:noAutofit/>
           </a:bodyPr>
-          <a:p>
-            <a:endParaRPr b="0" lang="en-US" sz="2400" spc="-1" strike="noStrike">
-              <a:solidFill>
-                <a:srgbClr val="ffffff"/>
+          <a:lstStyle/>
+          <a:p>
+            <a:endParaRPr lang="en-US" sz="2400" b="0" strike="noStrike" spc="-1">
+              <a:solidFill>
+                <a:srgbClr val="FFFFFF"/>
               </a:solidFill>
               <a:latin typeface="Calibri"/>
             </a:endParaRPr>
@@ -2872,13 +3112,14 @@
           </a:prstGeom>
         </p:spPr>
         <p:txBody>
-          <a:bodyPr lIns="0" rIns="0" tIns="0" bIns="0">
+          <a:bodyPr lIns="0" tIns="0" rIns="0" bIns="0">
             <a:normAutofit/>
           </a:bodyPr>
-          <a:p>
-            <a:endParaRPr b="0" lang="en-US" sz="2800" spc="-1" strike="noStrike">
-              <a:solidFill>
-                <a:srgbClr val="ffffff"/>
+          <a:lstStyle/>
+          <a:p>
+            <a:endParaRPr lang="en-US" sz="2800" b="0" strike="noStrike" spc="-1">
+              <a:solidFill>
+                <a:srgbClr val="FFFFFF"/>
               </a:solidFill>
               <a:latin typeface="Calibri"/>
             </a:endParaRPr>
@@ -2905,13 +3146,14 @@
           </a:prstGeom>
         </p:spPr>
         <p:txBody>
-          <a:bodyPr lIns="0" rIns="0" tIns="0" bIns="0">
+          <a:bodyPr lIns="0" tIns="0" rIns="0" bIns="0">
             <a:normAutofit/>
           </a:bodyPr>
-          <a:p>
-            <a:endParaRPr b="0" lang="en-US" sz="2800" spc="-1" strike="noStrike">
-              <a:solidFill>
-                <a:srgbClr val="ffffff"/>
+          <a:lstStyle/>
+          <a:p>
+            <a:endParaRPr lang="en-US" sz="2800" b="0" strike="noStrike" spc="-1">
+              <a:solidFill>
+                <a:srgbClr val="FFFFFF"/>
               </a:solidFill>
               <a:latin typeface="Calibri"/>
             </a:endParaRPr>
@@ -2938,13 +3180,14 @@
           </a:prstGeom>
         </p:spPr>
         <p:txBody>
-          <a:bodyPr lIns="0" rIns="0" tIns="0" bIns="0">
+          <a:bodyPr lIns="0" tIns="0" rIns="0" bIns="0">
             <a:normAutofit/>
           </a:bodyPr>
-          <a:p>
-            <a:endParaRPr b="0" lang="en-US" sz="2800" spc="-1" strike="noStrike">
-              <a:solidFill>
-                <a:srgbClr val="ffffff"/>
+          <a:lstStyle/>
+          <a:p>
+            <a:endParaRPr lang="en-US" sz="2800" b="0" strike="noStrike" spc="-1">
+              <a:solidFill>
+                <a:srgbClr val="FFFFFF"/>
               </a:solidFill>
               <a:latin typeface="Calibri"/>
             </a:endParaRPr>
@@ -2953,11 +3196,14 @@
       </p:sp>
     </p:spTree>
   </p:cSld>
+  <p:clrMapOvr>
+    <a:masterClrMapping/>
+  </p:clrMapOvr>
 </p:sldLayout>
 </file>
 
 <file path=ppt/slideLayouts/slideLayout33.xml><?xml version="1.0" encoding="utf-8"?>
-<p:sldLayout xmlns:a="http://schemas.openxmlformats.org/drawingml/2006/main" xmlns:p="http://schemas.openxmlformats.org/presentationml/2006/main" xmlns:r="http://schemas.openxmlformats.org/officeDocument/2006/relationships" xmlns:p14="http://schemas.microsoft.com/office/powerpoint/2010/main" xmlns:p15="http://schemas.microsoft.com/office/powerpoint/2012/main" xmlns:mc="http://schemas.openxmlformats.org/markup-compatibility/2006" type="twoObjOverTx" preserve="1">
+<p:sldLayout xmlns:a="http://schemas.openxmlformats.org/drawingml/2006/main" xmlns:r="http://schemas.openxmlformats.org/officeDocument/2006/relationships" xmlns:p="http://schemas.openxmlformats.org/presentationml/2006/main" type="twoObjOverTx" preserve="1">
   <p:cSld name="Title, 2 Content over Content">
     <p:spTree>
       <p:nvGrpSpPr>
@@ -2993,13 +3239,14 @@
           </a:prstGeom>
         </p:spPr>
         <p:txBody>
-          <a:bodyPr lIns="0" rIns="0" tIns="0" bIns="0" anchor="ctr">
+          <a:bodyPr lIns="0" tIns="0" rIns="0" bIns="0" anchor="ctr">
             <a:noAutofit/>
           </a:bodyPr>
-          <a:p>
-            <a:endParaRPr b="0" lang="en-US" sz="2400" spc="-1" strike="noStrike">
-              <a:solidFill>
-                <a:srgbClr val="ffffff"/>
+          <a:lstStyle/>
+          <a:p>
+            <a:endParaRPr lang="en-US" sz="2400" b="0" strike="noStrike" spc="-1">
+              <a:solidFill>
+                <a:srgbClr val="FFFFFF"/>
               </a:solidFill>
               <a:latin typeface="Calibri"/>
             </a:endParaRPr>
@@ -3026,13 +3273,14 @@
           </a:prstGeom>
         </p:spPr>
         <p:txBody>
-          <a:bodyPr lIns="0" rIns="0" tIns="0" bIns="0">
+          <a:bodyPr lIns="0" tIns="0" rIns="0" bIns="0">
             <a:normAutofit/>
           </a:bodyPr>
-          <a:p>
-            <a:endParaRPr b="0" lang="en-US" sz="2800" spc="-1" strike="noStrike">
-              <a:solidFill>
-                <a:srgbClr val="ffffff"/>
+          <a:lstStyle/>
+          <a:p>
+            <a:endParaRPr lang="en-US" sz="2800" b="0" strike="noStrike" spc="-1">
+              <a:solidFill>
+                <a:srgbClr val="FFFFFF"/>
               </a:solidFill>
               <a:latin typeface="Calibri"/>
             </a:endParaRPr>
@@ -3059,13 +3307,14 @@
           </a:prstGeom>
         </p:spPr>
         <p:txBody>
-          <a:bodyPr lIns="0" rIns="0" tIns="0" bIns="0">
+          <a:bodyPr lIns="0" tIns="0" rIns="0" bIns="0">
             <a:normAutofit/>
           </a:bodyPr>
-          <a:p>
-            <a:endParaRPr b="0" lang="en-US" sz="2800" spc="-1" strike="noStrike">
-              <a:solidFill>
-                <a:srgbClr val="ffffff"/>
+          <a:lstStyle/>
+          <a:p>
+            <a:endParaRPr lang="en-US" sz="2800" b="0" strike="noStrike" spc="-1">
+              <a:solidFill>
+                <a:srgbClr val="FFFFFF"/>
               </a:solidFill>
               <a:latin typeface="Calibri"/>
             </a:endParaRPr>
@@ -3092,13 +3341,14 @@
           </a:prstGeom>
         </p:spPr>
         <p:txBody>
-          <a:bodyPr lIns="0" rIns="0" tIns="0" bIns="0">
+          <a:bodyPr lIns="0" tIns="0" rIns="0" bIns="0">
             <a:normAutofit/>
           </a:bodyPr>
-          <a:p>
-            <a:endParaRPr b="0" lang="en-US" sz="2800" spc="-1" strike="noStrike">
-              <a:solidFill>
-                <a:srgbClr val="ffffff"/>
+          <a:lstStyle/>
+          <a:p>
+            <a:endParaRPr lang="en-US" sz="2800" b="0" strike="noStrike" spc="-1">
+              <a:solidFill>
+                <a:srgbClr val="FFFFFF"/>
               </a:solidFill>
               <a:latin typeface="Calibri"/>
             </a:endParaRPr>
@@ -3107,11 +3357,14 @@
       </p:sp>
     </p:spTree>
   </p:cSld>
+  <p:clrMapOvr>
+    <a:masterClrMapping/>
+  </p:clrMapOvr>
 </p:sldLayout>
 </file>
 
 <file path=ppt/slideLayouts/slideLayout34.xml><?xml version="1.0" encoding="utf-8"?>
-<p:sldLayout xmlns:a="http://schemas.openxmlformats.org/drawingml/2006/main" xmlns:p="http://schemas.openxmlformats.org/presentationml/2006/main" xmlns:r="http://schemas.openxmlformats.org/officeDocument/2006/relationships" xmlns:p14="http://schemas.microsoft.com/office/powerpoint/2010/main" xmlns:p15="http://schemas.microsoft.com/office/powerpoint/2012/main" xmlns:mc="http://schemas.openxmlformats.org/markup-compatibility/2006" type="objOverTx" preserve="1">
+<p:sldLayout xmlns:a="http://schemas.openxmlformats.org/drawingml/2006/main" xmlns:r="http://schemas.openxmlformats.org/officeDocument/2006/relationships" xmlns:p="http://schemas.openxmlformats.org/presentationml/2006/main" type="objOverTx" preserve="1">
   <p:cSld name="Title, Content over Content">
     <p:spTree>
       <p:nvGrpSpPr>
@@ -3147,13 +3400,14 @@
           </a:prstGeom>
         </p:spPr>
         <p:txBody>
-          <a:bodyPr lIns="0" rIns="0" tIns="0" bIns="0" anchor="ctr">
+          <a:bodyPr lIns="0" tIns="0" rIns="0" bIns="0" anchor="ctr">
             <a:noAutofit/>
           </a:bodyPr>
-          <a:p>
-            <a:endParaRPr b="0" lang="en-US" sz="2400" spc="-1" strike="noStrike">
-              <a:solidFill>
-                <a:srgbClr val="ffffff"/>
+          <a:lstStyle/>
+          <a:p>
+            <a:endParaRPr lang="en-US" sz="2400" b="0" strike="noStrike" spc="-1">
+              <a:solidFill>
+                <a:srgbClr val="FFFFFF"/>
               </a:solidFill>
               <a:latin typeface="Calibri"/>
             </a:endParaRPr>
@@ -3180,13 +3434,14 @@
           </a:prstGeom>
         </p:spPr>
         <p:txBody>
-          <a:bodyPr lIns="0" rIns="0" tIns="0" bIns="0">
+          <a:bodyPr lIns="0" tIns="0" rIns="0" bIns="0">
             <a:normAutofit/>
           </a:bodyPr>
-          <a:p>
-            <a:endParaRPr b="0" lang="en-US" sz="2800" spc="-1" strike="noStrike">
-              <a:solidFill>
-                <a:srgbClr val="ffffff"/>
+          <a:lstStyle/>
+          <a:p>
+            <a:endParaRPr lang="en-US" sz="2800" b="0" strike="noStrike" spc="-1">
+              <a:solidFill>
+                <a:srgbClr val="FFFFFF"/>
               </a:solidFill>
               <a:latin typeface="Calibri"/>
             </a:endParaRPr>
@@ -3213,13 +3468,14 @@
           </a:prstGeom>
         </p:spPr>
         <p:txBody>
-          <a:bodyPr lIns="0" rIns="0" tIns="0" bIns="0">
+          <a:bodyPr lIns="0" tIns="0" rIns="0" bIns="0">
             <a:normAutofit/>
           </a:bodyPr>
-          <a:p>
-            <a:endParaRPr b="0" lang="en-US" sz="2800" spc="-1" strike="noStrike">
-              <a:solidFill>
-                <a:srgbClr val="ffffff"/>
+          <a:lstStyle/>
+          <a:p>
+            <a:endParaRPr lang="en-US" sz="2800" b="0" strike="noStrike" spc="-1">
+              <a:solidFill>
+                <a:srgbClr val="FFFFFF"/>
               </a:solidFill>
               <a:latin typeface="Calibri"/>
             </a:endParaRPr>
@@ -3228,11 +3484,14 @@
       </p:sp>
     </p:spTree>
   </p:cSld>
+  <p:clrMapOvr>
+    <a:masterClrMapping/>
+  </p:clrMapOvr>
 </p:sldLayout>
 </file>
 
 <file path=ppt/slideLayouts/slideLayout35.xml><?xml version="1.0" encoding="utf-8"?>
-<p:sldLayout xmlns:a="http://schemas.openxmlformats.org/drawingml/2006/main" xmlns:p="http://schemas.openxmlformats.org/presentationml/2006/main" xmlns:r="http://schemas.openxmlformats.org/officeDocument/2006/relationships" xmlns:p14="http://schemas.microsoft.com/office/powerpoint/2010/main" xmlns:p15="http://schemas.microsoft.com/office/powerpoint/2012/main" xmlns:mc="http://schemas.openxmlformats.org/markup-compatibility/2006" type="fourObj" preserve="1">
+<p:sldLayout xmlns:a="http://schemas.openxmlformats.org/drawingml/2006/main" xmlns:r="http://schemas.openxmlformats.org/officeDocument/2006/relationships" xmlns:p="http://schemas.openxmlformats.org/presentationml/2006/main" type="fourObj" preserve="1">
   <p:cSld name="Title, 4 Content">
     <p:spTree>
       <p:nvGrpSpPr>
@@ -3268,13 +3527,14 @@
           </a:prstGeom>
         </p:spPr>
         <p:txBody>
-          <a:bodyPr lIns="0" rIns="0" tIns="0" bIns="0" anchor="ctr">
+          <a:bodyPr lIns="0" tIns="0" rIns="0" bIns="0" anchor="ctr">
             <a:noAutofit/>
           </a:bodyPr>
-          <a:p>
-            <a:endParaRPr b="0" lang="en-US" sz="2400" spc="-1" strike="noStrike">
-              <a:solidFill>
-                <a:srgbClr val="ffffff"/>
+          <a:lstStyle/>
+          <a:p>
+            <a:endParaRPr lang="en-US" sz="2400" b="0" strike="noStrike" spc="-1">
+              <a:solidFill>
+                <a:srgbClr val="FFFFFF"/>
               </a:solidFill>
               <a:latin typeface="Calibri"/>
             </a:endParaRPr>
@@ -3301,13 +3561,14 @@
           </a:prstGeom>
         </p:spPr>
         <p:txBody>
-          <a:bodyPr lIns="0" rIns="0" tIns="0" bIns="0">
+          <a:bodyPr lIns="0" tIns="0" rIns="0" bIns="0">
             <a:normAutofit/>
           </a:bodyPr>
-          <a:p>
-            <a:endParaRPr b="0" lang="en-US" sz="2800" spc="-1" strike="noStrike">
-              <a:solidFill>
-                <a:srgbClr val="ffffff"/>
+          <a:lstStyle/>
+          <a:p>
+            <a:endParaRPr lang="en-US" sz="2800" b="0" strike="noStrike" spc="-1">
+              <a:solidFill>
+                <a:srgbClr val="FFFFFF"/>
               </a:solidFill>
               <a:latin typeface="Calibri"/>
             </a:endParaRPr>
@@ -3334,13 +3595,14 @@
           </a:prstGeom>
         </p:spPr>
         <p:txBody>
-          <a:bodyPr lIns="0" rIns="0" tIns="0" bIns="0">
+          <a:bodyPr lIns="0" tIns="0" rIns="0" bIns="0">
             <a:normAutofit/>
           </a:bodyPr>
-          <a:p>
-            <a:endParaRPr b="0" lang="en-US" sz="2800" spc="-1" strike="noStrike">
-              <a:solidFill>
-                <a:srgbClr val="ffffff"/>
+          <a:lstStyle/>
+          <a:p>
+            <a:endParaRPr lang="en-US" sz="2800" b="0" strike="noStrike" spc="-1">
+              <a:solidFill>
+                <a:srgbClr val="FFFFFF"/>
               </a:solidFill>
               <a:latin typeface="Calibri"/>
             </a:endParaRPr>
@@ -3367,13 +3629,14 @@
           </a:prstGeom>
         </p:spPr>
         <p:txBody>
-          <a:bodyPr lIns="0" rIns="0" tIns="0" bIns="0">
+          <a:bodyPr lIns="0" tIns="0" rIns="0" bIns="0">
             <a:normAutofit/>
           </a:bodyPr>
-          <a:p>
-            <a:endParaRPr b="0" lang="en-US" sz="2800" spc="-1" strike="noStrike">
-              <a:solidFill>
-                <a:srgbClr val="ffffff"/>
+          <a:lstStyle/>
+          <a:p>
+            <a:endParaRPr lang="en-US" sz="2800" b="0" strike="noStrike" spc="-1">
+              <a:solidFill>
+                <a:srgbClr val="FFFFFF"/>
               </a:solidFill>
               <a:latin typeface="Calibri"/>
             </a:endParaRPr>
@@ -3400,13 +3663,14 @@
           </a:prstGeom>
         </p:spPr>
         <p:txBody>
-          <a:bodyPr lIns="0" rIns="0" tIns="0" bIns="0">
+          <a:bodyPr lIns="0" tIns="0" rIns="0" bIns="0">
             <a:normAutofit/>
           </a:bodyPr>
-          <a:p>
-            <a:endParaRPr b="0" lang="en-US" sz="2800" spc="-1" strike="noStrike">
-              <a:solidFill>
-                <a:srgbClr val="ffffff"/>
+          <a:lstStyle/>
+          <a:p>
+            <a:endParaRPr lang="en-US" sz="2800" b="0" strike="noStrike" spc="-1">
+              <a:solidFill>
+                <a:srgbClr val="FFFFFF"/>
               </a:solidFill>
               <a:latin typeface="Calibri"/>
             </a:endParaRPr>
@@ -3415,11 +3679,14 @@
       </p:sp>
     </p:spTree>
   </p:cSld>
+  <p:clrMapOvr>
+    <a:masterClrMapping/>
+  </p:clrMapOvr>
 </p:sldLayout>
 </file>
 
 <file path=ppt/slideLayouts/slideLayout36.xml><?xml version="1.0" encoding="utf-8"?>
-<p:sldLayout xmlns:a="http://schemas.openxmlformats.org/drawingml/2006/main" xmlns:p="http://schemas.openxmlformats.org/presentationml/2006/main" xmlns:r="http://schemas.openxmlformats.org/officeDocument/2006/relationships" xmlns:p14="http://schemas.microsoft.com/office/powerpoint/2010/main" xmlns:p15="http://schemas.microsoft.com/office/powerpoint/2012/main" xmlns:mc="http://schemas.openxmlformats.org/markup-compatibility/2006" type="blank" preserve="1">
+<p:sldLayout xmlns:a="http://schemas.openxmlformats.org/drawingml/2006/main" xmlns:r="http://schemas.openxmlformats.org/officeDocument/2006/relationships" xmlns:p="http://schemas.openxmlformats.org/presentationml/2006/main" type="blank" preserve="1">
   <p:cSld name="Title, 6 Content">
     <p:spTree>
       <p:nvGrpSpPr>
@@ -3455,13 +3722,14 @@
           </a:prstGeom>
         </p:spPr>
         <p:txBody>
-          <a:bodyPr lIns="0" rIns="0" tIns="0" bIns="0" anchor="ctr">
+          <a:bodyPr lIns="0" tIns="0" rIns="0" bIns="0" anchor="ctr">
             <a:noAutofit/>
           </a:bodyPr>
-          <a:p>
-            <a:endParaRPr b="0" lang="en-US" sz="2400" spc="-1" strike="noStrike">
-              <a:solidFill>
-                <a:srgbClr val="ffffff"/>
+          <a:lstStyle/>
+          <a:p>
+            <a:endParaRPr lang="en-US" sz="2400" b="0" strike="noStrike" spc="-1">
+              <a:solidFill>
+                <a:srgbClr val="FFFFFF"/>
               </a:solidFill>
               <a:latin typeface="Calibri"/>
             </a:endParaRPr>
@@ -3488,13 +3756,14 @@
           </a:prstGeom>
         </p:spPr>
         <p:txBody>
-          <a:bodyPr lIns="0" rIns="0" tIns="0" bIns="0">
+          <a:bodyPr lIns="0" tIns="0" rIns="0" bIns="0">
             <a:normAutofit/>
           </a:bodyPr>
-          <a:p>
-            <a:endParaRPr b="0" lang="en-US" sz="2800" spc="-1" strike="noStrike">
-              <a:solidFill>
-                <a:srgbClr val="ffffff"/>
+          <a:lstStyle/>
+          <a:p>
+            <a:endParaRPr lang="en-US" sz="2800" b="0" strike="noStrike" spc="-1">
+              <a:solidFill>
+                <a:srgbClr val="FFFFFF"/>
               </a:solidFill>
               <a:latin typeface="Calibri"/>
             </a:endParaRPr>
@@ -3521,13 +3790,14 @@
           </a:prstGeom>
         </p:spPr>
         <p:txBody>
-          <a:bodyPr lIns="0" rIns="0" tIns="0" bIns="0">
+          <a:bodyPr lIns="0" tIns="0" rIns="0" bIns="0">
             <a:normAutofit/>
           </a:bodyPr>
-          <a:p>
-            <a:endParaRPr b="0" lang="en-US" sz="2800" spc="-1" strike="noStrike">
-              <a:solidFill>
-                <a:srgbClr val="ffffff"/>
+          <a:lstStyle/>
+          <a:p>
+            <a:endParaRPr lang="en-US" sz="2800" b="0" strike="noStrike" spc="-1">
+              <a:solidFill>
+                <a:srgbClr val="FFFFFF"/>
               </a:solidFill>
               <a:latin typeface="Calibri"/>
             </a:endParaRPr>
@@ -3554,13 +3824,14 @@
           </a:prstGeom>
         </p:spPr>
         <p:txBody>
-          <a:bodyPr lIns="0" rIns="0" tIns="0" bIns="0">
+          <a:bodyPr lIns="0" tIns="0" rIns="0" bIns="0">
             <a:normAutofit/>
           </a:bodyPr>
-          <a:p>
-            <a:endParaRPr b="0" lang="en-US" sz="2800" spc="-1" strike="noStrike">
-              <a:solidFill>
-                <a:srgbClr val="ffffff"/>
+          <a:lstStyle/>
+          <a:p>
+            <a:endParaRPr lang="en-US" sz="2800" b="0" strike="noStrike" spc="-1">
+              <a:solidFill>
+                <a:srgbClr val="FFFFFF"/>
               </a:solidFill>
               <a:latin typeface="Calibri"/>
             </a:endParaRPr>
@@ -3587,13 +3858,14 @@
           </a:prstGeom>
         </p:spPr>
         <p:txBody>
-          <a:bodyPr lIns="0" rIns="0" tIns="0" bIns="0">
+          <a:bodyPr lIns="0" tIns="0" rIns="0" bIns="0">
             <a:normAutofit/>
           </a:bodyPr>
-          <a:p>
-            <a:endParaRPr b="0" lang="en-US" sz="2800" spc="-1" strike="noStrike">
-              <a:solidFill>
-                <a:srgbClr val="ffffff"/>
+          <a:lstStyle/>
+          <a:p>
+            <a:endParaRPr lang="en-US" sz="2800" b="0" strike="noStrike" spc="-1">
+              <a:solidFill>
+                <a:srgbClr val="FFFFFF"/>
               </a:solidFill>
               <a:latin typeface="Calibri"/>
             </a:endParaRPr>
@@ -3620,13 +3892,14 @@
           </a:prstGeom>
         </p:spPr>
         <p:txBody>
-          <a:bodyPr lIns="0" rIns="0" tIns="0" bIns="0">
+          <a:bodyPr lIns="0" tIns="0" rIns="0" bIns="0">
             <a:normAutofit/>
           </a:bodyPr>
-          <a:p>
-            <a:endParaRPr b="0" lang="en-US" sz="2800" spc="-1" strike="noStrike">
-              <a:solidFill>
-                <a:srgbClr val="ffffff"/>
+          <a:lstStyle/>
+          <a:p>
+            <a:endParaRPr lang="en-US" sz="2800" b="0" strike="noStrike" spc="-1">
+              <a:solidFill>
+                <a:srgbClr val="FFFFFF"/>
               </a:solidFill>
               <a:latin typeface="Calibri"/>
             </a:endParaRPr>
@@ -3653,13 +3926,14 @@
           </a:prstGeom>
         </p:spPr>
         <p:txBody>
-          <a:bodyPr lIns="0" rIns="0" tIns="0" bIns="0">
+          <a:bodyPr lIns="0" tIns="0" rIns="0" bIns="0">
             <a:normAutofit/>
           </a:bodyPr>
-          <a:p>
-            <a:endParaRPr b="0" lang="en-US" sz="2800" spc="-1" strike="noStrike">
-              <a:solidFill>
-                <a:srgbClr val="ffffff"/>
+          <a:lstStyle/>
+          <a:p>
+            <a:endParaRPr lang="en-US" sz="2800" b="0" strike="noStrike" spc="-1">
+              <a:solidFill>
+                <a:srgbClr val="FFFFFF"/>
               </a:solidFill>
               <a:latin typeface="Calibri"/>
             </a:endParaRPr>
@@ -3668,11 +3942,14 @@
       </p:sp>
     </p:spTree>
   </p:cSld>
+  <p:clrMapOvr>
+    <a:masterClrMapping/>
+  </p:clrMapOvr>
 </p:sldLayout>
 </file>
 
 <file path=ppt/slideLayouts/slideLayout37.xml><?xml version="1.0" encoding="utf-8"?>
-<p:sldLayout xmlns:a="http://schemas.openxmlformats.org/drawingml/2006/main" xmlns:p="http://schemas.openxmlformats.org/presentationml/2006/main" xmlns:r="http://schemas.openxmlformats.org/officeDocument/2006/relationships" xmlns:p14="http://schemas.microsoft.com/office/powerpoint/2010/main" xmlns:p15="http://schemas.microsoft.com/office/powerpoint/2012/main" xmlns:mc="http://schemas.openxmlformats.org/markup-compatibility/2006" type="blank" preserve="1">
+<p:sldLayout xmlns:a="http://schemas.openxmlformats.org/drawingml/2006/main" xmlns:r="http://schemas.openxmlformats.org/officeDocument/2006/relationships" xmlns:p="http://schemas.openxmlformats.org/presentationml/2006/main" type="blank" preserve="1">
   <p:cSld name="Blank Slide">
     <p:spTree>
       <p:nvGrpSpPr>
@@ -3690,11 +3967,14 @@
       </p:grpSpPr>
     </p:spTree>
   </p:cSld>
+  <p:clrMapOvr>
+    <a:masterClrMapping/>
+  </p:clrMapOvr>
 </p:sldLayout>
 </file>
 
 <file path=ppt/slideLayouts/slideLayout38.xml><?xml version="1.0" encoding="utf-8"?>
-<p:sldLayout xmlns:a="http://schemas.openxmlformats.org/drawingml/2006/main" xmlns:p="http://schemas.openxmlformats.org/presentationml/2006/main" xmlns:r="http://schemas.openxmlformats.org/officeDocument/2006/relationships" xmlns:p14="http://schemas.microsoft.com/office/powerpoint/2010/main" xmlns:p15="http://schemas.microsoft.com/office/powerpoint/2012/main" xmlns:mc="http://schemas.openxmlformats.org/markup-compatibility/2006" type="tx" preserve="1">
+<p:sldLayout xmlns:a="http://schemas.openxmlformats.org/drawingml/2006/main" xmlns:r="http://schemas.openxmlformats.org/officeDocument/2006/relationships" xmlns:p="http://schemas.openxmlformats.org/presentationml/2006/main" type="tx" preserve="1">
   <p:cSld name="Title Slide">
     <p:spTree>
       <p:nvGrpSpPr>
@@ -3730,13 +4010,14 @@
           </a:prstGeom>
         </p:spPr>
         <p:txBody>
-          <a:bodyPr lIns="0" rIns="0" tIns="0" bIns="0" anchor="ctr">
+          <a:bodyPr lIns="0" tIns="0" rIns="0" bIns="0" anchor="ctr">
             <a:noAutofit/>
           </a:bodyPr>
-          <a:p>
-            <a:endParaRPr b="0" lang="en-US" sz="2400" spc="-1" strike="noStrike">
-              <a:solidFill>
-                <a:srgbClr val="ffffff"/>
+          <a:lstStyle/>
+          <a:p>
+            <a:endParaRPr lang="en-US" sz="2400" b="0" strike="noStrike" spc="-1">
+              <a:solidFill>
+                <a:srgbClr val="FFFFFF"/>
               </a:solidFill>
               <a:latin typeface="Calibri"/>
             </a:endParaRPr>
@@ -3763,12 +4044,13 @@
           </a:prstGeom>
         </p:spPr>
         <p:txBody>
-          <a:bodyPr lIns="0" rIns="0" tIns="0" bIns="0" anchor="ctr">
+          <a:bodyPr lIns="0" tIns="0" rIns="0" bIns="0" anchor="ctr">
             <a:noAutofit/>
           </a:bodyPr>
+          <a:lstStyle/>
           <a:p>
             <a:pPr algn="ctr"/>
-            <a:endParaRPr b="0" lang="en-US" sz="3200" spc="-1" strike="noStrike">
+            <a:endParaRPr lang="en-US" sz="3200" b="0" strike="noStrike" spc="-1">
               <a:latin typeface="Arial"/>
             </a:endParaRPr>
           </a:p>
@@ -3776,11 +4058,14 @@
       </p:sp>
     </p:spTree>
   </p:cSld>
+  <p:clrMapOvr>
+    <a:masterClrMapping/>
+  </p:clrMapOvr>
 </p:sldLayout>
 </file>
 
 <file path=ppt/slideLayouts/slideLayout39.xml><?xml version="1.0" encoding="utf-8"?>
-<p:sldLayout xmlns:a="http://schemas.openxmlformats.org/drawingml/2006/main" xmlns:p="http://schemas.openxmlformats.org/presentationml/2006/main" xmlns:r="http://schemas.openxmlformats.org/officeDocument/2006/relationships" xmlns:p14="http://schemas.microsoft.com/office/powerpoint/2010/main" xmlns:p15="http://schemas.microsoft.com/office/powerpoint/2012/main" xmlns:mc="http://schemas.openxmlformats.org/markup-compatibility/2006" type="obj" preserve="1">
+<p:sldLayout xmlns:a="http://schemas.openxmlformats.org/drawingml/2006/main" xmlns:r="http://schemas.openxmlformats.org/officeDocument/2006/relationships" xmlns:p="http://schemas.openxmlformats.org/presentationml/2006/main" type="obj" preserve="1">
   <p:cSld name="Title, Content">
     <p:spTree>
       <p:nvGrpSpPr>
@@ -3816,13 +4101,14 @@
           </a:prstGeom>
         </p:spPr>
         <p:txBody>
-          <a:bodyPr lIns="0" rIns="0" tIns="0" bIns="0" anchor="ctr">
+          <a:bodyPr lIns="0" tIns="0" rIns="0" bIns="0" anchor="ctr">
             <a:noAutofit/>
           </a:bodyPr>
-          <a:p>
-            <a:endParaRPr b="0" lang="en-US" sz="2400" spc="-1" strike="noStrike">
-              <a:solidFill>
-                <a:srgbClr val="ffffff"/>
+          <a:lstStyle/>
+          <a:p>
+            <a:endParaRPr lang="en-US" sz="2400" b="0" strike="noStrike" spc="-1">
+              <a:solidFill>
+                <a:srgbClr val="FFFFFF"/>
               </a:solidFill>
               <a:latin typeface="Calibri"/>
             </a:endParaRPr>
@@ -3849,13 +4135,14 @@
           </a:prstGeom>
         </p:spPr>
         <p:txBody>
-          <a:bodyPr lIns="0" rIns="0" tIns="0" bIns="0">
+          <a:bodyPr lIns="0" tIns="0" rIns="0" bIns="0">
             <a:normAutofit/>
           </a:bodyPr>
-          <a:p>
-            <a:endParaRPr b="0" lang="en-US" sz="2800" spc="-1" strike="noStrike">
-              <a:solidFill>
-                <a:srgbClr val="ffffff"/>
+          <a:lstStyle/>
+          <a:p>
+            <a:endParaRPr lang="en-US" sz="2800" b="0" strike="noStrike" spc="-1">
+              <a:solidFill>
+                <a:srgbClr val="FFFFFF"/>
               </a:solidFill>
               <a:latin typeface="Calibri"/>
             </a:endParaRPr>
@@ -3864,11 +4151,14 @@
       </p:sp>
     </p:spTree>
   </p:cSld>
+  <p:clrMapOvr>
+    <a:masterClrMapping/>
+  </p:clrMapOvr>
 </p:sldLayout>
 </file>
 
 <file path=ppt/slideLayouts/slideLayout4.xml><?xml version="1.0" encoding="utf-8"?>
-<p:sldLayout xmlns:a="http://schemas.openxmlformats.org/drawingml/2006/main" xmlns:p="http://schemas.openxmlformats.org/presentationml/2006/main" xmlns:r="http://schemas.openxmlformats.org/officeDocument/2006/relationships" xmlns:p14="http://schemas.microsoft.com/office/powerpoint/2010/main" xmlns:p15="http://schemas.microsoft.com/office/powerpoint/2012/main" xmlns:mc="http://schemas.openxmlformats.org/markup-compatibility/2006" type="twoObj" preserve="1">
+<p:sldLayout xmlns:a="http://schemas.openxmlformats.org/drawingml/2006/main" xmlns:r="http://schemas.openxmlformats.org/officeDocument/2006/relationships" xmlns:p="http://schemas.openxmlformats.org/presentationml/2006/main" type="twoObj" preserve="1">
   <p:cSld name="Title, 2 Content">
     <p:spTree>
       <p:nvGrpSpPr>
@@ -3904,13 +4194,14 @@
           </a:prstGeom>
         </p:spPr>
         <p:txBody>
-          <a:bodyPr lIns="0" rIns="0" tIns="0" bIns="0" anchor="ctr">
+          <a:bodyPr lIns="0" tIns="0" rIns="0" bIns="0" anchor="ctr">
             <a:noAutofit/>
           </a:bodyPr>
-          <a:p>
-            <a:endParaRPr b="0" lang="en-US" sz="2400" spc="-1" strike="noStrike">
-              <a:solidFill>
-                <a:srgbClr val="ffffff"/>
+          <a:lstStyle/>
+          <a:p>
+            <a:endParaRPr lang="en-US" sz="2400" b="0" strike="noStrike" spc="-1">
+              <a:solidFill>
+                <a:srgbClr val="FFFFFF"/>
               </a:solidFill>
               <a:latin typeface="Calibri"/>
             </a:endParaRPr>
@@ -3937,13 +4228,14 @@
           </a:prstGeom>
         </p:spPr>
         <p:txBody>
-          <a:bodyPr lIns="0" rIns="0" tIns="0" bIns="0">
+          <a:bodyPr lIns="0" tIns="0" rIns="0" bIns="0">
             <a:normAutofit/>
           </a:bodyPr>
-          <a:p>
-            <a:endParaRPr b="0" lang="en-US" sz="2800" spc="-1" strike="noStrike">
-              <a:solidFill>
-                <a:srgbClr val="ffffff"/>
+          <a:lstStyle/>
+          <a:p>
+            <a:endParaRPr lang="en-US" sz="2800" b="0" strike="noStrike" spc="-1">
+              <a:solidFill>
+                <a:srgbClr val="FFFFFF"/>
               </a:solidFill>
               <a:latin typeface="Calibri"/>
             </a:endParaRPr>
@@ -3970,13 +4262,14 @@
           </a:prstGeom>
         </p:spPr>
         <p:txBody>
-          <a:bodyPr lIns="0" rIns="0" tIns="0" bIns="0">
+          <a:bodyPr lIns="0" tIns="0" rIns="0" bIns="0">
             <a:normAutofit/>
           </a:bodyPr>
-          <a:p>
-            <a:endParaRPr b="0" lang="en-US" sz="2800" spc="-1" strike="noStrike">
-              <a:solidFill>
-                <a:srgbClr val="ffffff"/>
+          <a:lstStyle/>
+          <a:p>
+            <a:endParaRPr lang="en-US" sz="2800" b="0" strike="noStrike" spc="-1">
+              <a:solidFill>
+                <a:srgbClr val="FFFFFF"/>
               </a:solidFill>
               <a:latin typeface="Calibri"/>
             </a:endParaRPr>
@@ -3985,11 +4278,14 @@
       </p:sp>
     </p:spTree>
   </p:cSld>
+  <p:clrMapOvr>
+    <a:masterClrMapping/>
+  </p:clrMapOvr>
 </p:sldLayout>
 </file>
 
 <file path=ppt/slideLayouts/slideLayout40.xml><?xml version="1.0" encoding="utf-8"?>
-<p:sldLayout xmlns:a="http://schemas.openxmlformats.org/drawingml/2006/main" xmlns:p="http://schemas.openxmlformats.org/presentationml/2006/main" xmlns:r="http://schemas.openxmlformats.org/officeDocument/2006/relationships" xmlns:p14="http://schemas.microsoft.com/office/powerpoint/2010/main" xmlns:p15="http://schemas.microsoft.com/office/powerpoint/2012/main" xmlns:mc="http://schemas.openxmlformats.org/markup-compatibility/2006" type="twoObj" preserve="1">
+<p:sldLayout xmlns:a="http://schemas.openxmlformats.org/drawingml/2006/main" xmlns:r="http://schemas.openxmlformats.org/officeDocument/2006/relationships" xmlns:p="http://schemas.openxmlformats.org/presentationml/2006/main" type="twoObj" preserve="1">
   <p:cSld name="Title, 2 Content">
     <p:spTree>
       <p:nvGrpSpPr>
@@ -4025,13 +4321,14 @@
           </a:prstGeom>
         </p:spPr>
         <p:txBody>
-          <a:bodyPr lIns="0" rIns="0" tIns="0" bIns="0" anchor="ctr">
+          <a:bodyPr lIns="0" tIns="0" rIns="0" bIns="0" anchor="ctr">
             <a:noAutofit/>
           </a:bodyPr>
-          <a:p>
-            <a:endParaRPr b="0" lang="en-US" sz="2400" spc="-1" strike="noStrike">
-              <a:solidFill>
-                <a:srgbClr val="ffffff"/>
+          <a:lstStyle/>
+          <a:p>
+            <a:endParaRPr lang="en-US" sz="2400" b="0" strike="noStrike" spc="-1">
+              <a:solidFill>
+                <a:srgbClr val="FFFFFF"/>
               </a:solidFill>
               <a:latin typeface="Calibri"/>
             </a:endParaRPr>
@@ -4058,13 +4355,14 @@
           </a:prstGeom>
         </p:spPr>
         <p:txBody>
-          <a:bodyPr lIns="0" rIns="0" tIns="0" bIns="0">
+          <a:bodyPr lIns="0" tIns="0" rIns="0" bIns="0">
             <a:normAutofit/>
           </a:bodyPr>
-          <a:p>
-            <a:endParaRPr b="0" lang="en-US" sz="2800" spc="-1" strike="noStrike">
-              <a:solidFill>
-                <a:srgbClr val="ffffff"/>
+          <a:lstStyle/>
+          <a:p>
+            <a:endParaRPr lang="en-US" sz="2800" b="0" strike="noStrike" spc="-1">
+              <a:solidFill>
+                <a:srgbClr val="FFFFFF"/>
               </a:solidFill>
               <a:latin typeface="Calibri"/>
             </a:endParaRPr>
@@ -4091,13 +4389,14 @@
           </a:prstGeom>
         </p:spPr>
         <p:txBody>
-          <a:bodyPr lIns="0" rIns="0" tIns="0" bIns="0">
+          <a:bodyPr lIns="0" tIns="0" rIns="0" bIns="0">
             <a:normAutofit/>
           </a:bodyPr>
-          <a:p>
-            <a:endParaRPr b="0" lang="en-US" sz="2800" spc="-1" strike="noStrike">
-              <a:solidFill>
-                <a:srgbClr val="ffffff"/>
+          <a:lstStyle/>
+          <a:p>
+            <a:endParaRPr lang="en-US" sz="2800" b="0" strike="noStrike" spc="-1">
+              <a:solidFill>
+                <a:srgbClr val="FFFFFF"/>
               </a:solidFill>
               <a:latin typeface="Calibri"/>
             </a:endParaRPr>
@@ -4106,11 +4405,14 @@
       </p:sp>
     </p:spTree>
   </p:cSld>
+  <p:clrMapOvr>
+    <a:masterClrMapping/>
+  </p:clrMapOvr>
 </p:sldLayout>
 </file>
 
 <file path=ppt/slideLayouts/slideLayout41.xml><?xml version="1.0" encoding="utf-8"?>
-<p:sldLayout xmlns:a="http://schemas.openxmlformats.org/drawingml/2006/main" xmlns:p="http://schemas.openxmlformats.org/presentationml/2006/main" xmlns:r="http://schemas.openxmlformats.org/officeDocument/2006/relationships" xmlns:p14="http://schemas.microsoft.com/office/powerpoint/2010/main" xmlns:p15="http://schemas.microsoft.com/office/powerpoint/2012/main" xmlns:mc="http://schemas.openxmlformats.org/markup-compatibility/2006" type="titleOnly" preserve="1">
+<p:sldLayout xmlns:a="http://schemas.openxmlformats.org/drawingml/2006/main" xmlns:r="http://schemas.openxmlformats.org/officeDocument/2006/relationships" xmlns:p="http://schemas.openxmlformats.org/presentationml/2006/main" type="titleOnly" preserve="1">
   <p:cSld name="Title Only">
     <p:spTree>
       <p:nvGrpSpPr>
@@ -4146,13 +4448,14 @@
           </a:prstGeom>
         </p:spPr>
         <p:txBody>
-          <a:bodyPr lIns="0" rIns="0" tIns="0" bIns="0" anchor="ctr">
+          <a:bodyPr lIns="0" tIns="0" rIns="0" bIns="0" anchor="ctr">
             <a:noAutofit/>
           </a:bodyPr>
-          <a:p>
-            <a:endParaRPr b="0" lang="en-US" sz="2400" spc="-1" strike="noStrike">
-              <a:solidFill>
-                <a:srgbClr val="ffffff"/>
+          <a:lstStyle/>
+          <a:p>
+            <a:endParaRPr lang="en-US" sz="2400" b="0" strike="noStrike" spc="-1">
+              <a:solidFill>
+                <a:srgbClr val="FFFFFF"/>
               </a:solidFill>
               <a:latin typeface="Calibri"/>
             </a:endParaRPr>
@@ -4161,11 +4464,14 @@
       </p:sp>
     </p:spTree>
   </p:cSld>
+  <p:clrMapOvr>
+    <a:masterClrMapping/>
+  </p:clrMapOvr>
 </p:sldLayout>
 </file>
 
 <file path=ppt/slideLayouts/slideLayout42.xml><?xml version="1.0" encoding="utf-8"?>
-<p:sldLayout xmlns:a="http://schemas.openxmlformats.org/drawingml/2006/main" xmlns:p="http://schemas.openxmlformats.org/presentationml/2006/main" xmlns:r="http://schemas.openxmlformats.org/officeDocument/2006/relationships" xmlns:p14="http://schemas.microsoft.com/office/powerpoint/2010/main" xmlns:p15="http://schemas.microsoft.com/office/powerpoint/2012/main" xmlns:mc="http://schemas.openxmlformats.org/markup-compatibility/2006" type="objOnly" preserve="1">
+<p:sldLayout xmlns:a="http://schemas.openxmlformats.org/drawingml/2006/main" xmlns:r="http://schemas.openxmlformats.org/officeDocument/2006/relationships" xmlns:p="http://schemas.openxmlformats.org/presentationml/2006/main" type="objOnly" preserve="1">
   <p:cSld name="Centered Text">
     <p:spTree>
       <p:nvGrpSpPr>
@@ -4201,12 +4507,13 @@
           </a:prstGeom>
         </p:spPr>
         <p:txBody>
-          <a:bodyPr lIns="0" rIns="0" tIns="0" bIns="0" anchor="ctr">
+          <a:bodyPr lIns="0" tIns="0" rIns="0" bIns="0" anchor="ctr">
             <a:noAutofit/>
           </a:bodyPr>
+          <a:lstStyle/>
           <a:p>
             <a:pPr algn="ctr"/>
-            <a:endParaRPr b="0" lang="en-US" sz="3200" spc="-1" strike="noStrike">
+            <a:endParaRPr lang="en-US" sz="3200" b="0" strike="noStrike" spc="-1">
               <a:latin typeface="Arial"/>
             </a:endParaRPr>
           </a:p>
@@ -4214,11 +4521,14 @@
       </p:sp>
     </p:spTree>
   </p:cSld>
+  <p:clrMapOvr>
+    <a:masterClrMapping/>
+  </p:clrMapOvr>
 </p:sldLayout>
 </file>
 
 <file path=ppt/slideLayouts/slideLayout43.xml><?xml version="1.0" encoding="utf-8"?>
-<p:sldLayout xmlns:a="http://schemas.openxmlformats.org/drawingml/2006/main" xmlns:p="http://schemas.openxmlformats.org/presentationml/2006/main" xmlns:r="http://schemas.openxmlformats.org/officeDocument/2006/relationships" xmlns:p14="http://schemas.microsoft.com/office/powerpoint/2010/main" xmlns:p15="http://schemas.microsoft.com/office/powerpoint/2012/main" xmlns:mc="http://schemas.openxmlformats.org/markup-compatibility/2006" type="twoObjAndObj" preserve="1">
+<p:sldLayout xmlns:a="http://schemas.openxmlformats.org/drawingml/2006/main" xmlns:r="http://schemas.openxmlformats.org/officeDocument/2006/relationships" xmlns:p="http://schemas.openxmlformats.org/presentationml/2006/main" type="twoObjAndObj" preserve="1">
   <p:cSld name="Title, 2 Content and Content">
     <p:spTree>
       <p:nvGrpSpPr>
@@ -4254,13 +4564,14 @@
           </a:prstGeom>
         </p:spPr>
         <p:txBody>
-          <a:bodyPr lIns="0" rIns="0" tIns="0" bIns="0" anchor="ctr">
+          <a:bodyPr lIns="0" tIns="0" rIns="0" bIns="0" anchor="ctr">
             <a:noAutofit/>
           </a:bodyPr>
-          <a:p>
-            <a:endParaRPr b="0" lang="en-US" sz="2400" spc="-1" strike="noStrike">
-              <a:solidFill>
-                <a:srgbClr val="ffffff"/>
+          <a:lstStyle/>
+          <a:p>
+            <a:endParaRPr lang="en-US" sz="2400" b="0" strike="noStrike" spc="-1">
+              <a:solidFill>
+                <a:srgbClr val="FFFFFF"/>
               </a:solidFill>
               <a:latin typeface="Calibri"/>
             </a:endParaRPr>
@@ -4287,13 +4598,14 @@
           </a:prstGeom>
         </p:spPr>
         <p:txBody>
-          <a:bodyPr lIns="0" rIns="0" tIns="0" bIns="0">
+          <a:bodyPr lIns="0" tIns="0" rIns="0" bIns="0">
             <a:normAutofit/>
           </a:bodyPr>
-          <a:p>
-            <a:endParaRPr b="0" lang="en-US" sz="2800" spc="-1" strike="noStrike">
-              <a:solidFill>
-                <a:srgbClr val="ffffff"/>
+          <a:lstStyle/>
+          <a:p>
+            <a:endParaRPr lang="en-US" sz="2800" b="0" strike="noStrike" spc="-1">
+              <a:solidFill>
+                <a:srgbClr val="FFFFFF"/>
               </a:solidFill>
               <a:latin typeface="Calibri"/>
             </a:endParaRPr>
@@ -4320,13 +4632,14 @@
           </a:prstGeom>
         </p:spPr>
         <p:txBody>
-          <a:bodyPr lIns="0" rIns="0" tIns="0" bIns="0">
+          <a:bodyPr lIns="0" tIns="0" rIns="0" bIns="0">
             <a:normAutofit/>
           </a:bodyPr>
-          <a:p>
-            <a:endParaRPr b="0" lang="en-US" sz="2800" spc="-1" strike="noStrike">
-              <a:solidFill>
-                <a:srgbClr val="ffffff"/>
+          <a:lstStyle/>
+          <a:p>
+            <a:endParaRPr lang="en-US" sz="2800" b="0" strike="noStrike" spc="-1">
+              <a:solidFill>
+                <a:srgbClr val="FFFFFF"/>
               </a:solidFill>
               <a:latin typeface="Calibri"/>
             </a:endParaRPr>
@@ -4353,13 +4666,14 @@
           </a:prstGeom>
         </p:spPr>
         <p:txBody>
-          <a:bodyPr lIns="0" rIns="0" tIns="0" bIns="0">
+          <a:bodyPr lIns="0" tIns="0" rIns="0" bIns="0">
             <a:normAutofit/>
           </a:bodyPr>
-          <a:p>
-            <a:endParaRPr b="0" lang="en-US" sz="2800" spc="-1" strike="noStrike">
-              <a:solidFill>
-                <a:srgbClr val="ffffff"/>
+          <a:lstStyle/>
+          <a:p>
+            <a:endParaRPr lang="en-US" sz="2800" b="0" strike="noStrike" spc="-1">
+              <a:solidFill>
+                <a:srgbClr val="FFFFFF"/>
               </a:solidFill>
               <a:latin typeface="Calibri"/>
             </a:endParaRPr>
@@ -4368,11 +4682,14 @@
       </p:sp>
     </p:spTree>
   </p:cSld>
+  <p:clrMapOvr>
+    <a:masterClrMapping/>
+  </p:clrMapOvr>
 </p:sldLayout>
 </file>
 
 <file path=ppt/slideLayouts/slideLayout44.xml><?xml version="1.0" encoding="utf-8"?>
-<p:sldLayout xmlns:a="http://schemas.openxmlformats.org/drawingml/2006/main" xmlns:p="http://schemas.openxmlformats.org/presentationml/2006/main" xmlns:r="http://schemas.openxmlformats.org/officeDocument/2006/relationships" xmlns:p14="http://schemas.microsoft.com/office/powerpoint/2010/main" xmlns:p15="http://schemas.microsoft.com/office/powerpoint/2012/main" xmlns:mc="http://schemas.openxmlformats.org/markup-compatibility/2006" type="objAndTwoObj" preserve="1">
+<p:sldLayout xmlns:a="http://schemas.openxmlformats.org/drawingml/2006/main" xmlns:r="http://schemas.openxmlformats.org/officeDocument/2006/relationships" xmlns:p="http://schemas.openxmlformats.org/presentationml/2006/main" type="objAndTwoObj" preserve="1">
   <p:cSld name="Title Content and 2 Content">
     <p:spTree>
       <p:nvGrpSpPr>
@@ -4408,13 +4725,14 @@
           </a:prstGeom>
         </p:spPr>
         <p:txBody>
-          <a:bodyPr lIns="0" rIns="0" tIns="0" bIns="0" anchor="ctr">
+          <a:bodyPr lIns="0" tIns="0" rIns="0" bIns="0" anchor="ctr">
             <a:noAutofit/>
           </a:bodyPr>
-          <a:p>
-            <a:endParaRPr b="0" lang="en-US" sz="2400" spc="-1" strike="noStrike">
-              <a:solidFill>
-                <a:srgbClr val="ffffff"/>
+          <a:lstStyle/>
+          <a:p>
+            <a:endParaRPr lang="en-US" sz="2400" b="0" strike="noStrike" spc="-1">
+              <a:solidFill>
+                <a:srgbClr val="FFFFFF"/>
               </a:solidFill>
               <a:latin typeface="Calibri"/>
             </a:endParaRPr>
@@ -4441,13 +4759,14 @@
           </a:prstGeom>
         </p:spPr>
         <p:txBody>
-          <a:bodyPr lIns="0" rIns="0" tIns="0" bIns="0">
+          <a:bodyPr lIns="0" tIns="0" rIns="0" bIns="0">
             <a:normAutofit/>
           </a:bodyPr>
-          <a:p>
-            <a:endParaRPr b="0" lang="en-US" sz="2800" spc="-1" strike="noStrike">
-              <a:solidFill>
-                <a:srgbClr val="ffffff"/>
+          <a:lstStyle/>
+          <a:p>
+            <a:endParaRPr lang="en-US" sz="2800" b="0" strike="noStrike" spc="-1">
+              <a:solidFill>
+                <a:srgbClr val="FFFFFF"/>
               </a:solidFill>
               <a:latin typeface="Calibri"/>
             </a:endParaRPr>
@@ -4474,13 +4793,14 @@
           </a:prstGeom>
         </p:spPr>
         <p:txBody>
-          <a:bodyPr lIns="0" rIns="0" tIns="0" bIns="0">
+          <a:bodyPr lIns="0" tIns="0" rIns="0" bIns="0">
             <a:normAutofit/>
           </a:bodyPr>
-          <a:p>
-            <a:endParaRPr b="0" lang="en-US" sz="2800" spc="-1" strike="noStrike">
-              <a:solidFill>
-                <a:srgbClr val="ffffff"/>
+          <a:lstStyle/>
+          <a:p>
+            <a:endParaRPr lang="en-US" sz="2800" b="0" strike="noStrike" spc="-1">
+              <a:solidFill>
+                <a:srgbClr val="FFFFFF"/>
               </a:solidFill>
               <a:latin typeface="Calibri"/>
             </a:endParaRPr>
@@ -4507,13 +4827,14 @@
           </a:prstGeom>
         </p:spPr>
         <p:txBody>
-          <a:bodyPr lIns="0" rIns="0" tIns="0" bIns="0">
+          <a:bodyPr lIns="0" tIns="0" rIns="0" bIns="0">
             <a:normAutofit/>
           </a:bodyPr>
-          <a:p>
-            <a:endParaRPr b="0" lang="en-US" sz="2800" spc="-1" strike="noStrike">
-              <a:solidFill>
-                <a:srgbClr val="ffffff"/>
+          <a:lstStyle/>
+          <a:p>
+            <a:endParaRPr lang="en-US" sz="2800" b="0" strike="noStrike" spc="-1">
+              <a:solidFill>
+                <a:srgbClr val="FFFFFF"/>
               </a:solidFill>
               <a:latin typeface="Calibri"/>
             </a:endParaRPr>
@@ -4522,11 +4843,14 @@
       </p:sp>
     </p:spTree>
   </p:cSld>
+  <p:clrMapOvr>
+    <a:masterClrMapping/>
+  </p:clrMapOvr>
 </p:sldLayout>
 </file>
 
 <file path=ppt/slideLayouts/slideLayout45.xml><?xml version="1.0" encoding="utf-8"?>
-<p:sldLayout xmlns:a="http://schemas.openxmlformats.org/drawingml/2006/main" xmlns:p="http://schemas.openxmlformats.org/presentationml/2006/main" xmlns:r="http://schemas.openxmlformats.org/officeDocument/2006/relationships" xmlns:p14="http://schemas.microsoft.com/office/powerpoint/2010/main" xmlns:p15="http://schemas.microsoft.com/office/powerpoint/2012/main" xmlns:mc="http://schemas.openxmlformats.org/markup-compatibility/2006" type="twoObjOverTx" preserve="1">
+<p:sldLayout xmlns:a="http://schemas.openxmlformats.org/drawingml/2006/main" xmlns:r="http://schemas.openxmlformats.org/officeDocument/2006/relationships" xmlns:p="http://schemas.openxmlformats.org/presentationml/2006/main" type="twoObjOverTx" preserve="1">
   <p:cSld name="Title, 2 Content over Content">
     <p:spTree>
       <p:nvGrpSpPr>
@@ -4562,13 +4886,14 @@
           </a:prstGeom>
         </p:spPr>
         <p:txBody>
-          <a:bodyPr lIns="0" rIns="0" tIns="0" bIns="0" anchor="ctr">
+          <a:bodyPr lIns="0" tIns="0" rIns="0" bIns="0" anchor="ctr">
             <a:noAutofit/>
           </a:bodyPr>
-          <a:p>
-            <a:endParaRPr b="0" lang="en-US" sz="2400" spc="-1" strike="noStrike">
-              <a:solidFill>
-                <a:srgbClr val="ffffff"/>
+          <a:lstStyle/>
+          <a:p>
+            <a:endParaRPr lang="en-US" sz="2400" b="0" strike="noStrike" spc="-1">
+              <a:solidFill>
+                <a:srgbClr val="FFFFFF"/>
               </a:solidFill>
               <a:latin typeface="Calibri"/>
             </a:endParaRPr>
@@ -4595,13 +4920,14 @@
           </a:prstGeom>
         </p:spPr>
         <p:txBody>
-          <a:bodyPr lIns="0" rIns="0" tIns="0" bIns="0">
+          <a:bodyPr lIns="0" tIns="0" rIns="0" bIns="0">
             <a:normAutofit/>
           </a:bodyPr>
-          <a:p>
-            <a:endParaRPr b="0" lang="en-US" sz="2800" spc="-1" strike="noStrike">
-              <a:solidFill>
-                <a:srgbClr val="ffffff"/>
+          <a:lstStyle/>
+          <a:p>
+            <a:endParaRPr lang="en-US" sz="2800" b="0" strike="noStrike" spc="-1">
+              <a:solidFill>
+                <a:srgbClr val="FFFFFF"/>
               </a:solidFill>
               <a:latin typeface="Calibri"/>
             </a:endParaRPr>
@@ -4628,13 +4954,14 @@
           </a:prstGeom>
         </p:spPr>
         <p:txBody>
-          <a:bodyPr lIns="0" rIns="0" tIns="0" bIns="0">
+          <a:bodyPr lIns="0" tIns="0" rIns="0" bIns="0">
             <a:normAutofit/>
           </a:bodyPr>
-          <a:p>
-            <a:endParaRPr b="0" lang="en-US" sz="2800" spc="-1" strike="noStrike">
-              <a:solidFill>
-                <a:srgbClr val="ffffff"/>
+          <a:lstStyle/>
+          <a:p>
+            <a:endParaRPr lang="en-US" sz="2800" b="0" strike="noStrike" spc="-1">
+              <a:solidFill>
+                <a:srgbClr val="FFFFFF"/>
               </a:solidFill>
               <a:latin typeface="Calibri"/>
             </a:endParaRPr>
@@ -4661,13 +4988,14 @@
           </a:prstGeom>
         </p:spPr>
         <p:txBody>
-          <a:bodyPr lIns="0" rIns="0" tIns="0" bIns="0">
+          <a:bodyPr lIns="0" tIns="0" rIns="0" bIns="0">
             <a:normAutofit/>
           </a:bodyPr>
-          <a:p>
-            <a:endParaRPr b="0" lang="en-US" sz="2800" spc="-1" strike="noStrike">
-              <a:solidFill>
-                <a:srgbClr val="ffffff"/>
+          <a:lstStyle/>
+          <a:p>
+            <a:endParaRPr lang="en-US" sz="2800" b="0" strike="noStrike" spc="-1">
+              <a:solidFill>
+                <a:srgbClr val="FFFFFF"/>
               </a:solidFill>
               <a:latin typeface="Calibri"/>
             </a:endParaRPr>
@@ -4676,11 +5004,14 @@
       </p:sp>
     </p:spTree>
   </p:cSld>
+  <p:clrMapOvr>
+    <a:masterClrMapping/>
+  </p:clrMapOvr>
 </p:sldLayout>
 </file>
 
 <file path=ppt/slideLayouts/slideLayout46.xml><?xml version="1.0" encoding="utf-8"?>
-<p:sldLayout xmlns:a="http://schemas.openxmlformats.org/drawingml/2006/main" xmlns:p="http://schemas.openxmlformats.org/presentationml/2006/main" xmlns:r="http://schemas.openxmlformats.org/officeDocument/2006/relationships" xmlns:p14="http://schemas.microsoft.com/office/powerpoint/2010/main" xmlns:p15="http://schemas.microsoft.com/office/powerpoint/2012/main" xmlns:mc="http://schemas.openxmlformats.org/markup-compatibility/2006" type="objOverTx" preserve="1">
+<p:sldLayout xmlns:a="http://schemas.openxmlformats.org/drawingml/2006/main" xmlns:r="http://schemas.openxmlformats.org/officeDocument/2006/relationships" xmlns:p="http://schemas.openxmlformats.org/presentationml/2006/main" type="objOverTx" preserve="1">
   <p:cSld name="Title, Content over Content">
     <p:spTree>
       <p:nvGrpSpPr>
@@ -4716,13 +5047,14 @@
           </a:prstGeom>
         </p:spPr>
         <p:txBody>
-          <a:bodyPr lIns="0" rIns="0" tIns="0" bIns="0" anchor="ctr">
+          <a:bodyPr lIns="0" tIns="0" rIns="0" bIns="0" anchor="ctr">
             <a:noAutofit/>
           </a:bodyPr>
-          <a:p>
-            <a:endParaRPr b="0" lang="en-US" sz="2400" spc="-1" strike="noStrike">
-              <a:solidFill>
-                <a:srgbClr val="ffffff"/>
+          <a:lstStyle/>
+          <a:p>
+            <a:endParaRPr lang="en-US" sz="2400" b="0" strike="noStrike" spc="-1">
+              <a:solidFill>
+                <a:srgbClr val="FFFFFF"/>
               </a:solidFill>
               <a:latin typeface="Calibri"/>
             </a:endParaRPr>
@@ -4749,13 +5081,14 @@
           </a:prstGeom>
         </p:spPr>
         <p:txBody>
-          <a:bodyPr lIns="0" rIns="0" tIns="0" bIns="0">
+          <a:bodyPr lIns="0" tIns="0" rIns="0" bIns="0">
             <a:normAutofit/>
           </a:bodyPr>
-          <a:p>
-            <a:endParaRPr b="0" lang="en-US" sz="2800" spc="-1" strike="noStrike">
-              <a:solidFill>
-                <a:srgbClr val="ffffff"/>
+          <a:lstStyle/>
+          <a:p>
+            <a:endParaRPr lang="en-US" sz="2800" b="0" strike="noStrike" spc="-1">
+              <a:solidFill>
+                <a:srgbClr val="FFFFFF"/>
               </a:solidFill>
               <a:latin typeface="Calibri"/>
             </a:endParaRPr>
@@ -4782,13 +5115,14 @@
           </a:prstGeom>
         </p:spPr>
         <p:txBody>
-          <a:bodyPr lIns="0" rIns="0" tIns="0" bIns="0">
+          <a:bodyPr lIns="0" tIns="0" rIns="0" bIns="0">
             <a:normAutofit/>
           </a:bodyPr>
-          <a:p>
-            <a:endParaRPr b="0" lang="en-US" sz="2800" spc="-1" strike="noStrike">
-              <a:solidFill>
-                <a:srgbClr val="ffffff"/>
+          <a:lstStyle/>
+          <a:p>
+            <a:endParaRPr lang="en-US" sz="2800" b="0" strike="noStrike" spc="-1">
+              <a:solidFill>
+                <a:srgbClr val="FFFFFF"/>
               </a:solidFill>
               <a:latin typeface="Calibri"/>
             </a:endParaRPr>
@@ -4797,11 +5131,14 @@
       </p:sp>
     </p:spTree>
   </p:cSld>
+  <p:clrMapOvr>
+    <a:masterClrMapping/>
+  </p:clrMapOvr>
 </p:sldLayout>
 </file>
 
 <file path=ppt/slideLayouts/slideLayout47.xml><?xml version="1.0" encoding="utf-8"?>
-<p:sldLayout xmlns:a="http://schemas.openxmlformats.org/drawingml/2006/main" xmlns:p="http://schemas.openxmlformats.org/presentationml/2006/main" xmlns:r="http://schemas.openxmlformats.org/officeDocument/2006/relationships" xmlns:p14="http://schemas.microsoft.com/office/powerpoint/2010/main" xmlns:p15="http://schemas.microsoft.com/office/powerpoint/2012/main" xmlns:mc="http://schemas.openxmlformats.org/markup-compatibility/2006" type="fourObj" preserve="1">
+<p:sldLayout xmlns:a="http://schemas.openxmlformats.org/drawingml/2006/main" xmlns:r="http://schemas.openxmlformats.org/officeDocument/2006/relationships" xmlns:p="http://schemas.openxmlformats.org/presentationml/2006/main" type="fourObj" preserve="1">
   <p:cSld name="Title, 4 Content">
     <p:spTree>
       <p:nvGrpSpPr>
@@ -4837,13 +5174,14 @@
           </a:prstGeom>
         </p:spPr>
         <p:txBody>
-          <a:bodyPr lIns="0" rIns="0" tIns="0" bIns="0" anchor="ctr">
+          <a:bodyPr lIns="0" tIns="0" rIns="0" bIns="0" anchor="ctr">
             <a:noAutofit/>
           </a:bodyPr>
-          <a:p>
-            <a:endParaRPr b="0" lang="en-US" sz="2400" spc="-1" strike="noStrike">
-              <a:solidFill>
-                <a:srgbClr val="ffffff"/>
+          <a:lstStyle/>
+          <a:p>
+            <a:endParaRPr lang="en-US" sz="2400" b="0" strike="noStrike" spc="-1">
+              <a:solidFill>
+                <a:srgbClr val="FFFFFF"/>
               </a:solidFill>
               <a:latin typeface="Calibri"/>
             </a:endParaRPr>
@@ -4870,13 +5208,14 @@
           </a:prstGeom>
         </p:spPr>
         <p:txBody>
-          <a:bodyPr lIns="0" rIns="0" tIns="0" bIns="0">
+          <a:bodyPr lIns="0" tIns="0" rIns="0" bIns="0">
             <a:normAutofit/>
           </a:bodyPr>
-          <a:p>
-            <a:endParaRPr b="0" lang="en-US" sz="2800" spc="-1" strike="noStrike">
-              <a:solidFill>
-                <a:srgbClr val="ffffff"/>
+          <a:lstStyle/>
+          <a:p>
+            <a:endParaRPr lang="en-US" sz="2800" b="0" strike="noStrike" spc="-1">
+              <a:solidFill>
+                <a:srgbClr val="FFFFFF"/>
               </a:solidFill>
               <a:latin typeface="Calibri"/>
             </a:endParaRPr>
@@ -4903,13 +5242,14 @@
           </a:prstGeom>
         </p:spPr>
         <p:txBody>
-          <a:bodyPr lIns="0" rIns="0" tIns="0" bIns="0">
+          <a:bodyPr lIns="0" tIns="0" rIns="0" bIns="0">
             <a:normAutofit/>
           </a:bodyPr>
-          <a:p>
-            <a:endParaRPr b="0" lang="en-US" sz="2800" spc="-1" strike="noStrike">
-              <a:solidFill>
-                <a:srgbClr val="ffffff"/>
+          <a:lstStyle/>
+          <a:p>
+            <a:endParaRPr lang="en-US" sz="2800" b="0" strike="noStrike" spc="-1">
+              <a:solidFill>
+                <a:srgbClr val="FFFFFF"/>
               </a:solidFill>
               <a:latin typeface="Calibri"/>
             </a:endParaRPr>
@@ -4936,13 +5276,14 @@
           </a:prstGeom>
         </p:spPr>
         <p:txBody>
-          <a:bodyPr lIns="0" rIns="0" tIns="0" bIns="0">
+          <a:bodyPr lIns="0" tIns="0" rIns="0" bIns="0">
             <a:normAutofit/>
           </a:bodyPr>
-          <a:p>
-            <a:endParaRPr b="0" lang="en-US" sz="2800" spc="-1" strike="noStrike">
-              <a:solidFill>
-                <a:srgbClr val="ffffff"/>
+          <a:lstStyle/>
+          <a:p>
+            <a:endParaRPr lang="en-US" sz="2800" b="0" strike="noStrike" spc="-1">
+              <a:solidFill>
+                <a:srgbClr val="FFFFFF"/>
               </a:solidFill>
               <a:latin typeface="Calibri"/>
             </a:endParaRPr>
@@ -4969,13 +5310,14 @@
           </a:prstGeom>
         </p:spPr>
         <p:txBody>
-          <a:bodyPr lIns="0" rIns="0" tIns="0" bIns="0">
+          <a:bodyPr lIns="0" tIns="0" rIns="0" bIns="0">
             <a:normAutofit/>
           </a:bodyPr>
-          <a:p>
-            <a:endParaRPr b="0" lang="en-US" sz="2800" spc="-1" strike="noStrike">
-              <a:solidFill>
-                <a:srgbClr val="ffffff"/>
+          <a:lstStyle/>
+          <a:p>
+            <a:endParaRPr lang="en-US" sz="2800" b="0" strike="noStrike" spc="-1">
+              <a:solidFill>
+                <a:srgbClr val="FFFFFF"/>
               </a:solidFill>
               <a:latin typeface="Calibri"/>
             </a:endParaRPr>
@@ -4984,11 +5326,14 @@
       </p:sp>
     </p:spTree>
   </p:cSld>
+  <p:clrMapOvr>
+    <a:masterClrMapping/>
+  </p:clrMapOvr>
 </p:sldLayout>
 </file>
 
 <file path=ppt/slideLayouts/slideLayout48.xml><?xml version="1.0" encoding="utf-8"?>
-<p:sldLayout xmlns:a="http://schemas.openxmlformats.org/drawingml/2006/main" xmlns:p="http://schemas.openxmlformats.org/presentationml/2006/main" xmlns:r="http://schemas.openxmlformats.org/officeDocument/2006/relationships" xmlns:p14="http://schemas.microsoft.com/office/powerpoint/2010/main" xmlns:p15="http://schemas.microsoft.com/office/powerpoint/2012/main" xmlns:mc="http://schemas.openxmlformats.org/markup-compatibility/2006" type="blank" preserve="1">
+<p:sldLayout xmlns:a="http://schemas.openxmlformats.org/drawingml/2006/main" xmlns:r="http://schemas.openxmlformats.org/officeDocument/2006/relationships" xmlns:p="http://schemas.openxmlformats.org/presentationml/2006/main" type="blank" preserve="1">
   <p:cSld name="Title, 6 Content">
     <p:spTree>
       <p:nvGrpSpPr>
@@ -5024,13 +5369,14 @@
           </a:prstGeom>
         </p:spPr>
         <p:txBody>
-          <a:bodyPr lIns="0" rIns="0" tIns="0" bIns="0" anchor="ctr">
+          <a:bodyPr lIns="0" tIns="0" rIns="0" bIns="0" anchor="ctr">
             <a:noAutofit/>
           </a:bodyPr>
-          <a:p>
-            <a:endParaRPr b="0" lang="en-US" sz="2400" spc="-1" strike="noStrike">
-              <a:solidFill>
-                <a:srgbClr val="ffffff"/>
+          <a:lstStyle/>
+          <a:p>
+            <a:endParaRPr lang="en-US" sz="2400" b="0" strike="noStrike" spc="-1">
+              <a:solidFill>
+                <a:srgbClr val="FFFFFF"/>
               </a:solidFill>
               <a:latin typeface="Calibri"/>
             </a:endParaRPr>
@@ -5057,13 +5403,14 @@
           </a:prstGeom>
         </p:spPr>
         <p:txBody>
-          <a:bodyPr lIns="0" rIns="0" tIns="0" bIns="0">
+          <a:bodyPr lIns="0" tIns="0" rIns="0" bIns="0">
             <a:normAutofit/>
           </a:bodyPr>
-          <a:p>
-            <a:endParaRPr b="0" lang="en-US" sz="2800" spc="-1" strike="noStrike">
-              <a:solidFill>
-                <a:srgbClr val="ffffff"/>
+          <a:lstStyle/>
+          <a:p>
+            <a:endParaRPr lang="en-US" sz="2800" b="0" strike="noStrike" spc="-1">
+              <a:solidFill>
+                <a:srgbClr val="FFFFFF"/>
               </a:solidFill>
               <a:latin typeface="Calibri"/>
             </a:endParaRPr>
@@ -5090,13 +5437,14 @@
           </a:prstGeom>
         </p:spPr>
         <p:txBody>
-          <a:bodyPr lIns="0" rIns="0" tIns="0" bIns="0">
+          <a:bodyPr lIns="0" tIns="0" rIns="0" bIns="0">
             <a:normAutofit/>
           </a:bodyPr>
-          <a:p>
-            <a:endParaRPr b="0" lang="en-US" sz="2800" spc="-1" strike="noStrike">
-              <a:solidFill>
-                <a:srgbClr val="ffffff"/>
+          <a:lstStyle/>
+          <a:p>
+            <a:endParaRPr lang="en-US" sz="2800" b="0" strike="noStrike" spc="-1">
+              <a:solidFill>
+                <a:srgbClr val="FFFFFF"/>
               </a:solidFill>
               <a:latin typeface="Calibri"/>
             </a:endParaRPr>
@@ -5123,13 +5471,14 @@
           </a:prstGeom>
         </p:spPr>
         <p:txBody>
-          <a:bodyPr lIns="0" rIns="0" tIns="0" bIns="0">
+          <a:bodyPr lIns="0" tIns="0" rIns="0" bIns="0">
             <a:normAutofit/>
           </a:bodyPr>
-          <a:p>
-            <a:endParaRPr b="0" lang="en-US" sz="2800" spc="-1" strike="noStrike">
-              <a:solidFill>
-                <a:srgbClr val="ffffff"/>
+          <a:lstStyle/>
+          <a:p>
+            <a:endParaRPr lang="en-US" sz="2800" b="0" strike="noStrike" spc="-1">
+              <a:solidFill>
+                <a:srgbClr val="FFFFFF"/>
               </a:solidFill>
               <a:latin typeface="Calibri"/>
             </a:endParaRPr>
@@ -5156,13 +5505,14 @@
           </a:prstGeom>
         </p:spPr>
         <p:txBody>
-          <a:bodyPr lIns="0" rIns="0" tIns="0" bIns="0">
+          <a:bodyPr lIns="0" tIns="0" rIns="0" bIns="0">
             <a:normAutofit/>
           </a:bodyPr>
-          <a:p>
-            <a:endParaRPr b="0" lang="en-US" sz="2800" spc="-1" strike="noStrike">
-              <a:solidFill>
-                <a:srgbClr val="ffffff"/>
+          <a:lstStyle/>
+          <a:p>
+            <a:endParaRPr lang="en-US" sz="2800" b="0" strike="noStrike" spc="-1">
+              <a:solidFill>
+                <a:srgbClr val="FFFFFF"/>
               </a:solidFill>
               <a:latin typeface="Calibri"/>
             </a:endParaRPr>
@@ -5189,13 +5539,14 @@
           </a:prstGeom>
         </p:spPr>
         <p:txBody>
-          <a:bodyPr lIns="0" rIns="0" tIns="0" bIns="0">
+          <a:bodyPr lIns="0" tIns="0" rIns="0" bIns="0">
             <a:normAutofit/>
           </a:bodyPr>
-          <a:p>
-            <a:endParaRPr b="0" lang="en-US" sz="2800" spc="-1" strike="noStrike">
-              <a:solidFill>
-                <a:srgbClr val="ffffff"/>
+          <a:lstStyle/>
+          <a:p>
+            <a:endParaRPr lang="en-US" sz="2800" b="0" strike="noStrike" spc="-1">
+              <a:solidFill>
+                <a:srgbClr val="FFFFFF"/>
               </a:solidFill>
               <a:latin typeface="Calibri"/>
             </a:endParaRPr>
@@ -5222,13 +5573,14 @@
           </a:prstGeom>
         </p:spPr>
         <p:txBody>
-          <a:bodyPr lIns="0" rIns="0" tIns="0" bIns="0">
+          <a:bodyPr lIns="0" tIns="0" rIns="0" bIns="0">
             <a:normAutofit/>
           </a:bodyPr>
-          <a:p>
-            <a:endParaRPr b="0" lang="en-US" sz="2800" spc="-1" strike="noStrike">
-              <a:solidFill>
-                <a:srgbClr val="ffffff"/>
+          <a:lstStyle/>
+          <a:p>
+            <a:endParaRPr lang="en-US" sz="2800" b="0" strike="noStrike" spc="-1">
+              <a:solidFill>
+                <a:srgbClr val="FFFFFF"/>
               </a:solidFill>
               <a:latin typeface="Calibri"/>
             </a:endParaRPr>
@@ -5237,11 +5589,14 @@
       </p:sp>
     </p:spTree>
   </p:cSld>
+  <p:clrMapOvr>
+    <a:masterClrMapping/>
+  </p:clrMapOvr>
 </p:sldLayout>
 </file>
 
 <file path=ppt/slideLayouts/slideLayout5.xml><?xml version="1.0" encoding="utf-8"?>
-<p:sldLayout xmlns:a="http://schemas.openxmlformats.org/drawingml/2006/main" xmlns:p="http://schemas.openxmlformats.org/presentationml/2006/main" xmlns:r="http://schemas.openxmlformats.org/officeDocument/2006/relationships" xmlns:p14="http://schemas.microsoft.com/office/powerpoint/2010/main" xmlns:p15="http://schemas.microsoft.com/office/powerpoint/2012/main" xmlns:mc="http://schemas.openxmlformats.org/markup-compatibility/2006" type="titleOnly" preserve="1">
+<p:sldLayout xmlns:a="http://schemas.openxmlformats.org/drawingml/2006/main" xmlns:r="http://schemas.openxmlformats.org/officeDocument/2006/relationships" xmlns:p="http://schemas.openxmlformats.org/presentationml/2006/main" type="titleOnly" preserve="1">
   <p:cSld name="Title Only">
     <p:spTree>
       <p:nvGrpSpPr>
@@ -5277,13 +5632,14 @@
           </a:prstGeom>
         </p:spPr>
         <p:txBody>
-          <a:bodyPr lIns="0" rIns="0" tIns="0" bIns="0" anchor="ctr">
+          <a:bodyPr lIns="0" tIns="0" rIns="0" bIns="0" anchor="ctr">
             <a:noAutofit/>
           </a:bodyPr>
-          <a:p>
-            <a:endParaRPr b="0" lang="en-US" sz="2400" spc="-1" strike="noStrike">
-              <a:solidFill>
-                <a:srgbClr val="ffffff"/>
+          <a:lstStyle/>
+          <a:p>
+            <a:endParaRPr lang="en-US" sz="2400" b="0" strike="noStrike" spc="-1">
+              <a:solidFill>
+                <a:srgbClr val="FFFFFF"/>
               </a:solidFill>
               <a:latin typeface="Calibri"/>
             </a:endParaRPr>
@@ -5292,11 +5648,14 @@
       </p:sp>
     </p:spTree>
   </p:cSld>
+  <p:clrMapOvr>
+    <a:masterClrMapping/>
+  </p:clrMapOvr>
 </p:sldLayout>
 </file>
 
 <file path=ppt/slideLayouts/slideLayout6.xml><?xml version="1.0" encoding="utf-8"?>
-<p:sldLayout xmlns:a="http://schemas.openxmlformats.org/drawingml/2006/main" xmlns:p="http://schemas.openxmlformats.org/presentationml/2006/main" xmlns:r="http://schemas.openxmlformats.org/officeDocument/2006/relationships" xmlns:p14="http://schemas.microsoft.com/office/powerpoint/2010/main" xmlns:p15="http://schemas.microsoft.com/office/powerpoint/2012/main" xmlns:mc="http://schemas.openxmlformats.org/markup-compatibility/2006" type="objOnly" preserve="1">
+<p:sldLayout xmlns:a="http://schemas.openxmlformats.org/drawingml/2006/main" xmlns:r="http://schemas.openxmlformats.org/officeDocument/2006/relationships" xmlns:p="http://schemas.openxmlformats.org/presentationml/2006/main" type="objOnly" preserve="1">
   <p:cSld name="Centered Text">
     <p:spTree>
       <p:nvGrpSpPr>
@@ -5332,12 +5691,13 @@
           </a:prstGeom>
         </p:spPr>
         <p:txBody>
-          <a:bodyPr lIns="0" rIns="0" tIns="0" bIns="0" anchor="ctr">
+          <a:bodyPr lIns="0" tIns="0" rIns="0" bIns="0" anchor="ctr">
             <a:noAutofit/>
           </a:bodyPr>
+          <a:lstStyle/>
           <a:p>
             <a:pPr algn="ctr"/>
-            <a:endParaRPr b="0" lang="en-US" sz="3200" spc="-1" strike="noStrike">
+            <a:endParaRPr lang="en-US" sz="3200" b="0" strike="noStrike" spc="-1">
               <a:latin typeface="Arial"/>
             </a:endParaRPr>
           </a:p>
@@ -5345,11 +5705,14 @@
       </p:sp>
     </p:spTree>
   </p:cSld>
+  <p:clrMapOvr>
+    <a:masterClrMapping/>
+  </p:clrMapOvr>
 </p:sldLayout>
 </file>
 
 <file path=ppt/slideLayouts/slideLayout7.xml><?xml version="1.0" encoding="utf-8"?>
-<p:sldLayout xmlns:a="http://schemas.openxmlformats.org/drawingml/2006/main" xmlns:p="http://schemas.openxmlformats.org/presentationml/2006/main" xmlns:r="http://schemas.openxmlformats.org/officeDocument/2006/relationships" xmlns:p14="http://schemas.microsoft.com/office/powerpoint/2010/main" xmlns:p15="http://schemas.microsoft.com/office/powerpoint/2012/main" xmlns:mc="http://schemas.openxmlformats.org/markup-compatibility/2006" type="twoObjAndObj" preserve="1">
+<p:sldLayout xmlns:a="http://schemas.openxmlformats.org/drawingml/2006/main" xmlns:r="http://schemas.openxmlformats.org/officeDocument/2006/relationships" xmlns:p="http://schemas.openxmlformats.org/presentationml/2006/main" type="twoObjAndObj" preserve="1">
   <p:cSld name="Title, 2 Content and Content">
     <p:spTree>
       <p:nvGrpSpPr>
@@ -5385,13 +5748,14 @@
           </a:prstGeom>
         </p:spPr>
         <p:txBody>
-          <a:bodyPr lIns="0" rIns="0" tIns="0" bIns="0" anchor="ctr">
+          <a:bodyPr lIns="0" tIns="0" rIns="0" bIns="0" anchor="ctr">
             <a:noAutofit/>
           </a:bodyPr>
-          <a:p>
-            <a:endParaRPr b="0" lang="en-US" sz="2400" spc="-1" strike="noStrike">
-              <a:solidFill>
-                <a:srgbClr val="ffffff"/>
+          <a:lstStyle/>
+          <a:p>
+            <a:endParaRPr lang="en-US" sz="2400" b="0" strike="noStrike" spc="-1">
+              <a:solidFill>
+                <a:srgbClr val="FFFFFF"/>
               </a:solidFill>
               <a:latin typeface="Calibri"/>
             </a:endParaRPr>
@@ -5418,13 +5782,14 @@
           </a:prstGeom>
         </p:spPr>
         <p:txBody>
-          <a:bodyPr lIns="0" rIns="0" tIns="0" bIns="0">
+          <a:bodyPr lIns="0" tIns="0" rIns="0" bIns="0">
             <a:normAutofit/>
           </a:bodyPr>
-          <a:p>
-            <a:endParaRPr b="0" lang="en-US" sz="2800" spc="-1" strike="noStrike">
-              <a:solidFill>
-                <a:srgbClr val="ffffff"/>
+          <a:lstStyle/>
+          <a:p>
+            <a:endParaRPr lang="en-US" sz="2800" b="0" strike="noStrike" spc="-1">
+              <a:solidFill>
+                <a:srgbClr val="FFFFFF"/>
               </a:solidFill>
               <a:latin typeface="Calibri"/>
             </a:endParaRPr>
@@ -5451,13 +5816,14 @@
           </a:prstGeom>
         </p:spPr>
         <p:txBody>
-          <a:bodyPr lIns="0" rIns="0" tIns="0" bIns="0">
+          <a:bodyPr lIns="0" tIns="0" rIns="0" bIns="0">
             <a:normAutofit/>
           </a:bodyPr>
-          <a:p>
-            <a:endParaRPr b="0" lang="en-US" sz="2800" spc="-1" strike="noStrike">
-              <a:solidFill>
-                <a:srgbClr val="ffffff"/>
+          <a:lstStyle/>
+          <a:p>
+            <a:endParaRPr lang="en-US" sz="2800" b="0" strike="noStrike" spc="-1">
+              <a:solidFill>
+                <a:srgbClr val="FFFFFF"/>
               </a:solidFill>
               <a:latin typeface="Calibri"/>
             </a:endParaRPr>
@@ -5484,13 +5850,14 @@
           </a:prstGeom>
         </p:spPr>
         <p:txBody>
-          <a:bodyPr lIns="0" rIns="0" tIns="0" bIns="0">
+          <a:bodyPr lIns="0" tIns="0" rIns="0" bIns="0">
             <a:normAutofit/>
           </a:bodyPr>
-          <a:p>
-            <a:endParaRPr b="0" lang="en-US" sz="2800" spc="-1" strike="noStrike">
-              <a:solidFill>
-                <a:srgbClr val="ffffff"/>
+          <a:lstStyle/>
+          <a:p>
+            <a:endParaRPr lang="en-US" sz="2800" b="0" strike="noStrike" spc="-1">
+              <a:solidFill>
+                <a:srgbClr val="FFFFFF"/>
               </a:solidFill>
               <a:latin typeface="Calibri"/>
             </a:endParaRPr>
@@ -5499,11 +5866,14 @@
       </p:sp>
     </p:spTree>
   </p:cSld>
+  <p:clrMapOvr>
+    <a:masterClrMapping/>
+  </p:clrMapOvr>
 </p:sldLayout>
 </file>
 
 <file path=ppt/slideLayouts/slideLayout8.xml><?xml version="1.0" encoding="utf-8"?>
-<p:sldLayout xmlns:a="http://schemas.openxmlformats.org/drawingml/2006/main" xmlns:p="http://schemas.openxmlformats.org/presentationml/2006/main" xmlns:r="http://schemas.openxmlformats.org/officeDocument/2006/relationships" xmlns:p14="http://schemas.microsoft.com/office/powerpoint/2010/main" xmlns:p15="http://schemas.microsoft.com/office/powerpoint/2012/main" xmlns:mc="http://schemas.openxmlformats.org/markup-compatibility/2006" type="objAndTwoObj" preserve="1">
+<p:sldLayout xmlns:a="http://schemas.openxmlformats.org/drawingml/2006/main" xmlns:r="http://schemas.openxmlformats.org/officeDocument/2006/relationships" xmlns:p="http://schemas.openxmlformats.org/presentationml/2006/main" type="objAndTwoObj" preserve="1">
   <p:cSld name="Title Content and 2 Content">
     <p:spTree>
       <p:nvGrpSpPr>
@@ -5539,13 +5909,14 @@
           </a:prstGeom>
         </p:spPr>
         <p:txBody>
-          <a:bodyPr lIns="0" rIns="0" tIns="0" bIns="0" anchor="ctr">
+          <a:bodyPr lIns="0" tIns="0" rIns="0" bIns="0" anchor="ctr">
             <a:noAutofit/>
           </a:bodyPr>
-          <a:p>
-            <a:endParaRPr b="0" lang="en-US" sz="2400" spc="-1" strike="noStrike">
-              <a:solidFill>
-                <a:srgbClr val="ffffff"/>
+          <a:lstStyle/>
+          <a:p>
+            <a:endParaRPr lang="en-US" sz="2400" b="0" strike="noStrike" spc="-1">
+              <a:solidFill>
+                <a:srgbClr val="FFFFFF"/>
               </a:solidFill>
               <a:latin typeface="Calibri"/>
             </a:endParaRPr>
@@ -5572,13 +5943,14 @@
           </a:prstGeom>
         </p:spPr>
         <p:txBody>
-          <a:bodyPr lIns="0" rIns="0" tIns="0" bIns="0">
+          <a:bodyPr lIns="0" tIns="0" rIns="0" bIns="0">
             <a:normAutofit/>
           </a:bodyPr>
-          <a:p>
-            <a:endParaRPr b="0" lang="en-US" sz="2800" spc="-1" strike="noStrike">
-              <a:solidFill>
-                <a:srgbClr val="ffffff"/>
+          <a:lstStyle/>
+          <a:p>
+            <a:endParaRPr lang="en-US" sz="2800" b="0" strike="noStrike" spc="-1">
+              <a:solidFill>
+                <a:srgbClr val="FFFFFF"/>
               </a:solidFill>
               <a:latin typeface="Calibri"/>
             </a:endParaRPr>
@@ -5605,13 +5977,14 @@
           </a:prstGeom>
         </p:spPr>
         <p:txBody>
-          <a:bodyPr lIns="0" rIns="0" tIns="0" bIns="0">
+          <a:bodyPr lIns="0" tIns="0" rIns="0" bIns="0">
             <a:normAutofit/>
           </a:bodyPr>
-          <a:p>
-            <a:endParaRPr b="0" lang="en-US" sz="2800" spc="-1" strike="noStrike">
-              <a:solidFill>
-                <a:srgbClr val="ffffff"/>
+          <a:lstStyle/>
+          <a:p>
+            <a:endParaRPr lang="en-US" sz="2800" b="0" strike="noStrike" spc="-1">
+              <a:solidFill>
+                <a:srgbClr val="FFFFFF"/>
               </a:solidFill>
               <a:latin typeface="Calibri"/>
             </a:endParaRPr>
@@ -5638,13 +6011,14 @@
           </a:prstGeom>
         </p:spPr>
         <p:txBody>
-          <a:bodyPr lIns="0" rIns="0" tIns="0" bIns="0">
+          <a:bodyPr lIns="0" tIns="0" rIns="0" bIns="0">
             <a:normAutofit/>
           </a:bodyPr>
-          <a:p>
-            <a:endParaRPr b="0" lang="en-US" sz="2800" spc="-1" strike="noStrike">
-              <a:solidFill>
-                <a:srgbClr val="ffffff"/>
+          <a:lstStyle/>
+          <a:p>
+            <a:endParaRPr lang="en-US" sz="2800" b="0" strike="noStrike" spc="-1">
+              <a:solidFill>
+                <a:srgbClr val="FFFFFF"/>
               </a:solidFill>
               <a:latin typeface="Calibri"/>
             </a:endParaRPr>
@@ -5653,11 +6027,14 @@
       </p:sp>
     </p:spTree>
   </p:cSld>
+  <p:clrMapOvr>
+    <a:masterClrMapping/>
+  </p:clrMapOvr>
 </p:sldLayout>
 </file>
 
 <file path=ppt/slideLayouts/slideLayout9.xml><?xml version="1.0" encoding="utf-8"?>
-<p:sldLayout xmlns:a="http://schemas.openxmlformats.org/drawingml/2006/main" xmlns:p="http://schemas.openxmlformats.org/presentationml/2006/main" xmlns:r="http://schemas.openxmlformats.org/officeDocument/2006/relationships" xmlns:p14="http://schemas.microsoft.com/office/powerpoint/2010/main" xmlns:p15="http://schemas.microsoft.com/office/powerpoint/2012/main" xmlns:mc="http://schemas.openxmlformats.org/markup-compatibility/2006" type="twoObjOverTx" preserve="1">
+<p:sldLayout xmlns:a="http://schemas.openxmlformats.org/drawingml/2006/main" xmlns:r="http://schemas.openxmlformats.org/officeDocument/2006/relationships" xmlns:p="http://schemas.openxmlformats.org/presentationml/2006/main" type="twoObjOverTx" preserve="1">
   <p:cSld name="Title, 2 Content over Content">
     <p:spTree>
       <p:nvGrpSpPr>
@@ -5693,13 +6070,14 @@
           </a:prstGeom>
         </p:spPr>
         <p:txBody>
-          <a:bodyPr lIns="0" rIns="0" tIns="0" bIns="0" anchor="ctr">
+          <a:bodyPr lIns="0" tIns="0" rIns="0" bIns="0" anchor="ctr">
             <a:noAutofit/>
           </a:bodyPr>
-          <a:p>
-            <a:endParaRPr b="0" lang="en-US" sz="2400" spc="-1" strike="noStrike">
-              <a:solidFill>
-                <a:srgbClr val="ffffff"/>
+          <a:lstStyle/>
+          <a:p>
+            <a:endParaRPr lang="en-US" sz="2400" b="0" strike="noStrike" spc="-1">
+              <a:solidFill>
+                <a:srgbClr val="FFFFFF"/>
               </a:solidFill>
               <a:latin typeface="Calibri"/>
             </a:endParaRPr>
@@ -5726,13 +6104,14 @@
           </a:prstGeom>
         </p:spPr>
         <p:txBody>
-          <a:bodyPr lIns="0" rIns="0" tIns="0" bIns="0">
+          <a:bodyPr lIns="0" tIns="0" rIns="0" bIns="0">
             <a:normAutofit/>
           </a:bodyPr>
-          <a:p>
-            <a:endParaRPr b="0" lang="en-US" sz="2800" spc="-1" strike="noStrike">
-              <a:solidFill>
-                <a:srgbClr val="ffffff"/>
+          <a:lstStyle/>
+          <a:p>
+            <a:endParaRPr lang="en-US" sz="2800" b="0" strike="noStrike" spc="-1">
+              <a:solidFill>
+                <a:srgbClr val="FFFFFF"/>
               </a:solidFill>
               <a:latin typeface="Calibri"/>
             </a:endParaRPr>
@@ -5759,13 +6138,14 @@
           </a:prstGeom>
         </p:spPr>
         <p:txBody>
-          <a:bodyPr lIns="0" rIns="0" tIns="0" bIns="0">
+          <a:bodyPr lIns="0" tIns="0" rIns="0" bIns="0">
             <a:normAutofit/>
           </a:bodyPr>
-          <a:p>
-            <a:endParaRPr b="0" lang="en-US" sz="2800" spc="-1" strike="noStrike">
-              <a:solidFill>
-                <a:srgbClr val="ffffff"/>
+          <a:lstStyle/>
+          <a:p>
+            <a:endParaRPr lang="en-US" sz="2800" b="0" strike="noStrike" spc="-1">
+              <a:solidFill>
+                <a:srgbClr val="FFFFFF"/>
               </a:solidFill>
               <a:latin typeface="Calibri"/>
             </a:endParaRPr>
@@ -5792,13 +6172,14 @@
           </a:prstGeom>
         </p:spPr>
         <p:txBody>
-          <a:bodyPr lIns="0" rIns="0" tIns="0" bIns="0">
+          <a:bodyPr lIns="0" tIns="0" rIns="0" bIns="0">
             <a:normAutofit/>
           </a:bodyPr>
-          <a:p>
-            <a:endParaRPr b="0" lang="en-US" sz="2800" spc="-1" strike="noStrike">
-              <a:solidFill>
-                <a:srgbClr val="ffffff"/>
+          <a:lstStyle/>
+          <a:p>
+            <a:endParaRPr lang="en-US" sz="2800" b="0" strike="noStrike" spc="-1">
+              <a:solidFill>
+                <a:srgbClr val="FFFFFF"/>
               </a:solidFill>
               <a:latin typeface="Calibri"/>
             </a:endParaRPr>
@@ -5807,11 +6188,14 @@
       </p:sp>
     </p:spTree>
   </p:cSld>
+  <p:clrMapOvr>
+    <a:masterClrMapping/>
+  </p:clrMapOvr>
 </p:sldLayout>
 </file>
 
 <file path=ppt/slideMasters/slideMaster1.xml><?xml version="1.0" encoding="utf-8"?>
-<p:sldMaster xmlns:a="http://schemas.openxmlformats.org/drawingml/2006/main" xmlns:p="http://schemas.openxmlformats.org/presentationml/2006/main" xmlns:r="http://schemas.openxmlformats.org/officeDocument/2006/relationships" xmlns:p14="http://schemas.microsoft.com/office/powerpoint/2010/main" xmlns:p15="http://schemas.microsoft.com/office/powerpoint/2012/main" xmlns:mc="http://schemas.openxmlformats.org/markup-compatibility/2006">
+<p:sldMaster xmlns:a="http://schemas.openxmlformats.org/drawingml/2006/main" xmlns:r="http://schemas.openxmlformats.org/officeDocument/2006/relationships" xmlns:p="http://schemas.openxmlformats.org/presentationml/2006/main">
   <p:cSld>
     <p:bg>
       <p:bgPr>
@@ -5821,11 +6205,12 @@
               <a:srgbClr val="000000"/>
             </a:gs>
             <a:gs pos="100000">
-              <a:srgbClr val="0e1830"/>
+              <a:srgbClr val="0E1830"/>
             </a:gs>
           </a:gsLst>
           <a:lin ang="3600000"/>
         </a:gradFill>
+        <a:effectLst/>
       </p:bgPr>
     </p:bg>
     <p:spTree>
@@ -5844,7 +6229,7 @@
       </p:grpSpPr>
       <p:grpSp>
         <p:nvGrpSpPr>
-          <p:cNvPr id="0" name="left lines"/>
+          <p:cNvPr id="17" name="left lines"/>
           <p:cNvGrpSpPr/>
           <p:nvPr/>
         </p:nvGrpSpPr>
@@ -5858,7 +6243,7 @@
         </p:grpSpPr>
         <p:sp>
           <p:nvSpPr>
-            <p:cNvPr id="1" name="Freeform 9"/>
+            <p:cNvPr id="18" name="Freeform 9"/>
             <p:cNvSpPr/>
             <p:nvPr/>
           </p:nvSpPr>
@@ -5871,6 +6256,7 @@
               <a:avLst/>
               <a:gdLst/>
               <a:ahLst/>
+              <a:cxnLst/>
               <a:rect l="l" t="t" r="r" b="b"/>
               <a:pathLst>
                 <a:path w="612775" h="3919538">
@@ -5923,6 +6309,7 @@
               <a:avLst/>
               <a:gdLst/>
               <a:ahLst/>
+              <a:cxnLst/>
               <a:rect l="l" t="t" r="r" b="b"/>
               <a:pathLst>
                 <a:path w="410751" h="3421856">
@@ -5975,6 +6362,7 @@
               <a:avLst/>
               <a:gdLst/>
               <a:ahLst/>
+              <a:cxnLst/>
               <a:rect l="l" t="t" r="r" b="b"/>
               <a:pathLst>
                 <a:path w="238919" h="2976561">
@@ -5995,7 +6383,7 @@
             <a:noFill/>
             <a:ln>
               <a:solidFill>
-                <a:srgbClr val="004d4d"/>
+                <a:srgbClr val="004D4D"/>
               </a:solidFill>
             </a:ln>
           </p:spPr>
@@ -6115,7 +6503,7 @@
             </a:prstGeom>
             <a:ln>
               <a:solidFill>
-                <a:srgbClr val="004d4d"/>
+                <a:srgbClr val="004D4D"/>
               </a:solidFill>
             </a:ln>
           </p:spPr>
@@ -6164,6 +6552,7 @@
               <a:avLst/>
               <a:gdLst/>
               <a:ahLst/>
+              <a:cxnLst/>
               <a:rect l="l" t="t" r="r" b="b"/>
               <a:pathLst>
                 <a:path w="612775" h="4115481">
@@ -6216,6 +6605,7 @@
               <a:avLst/>
               <a:gdLst/>
               <a:ahLst/>
+              <a:cxnLst/>
               <a:rect l="l" t="t" r="r" b="b"/>
               <a:pathLst>
                 <a:path w="410751" h="3621427">
@@ -6270,6 +6660,7 @@
               <a:avLst/>
               <a:gdLst/>
               <a:ahLst/>
+              <a:cxnLst/>
               <a:rect l="l" t="t" r="r" b="b"/>
               <a:pathLst>
                 <a:path w="241768" h="3179761">
@@ -6290,7 +6681,7 @@
             <a:noFill/>
             <a:ln>
               <a:solidFill>
-                <a:srgbClr val="004d4d"/>
+                <a:srgbClr val="004D4D"/>
               </a:solidFill>
             </a:ln>
           </p:spPr>
@@ -6330,9 +6721,10 @@
           </a:prstGeom>
         </p:spPr>
         <p:txBody>
-          <a:bodyPr lIns="122040" rIns="122040" tIns="60840" bIns="60840" anchor="b">
+          <a:bodyPr lIns="122040" tIns="60840" rIns="122040" bIns="60840" anchor="b">
             <a:normAutofit/>
           </a:bodyPr>
+          <a:lstStyle/>
           <a:p>
             <a:pPr>
               <a:lnSpc>
@@ -6340,20 +6732,14 @@
               </a:lnSpc>
             </a:pPr>
             <a:r>
-              <a:rPr b="0" lang="en-US" sz="5400" spc="-1" strike="noStrike">
+              <a:rPr lang="en-US" sz="5400" b="0" strike="noStrike" spc="-1">
                 <a:solidFill>
-                  <a:srgbClr val="ffffff"/>
+                  <a:srgbClr val="FFFFFF"/>
                 </a:solidFill>
                 <a:latin typeface="Calibri"/>
               </a:rPr>
               <a:t>Click to edit Master title style</a:t>
             </a:r>
-            <a:endParaRPr b="0" lang="en-US" sz="5400" spc="-1" strike="noStrike">
-              <a:solidFill>
-                <a:srgbClr val="ffffff"/>
-              </a:solidFill>
-              <a:latin typeface="Calibri"/>
-            </a:endParaRPr>
           </a:p>
         </p:txBody>
       </p:sp>
@@ -6377,9 +6763,10 @@
           </a:prstGeom>
         </p:spPr>
         <p:txBody>
-          <a:bodyPr lIns="122040" rIns="122040" tIns="60840" bIns="60840" anchor="ctr">
+          <a:bodyPr lIns="122040" tIns="60840" rIns="122040" bIns="60840" anchor="ctr">
             <a:noAutofit/>
           </a:bodyPr>
+          <a:lstStyle/>
           <a:p>
             <a:pPr>
               <a:lnSpc>
@@ -6387,15 +6774,15 @@
               </a:lnSpc>
             </a:pPr>
             <a:fld id="{BB58FC53-B6EA-4F96-AE7B-D335EE457678}" type="datetime">
-              <a:rPr b="0" lang="en-US" sz="1200" spc="-1" strike="noStrike">
+              <a:rPr lang="en-US" sz="1200" b="0" strike="noStrike" spc="-1">
                 <a:solidFill>
-                  <a:srgbClr val="ffffff"/>
+                  <a:srgbClr val="FFFFFF"/>
                 </a:solidFill>
                 <a:latin typeface="Calibri"/>
               </a:rPr>
-              <a:t>7/22/21</a:t>
+              <a:t>7/22/2021</a:t>
             </a:fld>
-            <a:endParaRPr b="0" lang="en-US" sz="1200" spc="-1" strike="noStrike">
+            <a:endParaRPr lang="en-US" sz="1200" b="0" strike="noStrike" spc="-1">
               <a:latin typeface="Times New Roman"/>
             </a:endParaRPr>
           </a:p>
@@ -6421,11 +6808,12 @@
           </a:prstGeom>
         </p:spPr>
         <p:txBody>
-          <a:bodyPr lIns="122040" rIns="122040" tIns="60840" bIns="60840" anchor="ctr">
+          <a:bodyPr lIns="122040" tIns="60840" rIns="122040" bIns="60840" anchor="ctr">
             <a:noAutofit/>
           </a:bodyPr>
-          <a:p>
-            <a:endParaRPr b="0" lang="en-US" sz="2400" spc="-1" strike="noStrike">
+          <a:lstStyle/>
+          <a:p>
+            <a:endParaRPr lang="en-US" sz="2400" b="0" strike="noStrike" spc="-1">
               <a:latin typeface="Times New Roman"/>
             </a:endParaRPr>
           </a:p>
@@ -6451,9 +6839,10 @@
           </a:prstGeom>
         </p:spPr>
         <p:txBody>
-          <a:bodyPr lIns="122040" rIns="122040" tIns="60840" bIns="60840" anchor="ctr">
+          <a:bodyPr lIns="122040" tIns="60840" rIns="122040" bIns="60840" anchor="ctr">
             <a:noAutofit/>
           </a:bodyPr>
+          <a:lstStyle/>
           <a:p>
             <a:pPr algn="r">
               <a:lnSpc>
@@ -6461,15 +6850,15 @@
               </a:lnSpc>
             </a:pPr>
             <a:fld id="{BE7CD0A7-2C19-4431-A5B5-150630615A59}" type="slidenum">
-              <a:rPr b="0" lang="en-US" sz="1200" spc="-1" strike="noStrike">
+              <a:rPr lang="en-US" sz="1200" b="0" strike="noStrike" spc="-1">
                 <a:solidFill>
-                  <a:srgbClr val="ffffff"/>
+                  <a:srgbClr val="FFFFFF"/>
                 </a:solidFill>
                 <a:latin typeface="Calibri"/>
               </a:rPr>
-              <a:t>&lt;number&gt;</a:t>
+              <a:t>‹#›</a:t>
             </a:fld>
-            <a:endParaRPr b="0" lang="en-US" sz="1200" spc="-1" strike="noStrike">
+            <a:endParaRPr lang="en-US" sz="1200" b="0" strike="noStrike" spc="-1">
               <a:latin typeface="Times New Roman"/>
             </a:endParaRPr>
           </a:p>
@@ -6495,229 +6884,468 @@
           </a:prstGeom>
         </p:spPr>
         <p:txBody>
-          <a:bodyPr lIns="0" rIns="0" tIns="0" bIns="0">
+          <a:bodyPr lIns="0" tIns="0" rIns="0" bIns="0">
             <a:normAutofit/>
           </a:bodyPr>
+          <a:lstStyle/>
           <a:p>
             <a:pPr marL="432000" indent="-324000">
               <a:spcBef>
                 <a:spcPts val="1417"/>
               </a:spcBef>
               <a:buClr>
-                <a:srgbClr val="ffffff"/>
+                <a:srgbClr val="FFFFFF"/>
               </a:buClr>
               <a:buSzPct val="45000"/>
               <a:buFont typeface="Wingdings" charset="2"/>
               <a:buChar char=""/>
             </a:pPr>
             <a:r>
-              <a:rPr b="0" lang="en-US" sz="2800" spc="-1" strike="noStrike">
+              <a:rPr lang="en-US" sz="2800" b="0" strike="noStrike" spc="-1">
                 <a:solidFill>
-                  <a:srgbClr val="ffffff"/>
+                  <a:srgbClr val="FFFFFF"/>
                 </a:solidFill>
                 <a:latin typeface="Calibri"/>
               </a:rPr>
               <a:t>Click to edit the outline text format</a:t>
             </a:r>
-            <a:endParaRPr b="0" lang="en-US" sz="2800" spc="-1" strike="noStrike">
-              <a:solidFill>
-                <a:srgbClr val="ffffff"/>
-              </a:solidFill>
-              <a:latin typeface="Calibri"/>
-            </a:endParaRPr>
-          </a:p>
-          <a:p>
-            <a:pPr lvl="1" marL="864000" indent="-324000">
+          </a:p>
+          <a:p>
+            <a:pPr marL="864000" lvl="1" indent="-324000">
               <a:spcBef>
                 <a:spcPts val="1134"/>
               </a:spcBef>
               <a:buClr>
-                <a:srgbClr val="ffffff"/>
+                <a:srgbClr val="FFFFFF"/>
               </a:buClr>
               <a:buSzPct val="75000"/>
               <a:buFont typeface="Symbol" charset="2"/>
               <a:buChar char=""/>
             </a:pPr>
             <a:r>
-              <a:rPr b="0" lang="en-US" sz="2000" spc="-1" strike="noStrike">
+              <a:rPr lang="en-US" sz="2000" b="0" strike="noStrike" spc="-1">
                 <a:solidFill>
-                  <a:srgbClr val="ffffff"/>
+                  <a:srgbClr val="FFFFFF"/>
                 </a:solidFill>
                 <a:latin typeface="Calibri"/>
               </a:rPr>
               <a:t>Second Outline Level</a:t>
             </a:r>
-            <a:endParaRPr b="0" lang="en-US" sz="2000" spc="-1" strike="noStrike">
-              <a:solidFill>
-                <a:srgbClr val="ffffff"/>
-              </a:solidFill>
-              <a:latin typeface="Calibri"/>
-            </a:endParaRPr>
-          </a:p>
-          <a:p>
-            <a:pPr lvl="2" marL="1296000" indent="-288000">
+          </a:p>
+          <a:p>
+            <a:pPr marL="1296000" lvl="2" indent="-288000">
               <a:spcBef>
                 <a:spcPts val="850"/>
               </a:spcBef>
               <a:buClr>
-                <a:srgbClr val="ffffff"/>
+                <a:srgbClr val="FFFFFF"/>
               </a:buClr>
               <a:buSzPct val="45000"/>
               <a:buFont typeface="Wingdings" charset="2"/>
               <a:buChar char=""/>
             </a:pPr>
             <a:r>
-              <a:rPr b="0" lang="en-US" sz="2000" spc="-1" strike="noStrike">
+              <a:rPr lang="en-US" sz="2000" b="0" strike="noStrike" spc="-1">
                 <a:solidFill>
-                  <a:srgbClr val="ffffff"/>
+                  <a:srgbClr val="FFFFFF"/>
                 </a:solidFill>
                 <a:latin typeface="Calibri"/>
               </a:rPr>
               <a:t>Third Outline Level</a:t>
             </a:r>
-            <a:endParaRPr b="0" lang="en-US" sz="2000" spc="-1" strike="noStrike">
-              <a:solidFill>
-                <a:srgbClr val="ffffff"/>
-              </a:solidFill>
-              <a:latin typeface="Calibri"/>
-            </a:endParaRPr>
-          </a:p>
-          <a:p>
-            <a:pPr lvl="3" marL="1728000" indent="-216000">
+          </a:p>
+          <a:p>
+            <a:pPr marL="1728000" lvl="3" indent="-216000">
               <a:spcBef>
                 <a:spcPts val="567"/>
               </a:spcBef>
               <a:buClr>
-                <a:srgbClr val="ffffff"/>
+                <a:srgbClr val="FFFFFF"/>
               </a:buClr>
               <a:buSzPct val="75000"/>
               <a:buFont typeface="Symbol" charset="2"/>
               <a:buChar char=""/>
             </a:pPr>
             <a:r>
-              <a:rPr b="0" lang="en-US" sz="2000" spc="-1" strike="noStrike">
+              <a:rPr lang="en-US" sz="2000" b="0" strike="noStrike" spc="-1">
                 <a:solidFill>
-                  <a:srgbClr val="ffffff"/>
+                  <a:srgbClr val="FFFFFF"/>
                 </a:solidFill>
                 <a:latin typeface="Calibri"/>
               </a:rPr>
               <a:t>Fourth Outline Level</a:t>
             </a:r>
-            <a:endParaRPr b="0" lang="en-US" sz="2000" spc="-1" strike="noStrike">
-              <a:solidFill>
-                <a:srgbClr val="ffffff"/>
-              </a:solidFill>
-              <a:latin typeface="Calibri"/>
-            </a:endParaRPr>
-          </a:p>
-          <a:p>
-            <a:pPr lvl="4" marL="2160000" indent="-216000">
+          </a:p>
+          <a:p>
+            <a:pPr marL="2160000" lvl="4" indent="-216000">
               <a:spcBef>
                 <a:spcPts val="283"/>
               </a:spcBef>
               <a:buClr>
-                <a:srgbClr val="ffffff"/>
+                <a:srgbClr val="FFFFFF"/>
               </a:buClr>
               <a:buSzPct val="45000"/>
               <a:buFont typeface="Wingdings" charset="2"/>
               <a:buChar char=""/>
             </a:pPr>
             <a:r>
-              <a:rPr b="0" lang="en-US" sz="2000" spc="-1" strike="noStrike">
+              <a:rPr lang="en-US" sz="2000" b="0" strike="noStrike" spc="-1">
                 <a:solidFill>
-                  <a:srgbClr val="ffffff"/>
+                  <a:srgbClr val="FFFFFF"/>
                 </a:solidFill>
                 <a:latin typeface="Calibri"/>
               </a:rPr>
               <a:t>Fifth Outline Level</a:t>
             </a:r>
-            <a:endParaRPr b="0" lang="en-US" sz="2000" spc="-1" strike="noStrike">
-              <a:solidFill>
-                <a:srgbClr val="ffffff"/>
-              </a:solidFill>
-              <a:latin typeface="Calibri"/>
-            </a:endParaRPr>
-          </a:p>
-          <a:p>
-            <a:pPr lvl="5" marL="2592000" indent="-216000">
+          </a:p>
+          <a:p>
+            <a:pPr marL="2592000" lvl="5" indent="-216000">
               <a:spcBef>
                 <a:spcPts val="283"/>
               </a:spcBef>
               <a:buClr>
-                <a:srgbClr val="ffffff"/>
+                <a:srgbClr val="FFFFFF"/>
               </a:buClr>
               <a:buSzPct val="45000"/>
               <a:buFont typeface="Wingdings" charset="2"/>
               <a:buChar char=""/>
             </a:pPr>
             <a:r>
-              <a:rPr b="0" lang="en-US" sz="2000" spc="-1" strike="noStrike">
+              <a:rPr lang="en-US" sz="2000" b="0" strike="noStrike" spc="-1">
                 <a:solidFill>
-                  <a:srgbClr val="ffffff"/>
+                  <a:srgbClr val="FFFFFF"/>
                 </a:solidFill>
                 <a:latin typeface="Calibri"/>
               </a:rPr>
               <a:t>Sixth Outline Level</a:t>
             </a:r>
-            <a:endParaRPr b="0" lang="en-US" sz="2000" spc="-1" strike="noStrike">
-              <a:solidFill>
-                <a:srgbClr val="ffffff"/>
-              </a:solidFill>
-              <a:latin typeface="Calibri"/>
-            </a:endParaRPr>
-          </a:p>
-          <a:p>
-            <a:pPr lvl="6" marL="3024000" indent="-216000">
+          </a:p>
+          <a:p>
+            <a:pPr marL="3024000" lvl="6" indent="-216000">
               <a:spcBef>
                 <a:spcPts val="283"/>
               </a:spcBef>
               <a:buClr>
-                <a:srgbClr val="ffffff"/>
+                <a:srgbClr val="FFFFFF"/>
               </a:buClr>
               <a:buSzPct val="45000"/>
               <a:buFont typeface="Wingdings" charset="2"/>
               <a:buChar char=""/>
             </a:pPr>
             <a:r>
-              <a:rPr b="0" lang="en-US" sz="2000" spc="-1" strike="noStrike">
+              <a:rPr lang="en-US" sz="2000" b="0" strike="noStrike" spc="-1">
                 <a:solidFill>
-                  <a:srgbClr val="ffffff"/>
+                  <a:srgbClr val="FFFFFF"/>
                 </a:solidFill>
                 <a:latin typeface="Calibri"/>
               </a:rPr>
               <a:t>Seventh Outline Level</a:t>
             </a:r>
-            <a:endParaRPr b="0" lang="en-US" sz="2000" spc="-1" strike="noStrike">
-              <a:solidFill>
-                <a:srgbClr val="ffffff"/>
-              </a:solidFill>
-              <a:latin typeface="Calibri"/>
-            </a:endParaRPr>
           </a:p>
         </p:txBody>
       </p:sp>
     </p:spTree>
   </p:cSld>
-  <p:clrMap bg1="lt1" bg2="lt2" tx1="dk1" tx2="dk2" accent1="accent1" accent2="accent2" accent3="accent3" accent4="accent4" accent5="accent5" accent6="accent6" hlink="hlink" folHlink="folHlink"/>
+  <p:clrMap bg1="lt1" tx1="dk1" bg2="lt2" tx2="dk2" accent1="accent1" accent2="accent2" accent3="accent3" accent4="accent4" accent5="accent5" accent6="accent6" hlink="hlink" folHlink="folHlink"/>
   <p:sldLayoutIdLst>
-    <p:sldLayoutId id="2147483649" r:id="rId2"/>
-    <p:sldLayoutId id="2147483650" r:id="rId3"/>
-    <p:sldLayoutId id="2147483651" r:id="rId4"/>
-    <p:sldLayoutId id="2147483652" r:id="rId5"/>
-    <p:sldLayoutId id="2147483653" r:id="rId6"/>
-    <p:sldLayoutId id="2147483654" r:id="rId7"/>
-    <p:sldLayoutId id="2147483655" r:id="rId8"/>
-    <p:sldLayoutId id="2147483656" r:id="rId9"/>
-    <p:sldLayoutId id="2147483657" r:id="rId10"/>
-    <p:sldLayoutId id="2147483658" r:id="rId11"/>
-    <p:sldLayoutId id="2147483659" r:id="rId12"/>
-    <p:sldLayoutId id="2147483660" r:id="rId13"/>
+    <p:sldLayoutId id="2147483649" r:id="rId1"/>
+    <p:sldLayoutId id="2147483650" r:id="rId2"/>
+    <p:sldLayoutId id="2147483651" r:id="rId3"/>
+    <p:sldLayoutId id="2147483652" r:id="rId4"/>
+    <p:sldLayoutId id="2147483653" r:id="rId5"/>
+    <p:sldLayoutId id="2147483654" r:id="rId6"/>
+    <p:sldLayoutId id="2147483655" r:id="rId7"/>
+    <p:sldLayoutId id="2147483656" r:id="rId8"/>
+    <p:sldLayoutId id="2147483657" r:id="rId9"/>
+    <p:sldLayoutId id="2147483658" r:id="rId10"/>
+    <p:sldLayoutId id="2147483659" r:id="rId11"/>
+    <p:sldLayoutId id="2147483660" r:id="rId12"/>
   </p:sldLayoutIdLst>
+  <p:txStyles>
+    <p:titleStyle>
+      <a:lvl1pPr algn="l" defTabSz="914400" rtl="0" eaLnBrk="1" latinLnBrk="0" hangingPunct="1">
+        <a:lnSpc>
+          <a:spcPct val="90000"/>
+        </a:lnSpc>
+        <a:spcBef>
+          <a:spcPct val="0"/>
+        </a:spcBef>
+        <a:buNone/>
+        <a:defRPr sz="4400" kern="1200">
+          <a:solidFill>
+            <a:schemeClr val="tx1"/>
+          </a:solidFill>
+          <a:latin typeface="+mj-lt"/>
+          <a:ea typeface="+mj-ea"/>
+          <a:cs typeface="+mj-cs"/>
+        </a:defRPr>
+      </a:lvl1pPr>
+    </p:titleStyle>
+    <p:bodyStyle>
+      <a:lvl1pPr marL="228600" indent="-228600" algn="l" defTabSz="914400" rtl="0" eaLnBrk="1" latinLnBrk="0" hangingPunct="1">
+        <a:lnSpc>
+          <a:spcPct val="90000"/>
+        </a:lnSpc>
+        <a:spcBef>
+          <a:spcPts val="1000"/>
+        </a:spcBef>
+        <a:buFont typeface="Arial" panose="020B0604020202020204" pitchFamily="34" charset="0"/>
+        <a:buChar char="•"/>
+        <a:defRPr sz="2800" kern="1200">
+          <a:solidFill>
+            <a:schemeClr val="tx1"/>
+          </a:solidFill>
+          <a:latin typeface="+mn-lt"/>
+          <a:ea typeface="+mn-ea"/>
+          <a:cs typeface="+mn-cs"/>
+        </a:defRPr>
+      </a:lvl1pPr>
+      <a:lvl2pPr marL="685800" indent="-228600" algn="l" defTabSz="914400" rtl="0" eaLnBrk="1" latinLnBrk="0" hangingPunct="1">
+        <a:lnSpc>
+          <a:spcPct val="90000"/>
+        </a:lnSpc>
+        <a:spcBef>
+          <a:spcPts val="500"/>
+        </a:spcBef>
+        <a:buFont typeface="Arial" panose="020B0604020202020204" pitchFamily="34" charset="0"/>
+        <a:buChar char="•"/>
+        <a:defRPr sz="2400" kern="1200">
+          <a:solidFill>
+            <a:schemeClr val="tx1"/>
+          </a:solidFill>
+          <a:latin typeface="+mn-lt"/>
+          <a:ea typeface="+mn-ea"/>
+          <a:cs typeface="+mn-cs"/>
+        </a:defRPr>
+      </a:lvl2pPr>
+      <a:lvl3pPr marL="1143000" indent="-228600" algn="l" defTabSz="914400" rtl="0" eaLnBrk="1" latinLnBrk="0" hangingPunct="1">
+        <a:lnSpc>
+          <a:spcPct val="90000"/>
+        </a:lnSpc>
+        <a:spcBef>
+          <a:spcPts val="500"/>
+        </a:spcBef>
+        <a:buFont typeface="Arial" panose="020B0604020202020204" pitchFamily="34" charset="0"/>
+        <a:buChar char="•"/>
+        <a:defRPr sz="2000" kern="1200">
+          <a:solidFill>
+            <a:schemeClr val="tx1"/>
+          </a:solidFill>
+          <a:latin typeface="+mn-lt"/>
+          <a:ea typeface="+mn-ea"/>
+          <a:cs typeface="+mn-cs"/>
+        </a:defRPr>
+      </a:lvl3pPr>
+      <a:lvl4pPr marL="1600200" indent="-228600" algn="l" defTabSz="914400" rtl="0" eaLnBrk="1" latinLnBrk="0" hangingPunct="1">
+        <a:lnSpc>
+          <a:spcPct val="90000"/>
+        </a:lnSpc>
+        <a:spcBef>
+          <a:spcPts val="500"/>
+        </a:spcBef>
+        <a:buFont typeface="Arial" panose="020B0604020202020204" pitchFamily="34" charset="0"/>
+        <a:buChar char="•"/>
+        <a:defRPr sz="1800" kern="1200">
+          <a:solidFill>
+            <a:schemeClr val="tx1"/>
+          </a:solidFill>
+          <a:latin typeface="+mn-lt"/>
+          <a:ea typeface="+mn-ea"/>
+          <a:cs typeface="+mn-cs"/>
+        </a:defRPr>
+      </a:lvl4pPr>
+      <a:lvl5pPr marL="2057400" indent="-228600" algn="l" defTabSz="914400" rtl="0" eaLnBrk="1" latinLnBrk="0" hangingPunct="1">
+        <a:lnSpc>
+          <a:spcPct val="90000"/>
+        </a:lnSpc>
+        <a:spcBef>
+          <a:spcPts val="500"/>
+        </a:spcBef>
+        <a:buFont typeface="Arial" panose="020B0604020202020204" pitchFamily="34" charset="0"/>
+        <a:buChar char="•"/>
+        <a:defRPr sz="1800" kern="1200">
+          <a:solidFill>
+            <a:schemeClr val="tx1"/>
+          </a:solidFill>
+          <a:latin typeface="+mn-lt"/>
+          <a:ea typeface="+mn-ea"/>
+          <a:cs typeface="+mn-cs"/>
+        </a:defRPr>
+      </a:lvl5pPr>
+      <a:lvl6pPr marL="2514600" indent="-228600" algn="l" defTabSz="914400" rtl="0" eaLnBrk="1" latinLnBrk="0" hangingPunct="1">
+        <a:lnSpc>
+          <a:spcPct val="90000"/>
+        </a:lnSpc>
+        <a:spcBef>
+          <a:spcPts val="500"/>
+        </a:spcBef>
+        <a:buFont typeface="Arial" panose="020B0604020202020204" pitchFamily="34" charset="0"/>
+        <a:buChar char="•"/>
+        <a:defRPr sz="1800" kern="1200">
+          <a:solidFill>
+            <a:schemeClr val="tx1"/>
+          </a:solidFill>
+          <a:latin typeface="+mn-lt"/>
+          <a:ea typeface="+mn-ea"/>
+          <a:cs typeface="+mn-cs"/>
+        </a:defRPr>
+      </a:lvl6pPr>
+      <a:lvl7pPr marL="2971800" indent="-228600" algn="l" defTabSz="914400" rtl="0" eaLnBrk="1" latinLnBrk="0" hangingPunct="1">
+        <a:lnSpc>
+          <a:spcPct val="90000"/>
+        </a:lnSpc>
+        <a:spcBef>
+          <a:spcPts val="500"/>
+        </a:spcBef>
+        <a:buFont typeface="Arial" panose="020B0604020202020204" pitchFamily="34" charset="0"/>
+        <a:buChar char="•"/>
+        <a:defRPr sz="1800" kern="1200">
+          <a:solidFill>
+            <a:schemeClr val="tx1"/>
+          </a:solidFill>
+          <a:latin typeface="+mn-lt"/>
+          <a:ea typeface="+mn-ea"/>
+          <a:cs typeface="+mn-cs"/>
+        </a:defRPr>
+      </a:lvl7pPr>
+      <a:lvl8pPr marL="3429000" indent="-228600" algn="l" defTabSz="914400" rtl="0" eaLnBrk="1" latinLnBrk="0" hangingPunct="1">
+        <a:lnSpc>
+          <a:spcPct val="90000"/>
+        </a:lnSpc>
+        <a:spcBef>
+          <a:spcPts val="500"/>
+        </a:spcBef>
+        <a:buFont typeface="Arial" panose="020B0604020202020204" pitchFamily="34" charset="0"/>
+        <a:buChar char="•"/>
+        <a:defRPr sz="1800" kern="1200">
+          <a:solidFill>
+            <a:schemeClr val="tx1"/>
+          </a:solidFill>
+          <a:latin typeface="+mn-lt"/>
+          <a:ea typeface="+mn-ea"/>
+          <a:cs typeface="+mn-cs"/>
+        </a:defRPr>
+      </a:lvl8pPr>
+      <a:lvl9pPr marL="3886200" indent="-228600" algn="l" defTabSz="914400" rtl="0" eaLnBrk="1" latinLnBrk="0" hangingPunct="1">
+        <a:lnSpc>
+          <a:spcPct val="90000"/>
+        </a:lnSpc>
+        <a:spcBef>
+          <a:spcPts val="500"/>
+        </a:spcBef>
+        <a:buFont typeface="Arial" panose="020B0604020202020204" pitchFamily="34" charset="0"/>
+        <a:buChar char="•"/>
+        <a:defRPr sz="1800" kern="1200">
+          <a:solidFill>
+            <a:schemeClr val="tx1"/>
+          </a:solidFill>
+          <a:latin typeface="+mn-lt"/>
+          <a:ea typeface="+mn-ea"/>
+          <a:cs typeface="+mn-cs"/>
+        </a:defRPr>
+      </a:lvl9pPr>
+    </p:bodyStyle>
+    <p:otherStyle>
+      <a:defPPr>
+        <a:defRPr lang="en-US"/>
+      </a:defPPr>
+      <a:lvl1pPr marL="0" algn="l" defTabSz="914400" rtl="0" eaLnBrk="1" latinLnBrk="0" hangingPunct="1">
+        <a:defRPr sz="1800" kern="1200">
+          <a:solidFill>
+            <a:schemeClr val="tx1"/>
+          </a:solidFill>
+          <a:latin typeface="+mn-lt"/>
+          <a:ea typeface="+mn-ea"/>
+          <a:cs typeface="+mn-cs"/>
+        </a:defRPr>
+      </a:lvl1pPr>
+      <a:lvl2pPr marL="457200" algn="l" defTabSz="914400" rtl="0" eaLnBrk="1" latinLnBrk="0" hangingPunct="1">
+        <a:defRPr sz="1800" kern="1200">
+          <a:solidFill>
+            <a:schemeClr val="tx1"/>
+          </a:solidFill>
+          <a:latin typeface="+mn-lt"/>
+          <a:ea typeface="+mn-ea"/>
+          <a:cs typeface="+mn-cs"/>
+        </a:defRPr>
+      </a:lvl2pPr>
+      <a:lvl3pPr marL="914400" algn="l" defTabSz="914400" rtl="0" eaLnBrk="1" latinLnBrk="0" hangingPunct="1">
+        <a:defRPr sz="1800" kern="1200">
+          <a:solidFill>
+            <a:schemeClr val="tx1"/>
+          </a:solidFill>
+          <a:latin typeface="+mn-lt"/>
+          <a:ea typeface="+mn-ea"/>
+          <a:cs typeface="+mn-cs"/>
+        </a:defRPr>
+      </a:lvl3pPr>
+      <a:lvl4pPr marL="1371600" algn="l" defTabSz="914400" rtl="0" eaLnBrk="1" latinLnBrk="0" hangingPunct="1">
+        <a:defRPr sz="1800" kern="1200">
+          <a:solidFill>
+            <a:schemeClr val="tx1"/>
+          </a:solidFill>
+          <a:latin typeface="+mn-lt"/>
+          <a:ea typeface="+mn-ea"/>
+          <a:cs typeface="+mn-cs"/>
+        </a:defRPr>
+      </a:lvl4pPr>
+      <a:lvl5pPr marL="1828800" algn="l" defTabSz="914400" rtl="0" eaLnBrk="1" latinLnBrk="0" hangingPunct="1">
+        <a:defRPr sz="1800" kern="1200">
+          <a:solidFill>
+            <a:schemeClr val="tx1"/>
+          </a:solidFill>
+          <a:latin typeface="+mn-lt"/>
+          <a:ea typeface="+mn-ea"/>
+          <a:cs typeface="+mn-cs"/>
+        </a:defRPr>
+      </a:lvl5pPr>
+      <a:lvl6pPr marL="2286000" algn="l" defTabSz="914400" rtl="0" eaLnBrk="1" latinLnBrk="0" hangingPunct="1">
+        <a:defRPr sz="1800" kern="1200">
+          <a:solidFill>
+            <a:schemeClr val="tx1"/>
+          </a:solidFill>
+          <a:latin typeface="+mn-lt"/>
+          <a:ea typeface="+mn-ea"/>
+          <a:cs typeface="+mn-cs"/>
+        </a:defRPr>
+      </a:lvl6pPr>
+      <a:lvl7pPr marL="2743200" algn="l" defTabSz="914400" rtl="0" eaLnBrk="1" latinLnBrk="0" hangingPunct="1">
+        <a:defRPr sz="1800" kern="1200">
+          <a:solidFill>
+            <a:schemeClr val="tx1"/>
+          </a:solidFill>
+          <a:latin typeface="+mn-lt"/>
+          <a:ea typeface="+mn-ea"/>
+          <a:cs typeface="+mn-cs"/>
+        </a:defRPr>
+      </a:lvl7pPr>
+      <a:lvl8pPr marL="3200400" algn="l" defTabSz="914400" rtl="0" eaLnBrk="1" latinLnBrk="0" hangingPunct="1">
+        <a:defRPr sz="1800" kern="1200">
+          <a:solidFill>
+            <a:schemeClr val="tx1"/>
+          </a:solidFill>
+          <a:latin typeface="+mn-lt"/>
+          <a:ea typeface="+mn-ea"/>
+          <a:cs typeface="+mn-cs"/>
+        </a:defRPr>
+      </a:lvl8pPr>
+      <a:lvl9pPr marL="3657600" algn="l" defTabSz="914400" rtl="0" eaLnBrk="1" latinLnBrk="0" hangingPunct="1">
+        <a:defRPr sz="1800" kern="1200">
+          <a:solidFill>
+            <a:schemeClr val="tx1"/>
+          </a:solidFill>
+          <a:latin typeface="+mn-lt"/>
+          <a:ea typeface="+mn-ea"/>
+          <a:cs typeface="+mn-cs"/>
+        </a:defRPr>
+      </a:lvl9pPr>
+    </p:otherStyle>
+  </p:txStyles>
 </p:sldMaster>
 </file>
 
 <file path=ppt/slideMasters/slideMaster2.xml><?xml version="1.0" encoding="utf-8"?>
-<p:sldMaster xmlns:a="http://schemas.openxmlformats.org/drawingml/2006/main" xmlns:p="http://schemas.openxmlformats.org/presentationml/2006/main" xmlns:r="http://schemas.openxmlformats.org/officeDocument/2006/relationships" xmlns:p14="http://schemas.microsoft.com/office/powerpoint/2010/main" xmlns:p15="http://schemas.microsoft.com/office/powerpoint/2012/main" xmlns:mc="http://schemas.openxmlformats.org/markup-compatibility/2006">
+<p:sldMaster xmlns:a="http://schemas.openxmlformats.org/drawingml/2006/main" xmlns:r="http://schemas.openxmlformats.org/officeDocument/2006/relationships" xmlns:p="http://schemas.openxmlformats.org/presentationml/2006/main">
   <p:cSld>
     <p:bg>
       <p:bgPr>
@@ -6727,11 +7355,12 @@
               <a:srgbClr val="000000"/>
             </a:gs>
             <a:gs pos="100000">
-              <a:srgbClr val="0e1830"/>
+              <a:srgbClr val="0E1830"/>
             </a:gs>
           </a:gsLst>
           <a:lin ang="3600000"/>
         </a:gradFill>
+        <a:effectLst/>
       </p:bgPr>
     </p:bg>
     <p:spTree>
@@ -6777,6 +7406,7 @@
               <a:avLst/>
               <a:gdLst/>
               <a:ahLst/>
+              <a:cxnLst/>
               <a:rect l="l" t="t" r="r" b="b"/>
               <a:pathLst>
                 <a:path w="612775" h="3919538">
@@ -6829,6 +7459,7 @@
               <a:avLst/>
               <a:gdLst/>
               <a:ahLst/>
+              <a:cxnLst/>
               <a:rect l="l" t="t" r="r" b="b"/>
               <a:pathLst>
                 <a:path w="410751" h="3421856">
@@ -6881,6 +7512,7 @@
               <a:avLst/>
               <a:gdLst/>
               <a:ahLst/>
+              <a:cxnLst/>
               <a:rect l="l" t="t" r="r" b="b"/>
               <a:pathLst>
                 <a:path w="238919" h="2976561">
@@ -6901,7 +7533,7 @@
             <a:noFill/>
             <a:ln>
               <a:solidFill>
-                <a:srgbClr val="004d4d"/>
+                <a:srgbClr val="004D4D"/>
               </a:solidFill>
             </a:ln>
           </p:spPr>
@@ -6941,9 +7573,10 @@
           </a:prstGeom>
         </p:spPr>
         <p:txBody>
-          <a:bodyPr lIns="122040" rIns="122040" tIns="60840" bIns="60840" anchor="b">
+          <a:bodyPr lIns="122040" tIns="60840" rIns="122040" bIns="60840" anchor="b">
             <a:noAutofit/>
           </a:bodyPr>
+          <a:lstStyle/>
           <a:p>
             <a:pPr>
               <a:lnSpc>
@@ -6951,20 +7584,14 @@
               </a:lnSpc>
             </a:pPr>
             <a:r>
-              <a:rPr b="0" lang="en-US" sz="3600" spc="-1" strike="noStrike">
+              <a:rPr lang="en-US" sz="3600" b="0" strike="noStrike" spc="-1">
                 <a:solidFill>
-                  <a:srgbClr val="ffffff"/>
+                  <a:srgbClr val="FFFFFF"/>
                 </a:solidFill>
                 <a:latin typeface="Calibri"/>
               </a:rPr>
               <a:t>Click to edit Master title style</a:t>
             </a:r>
-            <a:endParaRPr b="0" lang="en-US" sz="3600" spc="-1" strike="noStrike">
-              <a:solidFill>
-                <a:srgbClr val="ffffff"/>
-              </a:solidFill>
-              <a:latin typeface="Calibri"/>
-            </a:endParaRPr>
           </a:p>
         </p:txBody>
       </p:sp>
@@ -6988,9 +7615,10 @@
           </a:prstGeom>
         </p:spPr>
         <p:txBody>
-          <a:bodyPr lIns="122040" rIns="122040" tIns="60840" bIns="60840">
+          <a:bodyPr lIns="122040" tIns="60840" rIns="122040" bIns="60840">
             <a:normAutofit/>
           </a:bodyPr>
+          <a:lstStyle/>
           <a:p>
             <a:pPr marL="304920" indent="-304560">
               <a:lnSpc>
@@ -7006,23 +7634,17 @@
               <a:buChar char="•"/>
             </a:pPr>
             <a:r>
-              <a:rPr b="0" lang="en-US" sz="2800" spc="-1" strike="noStrike">
+              <a:rPr lang="en-US" sz="2800" b="0" strike="noStrike" spc="-1">
                 <a:solidFill>
-                  <a:srgbClr val="ffffff"/>
+                  <a:srgbClr val="FFFFFF"/>
                 </a:solidFill>
                 <a:latin typeface="Calibri"/>
               </a:rPr>
               <a:t>Click to edit Master text styles</a:t>
             </a:r>
-            <a:endParaRPr b="0" lang="en-US" sz="2800" spc="-1" strike="noStrike">
-              <a:solidFill>
-                <a:srgbClr val="ffffff"/>
-              </a:solidFill>
-              <a:latin typeface="Calibri"/>
-            </a:endParaRPr>
-          </a:p>
-          <a:p>
-            <a:pPr lvl="1" marL="609480" indent="-231120">
+          </a:p>
+          <a:p>
+            <a:pPr marL="609480" lvl="1" indent="-231120">
               <a:lnSpc>
                 <a:spcPct val="90000"/>
               </a:lnSpc>
@@ -7037,23 +7659,17 @@
               <a:buChar char="•"/>
             </a:pPr>
             <a:r>
-              <a:rPr b="0" lang="en-US" sz="2400" spc="-1" strike="noStrike">
+              <a:rPr lang="en-US" sz="2400" b="0" strike="noStrike" spc="-1">
                 <a:solidFill>
-                  <a:srgbClr val="ffffff"/>
+                  <a:srgbClr val="FFFFFF"/>
                 </a:solidFill>
                 <a:latin typeface="Calibri"/>
               </a:rPr>
               <a:t>Second level</a:t>
             </a:r>
-            <a:endParaRPr b="0" lang="en-US" sz="2400" spc="-1" strike="noStrike">
-              <a:solidFill>
-                <a:srgbClr val="ffffff"/>
-              </a:solidFill>
-              <a:latin typeface="Calibri"/>
-            </a:endParaRPr>
-          </a:p>
-          <a:p>
-            <a:pPr lvl="2" marL="914400" indent="-231120">
+          </a:p>
+          <a:p>
+            <a:pPr marL="914400" lvl="2" indent="-231120">
               <a:lnSpc>
                 <a:spcPct val="90000"/>
               </a:lnSpc>
@@ -7068,23 +7684,17 @@
               <a:buChar char="•"/>
             </a:pPr>
             <a:r>
-              <a:rPr b="0" lang="en-US" sz="2000" spc="-1" strike="noStrike">
+              <a:rPr lang="en-US" sz="2000" b="0" strike="noStrike" spc="-1">
                 <a:solidFill>
-                  <a:srgbClr val="ffffff"/>
+                  <a:srgbClr val="FFFFFF"/>
                 </a:solidFill>
                 <a:latin typeface="Calibri"/>
               </a:rPr>
               <a:t>Third level</a:t>
             </a:r>
-            <a:endParaRPr b="0" lang="en-US" sz="2000" spc="-1" strike="noStrike">
-              <a:solidFill>
-                <a:srgbClr val="ffffff"/>
-              </a:solidFill>
-              <a:latin typeface="Calibri"/>
-            </a:endParaRPr>
-          </a:p>
-          <a:p>
-            <a:pPr lvl="3" marL="1218960" indent="-231120">
+          </a:p>
+          <a:p>
+            <a:pPr marL="1218960" lvl="3" indent="-231120">
               <a:lnSpc>
                 <a:spcPct val="90000"/>
               </a:lnSpc>
@@ -7099,23 +7709,17 @@
               <a:buChar char="•"/>
             </a:pPr>
             <a:r>
-              <a:rPr b="0" lang="en-US" sz="2000" spc="-1" strike="noStrike">
+              <a:rPr lang="en-US" sz="2000" b="0" strike="noStrike" spc="-1">
                 <a:solidFill>
-                  <a:srgbClr val="ffffff"/>
+                  <a:srgbClr val="FFFFFF"/>
                 </a:solidFill>
                 <a:latin typeface="Calibri"/>
               </a:rPr>
               <a:t>Fourth level</a:t>
             </a:r>
-            <a:endParaRPr b="0" lang="en-US" sz="2000" spc="-1" strike="noStrike">
-              <a:solidFill>
-                <a:srgbClr val="ffffff"/>
-              </a:solidFill>
-              <a:latin typeface="Calibri"/>
-            </a:endParaRPr>
-          </a:p>
-          <a:p>
-            <a:pPr lvl="4" marL="1523880" indent="-231120">
+          </a:p>
+          <a:p>
+            <a:pPr marL="1523880" lvl="4" indent="-231120">
               <a:lnSpc>
                 <a:spcPct val="90000"/>
               </a:lnSpc>
@@ -7130,20 +7734,14 @@
               <a:buChar char="•"/>
             </a:pPr>
             <a:r>
-              <a:rPr b="0" lang="en-US" sz="2000" spc="-1" strike="noStrike">
+              <a:rPr lang="en-US" sz="2000" b="0" strike="noStrike" spc="-1">
                 <a:solidFill>
-                  <a:srgbClr val="ffffff"/>
+                  <a:srgbClr val="FFFFFF"/>
                 </a:solidFill>
                 <a:latin typeface="Calibri"/>
               </a:rPr>
               <a:t>Fifth level</a:t>
             </a:r>
-            <a:endParaRPr b="0" lang="en-US" sz="2000" spc="-1" strike="noStrike">
-              <a:solidFill>
-                <a:srgbClr val="ffffff"/>
-              </a:solidFill>
-              <a:latin typeface="Calibri"/>
-            </a:endParaRPr>
           </a:p>
         </p:txBody>
       </p:sp>
@@ -7167,9 +7765,10 @@
           </a:prstGeom>
         </p:spPr>
         <p:txBody>
-          <a:bodyPr lIns="122040" rIns="122040" tIns="60840" bIns="60840">
+          <a:bodyPr lIns="122040" tIns="60840" rIns="122040" bIns="60840">
             <a:normAutofit/>
           </a:bodyPr>
+          <a:lstStyle/>
           <a:p>
             <a:pPr marL="304920" indent="-304560">
               <a:lnSpc>
@@ -7185,23 +7784,17 @@
               <a:buChar char="•"/>
             </a:pPr>
             <a:r>
-              <a:rPr b="0" lang="en-US" sz="2800" spc="-1" strike="noStrike">
+              <a:rPr lang="en-US" sz="2800" b="0" strike="noStrike" spc="-1">
                 <a:solidFill>
-                  <a:srgbClr val="ffffff"/>
+                  <a:srgbClr val="FFFFFF"/>
                 </a:solidFill>
                 <a:latin typeface="Calibri"/>
               </a:rPr>
               <a:t>Click to edit Master text styles</a:t>
             </a:r>
-            <a:endParaRPr b="0" lang="en-US" sz="2800" spc="-1" strike="noStrike">
-              <a:solidFill>
-                <a:srgbClr val="ffffff"/>
-              </a:solidFill>
-              <a:latin typeface="Calibri"/>
-            </a:endParaRPr>
-          </a:p>
-          <a:p>
-            <a:pPr lvl="1" marL="609480" indent="-231120">
+          </a:p>
+          <a:p>
+            <a:pPr marL="609480" lvl="1" indent="-231120">
               <a:lnSpc>
                 <a:spcPct val="90000"/>
               </a:lnSpc>
@@ -7216,23 +7809,17 @@
               <a:buChar char="•"/>
             </a:pPr>
             <a:r>
-              <a:rPr b="0" lang="en-US" sz="2400" spc="-1" strike="noStrike">
+              <a:rPr lang="en-US" sz="2400" b="0" strike="noStrike" spc="-1">
                 <a:solidFill>
-                  <a:srgbClr val="ffffff"/>
+                  <a:srgbClr val="FFFFFF"/>
                 </a:solidFill>
                 <a:latin typeface="Calibri"/>
               </a:rPr>
               <a:t>Second level</a:t>
             </a:r>
-            <a:endParaRPr b="0" lang="en-US" sz="2400" spc="-1" strike="noStrike">
-              <a:solidFill>
-                <a:srgbClr val="ffffff"/>
-              </a:solidFill>
-              <a:latin typeface="Calibri"/>
-            </a:endParaRPr>
-          </a:p>
-          <a:p>
-            <a:pPr lvl="2" marL="914400" indent="-231120">
+          </a:p>
+          <a:p>
+            <a:pPr marL="914400" lvl="2" indent="-231120">
               <a:lnSpc>
                 <a:spcPct val="90000"/>
               </a:lnSpc>
@@ -7247,23 +7834,17 @@
               <a:buChar char="•"/>
             </a:pPr>
             <a:r>
-              <a:rPr b="0" lang="en-US" sz="2000" spc="-1" strike="noStrike">
+              <a:rPr lang="en-US" sz="2000" b="0" strike="noStrike" spc="-1">
                 <a:solidFill>
-                  <a:srgbClr val="ffffff"/>
+                  <a:srgbClr val="FFFFFF"/>
                 </a:solidFill>
                 <a:latin typeface="Calibri"/>
               </a:rPr>
               <a:t>Third level</a:t>
             </a:r>
-            <a:endParaRPr b="0" lang="en-US" sz="2000" spc="-1" strike="noStrike">
-              <a:solidFill>
-                <a:srgbClr val="ffffff"/>
-              </a:solidFill>
-              <a:latin typeface="Calibri"/>
-            </a:endParaRPr>
-          </a:p>
-          <a:p>
-            <a:pPr lvl="3" marL="1218960" indent="-231120">
+          </a:p>
+          <a:p>
+            <a:pPr marL="1218960" lvl="3" indent="-231120">
               <a:lnSpc>
                 <a:spcPct val="90000"/>
               </a:lnSpc>
@@ -7278,23 +7859,17 @@
               <a:buChar char="•"/>
             </a:pPr>
             <a:r>
-              <a:rPr b="0" lang="en-US" sz="2000" spc="-1" strike="noStrike">
+              <a:rPr lang="en-US" sz="2000" b="0" strike="noStrike" spc="-1">
                 <a:solidFill>
-                  <a:srgbClr val="ffffff"/>
+                  <a:srgbClr val="FFFFFF"/>
                 </a:solidFill>
                 <a:latin typeface="Calibri"/>
               </a:rPr>
               <a:t>Fourth level</a:t>
             </a:r>
-            <a:endParaRPr b="0" lang="en-US" sz="2000" spc="-1" strike="noStrike">
-              <a:solidFill>
-                <a:srgbClr val="ffffff"/>
-              </a:solidFill>
-              <a:latin typeface="Calibri"/>
-            </a:endParaRPr>
-          </a:p>
-          <a:p>
-            <a:pPr lvl="4" marL="1523880" indent="-231120">
+          </a:p>
+          <a:p>
+            <a:pPr marL="1523880" lvl="4" indent="-231120">
               <a:lnSpc>
                 <a:spcPct val="90000"/>
               </a:lnSpc>
@@ -7309,20 +7884,14 @@
               <a:buChar char="•"/>
             </a:pPr>
             <a:r>
-              <a:rPr b="0" lang="en-US" sz="2000" spc="-1" strike="noStrike">
+              <a:rPr lang="en-US" sz="2000" b="0" strike="noStrike" spc="-1">
                 <a:solidFill>
-                  <a:srgbClr val="ffffff"/>
+                  <a:srgbClr val="FFFFFF"/>
                 </a:solidFill>
                 <a:latin typeface="Calibri"/>
               </a:rPr>
               <a:t>Fifth level</a:t>
             </a:r>
-            <a:endParaRPr b="0" lang="en-US" sz="2000" spc="-1" strike="noStrike">
-              <a:solidFill>
-                <a:srgbClr val="ffffff"/>
-              </a:solidFill>
-              <a:latin typeface="Calibri"/>
-            </a:endParaRPr>
           </a:p>
         </p:txBody>
       </p:sp>
@@ -7346,9 +7915,10 @@
           </a:prstGeom>
         </p:spPr>
         <p:txBody>
-          <a:bodyPr lIns="122040" rIns="122040" tIns="60840" bIns="60840" anchor="ctr">
+          <a:bodyPr lIns="122040" tIns="60840" rIns="122040" bIns="60840" anchor="ctr">
             <a:noAutofit/>
           </a:bodyPr>
+          <a:lstStyle/>
           <a:p>
             <a:pPr>
               <a:lnSpc>
@@ -7356,15 +7926,15 @@
               </a:lnSpc>
             </a:pPr>
             <a:fld id="{E2F2E26D-966E-417E-9682-9D32740FC201}" type="datetime">
-              <a:rPr b="0" lang="en-US" sz="1200" spc="-1" strike="noStrike">
+              <a:rPr lang="en-US" sz="1200" b="0" strike="noStrike" spc="-1">
                 <a:solidFill>
-                  <a:srgbClr val="ffffff"/>
+                  <a:srgbClr val="FFFFFF"/>
                 </a:solidFill>
                 <a:latin typeface="Calibri"/>
               </a:rPr>
-              <a:t>7/22/21</a:t>
+              <a:t>7/22/2021</a:t>
             </a:fld>
-            <a:endParaRPr b="0" lang="en-US" sz="1200" spc="-1" strike="noStrike">
+            <a:endParaRPr lang="en-US" sz="1200" b="0" strike="noStrike" spc="-1">
               <a:latin typeface="Times New Roman"/>
             </a:endParaRPr>
           </a:p>
@@ -7390,11 +7960,12 @@
           </a:prstGeom>
         </p:spPr>
         <p:txBody>
-          <a:bodyPr lIns="122040" rIns="122040" tIns="60840" bIns="60840" anchor="ctr">
+          <a:bodyPr lIns="122040" tIns="60840" rIns="122040" bIns="60840" anchor="ctr">
             <a:noAutofit/>
           </a:bodyPr>
-          <a:p>
-            <a:endParaRPr b="0" lang="en-US" sz="2400" spc="-1" strike="noStrike">
+          <a:lstStyle/>
+          <a:p>
+            <a:endParaRPr lang="en-US" sz="2400" b="0" strike="noStrike" spc="-1">
               <a:latin typeface="Times New Roman"/>
             </a:endParaRPr>
           </a:p>
@@ -7420,9 +7991,10 @@
           </a:prstGeom>
         </p:spPr>
         <p:txBody>
-          <a:bodyPr lIns="122040" rIns="122040" tIns="60840" bIns="60840" anchor="ctr">
+          <a:bodyPr lIns="122040" tIns="60840" rIns="122040" bIns="60840" anchor="ctr">
             <a:noAutofit/>
           </a:bodyPr>
+          <a:lstStyle/>
           <a:p>
             <a:pPr algn="r">
               <a:lnSpc>
@@ -7430,15 +8002,15 @@
               </a:lnSpc>
             </a:pPr>
             <a:fld id="{A9F3FB09-0753-492F-A5E9-B41A571B7C9F}" type="slidenum">
-              <a:rPr b="0" lang="en-US" sz="1200" spc="-1" strike="noStrike">
+              <a:rPr lang="en-US" sz="1200" b="0" strike="noStrike" spc="-1">
                 <a:solidFill>
-                  <a:srgbClr val="ffffff"/>
+                  <a:srgbClr val="FFFFFF"/>
                 </a:solidFill>
                 <a:latin typeface="Calibri"/>
               </a:rPr>
-              <a:t>&lt;number&gt;</a:t>
+              <a:t>‹#›</a:t>
             </a:fld>
-            <a:endParaRPr b="0" lang="en-US" sz="1200" spc="-1" strike="noStrike">
+            <a:endParaRPr lang="en-US" sz="1200" b="0" strike="noStrike" spc="-1">
               <a:latin typeface="Times New Roman"/>
             </a:endParaRPr>
           </a:p>
@@ -7446,26 +8018,306 @@
       </p:sp>
     </p:spTree>
   </p:cSld>
-  <p:clrMap bg1="lt1" bg2="lt2" tx1="dk1" tx2="dk2" accent1="accent1" accent2="accent2" accent3="accent3" accent4="accent4" accent5="accent5" accent6="accent6" hlink="hlink" folHlink="folHlink"/>
+  <p:clrMap bg1="lt1" tx1="dk1" bg2="lt2" tx2="dk2" accent1="accent1" accent2="accent2" accent3="accent3" accent4="accent4" accent5="accent5" accent6="accent6" hlink="hlink" folHlink="folHlink"/>
   <p:sldLayoutIdLst>
-    <p:sldLayoutId id="2147483662" r:id="rId2"/>
-    <p:sldLayoutId id="2147483663" r:id="rId3"/>
-    <p:sldLayoutId id="2147483664" r:id="rId4"/>
-    <p:sldLayoutId id="2147483665" r:id="rId5"/>
-    <p:sldLayoutId id="2147483666" r:id="rId6"/>
-    <p:sldLayoutId id="2147483667" r:id="rId7"/>
-    <p:sldLayoutId id="2147483668" r:id="rId8"/>
-    <p:sldLayoutId id="2147483669" r:id="rId9"/>
-    <p:sldLayoutId id="2147483670" r:id="rId10"/>
-    <p:sldLayoutId id="2147483671" r:id="rId11"/>
-    <p:sldLayoutId id="2147483672" r:id="rId12"/>
-    <p:sldLayoutId id="2147483673" r:id="rId13"/>
+    <p:sldLayoutId id="2147483662" r:id="rId1"/>
+    <p:sldLayoutId id="2147483663" r:id="rId2"/>
+    <p:sldLayoutId id="2147483664" r:id="rId3"/>
+    <p:sldLayoutId id="2147483665" r:id="rId4"/>
+    <p:sldLayoutId id="2147483666" r:id="rId5"/>
+    <p:sldLayoutId id="2147483667" r:id="rId6"/>
+    <p:sldLayoutId id="2147483668" r:id="rId7"/>
+    <p:sldLayoutId id="2147483669" r:id="rId8"/>
+    <p:sldLayoutId id="2147483670" r:id="rId9"/>
+    <p:sldLayoutId id="2147483671" r:id="rId10"/>
+    <p:sldLayoutId id="2147483672" r:id="rId11"/>
+    <p:sldLayoutId id="2147483673" r:id="rId12"/>
   </p:sldLayoutIdLst>
+  <p:txStyles>
+    <p:titleStyle>
+      <a:lvl1pPr algn="l" defTabSz="914400" rtl="0" eaLnBrk="1" latinLnBrk="0" hangingPunct="1">
+        <a:lnSpc>
+          <a:spcPct val="90000"/>
+        </a:lnSpc>
+        <a:spcBef>
+          <a:spcPct val="0"/>
+        </a:spcBef>
+        <a:buNone/>
+        <a:defRPr sz="4400" kern="1200">
+          <a:solidFill>
+            <a:schemeClr val="tx1"/>
+          </a:solidFill>
+          <a:latin typeface="+mj-lt"/>
+          <a:ea typeface="+mj-ea"/>
+          <a:cs typeface="+mj-cs"/>
+        </a:defRPr>
+      </a:lvl1pPr>
+    </p:titleStyle>
+    <p:bodyStyle>
+      <a:lvl1pPr marL="228600" indent="-228600" algn="l" defTabSz="914400" rtl="0" eaLnBrk="1" latinLnBrk="0" hangingPunct="1">
+        <a:lnSpc>
+          <a:spcPct val="90000"/>
+        </a:lnSpc>
+        <a:spcBef>
+          <a:spcPts val="1000"/>
+        </a:spcBef>
+        <a:buFont typeface="Arial" panose="020B0604020202020204" pitchFamily="34" charset="0"/>
+        <a:buChar char="•"/>
+        <a:defRPr sz="2800" kern="1200">
+          <a:solidFill>
+            <a:schemeClr val="tx1"/>
+          </a:solidFill>
+          <a:latin typeface="+mn-lt"/>
+          <a:ea typeface="+mn-ea"/>
+          <a:cs typeface="+mn-cs"/>
+        </a:defRPr>
+      </a:lvl1pPr>
+      <a:lvl2pPr marL="685800" indent="-228600" algn="l" defTabSz="914400" rtl="0" eaLnBrk="1" latinLnBrk="0" hangingPunct="1">
+        <a:lnSpc>
+          <a:spcPct val="90000"/>
+        </a:lnSpc>
+        <a:spcBef>
+          <a:spcPts val="500"/>
+        </a:spcBef>
+        <a:buFont typeface="Arial" panose="020B0604020202020204" pitchFamily="34" charset="0"/>
+        <a:buChar char="•"/>
+        <a:defRPr sz="2400" kern="1200">
+          <a:solidFill>
+            <a:schemeClr val="tx1"/>
+          </a:solidFill>
+          <a:latin typeface="+mn-lt"/>
+          <a:ea typeface="+mn-ea"/>
+          <a:cs typeface="+mn-cs"/>
+        </a:defRPr>
+      </a:lvl2pPr>
+      <a:lvl3pPr marL="1143000" indent="-228600" algn="l" defTabSz="914400" rtl="0" eaLnBrk="1" latinLnBrk="0" hangingPunct="1">
+        <a:lnSpc>
+          <a:spcPct val="90000"/>
+        </a:lnSpc>
+        <a:spcBef>
+          <a:spcPts val="500"/>
+        </a:spcBef>
+        <a:buFont typeface="Arial" panose="020B0604020202020204" pitchFamily="34" charset="0"/>
+        <a:buChar char="•"/>
+        <a:defRPr sz="2000" kern="1200">
+          <a:solidFill>
+            <a:schemeClr val="tx1"/>
+          </a:solidFill>
+          <a:latin typeface="+mn-lt"/>
+          <a:ea typeface="+mn-ea"/>
+          <a:cs typeface="+mn-cs"/>
+        </a:defRPr>
+      </a:lvl3pPr>
+      <a:lvl4pPr marL="1600200" indent="-228600" algn="l" defTabSz="914400" rtl="0" eaLnBrk="1" latinLnBrk="0" hangingPunct="1">
+        <a:lnSpc>
+          <a:spcPct val="90000"/>
+        </a:lnSpc>
+        <a:spcBef>
+          <a:spcPts val="500"/>
+        </a:spcBef>
+        <a:buFont typeface="Arial" panose="020B0604020202020204" pitchFamily="34" charset="0"/>
+        <a:buChar char="•"/>
+        <a:defRPr sz="1800" kern="1200">
+          <a:solidFill>
+            <a:schemeClr val="tx1"/>
+          </a:solidFill>
+          <a:latin typeface="+mn-lt"/>
+          <a:ea typeface="+mn-ea"/>
+          <a:cs typeface="+mn-cs"/>
+        </a:defRPr>
+      </a:lvl4pPr>
+      <a:lvl5pPr marL="2057400" indent="-228600" algn="l" defTabSz="914400" rtl="0" eaLnBrk="1" latinLnBrk="0" hangingPunct="1">
+        <a:lnSpc>
+          <a:spcPct val="90000"/>
+        </a:lnSpc>
+        <a:spcBef>
+          <a:spcPts val="500"/>
+        </a:spcBef>
+        <a:buFont typeface="Arial" panose="020B0604020202020204" pitchFamily="34" charset="0"/>
+        <a:buChar char="•"/>
+        <a:defRPr sz="1800" kern="1200">
+          <a:solidFill>
+            <a:schemeClr val="tx1"/>
+          </a:solidFill>
+          <a:latin typeface="+mn-lt"/>
+          <a:ea typeface="+mn-ea"/>
+          <a:cs typeface="+mn-cs"/>
+        </a:defRPr>
+      </a:lvl5pPr>
+      <a:lvl6pPr marL="2514600" indent="-228600" algn="l" defTabSz="914400" rtl="0" eaLnBrk="1" latinLnBrk="0" hangingPunct="1">
+        <a:lnSpc>
+          <a:spcPct val="90000"/>
+        </a:lnSpc>
+        <a:spcBef>
+          <a:spcPts val="500"/>
+        </a:spcBef>
+        <a:buFont typeface="Arial" panose="020B0604020202020204" pitchFamily="34" charset="0"/>
+        <a:buChar char="•"/>
+        <a:defRPr sz="1800" kern="1200">
+          <a:solidFill>
+            <a:schemeClr val="tx1"/>
+          </a:solidFill>
+          <a:latin typeface="+mn-lt"/>
+          <a:ea typeface="+mn-ea"/>
+          <a:cs typeface="+mn-cs"/>
+        </a:defRPr>
+      </a:lvl6pPr>
+      <a:lvl7pPr marL="2971800" indent="-228600" algn="l" defTabSz="914400" rtl="0" eaLnBrk="1" latinLnBrk="0" hangingPunct="1">
+        <a:lnSpc>
+          <a:spcPct val="90000"/>
+        </a:lnSpc>
+        <a:spcBef>
+          <a:spcPts val="500"/>
+        </a:spcBef>
+        <a:buFont typeface="Arial" panose="020B0604020202020204" pitchFamily="34" charset="0"/>
+        <a:buChar char="•"/>
+        <a:defRPr sz="1800" kern="1200">
+          <a:solidFill>
+            <a:schemeClr val="tx1"/>
+          </a:solidFill>
+          <a:latin typeface="+mn-lt"/>
+          <a:ea typeface="+mn-ea"/>
+          <a:cs typeface="+mn-cs"/>
+        </a:defRPr>
+      </a:lvl7pPr>
+      <a:lvl8pPr marL="3429000" indent="-228600" algn="l" defTabSz="914400" rtl="0" eaLnBrk="1" latinLnBrk="0" hangingPunct="1">
+        <a:lnSpc>
+          <a:spcPct val="90000"/>
+        </a:lnSpc>
+        <a:spcBef>
+          <a:spcPts val="500"/>
+        </a:spcBef>
+        <a:buFont typeface="Arial" panose="020B0604020202020204" pitchFamily="34" charset="0"/>
+        <a:buChar char="•"/>
+        <a:defRPr sz="1800" kern="1200">
+          <a:solidFill>
+            <a:schemeClr val="tx1"/>
+          </a:solidFill>
+          <a:latin typeface="+mn-lt"/>
+          <a:ea typeface="+mn-ea"/>
+          <a:cs typeface="+mn-cs"/>
+        </a:defRPr>
+      </a:lvl8pPr>
+      <a:lvl9pPr marL="3886200" indent="-228600" algn="l" defTabSz="914400" rtl="0" eaLnBrk="1" latinLnBrk="0" hangingPunct="1">
+        <a:lnSpc>
+          <a:spcPct val="90000"/>
+        </a:lnSpc>
+        <a:spcBef>
+          <a:spcPts val="500"/>
+        </a:spcBef>
+        <a:buFont typeface="Arial" panose="020B0604020202020204" pitchFamily="34" charset="0"/>
+        <a:buChar char="•"/>
+        <a:defRPr sz="1800" kern="1200">
+          <a:solidFill>
+            <a:schemeClr val="tx1"/>
+          </a:solidFill>
+          <a:latin typeface="+mn-lt"/>
+          <a:ea typeface="+mn-ea"/>
+          <a:cs typeface="+mn-cs"/>
+        </a:defRPr>
+      </a:lvl9pPr>
+    </p:bodyStyle>
+    <p:otherStyle>
+      <a:defPPr>
+        <a:defRPr lang="en-US"/>
+      </a:defPPr>
+      <a:lvl1pPr marL="0" algn="l" defTabSz="914400" rtl="0" eaLnBrk="1" latinLnBrk="0" hangingPunct="1">
+        <a:defRPr sz="1800" kern="1200">
+          <a:solidFill>
+            <a:schemeClr val="tx1"/>
+          </a:solidFill>
+          <a:latin typeface="+mn-lt"/>
+          <a:ea typeface="+mn-ea"/>
+          <a:cs typeface="+mn-cs"/>
+        </a:defRPr>
+      </a:lvl1pPr>
+      <a:lvl2pPr marL="457200" algn="l" defTabSz="914400" rtl="0" eaLnBrk="1" latinLnBrk="0" hangingPunct="1">
+        <a:defRPr sz="1800" kern="1200">
+          <a:solidFill>
+            <a:schemeClr val="tx1"/>
+          </a:solidFill>
+          <a:latin typeface="+mn-lt"/>
+          <a:ea typeface="+mn-ea"/>
+          <a:cs typeface="+mn-cs"/>
+        </a:defRPr>
+      </a:lvl2pPr>
+      <a:lvl3pPr marL="914400" algn="l" defTabSz="914400" rtl="0" eaLnBrk="1" latinLnBrk="0" hangingPunct="1">
+        <a:defRPr sz="1800" kern="1200">
+          <a:solidFill>
+            <a:schemeClr val="tx1"/>
+          </a:solidFill>
+          <a:latin typeface="+mn-lt"/>
+          <a:ea typeface="+mn-ea"/>
+          <a:cs typeface="+mn-cs"/>
+        </a:defRPr>
+      </a:lvl3pPr>
+      <a:lvl4pPr marL="1371600" algn="l" defTabSz="914400" rtl="0" eaLnBrk="1" latinLnBrk="0" hangingPunct="1">
+        <a:defRPr sz="1800" kern="1200">
+          <a:solidFill>
+            <a:schemeClr val="tx1"/>
+          </a:solidFill>
+          <a:latin typeface="+mn-lt"/>
+          <a:ea typeface="+mn-ea"/>
+          <a:cs typeface="+mn-cs"/>
+        </a:defRPr>
+      </a:lvl4pPr>
+      <a:lvl5pPr marL="1828800" algn="l" defTabSz="914400" rtl="0" eaLnBrk="1" latinLnBrk="0" hangingPunct="1">
+        <a:defRPr sz="1800" kern="1200">
+          <a:solidFill>
+            <a:schemeClr val="tx1"/>
+          </a:solidFill>
+          <a:latin typeface="+mn-lt"/>
+          <a:ea typeface="+mn-ea"/>
+          <a:cs typeface="+mn-cs"/>
+        </a:defRPr>
+      </a:lvl5pPr>
+      <a:lvl6pPr marL="2286000" algn="l" defTabSz="914400" rtl="0" eaLnBrk="1" latinLnBrk="0" hangingPunct="1">
+        <a:defRPr sz="1800" kern="1200">
+          <a:solidFill>
+            <a:schemeClr val="tx1"/>
+          </a:solidFill>
+          <a:latin typeface="+mn-lt"/>
+          <a:ea typeface="+mn-ea"/>
+          <a:cs typeface="+mn-cs"/>
+        </a:defRPr>
+      </a:lvl6pPr>
+      <a:lvl7pPr marL="2743200" algn="l" defTabSz="914400" rtl="0" eaLnBrk="1" latinLnBrk="0" hangingPunct="1">
+        <a:defRPr sz="1800" kern="1200">
+          <a:solidFill>
+            <a:schemeClr val="tx1"/>
+          </a:solidFill>
+          <a:latin typeface="+mn-lt"/>
+          <a:ea typeface="+mn-ea"/>
+          <a:cs typeface="+mn-cs"/>
+        </a:defRPr>
+      </a:lvl7pPr>
+      <a:lvl8pPr marL="3200400" algn="l" defTabSz="914400" rtl="0" eaLnBrk="1" latinLnBrk="0" hangingPunct="1">
+        <a:defRPr sz="1800" kern="1200">
+          <a:solidFill>
+            <a:schemeClr val="tx1"/>
+          </a:solidFill>
+          <a:latin typeface="+mn-lt"/>
+          <a:ea typeface="+mn-ea"/>
+          <a:cs typeface="+mn-cs"/>
+        </a:defRPr>
+      </a:lvl8pPr>
+      <a:lvl9pPr marL="3657600" algn="l" defTabSz="914400" rtl="0" eaLnBrk="1" latinLnBrk="0" hangingPunct="1">
+        <a:defRPr sz="1800" kern="1200">
+          <a:solidFill>
+            <a:schemeClr val="tx1"/>
+          </a:solidFill>
+          <a:latin typeface="+mn-lt"/>
+          <a:ea typeface="+mn-ea"/>
+          <a:cs typeface="+mn-cs"/>
+        </a:defRPr>
+      </a:lvl9pPr>
+    </p:otherStyle>
+  </p:txStyles>
 </p:sldMaster>
 </file>
 
 <file path=ppt/slideMasters/slideMaster3.xml><?xml version="1.0" encoding="utf-8"?>
-<p:sldMaster xmlns:a="http://schemas.openxmlformats.org/drawingml/2006/main" xmlns:p="http://schemas.openxmlformats.org/presentationml/2006/main" xmlns:r="http://schemas.openxmlformats.org/officeDocument/2006/relationships" xmlns:p14="http://schemas.microsoft.com/office/powerpoint/2010/main" xmlns:p15="http://schemas.microsoft.com/office/powerpoint/2012/main" xmlns:mc="http://schemas.openxmlformats.org/markup-compatibility/2006">
+<p:sldMaster xmlns:a="http://schemas.openxmlformats.org/drawingml/2006/main" xmlns:r="http://schemas.openxmlformats.org/officeDocument/2006/relationships" xmlns:p="http://schemas.openxmlformats.org/presentationml/2006/main">
   <p:cSld>
     <p:bg>
       <p:bgPr>
@@ -7475,11 +8327,12 @@
               <a:srgbClr val="000000"/>
             </a:gs>
             <a:gs pos="100000">
-              <a:srgbClr val="0e1830"/>
+              <a:srgbClr val="0E1830"/>
             </a:gs>
           </a:gsLst>
           <a:lin ang="3600000"/>
         </a:gradFill>
+        <a:effectLst/>
       </p:bgPr>
     </p:bg>
     <p:spTree>
@@ -7525,6 +8378,7 @@
               <a:avLst/>
               <a:gdLst/>
               <a:ahLst/>
+              <a:cxnLst/>
               <a:rect l="l" t="t" r="r" b="b"/>
               <a:pathLst>
                 <a:path w="612775" h="3919538">
@@ -7577,6 +8431,7 @@
               <a:avLst/>
               <a:gdLst/>
               <a:ahLst/>
+              <a:cxnLst/>
               <a:rect l="l" t="t" r="r" b="b"/>
               <a:pathLst>
                 <a:path w="410751" h="3421856">
@@ -7629,6 +8484,7 @@
               <a:avLst/>
               <a:gdLst/>
               <a:ahLst/>
+              <a:cxnLst/>
               <a:rect l="l" t="t" r="r" b="b"/>
               <a:pathLst>
                 <a:path w="238919" h="2976561">
@@ -7649,7 +8505,7 @@
             <a:noFill/>
             <a:ln>
               <a:solidFill>
-                <a:srgbClr val="004d4d"/>
+                <a:srgbClr val="004D4D"/>
               </a:solidFill>
             </a:ln>
           </p:spPr>
@@ -7689,9 +8545,10 @@
           </a:prstGeom>
         </p:spPr>
         <p:txBody>
-          <a:bodyPr lIns="122040" rIns="122040" tIns="60840" bIns="60840" anchor="b">
+          <a:bodyPr lIns="122040" tIns="60840" rIns="122040" bIns="60840" anchor="b">
             <a:noAutofit/>
           </a:bodyPr>
+          <a:lstStyle/>
           <a:p>
             <a:pPr>
               <a:lnSpc>
@@ -7699,20 +8556,14 @@
               </a:lnSpc>
             </a:pPr>
             <a:r>
-              <a:rPr b="0" lang="en-US" sz="3600" spc="-1" strike="noStrike">
+              <a:rPr lang="en-US" sz="3600" b="0" strike="noStrike" spc="-1">
                 <a:solidFill>
-                  <a:srgbClr val="ffffff"/>
+                  <a:srgbClr val="FFFFFF"/>
                 </a:solidFill>
                 <a:latin typeface="Calibri"/>
               </a:rPr>
               <a:t>Click to edit Master title style</a:t>
             </a:r>
-            <a:endParaRPr b="0" lang="en-US" sz="3600" spc="-1" strike="noStrike">
-              <a:solidFill>
-                <a:srgbClr val="ffffff"/>
-              </a:solidFill>
-              <a:latin typeface="Calibri"/>
-            </a:endParaRPr>
           </a:p>
         </p:txBody>
       </p:sp>
@@ -7736,9 +8587,10 @@
           </a:prstGeom>
         </p:spPr>
         <p:txBody>
-          <a:bodyPr lIns="122040" rIns="122040" tIns="60840" bIns="60840">
+          <a:bodyPr lIns="122040" tIns="60840" rIns="122040" bIns="60840">
             <a:noAutofit/>
           </a:bodyPr>
+          <a:lstStyle/>
           <a:p>
             <a:pPr marL="304920" indent="-304560">
               <a:lnSpc>
@@ -7754,23 +8606,17 @@
               <a:buChar char="•"/>
             </a:pPr>
             <a:r>
-              <a:rPr b="0" lang="en-US" sz="2800" spc="-1" strike="noStrike">
+              <a:rPr lang="en-US" sz="2800" b="0" strike="noStrike" spc="-1">
                 <a:solidFill>
-                  <a:srgbClr val="ffffff"/>
+                  <a:srgbClr val="FFFFFF"/>
                 </a:solidFill>
                 <a:latin typeface="Calibri"/>
               </a:rPr>
               <a:t>Click to edit Master text styles</a:t>
             </a:r>
-            <a:endParaRPr b="0" lang="en-US" sz="2800" spc="-1" strike="noStrike">
-              <a:solidFill>
-                <a:srgbClr val="ffffff"/>
-              </a:solidFill>
-              <a:latin typeface="Calibri"/>
-            </a:endParaRPr>
-          </a:p>
-          <a:p>
-            <a:pPr lvl="1" marL="609480" indent="-231120">
+          </a:p>
+          <a:p>
+            <a:pPr marL="609480" lvl="1" indent="-231120">
               <a:lnSpc>
                 <a:spcPct val="90000"/>
               </a:lnSpc>
@@ -7785,23 +8631,17 @@
               <a:buChar char="•"/>
             </a:pPr>
             <a:r>
-              <a:rPr b="0" lang="en-US" sz="2400" spc="-1" strike="noStrike">
+              <a:rPr lang="en-US" sz="2400" b="0" strike="noStrike" spc="-1">
                 <a:solidFill>
-                  <a:srgbClr val="ffffff"/>
+                  <a:srgbClr val="FFFFFF"/>
                 </a:solidFill>
                 <a:latin typeface="Calibri"/>
               </a:rPr>
               <a:t>Second level</a:t>
             </a:r>
-            <a:endParaRPr b="0" lang="en-US" sz="2400" spc="-1" strike="noStrike">
-              <a:solidFill>
-                <a:srgbClr val="ffffff"/>
-              </a:solidFill>
-              <a:latin typeface="Calibri"/>
-            </a:endParaRPr>
-          </a:p>
-          <a:p>
-            <a:pPr lvl="2" marL="914400" indent="-231120">
+          </a:p>
+          <a:p>
+            <a:pPr marL="914400" lvl="2" indent="-231120">
               <a:lnSpc>
                 <a:spcPct val="90000"/>
               </a:lnSpc>
@@ -7816,23 +8656,17 @@
               <a:buChar char="•"/>
             </a:pPr>
             <a:r>
-              <a:rPr b="0" lang="en-US" sz="2000" spc="-1" strike="noStrike">
+              <a:rPr lang="en-US" sz="2000" b="0" strike="noStrike" spc="-1">
                 <a:solidFill>
-                  <a:srgbClr val="ffffff"/>
+                  <a:srgbClr val="FFFFFF"/>
                 </a:solidFill>
                 <a:latin typeface="Calibri"/>
               </a:rPr>
               <a:t>Third level</a:t>
             </a:r>
-            <a:endParaRPr b="0" lang="en-US" sz="2000" spc="-1" strike="noStrike">
-              <a:solidFill>
-                <a:srgbClr val="ffffff"/>
-              </a:solidFill>
-              <a:latin typeface="Calibri"/>
-            </a:endParaRPr>
-          </a:p>
-          <a:p>
-            <a:pPr lvl="3" marL="1218960" indent="-231120">
+          </a:p>
+          <a:p>
+            <a:pPr marL="1218960" lvl="3" indent="-231120">
               <a:lnSpc>
                 <a:spcPct val="90000"/>
               </a:lnSpc>
@@ -7847,23 +8681,17 @@
               <a:buChar char="•"/>
             </a:pPr>
             <a:r>
-              <a:rPr b="0" lang="en-US" sz="2000" spc="-1" strike="noStrike">
+              <a:rPr lang="en-US" sz="2000" b="0" strike="noStrike" spc="-1">
                 <a:solidFill>
-                  <a:srgbClr val="ffffff"/>
+                  <a:srgbClr val="FFFFFF"/>
                 </a:solidFill>
                 <a:latin typeface="Calibri"/>
               </a:rPr>
               <a:t>Fourth level</a:t>
             </a:r>
-            <a:endParaRPr b="0" lang="en-US" sz="2000" spc="-1" strike="noStrike">
-              <a:solidFill>
-                <a:srgbClr val="ffffff"/>
-              </a:solidFill>
-              <a:latin typeface="Calibri"/>
-            </a:endParaRPr>
-          </a:p>
-          <a:p>
-            <a:pPr lvl="4" marL="1523880" indent="-231120">
+          </a:p>
+          <a:p>
+            <a:pPr marL="1523880" lvl="4" indent="-231120">
               <a:lnSpc>
                 <a:spcPct val="90000"/>
               </a:lnSpc>
@@ -7878,20 +8706,14 @@
               <a:buChar char="•"/>
             </a:pPr>
             <a:r>
-              <a:rPr b="0" lang="en-US" sz="2000" spc="-1" strike="noStrike">
+              <a:rPr lang="en-US" sz="2000" b="0" strike="noStrike" spc="-1">
                 <a:solidFill>
-                  <a:srgbClr val="ffffff"/>
+                  <a:srgbClr val="FFFFFF"/>
                 </a:solidFill>
                 <a:latin typeface="Calibri"/>
               </a:rPr>
               <a:t>Fifth level</a:t>
             </a:r>
-            <a:endParaRPr b="0" lang="en-US" sz="2000" spc="-1" strike="noStrike">
-              <a:solidFill>
-                <a:srgbClr val="ffffff"/>
-              </a:solidFill>
-              <a:latin typeface="Calibri"/>
-            </a:endParaRPr>
           </a:p>
         </p:txBody>
       </p:sp>
@@ -7915,9 +8737,10 @@
           </a:prstGeom>
         </p:spPr>
         <p:txBody>
-          <a:bodyPr lIns="122040" rIns="122040" tIns="60840" bIns="60840" anchor="ctr">
+          <a:bodyPr lIns="122040" tIns="60840" rIns="122040" bIns="60840" anchor="ctr">
             <a:noAutofit/>
           </a:bodyPr>
+          <a:lstStyle/>
           <a:p>
             <a:pPr>
               <a:lnSpc>
@@ -7925,15 +8748,15 @@
               </a:lnSpc>
             </a:pPr>
             <a:fld id="{235550C7-D7EC-419B-A596-4959A9AB83E4}" type="datetime">
-              <a:rPr b="0" lang="en-US" sz="1200" spc="-1" strike="noStrike">
+              <a:rPr lang="en-US" sz="1200" b="0" strike="noStrike" spc="-1">
                 <a:solidFill>
-                  <a:srgbClr val="ffffff"/>
+                  <a:srgbClr val="FFFFFF"/>
                 </a:solidFill>
                 <a:latin typeface="Calibri"/>
               </a:rPr>
-              <a:t>7/22/21</a:t>
+              <a:t>7/22/2021</a:t>
             </a:fld>
-            <a:endParaRPr b="0" lang="en-US" sz="1200" spc="-1" strike="noStrike">
+            <a:endParaRPr lang="en-US" sz="1200" b="0" strike="noStrike" spc="-1">
               <a:latin typeface="Times New Roman"/>
             </a:endParaRPr>
           </a:p>
@@ -7959,11 +8782,12 @@
           </a:prstGeom>
         </p:spPr>
         <p:txBody>
-          <a:bodyPr lIns="122040" rIns="122040" tIns="60840" bIns="60840" anchor="ctr">
+          <a:bodyPr lIns="122040" tIns="60840" rIns="122040" bIns="60840" anchor="ctr">
             <a:noAutofit/>
           </a:bodyPr>
-          <a:p>
-            <a:endParaRPr b="0" lang="en-US" sz="2400" spc="-1" strike="noStrike">
+          <a:lstStyle/>
+          <a:p>
+            <a:endParaRPr lang="en-US" sz="2400" b="0" strike="noStrike" spc="-1">
               <a:latin typeface="Times New Roman"/>
             </a:endParaRPr>
           </a:p>
@@ -7989,9 +8813,10 @@
           </a:prstGeom>
         </p:spPr>
         <p:txBody>
-          <a:bodyPr lIns="122040" rIns="122040" tIns="60840" bIns="60840" anchor="ctr">
+          <a:bodyPr lIns="122040" tIns="60840" rIns="122040" bIns="60840" anchor="ctr">
             <a:noAutofit/>
           </a:bodyPr>
+          <a:lstStyle/>
           <a:p>
             <a:pPr algn="r">
               <a:lnSpc>
@@ -7999,15 +8824,15 @@
               </a:lnSpc>
             </a:pPr>
             <a:fld id="{0A49F8C3-5F42-4068-9C5D-1A33881BD59E}" type="slidenum">
-              <a:rPr b="0" lang="en-US" sz="1200" spc="-1" strike="noStrike">
+              <a:rPr lang="en-US" sz="1200" b="0" strike="noStrike" spc="-1">
                 <a:solidFill>
-                  <a:srgbClr val="ffffff"/>
+                  <a:srgbClr val="FFFFFF"/>
                 </a:solidFill>
                 <a:latin typeface="Calibri"/>
               </a:rPr>
-              <a:t>&lt;number&gt;</a:t>
+              <a:t>‹#›</a:t>
             </a:fld>
-            <a:endParaRPr b="0" lang="en-US" sz="1200" spc="-1" strike="noStrike">
+            <a:endParaRPr lang="en-US" sz="1200" b="0" strike="noStrike" spc="-1">
               <a:latin typeface="Times New Roman"/>
             </a:endParaRPr>
           </a:p>
@@ -8015,26 +8840,306 @@
       </p:sp>
     </p:spTree>
   </p:cSld>
-  <p:clrMap bg1="lt1" bg2="lt2" tx1="dk1" tx2="dk2" accent1="accent1" accent2="accent2" accent3="accent3" accent4="accent4" accent5="accent5" accent6="accent6" hlink="hlink" folHlink="folHlink"/>
+  <p:clrMap bg1="lt1" tx1="dk1" bg2="lt2" tx2="dk2" accent1="accent1" accent2="accent2" accent3="accent3" accent4="accent4" accent5="accent5" accent6="accent6" hlink="hlink" folHlink="folHlink"/>
   <p:sldLayoutIdLst>
-    <p:sldLayoutId id="2147483675" r:id="rId2"/>
-    <p:sldLayoutId id="2147483676" r:id="rId3"/>
-    <p:sldLayoutId id="2147483677" r:id="rId4"/>
-    <p:sldLayoutId id="2147483678" r:id="rId5"/>
-    <p:sldLayoutId id="2147483679" r:id="rId6"/>
-    <p:sldLayoutId id="2147483680" r:id="rId7"/>
-    <p:sldLayoutId id="2147483681" r:id="rId8"/>
-    <p:sldLayoutId id="2147483682" r:id="rId9"/>
-    <p:sldLayoutId id="2147483683" r:id="rId10"/>
-    <p:sldLayoutId id="2147483684" r:id="rId11"/>
-    <p:sldLayoutId id="2147483685" r:id="rId12"/>
-    <p:sldLayoutId id="2147483686" r:id="rId13"/>
+    <p:sldLayoutId id="2147483675" r:id="rId1"/>
+    <p:sldLayoutId id="2147483676" r:id="rId2"/>
+    <p:sldLayoutId id="2147483677" r:id="rId3"/>
+    <p:sldLayoutId id="2147483678" r:id="rId4"/>
+    <p:sldLayoutId id="2147483679" r:id="rId5"/>
+    <p:sldLayoutId id="2147483680" r:id="rId6"/>
+    <p:sldLayoutId id="2147483681" r:id="rId7"/>
+    <p:sldLayoutId id="2147483682" r:id="rId8"/>
+    <p:sldLayoutId id="2147483683" r:id="rId9"/>
+    <p:sldLayoutId id="2147483684" r:id="rId10"/>
+    <p:sldLayoutId id="2147483685" r:id="rId11"/>
+    <p:sldLayoutId id="2147483686" r:id="rId12"/>
   </p:sldLayoutIdLst>
+  <p:txStyles>
+    <p:titleStyle>
+      <a:lvl1pPr algn="l" defTabSz="914400" rtl="0" eaLnBrk="1" latinLnBrk="0" hangingPunct="1">
+        <a:lnSpc>
+          <a:spcPct val="90000"/>
+        </a:lnSpc>
+        <a:spcBef>
+          <a:spcPct val="0"/>
+        </a:spcBef>
+        <a:buNone/>
+        <a:defRPr sz="4400" kern="1200">
+          <a:solidFill>
+            <a:schemeClr val="tx1"/>
+          </a:solidFill>
+          <a:latin typeface="+mj-lt"/>
+          <a:ea typeface="+mj-ea"/>
+          <a:cs typeface="+mj-cs"/>
+        </a:defRPr>
+      </a:lvl1pPr>
+    </p:titleStyle>
+    <p:bodyStyle>
+      <a:lvl1pPr marL="228600" indent="-228600" algn="l" defTabSz="914400" rtl="0" eaLnBrk="1" latinLnBrk="0" hangingPunct="1">
+        <a:lnSpc>
+          <a:spcPct val="90000"/>
+        </a:lnSpc>
+        <a:spcBef>
+          <a:spcPts val="1000"/>
+        </a:spcBef>
+        <a:buFont typeface="Arial" panose="020B0604020202020204" pitchFamily="34" charset="0"/>
+        <a:buChar char="•"/>
+        <a:defRPr sz="2800" kern="1200">
+          <a:solidFill>
+            <a:schemeClr val="tx1"/>
+          </a:solidFill>
+          <a:latin typeface="+mn-lt"/>
+          <a:ea typeface="+mn-ea"/>
+          <a:cs typeface="+mn-cs"/>
+        </a:defRPr>
+      </a:lvl1pPr>
+      <a:lvl2pPr marL="685800" indent="-228600" algn="l" defTabSz="914400" rtl="0" eaLnBrk="1" latinLnBrk="0" hangingPunct="1">
+        <a:lnSpc>
+          <a:spcPct val="90000"/>
+        </a:lnSpc>
+        <a:spcBef>
+          <a:spcPts val="500"/>
+        </a:spcBef>
+        <a:buFont typeface="Arial" panose="020B0604020202020204" pitchFamily="34" charset="0"/>
+        <a:buChar char="•"/>
+        <a:defRPr sz="2400" kern="1200">
+          <a:solidFill>
+            <a:schemeClr val="tx1"/>
+          </a:solidFill>
+          <a:latin typeface="+mn-lt"/>
+          <a:ea typeface="+mn-ea"/>
+          <a:cs typeface="+mn-cs"/>
+        </a:defRPr>
+      </a:lvl2pPr>
+      <a:lvl3pPr marL="1143000" indent="-228600" algn="l" defTabSz="914400" rtl="0" eaLnBrk="1" latinLnBrk="0" hangingPunct="1">
+        <a:lnSpc>
+          <a:spcPct val="90000"/>
+        </a:lnSpc>
+        <a:spcBef>
+          <a:spcPts val="500"/>
+        </a:spcBef>
+        <a:buFont typeface="Arial" panose="020B0604020202020204" pitchFamily="34" charset="0"/>
+        <a:buChar char="•"/>
+        <a:defRPr sz="2000" kern="1200">
+          <a:solidFill>
+            <a:schemeClr val="tx1"/>
+          </a:solidFill>
+          <a:latin typeface="+mn-lt"/>
+          <a:ea typeface="+mn-ea"/>
+          <a:cs typeface="+mn-cs"/>
+        </a:defRPr>
+      </a:lvl3pPr>
+      <a:lvl4pPr marL="1600200" indent="-228600" algn="l" defTabSz="914400" rtl="0" eaLnBrk="1" latinLnBrk="0" hangingPunct="1">
+        <a:lnSpc>
+          <a:spcPct val="90000"/>
+        </a:lnSpc>
+        <a:spcBef>
+          <a:spcPts val="500"/>
+        </a:spcBef>
+        <a:buFont typeface="Arial" panose="020B0604020202020204" pitchFamily="34" charset="0"/>
+        <a:buChar char="•"/>
+        <a:defRPr sz="1800" kern="1200">
+          <a:solidFill>
+            <a:schemeClr val="tx1"/>
+          </a:solidFill>
+          <a:latin typeface="+mn-lt"/>
+          <a:ea typeface="+mn-ea"/>
+          <a:cs typeface="+mn-cs"/>
+        </a:defRPr>
+      </a:lvl4pPr>
+      <a:lvl5pPr marL="2057400" indent="-228600" algn="l" defTabSz="914400" rtl="0" eaLnBrk="1" latinLnBrk="0" hangingPunct="1">
+        <a:lnSpc>
+          <a:spcPct val="90000"/>
+        </a:lnSpc>
+        <a:spcBef>
+          <a:spcPts val="500"/>
+        </a:spcBef>
+        <a:buFont typeface="Arial" panose="020B0604020202020204" pitchFamily="34" charset="0"/>
+        <a:buChar char="•"/>
+        <a:defRPr sz="1800" kern="1200">
+          <a:solidFill>
+            <a:schemeClr val="tx1"/>
+          </a:solidFill>
+          <a:latin typeface="+mn-lt"/>
+          <a:ea typeface="+mn-ea"/>
+          <a:cs typeface="+mn-cs"/>
+        </a:defRPr>
+      </a:lvl5pPr>
+      <a:lvl6pPr marL="2514600" indent="-228600" algn="l" defTabSz="914400" rtl="0" eaLnBrk="1" latinLnBrk="0" hangingPunct="1">
+        <a:lnSpc>
+          <a:spcPct val="90000"/>
+        </a:lnSpc>
+        <a:spcBef>
+          <a:spcPts val="500"/>
+        </a:spcBef>
+        <a:buFont typeface="Arial" panose="020B0604020202020204" pitchFamily="34" charset="0"/>
+        <a:buChar char="•"/>
+        <a:defRPr sz="1800" kern="1200">
+          <a:solidFill>
+            <a:schemeClr val="tx1"/>
+          </a:solidFill>
+          <a:latin typeface="+mn-lt"/>
+          <a:ea typeface="+mn-ea"/>
+          <a:cs typeface="+mn-cs"/>
+        </a:defRPr>
+      </a:lvl6pPr>
+      <a:lvl7pPr marL="2971800" indent="-228600" algn="l" defTabSz="914400" rtl="0" eaLnBrk="1" latinLnBrk="0" hangingPunct="1">
+        <a:lnSpc>
+          <a:spcPct val="90000"/>
+        </a:lnSpc>
+        <a:spcBef>
+          <a:spcPts val="500"/>
+        </a:spcBef>
+        <a:buFont typeface="Arial" panose="020B0604020202020204" pitchFamily="34" charset="0"/>
+        <a:buChar char="•"/>
+        <a:defRPr sz="1800" kern="1200">
+          <a:solidFill>
+            <a:schemeClr val="tx1"/>
+          </a:solidFill>
+          <a:latin typeface="+mn-lt"/>
+          <a:ea typeface="+mn-ea"/>
+          <a:cs typeface="+mn-cs"/>
+        </a:defRPr>
+      </a:lvl7pPr>
+      <a:lvl8pPr marL="3429000" indent="-228600" algn="l" defTabSz="914400" rtl="0" eaLnBrk="1" latinLnBrk="0" hangingPunct="1">
+        <a:lnSpc>
+          <a:spcPct val="90000"/>
+        </a:lnSpc>
+        <a:spcBef>
+          <a:spcPts val="500"/>
+        </a:spcBef>
+        <a:buFont typeface="Arial" panose="020B0604020202020204" pitchFamily="34" charset="0"/>
+        <a:buChar char="•"/>
+        <a:defRPr sz="1800" kern="1200">
+          <a:solidFill>
+            <a:schemeClr val="tx1"/>
+          </a:solidFill>
+          <a:latin typeface="+mn-lt"/>
+          <a:ea typeface="+mn-ea"/>
+          <a:cs typeface="+mn-cs"/>
+        </a:defRPr>
+      </a:lvl8pPr>
+      <a:lvl9pPr marL="3886200" indent="-228600" algn="l" defTabSz="914400" rtl="0" eaLnBrk="1" latinLnBrk="0" hangingPunct="1">
+        <a:lnSpc>
+          <a:spcPct val="90000"/>
+        </a:lnSpc>
+        <a:spcBef>
+          <a:spcPts val="500"/>
+        </a:spcBef>
+        <a:buFont typeface="Arial" panose="020B0604020202020204" pitchFamily="34" charset="0"/>
+        <a:buChar char="•"/>
+        <a:defRPr sz="1800" kern="1200">
+          <a:solidFill>
+            <a:schemeClr val="tx1"/>
+          </a:solidFill>
+          <a:latin typeface="+mn-lt"/>
+          <a:ea typeface="+mn-ea"/>
+          <a:cs typeface="+mn-cs"/>
+        </a:defRPr>
+      </a:lvl9pPr>
+    </p:bodyStyle>
+    <p:otherStyle>
+      <a:defPPr>
+        <a:defRPr lang="en-US"/>
+      </a:defPPr>
+      <a:lvl1pPr marL="0" algn="l" defTabSz="914400" rtl="0" eaLnBrk="1" latinLnBrk="0" hangingPunct="1">
+        <a:defRPr sz="1800" kern="1200">
+          <a:solidFill>
+            <a:schemeClr val="tx1"/>
+          </a:solidFill>
+          <a:latin typeface="+mn-lt"/>
+          <a:ea typeface="+mn-ea"/>
+          <a:cs typeface="+mn-cs"/>
+        </a:defRPr>
+      </a:lvl1pPr>
+      <a:lvl2pPr marL="457200" algn="l" defTabSz="914400" rtl="0" eaLnBrk="1" latinLnBrk="0" hangingPunct="1">
+        <a:defRPr sz="1800" kern="1200">
+          <a:solidFill>
+            <a:schemeClr val="tx1"/>
+          </a:solidFill>
+          <a:latin typeface="+mn-lt"/>
+          <a:ea typeface="+mn-ea"/>
+          <a:cs typeface="+mn-cs"/>
+        </a:defRPr>
+      </a:lvl2pPr>
+      <a:lvl3pPr marL="914400" algn="l" defTabSz="914400" rtl="0" eaLnBrk="1" latinLnBrk="0" hangingPunct="1">
+        <a:defRPr sz="1800" kern="1200">
+          <a:solidFill>
+            <a:schemeClr val="tx1"/>
+          </a:solidFill>
+          <a:latin typeface="+mn-lt"/>
+          <a:ea typeface="+mn-ea"/>
+          <a:cs typeface="+mn-cs"/>
+        </a:defRPr>
+      </a:lvl3pPr>
+      <a:lvl4pPr marL="1371600" algn="l" defTabSz="914400" rtl="0" eaLnBrk="1" latinLnBrk="0" hangingPunct="1">
+        <a:defRPr sz="1800" kern="1200">
+          <a:solidFill>
+            <a:schemeClr val="tx1"/>
+          </a:solidFill>
+          <a:latin typeface="+mn-lt"/>
+          <a:ea typeface="+mn-ea"/>
+          <a:cs typeface="+mn-cs"/>
+        </a:defRPr>
+      </a:lvl4pPr>
+      <a:lvl5pPr marL="1828800" algn="l" defTabSz="914400" rtl="0" eaLnBrk="1" latinLnBrk="0" hangingPunct="1">
+        <a:defRPr sz="1800" kern="1200">
+          <a:solidFill>
+            <a:schemeClr val="tx1"/>
+          </a:solidFill>
+          <a:latin typeface="+mn-lt"/>
+          <a:ea typeface="+mn-ea"/>
+          <a:cs typeface="+mn-cs"/>
+        </a:defRPr>
+      </a:lvl5pPr>
+      <a:lvl6pPr marL="2286000" algn="l" defTabSz="914400" rtl="0" eaLnBrk="1" latinLnBrk="0" hangingPunct="1">
+        <a:defRPr sz="1800" kern="1200">
+          <a:solidFill>
+            <a:schemeClr val="tx1"/>
+          </a:solidFill>
+          <a:latin typeface="+mn-lt"/>
+          <a:ea typeface="+mn-ea"/>
+          <a:cs typeface="+mn-cs"/>
+        </a:defRPr>
+      </a:lvl6pPr>
+      <a:lvl7pPr marL="2743200" algn="l" defTabSz="914400" rtl="0" eaLnBrk="1" latinLnBrk="0" hangingPunct="1">
+        <a:defRPr sz="1800" kern="1200">
+          <a:solidFill>
+            <a:schemeClr val="tx1"/>
+          </a:solidFill>
+          <a:latin typeface="+mn-lt"/>
+          <a:ea typeface="+mn-ea"/>
+          <a:cs typeface="+mn-cs"/>
+        </a:defRPr>
+      </a:lvl7pPr>
+      <a:lvl8pPr marL="3200400" algn="l" defTabSz="914400" rtl="0" eaLnBrk="1" latinLnBrk="0" hangingPunct="1">
+        <a:defRPr sz="1800" kern="1200">
+          <a:solidFill>
+            <a:schemeClr val="tx1"/>
+          </a:solidFill>
+          <a:latin typeface="+mn-lt"/>
+          <a:ea typeface="+mn-ea"/>
+          <a:cs typeface="+mn-cs"/>
+        </a:defRPr>
+      </a:lvl8pPr>
+      <a:lvl9pPr marL="3657600" algn="l" defTabSz="914400" rtl="0" eaLnBrk="1" latinLnBrk="0" hangingPunct="1">
+        <a:defRPr sz="1800" kern="1200">
+          <a:solidFill>
+            <a:schemeClr val="tx1"/>
+          </a:solidFill>
+          <a:latin typeface="+mn-lt"/>
+          <a:ea typeface="+mn-ea"/>
+          <a:cs typeface="+mn-cs"/>
+        </a:defRPr>
+      </a:lvl9pPr>
+    </p:otherStyle>
+  </p:txStyles>
 </p:sldMaster>
 </file>
 
 <file path=ppt/slideMasters/slideMaster4.xml><?xml version="1.0" encoding="utf-8"?>
-<p:sldMaster xmlns:a="http://schemas.openxmlformats.org/drawingml/2006/main" xmlns:p="http://schemas.openxmlformats.org/presentationml/2006/main" xmlns:r="http://schemas.openxmlformats.org/officeDocument/2006/relationships" xmlns:p14="http://schemas.microsoft.com/office/powerpoint/2010/main" xmlns:p15="http://schemas.microsoft.com/office/powerpoint/2012/main" xmlns:mc="http://schemas.openxmlformats.org/markup-compatibility/2006">
+<p:sldMaster xmlns:a="http://schemas.openxmlformats.org/drawingml/2006/main" xmlns:r="http://schemas.openxmlformats.org/officeDocument/2006/relationships" xmlns:p="http://schemas.openxmlformats.org/presentationml/2006/main">
   <p:cSld>
     <p:bg>
       <p:bgPr>
@@ -8044,11 +9149,12 @@
               <a:srgbClr val="000000"/>
             </a:gs>
             <a:gs pos="100000">
-              <a:srgbClr val="0e1830"/>
+              <a:srgbClr val="0E1830"/>
             </a:gs>
           </a:gsLst>
           <a:lin ang="3600000"/>
         </a:gradFill>
+        <a:effectLst/>
       </p:bgPr>
     </p:bg>
     <p:spTree>
@@ -8094,6 +9200,7 @@
               <a:avLst/>
               <a:gdLst/>
               <a:ahLst/>
+              <a:cxnLst/>
               <a:rect l="l" t="t" r="r" b="b"/>
               <a:pathLst>
                 <a:path w="612775" h="3919538">
@@ -8146,6 +9253,7 @@
               <a:avLst/>
               <a:gdLst/>
               <a:ahLst/>
+              <a:cxnLst/>
               <a:rect l="l" t="t" r="r" b="b"/>
               <a:pathLst>
                 <a:path w="410751" h="3421856">
@@ -8198,6 +9306,7 @@
               <a:avLst/>
               <a:gdLst/>
               <a:ahLst/>
+              <a:cxnLst/>
               <a:rect l="l" t="t" r="r" b="b"/>
               <a:pathLst>
                 <a:path w="238919" h="2976561">
@@ -8218,7 +9327,7 @@
             <a:noFill/>
             <a:ln>
               <a:solidFill>
-                <a:srgbClr val="004d4d"/>
+                <a:srgbClr val="004D4D"/>
               </a:solidFill>
             </a:ln>
           </p:spPr>
@@ -8258,9 +9367,10 @@
           </a:prstGeom>
         </p:spPr>
         <p:txBody>
-          <a:bodyPr lIns="122040" rIns="122040" tIns="60840" bIns="60840" anchor="b">
+          <a:bodyPr lIns="122040" tIns="60840" rIns="122040" bIns="60840" anchor="b">
             <a:noAutofit/>
           </a:bodyPr>
+          <a:lstStyle/>
           <a:p>
             <a:pPr>
               <a:lnSpc>
@@ -8268,20 +9378,14 @@
               </a:lnSpc>
             </a:pPr>
             <a:r>
-              <a:rPr b="0" lang="en-US" sz="3600" spc="-1" strike="noStrike">
+              <a:rPr lang="en-US" sz="3600" b="0" strike="noStrike" spc="-1">
                 <a:solidFill>
-                  <a:srgbClr val="ffffff"/>
+                  <a:srgbClr val="FFFFFF"/>
                 </a:solidFill>
                 <a:latin typeface="Calibri"/>
               </a:rPr>
               <a:t>Click to edit Master title style</a:t>
             </a:r>
-            <a:endParaRPr b="0" lang="en-US" sz="3600" spc="-1" strike="noStrike">
-              <a:solidFill>
-                <a:srgbClr val="ffffff"/>
-              </a:solidFill>
-              <a:latin typeface="Calibri"/>
-            </a:endParaRPr>
           </a:p>
         </p:txBody>
       </p:sp>
@@ -8305,20 +9409,21 @@
           </a:prstGeom>
         </p:spPr>
         <p:txBody>
-          <a:bodyPr lIns="122040" rIns="122040" tIns="60840" bIns="60840" anchor="b">
+          <a:bodyPr lIns="122040" tIns="60840" rIns="122040" bIns="60840" anchor="b">
             <a:normAutofit/>
           </a:bodyPr>
+          <a:lstStyle/>
           <a:p>
             <a:pPr>
               <a:lnSpc>
                 <a:spcPct val="90000"/>
               </a:lnSpc>
               <a:tabLst>
-                <a:tab algn="l" pos="0"/>
+                <a:tab pos="0" algn="l"/>
               </a:tabLst>
             </a:pPr>
             <a:r>
-              <a:rPr b="0" lang="en-US" sz="2800" spc="199" strike="noStrike" cap="all">
+              <a:rPr lang="en-US" sz="2800" b="0" strike="noStrike" cap="all" spc="199">
                 <a:solidFill>
                   <a:srgbClr val="009999"/>
                 </a:solidFill>
@@ -8326,9 +9431,9 @@
               </a:rPr>
               <a:t>Click to edit Master text styles</a:t>
             </a:r>
-            <a:endParaRPr b="0" lang="en-US" sz="2800" spc="-1" strike="noStrike">
-              <a:solidFill>
-                <a:srgbClr val="ffffff"/>
+            <a:endParaRPr lang="en-US" sz="2800" b="0" strike="noStrike" spc="-1">
+              <a:solidFill>
+                <a:srgbClr val="FFFFFF"/>
               </a:solidFill>
               <a:latin typeface="Calibri"/>
             </a:endParaRPr>
@@ -8355,9 +9460,10 @@
           </a:prstGeom>
         </p:spPr>
         <p:txBody>
-          <a:bodyPr lIns="122040" rIns="122040" tIns="60840" bIns="60840">
+          <a:bodyPr lIns="122040" tIns="60840" rIns="122040" bIns="60840">
             <a:noAutofit/>
           </a:bodyPr>
+          <a:lstStyle/>
           <a:p>
             <a:pPr marL="304920" indent="-304560">
               <a:lnSpc>
@@ -8373,23 +9479,17 @@
               <a:buChar char="•"/>
             </a:pPr>
             <a:r>
-              <a:rPr b="0" lang="en-US" sz="2800" spc="-1" strike="noStrike">
+              <a:rPr lang="en-US" sz="2800" b="0" strike="noStrike" spc="-1">
                 <a:solidFill>
-                  <a:srgbClr val="ffffff"/>
+                  <a:srgbClr val="FFFFFF"/>
                 </a:solidFill>
                 <a:latin typeface="Calibri"/>
               </a:rPr>
               <a:t>Click to edit Master text styles</a:t>
             </a:r>
-            <a:endParaRPr b="0" lang="en-US" sz="2800" spc="-1" strike="noStrike">
-              <a:solidFill>
-                <a:srgbClr val="ffffff"/>
-              </a:solidFill>
-              <a:latin typeface="Calibri"/>
-            </a:endParaRPr>
-          </a:p>
-          <a:p>
-            <a:pPr lvl="1" marL="609480" indent="-231120">
+          </a:p>
+          <a:p>
+            <a:pPr marL="609480" lvl="1" indent="-231120">
               <a:lnSpc>
                 <a:spcPct val="90000"/>
               </a:lnSpc>
@@ -8404,23 +9504,17 @@
               <a:buChar char="•"/>
             </a:pPr>
             <a:r>
-              <a:rPr b="0" lang="en-US" sz="2400" spc="-1" strike="noStrike">
+              <a:rPr lang="en-US" sz="2400" b="0" strike="noStrike" spc="-1">
                 <a:solidFill>
-                  <a:srgbClr val="ffffff"/>
+                  <a:srgbClr val="FFFFFF"/>
                 </a:solidFill>
                 <a:latin typeface="Calibri"/>
               </a:rPr>
               <a:t>Second level</a:t>
             </a:r>
-            <a:endParaRPr b="0" lang="en-US" sz="2400" spc="-1" strike="noStrike">
-              <a:solidFill>
-                <a:srgbClr val="ffffff"/>
-              </a:solidFill>
-              <a:latin typeface="Calibri"/>
-            </a:endParaRPr>
-          </a:p>
-          <a:p>
-            <a:pPr lvl="2" marL="914400" indent="-231120">
+          </a:p>
+          <a:p>
+            <a:pPr marL="914400" lvl="2" indent="-231120">
               <a:lnSpc>
                 <a:spcPct val="90000"/>
               </a:lnSpc>
@@ -8435,23 +9529,17 @@
               <a:buChar char="•"/>
             </a:pPr>
             <a:r>
-              <a:rPr b="0" lang="en-US" sz="2000" spc="-1" strike="noStrike">
+              <a:rPr lang="en-US" sz="2000" b="0" strike="noStrike" spc="-1">
                 <a:solidFill>
-                  <a:srgbClr val="ffffff"/>
+                  <a:srgbClr val="FFFFFF"/>
                 </a:solidFill>
                 <a:latin typeface="Calibri"/>
               </a:rPr>
               <a:t>Third level</a:t>
             </a:r>
-            <a:endParaRPr b="0" lang="en-US" sz="2000" spc="-1" strike="noStrike">
-              <a:solidFill>
-                <a:srgbClr val="ffffff"/>
-              </a:solidFill>
-              <a:latin typeface="Calibri"/>
-            </a:endParaRPr>
-          </a:p>
-          <a:p>
-            <a:pPr lvl="3" marL="1218960" indent="-231120">
+          </a:p>
+          <a:p>
+            <a:pPr marL="1218960" lvl="3" indent="-231120">
               <a:lnSpc>
                 <a:spcPct val="90000"/>
               </a:lnSpc>
@@ -8466,23 +9554,17 @@
               <a:buChar char="•"/>
             </a:pPr>
             <a:r>
-              <a:rPr b="0" lang="en-US" sz="2000" spc="-1" strike="noStrike">
+              <a:rPr lang="en-US" sz="2000" b="0" strike="noStrike" spc="-1">
                 <a:solidFill>
-                  <a:srgbClr val="ffffff"/>
+                  <a:srgbClr val="FFFFFF"/>
                 </a:solidFill>
                 <a:latin typeface="Calibri"/>
               </a:rPr>
               <a:t>Fourth level</a:t>
             </a:r>
-            <a:endParaRPr b="0" lang="en-US" sz="2000" spc="-1" strike="noStrike">
-              <a:solidFill>
-                <a:srgbClr val="ffffff"/>
-              </a:solidFill>
-              <a:latin typeface="Calibri"/>
-            </a:endParaRPr>
-          </a:p>
-          <a:p>
-            <a:pPr lvl="4" marL="1523880" indent="-231120">
+          </a:p>
+          <a:p>
+            <a:pPr marL="1523880" lvl="4" indent="-231120">
               <a:lnSpc>
                 <a:spcPct val="90000"/>
               </a:lnSpc>
@@ -8497,20 +9579,14 @@
               <a:buChar char="•"/>
             </a:pPr>
             <a:r>
-              <a:rPr b="0" lang="en-US" sz="2000" spc="-1" strike="noStrike">
+              <a:rPr lang="en-US" sz="2000" b="0" strike="noStrike" spc="-1">
                 <a:solidFill>
-                  <a:srgbClr val="ffffff"/>
+                  <a:srgbClr val="FFFFFF"/>
                 </a:solidFill>
                 <a:latin typeface="Calibri"/>
               </a:rPr>
               <a:t>Fifth level</a:t>
             </a:r>
-            <a:endParaRPr b="0" lang="en-US" sz="2000" spc="-1" strike="noStrike">
-              <a:solidFill>
-                <a:srgbClr val="ffffff"/>
-              </a:solidFill>
-              <a:latin typeface="Calibri"/>
-            </a:endParaRPr>
           </a:p>
         </p:txBody>
       </p:sp>
@@ -8534,20 +9610,21 @@
           </a:prstGeom>
         </p:spPr>
         <p:txBody>
-          <a:bodyPr lIns="122040" rIns="122040" tIns="60840" bIns="60840" anchor="b">
+          <a:bodyPr lIns="122040" tIns="60840" rIns="122040" bIns="60840" anchor="b">
             <a:normAutofit/>
           </a:bodyPr>
+          <a:lstStyle/>
           <a:p>
             <a:pPr>
               <a:lnSpc>
                 <a:spcPct val="90000"/>
               </a:lnSpc>
               <a:tabLst>
-                <a:tab algn="l" pos="0"/>
+                <a:tab pos="0" algn="l"/>
               </a:tabLst>
             </a:pPr>
             <a:r>
-              <a:rPr b="0" lang="en-US" sz="2800" spc="199" strike="noStrike" cap="all">
+              <a:rPr lang="en-US" sz="2800" b="0" strike="noStrike" cap="all" spc="199">
                 <a:solidFill>
                   <a:srgbClr val="009999"/>
                 </a:solidFill>
@@ -8555,9 +9632,9 @@
               </a:rPr>
               <a:t>Click to edit Master text styles</a:t>
             </a:r>
-            <a:endParaRPr b="0" lang="en-US" sz="2800" spc="-1" strike="noStrike">
-              <a:solidFill>
-                <a:srgbClr val="ffffff"/>
+            <a:endParaRPr lang="en-US" sz="2800" b="0" strike="noStrike" spc="-1">
+              <a:solidFill>
+                <a:srgbClr val="FFFFFF"/>
               </a:solidFill>
               <a:latin typeface="Calibri"/>
             </a:endParaRPr>
@@ -8584,9 +9661,10 @@
           </a:prstGeom>
         </p:spPr>
         <p:txBody>
-          <a:bodyPr lIns="122040" rIns="122040" tIns="60840" bIns="60840">
+          <a:bodyPr lIns="122040" tIns="60840" rIns="122040" bIns="60840">
             <a:noAutofit/>
           </a:bodyPr>
+          <a:lstStyle/>
           <a:p>
             <a:pPr marL="304920" indent="-304560">
               <a:lnSpc>
@@ -8602,23 +9680,17 @@
               <a:buChar char="•"/>
             </a:pPr>
             <a:r>
-              <a:rPr b="0" lang="en-US" sz="2800" spc="-1" strike="noStrike">
+              <a:rPr lang="en-US" sz="2800" b="0" strike="noStrike" spc="-1">
                 <a:solidFill>
-                  <a:srgbClr val="ffffff"/>
+                  <a:srgbClr val="FFFFFF"/>
                 </a:solidFill>
                 <a:latin typeface="Calibri"/>
               </a:rPr>
               <a:t>Click to edit Master text styles</a:t>
             </a:r>
-            <a:endParaRPr b="0" lang="en-US" sz="2800" spc="-1" strike="noStrike">
-              <a:solidFill>
-                <a:srgbClr val="ffffff"/>
-              </a:solidFill>
-              <a:latin typeface="Calibri"/>
-            </a:endParaRPr>
-          </a:p>
-          <a:p>
-            <a:pPr lvl="1" marL="609480" indent="-231120">
+          </a:p>
+          <a:p>
+            <a:pPr marL="609480" lvl="1" indent="-231120">
               <a:lnSpc>
                 <a:spcPct val="90000"/>
               </a:lnSpc>
@@ -8633,23 +9705,17 @@
               <a:buChar char="•"/>
             </a:pPr>
             <a:r>
-              <a:rPr b="0" lang="en-US" sz="2400" spc="-1" strike="noStrike">
+              <a:rPr lang="en-US" sz="2400" b="0" strike="noStrike" spc="-1">
                 <a:solidFill>
-                  <a:srgbClr val="ffffff"/>
+                  <a:srgbClr val="FFFFFF"/>
                 </a:solidFill>
                 <a:latin typeface="Calibri"/>
               </a:rPr>
               <a:t>Second level</a:t>
             </a:r>
-            <a:endParaRPr b="0" lang="en-US" sz="2400" spc="-1" strike="noStrike">
-              <a:solidFill>
-                <a:srgbClr val="ffffff"/>
-              </a:solidFill>
-              <a:latin typeface="Calibri"/>
-            </a:endParaRPr>
-          </a:p>
-          <a:p>
-            <a:pPr lvl="2" marL="914400" indent="-231120">
+          </a:p>
+          <a:p>
+            <a:pPr marL="914400" lvl="2" indent="-231120">
               <a:lnSpc>
                 <a:spcPct val="90000"/>
               </a:lnSpc>
@@ -8664,23 +9730,17 @@
               <a:buChar char="•"/>
             </a:pPr>
             <a:r>
-              <a:rPr b="0" lang="en-US" sz="2000" spc="-1" strike="noStrike">
+              <a:rPr lang="en-US" sz="2000" b="0" strike="noStrike" spc="-1">
                 <a:solidFill>
-                  <a:srgbClr val="ffffff"/>
+                  <a:srgbClr val="FFFFFF"/>
                 </a:solidFill>
                 <a:latin typeface="Calibri"/>
               </a:rPr>
               <a:t>Third level</a:t>
             </a:r>
-            <a:endParaRPr b="0" lang="en-US" sz="2000" spc="-1" strike="noStrike">
-              <a:solidFill>
-                <a:srgbClr val="ffffff"/>
-              </a:solidFill>
-              <a:latin typeface="Calibri"/>
-            </a:endParaRPr>
-          </a:p>
-          <a:p>
-            <a:pPr lvl="3" marL="1218960" indent="-231120">
+          </a:p>
+          <a:p>
+            <a:pPr marL="1218960" lvl="3" indent="-231120">
               <a:lnSpc>
                 <a:spcPct val="90000"/>
               </a:lnSpc>
@@ -8695,23 +9755,17 @@
               <a:buChar char="•"/>
             </a:pPr>
             <a:r>
-              <a:rPr b="0" lang="en-US" sz="2000" spc="-1" strike="noStrike">
+              <a:rPr lang="en-US" sz="2000" b="0" strike="noStrike" spc="-1">
                 <a:solidFill>
-                  <a:srgbClr val="ffffff"/>
+                  <a:srgbClr val="FFFFFF"/>
                 </a:solidFill>
                 <a:latin typeface="Calibri"/>
               </a:rPr>
               <a:t>Fourth level</a:t>
             </a:r>
-            <a:endParaRPr b="0" lang="en-US" sz="2000" spc="-1" strike="noStrike">
-              <a:solidFill>
-                <a:srgbClr val="ffffff"/>
-              </a:solidFill>
-              <a:latin typeface="Calibri"/>
-            </a:endParaRPr>
-          </a:p>
-          <a:p>
-            <a:pPr lvl="4" marL="1523880" indent="-231120">
+          </a:p>
+          <a:p>
+            <a:pPr marL="1523880" lvl="4" indent="-231120">
               <a:lnSpc>
                 <a:spcPct val="90000"/>
               </a:lnSpc>
@@ -8726,20 +9780,14 @@
               <a:buChar char="•"/>
             </a:pPr>
             <a:r>
-              <a:rPr b="0" lang="en-US" sz="2000" spc="-1" strike="noStrike">
+              <a:rPr lang="en-US" sz="2000" b="0" strike="noStrike" spc="-1">
                 <a:solidFill>
-                  <a:srgbClr val="ffffff"/>
+                  <a:srgbClr val="FFFFFF"/>
                 </a:solidFill>
                 <a:latin typeface="Calibri"/>
               </a:rPr>
               <a:t>Fifth level</a:t>
             </a:r>
-            <a:endParaRPr b="0" lang="en-US" sz="2000" spc="-1" strike="noStrike">
-              <a:solidFill>
-                <a:srgbClr val="ffffff"/>
-              </a:solidFill>
-              <a:latin typeface="Calibri"/>
-            </a:endParaRPr>
           </a:p>
         </p:txBody>
       </p:sp>
@@ -8763,9 +9811,10 @@
           </a:prstGeom>
         </p:spPr>
         <p:txBody>
-          <a:bodyPr lIns="122040" rIns="122040" tIns="60840" bIns="60840" anchor="ctr">
+          <a:bodyPr lIns="122040" tIns="60840" rIns="122040" bIns="60840" anchor="ctr">
             <a:noAutofit/>
           </a:bodyPr>
+          <a:lstStyle/>
           <a:p>
             <a:pPr>
               <a:lnSpc>
@@ -8773,15 +9822,15 @@
               </a:lnSpc>
             </a:pPr>
             <a:fld id="{F17366EB-BA69-486A-B8DF-2DC44666A351}" type="datetime">
-              <a:rPr b="0" lang="en-US" sz="1200" spc="-1" strike="noStrike">
+              <a:rPr lang="en-US" sz="1200" b="0" strike="noStrike" spc="-1">
                 <a:solidFill>
-                  <a:srgbClr val="ffffff"/>
+                  <a:srgbClr val="FFFFFF"/>
                 </a:solidFill>
                 <a:latin typeface="Calibri"/>
               </a:rPr>
-              <a:t>7/22/21</a:t>
+              <a:t>7/22/2021</a:t>
             </a:fld>
-            <a:endParaRPr b="0" lang="en-US" sz="1200" spc="-1" strike="noStrike">
+            <a:endParaRPr lang="en-US" sz="1200" b="0" strike="noStrike" spc="-1">
               <a:latin typeface="Times New Roman"/>
             </a:endParaRPr>
           </a:p>
@@ -8807,11 +9856,12 @@
           </a:prstGeom>
         </p:spPr>
         <p:txBody>
-          <a:bodyPr lIns="122040" rIns="122040" tIns="60840" bIns="60840" anchor="ctr">
+          <a:bodyPr lIns="122040" tIns="60840" rIns="122040" bIns="60840" anchor="ctr">
             <a:noAutofit/>
           </a:bodyPr>
-          <a:p>
-            <a:endParaRPr b="0" lang="en-US" sz="2400" spc="-1" strike="noStrike">
+          <a:lstStyle/>
+          <a:p>
+            <a:endParaRPr lang="en-US" sz="2400" b="0" strike="noStrike" spc="-1">
               <a:latin typeface="Times New Roman"/>
             </a:endParaRPr>
           </a:p>
@@ -8837,9 +9887,10 @@
           </a:prstGeom>
         </p:spPr>
         <p:txBody>
-          <a:bodyPr lIns="122040" rIns="122040" tIns="60840" bIns="60840" anchor="ctr">
+          <a:bodyPr lIns="122040" tIns="60840" rIns="122040" bIns="60840" anchor="ctr">
             <a:noAutofit/>
           </a:bodyPr>
+          <a:lstStyle/>
           <a:p>
             <a:pPr algn="r">
               <a:lnSpc>
@@ -8847,15 +9898,15 @@
               </a:lnSpc>
             </a:pPr>
             <a:fld id="{D12760D0-2476-4862-95BD-FF2BFE521063}" type="slidenum">
-              <a:rPr b="0" lang="en-US" sz="1200" spc="-1" strike="noStrike">
+              <a:rPr lang="en-US" sz="1200" b="0" strike="noStrike" spc="-1">
                 <a:solidFill>
-                  <a:srgbClr val="ffffff"/>
+                  <a:srgbClr val="FFFFFF"/>
                 </a:solidFill>
                 <a:latin typeface="Calibri"/>
               </a:rPr>
-              <a:t>&lt;number&gt;</a:t>
+              <a:t>‹#›</a:t>
             </a:fld>
-            <a:endParaRPr b="0" lang="en-US" sz="1200" spc="-1" strike="noStrike">
+            <a:endParaRPr lang="en-US" sz="1200" b="0" strike="noStrike" spc="-1">
               <a:latin typeface="Times New Roman"/>
             </a:endParaRPr>
           </a:p>
@@ -8863,26 +9914,306 @@
       </p:sp>
     </p:spTree>
   </p:cSld>
-  <p:clrMap bg1="lt1" bg2="lt2" tx1="dk1" tx2="dk2" accent1="accent1" accent2="accent2" accent3="accent3" accent4="accent4" accent5="accent5" accent6="accent6" hlink="hlink" folHlink="folHlink"/>
+  <p:clrMap bg1="lt1" tx1="dk1" bg2="lt2" tx2="dk2" accent1="accent1" accent2="accent2" accent3="accent3" accent4="accent4" accent5="accent5" accent6="accent6" hlink="hlink" folHlink="folHlink"/>
   <p:sldLayoutIdLst>
-    <p:sldLayoutId id="2147483688" r:id="rId2"/>
-    <p:sldLayoutId id="2147483689" r:id="rId3"/>
-    <p:sldLayoutId id="2147483690" r:id="rId4"/>
-    <p:sldLayoutId id="2147483691" r:id="rId5"/>
-    <p:sldLayoutId id="2147483692" r:id="rId6"/>
-    <p:sldLayoutId id="2147483693" r:id="rId7"/>
-    <p:sldLayoutId id="2147483694" r:id="rId8"/>
-    <p:sldLayoutId id="2147483695" r:id="rId9"/>
-    <p:sldLayoutId id="2147483696" r:id="rId10"/>
-    <p:sldLayoutId id="2147483697" r:id="rId11"/>
-    <p:sldLayoutId id="2147483698" r:id="rId12"/>
-    <p:sldLayoutId id="2147483699" r:id="rId13"/>
+    <p:sldLayoutId id="2147483688" r:id="rId1"/>
+    <p:sldLayoutId id="2147483689" r:id="rId2"/>
+    <p:sldLayoutId id="2147483690" r:id="rId3"/>
+    <p:sldLayoutId id="2147483691" r:id="rId4"/>
+    <p:sldLayoutId id="2147483692" r:id="rId5"/>
+    <p:sldLayoutId id="2147483693" r:id="rId6"/>
+    <p:sldLayoutId id="2147483694" r:id="rId7"/>
+    <p:sldLayoutId id="2147483695" r:id="rId8"/>
+    <p:sldLayoutId id="2147483696" r:id="rId9"/>
+    <p:sldLayoutId id="2147483697" r:id="rId10"/>
+    <p:sldLayoutId id="2147483698" r:id="rId11"/>
+    <p:sldLayoutId id="2147483699" r:id="rId12"/>
   </p:sldLayoutIdLst>
+  <p:txStyles>
+    <p:titleStyle>
+      <a:lvl1pPr algn="l" defTabSz="914400" rtl="0" eaLnBrk="1" latinLnBrk="0" hangingPunct="1">
+        <a:lnSpc>
+          <a:spcPct val="90000"/>
+        </a:lnSpc>
+        <a:spcBef>
+          <a:spcPct val="0"/>
+        </a:spcBef>
+        <a:buNone/>
+        <a:defRPr sz="4400" kern="1200">
+          <a:solidFill>
+            <a:schemeClr val="tx1"/>
+          </a:solidFill>
+          <a:latin typeface="+mj-lt"/>
+          <a:ea typeface="+mj-ea"/>
+          <a:cs typeface="+mj-cs"/>
+        </a:defRPr>
+      </a:lvl1pPr>
+    </p:titleStyle>
+    <p:bodyStyle>
+      <a:lvl1pPr marL="228600" indent="-228600" algn="l" defTabSz="914400" rtl="0" eaLnBrk="1" latinLnBrk="0" hangingPunct="1">
+        <a:lnSpc>
+          <a:spcPct val="90000"/>
+        </a:lnSpc>
+        <a:spcBef>
+          <a:spcPts val="1000"/>
+        </a:spcBef>
+        <a:buFont typeface="Arial" panose="020B0604020202020204" pitchFamily="34" charset="0"/>
+        <a:buChar char="•"/>
+        <a:defRPr sz="2800" kern="1200">
+          <a:solidFill>
+            <a:schemeClr val="tx1"/>
+          </a:solidFill>
+          <a:latin typeface="+mn-lt"/>
+          <a:ea typeface="+mn-ea"/>
+          <a:cs typeface="+mn-cs"/>
+        </a:defRPr>
+      </a:lvl1pPr>
+      <a:lvl2pPr marL="685800" indent="-228600" algn="l" defTabSz="914400" rtl="0" eaLnBrk="1" latinLnBrk="0" hangingPunct="1">
+        <a:lnSpc>
+          <a:spcPct val="90000"/>
+        </a:lnSpc>
+        <a:spcBef>
+          <a:spcPts val="500"/>
+        </a:spcBef>
+        <a:buFont typeface="Arial" panose="020B0604020202020204" pitchFamily="34" charset="0"/>
+        <a:buChar char="•"/>
+        <a:defRPr sz="2400" kern="1200">
+          <a:solidFill>
+            <a:schemeClr val="tx1"/>
+          </a:solidFill>
+          <a:latin typeface="+mn-lt"/>
+          <a:ea typeface="+mn-ea"/>
+          <a:cs typeface="+mn-cs"/>
+        </a:defRPr>
+      </a:lvl2pPr>
+      <a:lvl3pPr marL="1143000" indent="-228600" algn="l" defTabSz="914400" rtl="0" eaLnBrk="1" latinLnBrk="0" hangingPunct="1">
+        <a:lnSpc>
+          <a:spcPct val="90000"/>
+        </a:lnSpc>
+        <a:spcBef>
+          <a:spcPts val="500"/>
+        </a:spcBef>
+        <a:buFont typeface="Arial" panose="020B0604020202020204" pitchFamily="34" charset="0"/>
+        <a:buChar char="•"/>
+        <a:defRPr sz="2000" kern="1200">
+          <a:solidFill>
+            <a:schemeClr val="tx1"/>
+          </a:solidFill>
+          <a:latin typeface="+mn-lt"/>
+          <a:ea typeface="+mn-ea"/>
+          <a:cs typeface="+mn-cs"/>
+        </a:defRPr>
+      </a:lvl3pPr>
+      <a:lvl4pPr marL="1600200" indent="-228600" algn="l" defTabSz="914400" rtl="0" eaLnBrk="1" latinLnBrk="0" hangingPunct="1">
+        <a:lnSpc>
+          <a:spcPct val="90000"/>
+        </a:lnSpc>
+        <a:spcBef>
+          <a:spcPts val="500"/>
+        </a:spcBef>
+        <a:buFont typeface="Arial" panose="020B0604020202020204" pitchFamily="34" charset="0"/>
+        <a:buChar char="•"/>
+        <a:defRPr sz="1800" kern="1200">
+          <a:solidFill>
+            <a:schemeClr val="tx1"/>
+          </a:solidFill>
+          <a:latin typeface="+mn-lt"/>
+          <a:ea typeface="+mn-ea"/>
+          <a:cs typeface="+mn-cs"/>
+        </a:defRPr>
+      </a:lvl4pPr>
+      <a:lvl5pPr marL="2057400" indent="-228600" algn="l" defTabSz="914400" rtl="0" eaLnBrk="1" latinLnBrk="0" hangingPunct="1">
+        <a:lnSpc>
+          <a:spcPct val="90000"/>
+        </a:lnSpc>
+        <a:spcBef>
+          <a:spcPts val="500"/>
+        </a:spcBef>
+        <a:buFont typeface="Arial" panose="020B0604020202020204" pitchFamily="34" charset="0"/>
+        <a:buChar char="•"/>
+        <a:defRPr sz="1800" kern="1200">
+          <a:solidFill>
+            <a:schemeClr val="tx1"/>
+          </a:solidFill>
+          <a:latin typeface="+mn-lt"/>
+          <a:ea typeface="+mn-ea"/>
+          <a:cs typeface="+mn-cs"/>
+        </a:defRPr>
+      </a:lvl5pPr>
+      <a:lvl6pPr marL="2514600" indent="-228600" algn="l" defTabSz="914400" rtl="0" eaLnBrk="1" latinLnBrk="0" hangingPunct="1">
+        <a:lnSpc>
+          <a:spcPct val="90000"/>
+        </a:lnSpc>
+        <a:spcBef>
+          <a:spcPts val="500"/>
+        </a:spcBef>
+        <a:buFont typeface="Arial" panose="020B0604020202020204" pitchFamily="34" charset="0"/>
+        <a:buChar char="•"/>
+        <a:defRPr sz="1800" kern="1200">
+          <a:solidFill>
+            <a:schemeClr val="tx1"/>
+          </a:solidFill>
+          <a:latin typeface="+mn-lt"/>
+          <a:ea typeface="+mn-ea"/>
+          <a:cs typeface="+mn-cs"/>
+        </a:defRPr>
+      </a:lvl6pPr>
+      <a:lvl7pPr marL="2971800" indent="-228600" algn="l" defTabSz="914400" rtl="0" eaLnBrk="1" latinLnBrk="0" hangingPunct="1">
+        <a:lnSpc>
+          <a:spcPct val="90000"/>
+        </a:lnSpc>
+        <a:spcBef>
+          <a:spcPts val="500"/>
+        </a:spcBef>
+        <a:buFont typeface="Arial" panose="020B0604020202020204" pitchFamily="34" charset="0"/>
+        <a:buChar char="•"/>
+        <a:defRPr sz="1800" kern="1200">
+          <a:solidFill>
+            <a:schemeClr val="tx1"/>
+          </a:solidFill>
+          <a:latin typeface="+mn-lt"/>
+          <a:ea typeface="+mn-ea"/>
+          <a:cs typeface="+mn-cs"/>
+        </a:defRPr>
+      </a:lvl7pPr>
+      <a:lvl8pPr marL="3429000" indent="-228600" algn="l" defTabSz="914400" rtl="0" eaLnBrk="1" latinLnBrk="0" hangingPunct="1">
+        <a:lnSpc>
+          <a:spcPct val="90000"/>
+        </a:lnSpc>
+        <a:spcBef>
+          <a:spcPts val="500"/>
+        </a:spcBef>
+        <a:buFont typeface="Arial" panose="020B0604020202020204" pitchFamily="34" charset="0"/>
+        <a:buChar char="•"/>
+        <a:defRPr sz="1800" kern="1200">
+          <a:solidFill>
+            <a:schemeClr val="tx1"/>
+          </a:solidFill>
+          <a:latin typeface="+mn-lt"/>
+          <a:ea typeface="+mn-ea"/>
+          <a:cs typeface="+mn-cs"/>
+        </a:defRPr>
+      </a:lvl8pPr>
+      <a:lvl9pPr marL="3886200" indent="-228600" algn="l" defTabSz="914400" rtl="0" eaLnBrk="1" latinLnBrk="0" hangingPunct="1">
+        <a:lnSpc>
+          <a:spcPct val="90000"/>
+        </a:lnSpc>
+        <a:spcBef>
+          <a:spcPts val="500"/>
+        </a:spcBef>
+        <a:buFont typeface="Arial" panose="020B0604020202020204" pitchFamily="34" charset="0"/>
+        <a:buChar char="•"/>
+        <a:defRPr sz="1800" kern="1200">
+          <a:solidFill>
+            <a:schemeClr val="tx1"/>
+          </a:solidFill>
+          <a:latin typeface="+mn-lt"/>
+          <a:ea typeface="+mn-ea"/>
+          <a:cs typeface="+mn-cs"/>
+        </a:defRPr>
+      </a:lvl9pPr>
+    </p:bodyStyle>
+    <p:otherStyle>
+      <a:defPPr>
+        <a:defRPr lang="en-US"/>
+      </a:defPPr>
+      <a:lvl1pPr marL="0" algn="l" defTabSz="914400" rtl="0" eaLnBrk="1" latinLnBrk="0" hangingPunct="1">
+        <a:defRPr sz="1800" kern="1200">
+          <a:solidFill>
+            <a:schemeClr val="tx1"/>
+          </a:solidFill>
+          <a:latin typeface="+mn-lt"/>
+          <a:ea typeface="+mn-ea"/>
+          <a:cs typeface="+mn-cs"/>
+        </a:defRPr>
+      </a:lvl1pPr>
+      <a:lvl2pPr marL="457200" algn="l" defTabSz="914400" rtl="0" eaLnBrk="1" latinLnBrk="0" hangingPunct="1">
+        <a:defRPr sz="1800" kern="1200">
+          <a:solidFill>
+            <a:schemeClr val="tx1"/>
+          </a:solidFill>
+          <a:latin typeface="+mn-lt"/>
+          <a:ea typeface="+mn-ea"/>
+          <a:cs typeface="+mn-cs"/>
+        </a:defRPr>
+      </a:lvl2pPr>
+      <a:lvl3pPr marL="914400" algn="l" defTabSz="914400" rtl="0" eaLnBrk="1" latinLnBrk="0" hangingPunct="1">
+        <a:defRPr sz="1800" kern="1200">
+          <a:solidFill>
+            <a:schemeClr val="tx1"/>
+          </a:solidFill>
+          <a:latin typeface="+mn-lt"/>
+          <a:ea typeface="+mn-ea"/>
+          <a:cs typeface="+mn-cs"/>
+        </a:defRPr>
+      </a:lvl3pPr>
+      <a:lvl4pPr marL="1371600" algn="l" defTabSz="914400" rtl="0" eaLnBrk="1" latinLnBrk="0" hangingPunct="1">
+        <a:defRPr sz="1800" kern="1200">
+          <a:solidFill>
+            <a:schemeClr val="tx1"/>
+          </a:solidFill>
+          <a:latin typeface="+mn-lt"/>
+          <a:ea typeface="+mn-ea"/>
+          <a:cs typeface="+mn-cs"/>
+        </a:defRPr>
+      </a:lvl4pPr>
+      <a:lvl5pPr marL="1828800" algn="l" defTabSz="914400" rtl="0" eaLnBrk="1" latinLnBrk="0" hangingPunct="1">
+        <a:defRPr sz="1800" kern="1200">
+          <a:solidFill>
+            <a:schemeClr val="tx1"/>
+          </a:solidFill>
+          <a:latin typeface="+mn-lt"/>
+          <a:ea typeface="+mn-ea"/>
+          <a:cs typeface="+mn-cs"/>
+        </a:defRPr>
+      </a:lvl5pPr>
+      <a:lvl6pPr marL="2286000" algn="l" defTabSz="914400" rtl="0" eaLnBrk="1" latinLnBrk="0" hangingPunct="1">
+        <a:defRPr sz="1800" kern="1200">
+          <a:solidFill>
+            <a:schemeClr val="tx1"/>
+          </a:solidFill>
+          <a:latin typeface="+mn-lt"/>
+          <a:ea typeface="+mn-ea"/>
+          <a:cs typeface="+mn-cs"/>
+        </a:defRPr>
+      </a:lvl6pPr>
+      <a:lvl7pPr marL="2743200" algn="l" defTabSz="914400" rtl="0" eaLnBrk="1" latinLnBrk="0" hangingPunct="1">
+        <a:defRPr sz="1800" kern="1200">
+          <a:solidFill>
+            <a:schemeClr val="tx1"/>
+          </a:solidFill>
+          <a:latin typeface="+mn-lt"/>
+          <a:ea typeface="+mn-ea"/>
+          <a:cs typeface="+mn-cs"/>
+        </a:defRPr>
+      </a:lvl7pPr>
+      <a:lvl8pPr marL="3200400" algn="l" defTabSz="914400" rtl="0" eaLnBrk="1" latinLnBrk="0" hangingPunct="1">
+        <a:defRPr sz="1800" kern="1200">
+          <a:solidFill>
+            <a:schemeClr val="tx1"/>
+          </a:solidFill>
+          <a:latin typeface="+mn-lt"/>
+          <a:ea typeface="+mn-ea"/>
+          <a:cs typeface="+mn-cs"/>
+        </a:defRPr>
+      </a:lvl8pPr>
+      <a:lvl9pPr marL="3657600" algn="l" defTabSz="914400" rtl="0" eaLnBrk="1" latinLnBrk="0" hangingPunct="1">
+        <a:defRPr sz="1800" kern="1200">
+          <a:solidFill>
+            <a:schemeClr val="tx1"/>
+          </a:solidFill>
+          <a:latin typeface="+mn-lt"/>
+          <a:ea typeface="+mn-ea"/>
+          <a:cs typeface="+mn-cs"/>
+        </a:defRPr>
+      </a:lvl9pPr>
+    </p:otherStyle>
+  </p:txStyles>
 </p:sldMaster>
 </file>
 
 <file path=ppt/slides/slide1.xml><?xml version="1.0" encoding="utf-8"?>
-<p:sld xmlns:a="http://schemas.openxmlformats.org/drawingml/2006/main" xmlns:p="http://schemas.openxmlformats.org/presentationml/2006/main" xmlns:r="http://schemas.openxmlformats.org/officeDocument/2006/relationships" xmlns:p14="http://schemas.microsoft.com/office/powerpoint/2010/main" xmlns:p15="http://schemas.microsoft.com/office/powerpoint/2012/main" xmlns:mc="http://schemas.openxmlformats.org/markup-compatibility/2006">
+<p:sld xmlns:a="http://schemas.openxmlformats.org/drawingml/2006/main" xmlns:r="http://schemas.openxmlformats.org/officeDocument/2006/relationships" xmlns:p="http://schemas.openxmlformats.org/presentationml/2006/main">
   <p:cSld>
     <p:spTree>
       <p:nvGrpSpPr>
@@ -8918,20 +10249,21 @@
           </a:ln>
         </p:spPr>
         <p:txBody>
-          <a:bodyPr lIns="122040" rIns="122040" tIns="60840" bIns="60840">
+          <a:bodyPr lIns="122040" tIns="60840" rIns="122040" bIns="60840">
             <a:noAutofit/>
           </a:bodyPr>
+          <a:lstStyle/>
           <a:p>
             <a:pPr>
               <a:lnSpc>
                 <a:spcPct val="90000"/>
               </a:lnSpc>
               <a:tabLst>
-                <a:tab algn="l" pos="0"/>
+                <a:tab pos="0" algn="l"/>
               </a:tabLst>
             </a:pPr>
             <a:r>
-              <a:rPr b="0" lang="en-US" sz="2800" spc="199" strike="noStrike" cap="all">
+              <a:rPr lang="en-US" sz="2800" b="0" strike="noStrike" cap="all" spc="199">
                 <a:solidFill>
                   <a:srgbClr val="009999"/>
                 </a:solidFill>
@@ -8939,7 +10271,7 @@
               </a:rPr>
               <a:t>552 ACNS / KUNAI</a:t>
             </a:r>
-            <a:endParaRPr b="0" lang="en-US" sz="2800" spc="-1" strike="noStrike">
+            <a:endParaRPr lang="en-US" sz="2800" b="0" strike="noStrike" spc="-1">
               <a:latin typeface="Arial"/>
             </a:endParaRPr>
           </a:p>
@@ -8947,12 +10279,12 @@
       </p:sp>
       <p:pic>
         <p:nvPicPr>
-          <p:cNvPr id="193" name="" descr=""/>
+          <p:cNvPr id="193" name="Picture 192"/>
           <p:cNvPicPr/>
           <p:nvPr/>
         </p:nvPicPr>
         <p:blipFill>
-          <a:blip r:embed="rId1"/>
+          <a:blip r:embed="rId2"/>
           <a:stretch/>
         </p:blipFill>
         <p:spPr>
@@ -8970,6 +10302,9 @@
       </p:pic>
     </p:spTree>
   </p:cSld>
+  <p:clrMapOvr>
+    <a:masterClrMapping/>
+  </p:clrMapOvr>
   <p:transition spd="slow">
     <p:fade/>
   </p:transition>
@@ -8977,7 +10312,7 @@
 </file>
 
 <file path=ppt/slides/slide2.xml><?xml version="1.0" encoding="utf-8"?>
-<p:sld xmlns:a="http://schemas.openxmlformats.org/drawingml/2006/main" xmlns:p="http://schemas.openxmlformats.org/presentationml/2006/main" xmlns:r="http://schemas.openxmlformats.org/officeDocument/2006/relationships" xmlns:p14="http://schemas.microsoft.com/office/powerpoint/2010/main" xmlns:p15="http://schemas.microsoft.com/office/powerpoint/2012/main" xmlns:mc="http://schemas.openxmlformats.org/markup-compatibility/2006">
+<p:sld xmlns:a="http://schemas.openxmlformats.org/drawingml/2006/main" xmlns:r="http://schemas.openxmlformats.org/officeDocument/2006/relationships" xmlns:p="http://schemas.openxmlformats.org/presentationml/2006/main">
   <p:cSld>
     <p:spTree>
       <p:nvGrpSpPr>
@@ -9013,9 +10348,10 @@
           </a:ln>
         </p:spPr>
         <p:txBody>
-          <a:bodyPr lIns="122040" rIns="122040" tIns="60840" bIns="60840" anchor="b">
+          <a:bodyPr lIns="122040" tIns="60840" rIns="122040" bIns="60840" anchor="b">
             <a:noAutofit/>
           </a:bodyPr>
+          <a:lstStyle/>
           <a:p>
             <a:pPr>
               <a:lnSpc>
@@ -9023,20 +10359,14 @@
               </a:lnSpc>
             </a:pPr>
             <a:r>
-              <a:rPr b="0" lang="en-US" sz="3600" spc="-1" strike="noStrike">
+              <a:rPr lang="en-US" sz="3600" b="0" strike="noStrike" spc="-1">
                 <a:solidFill>
-                  <a:srgbClr val="ffffff"/>
+                  <a:srgbClr val="FFFFFF"/>
                 </a:solidFill>
                 <a:latin typeface="Calibri"/>
               </a:rPr>
               <a:t>User Stories for Sprint</a:t>
             </a:r>
-            <a:endParaRPr b="0" lang="en-US" sz="3600" spc="-1" strike="noStrike">
-              <a:solidFill>
-                <a:srgbClr val="ffffff"/>
-              </a:solidFill>
-              <a:latin typeface="Calibri"/>
-            </a:endParaRPr>
           </a:p>
         </p:txBody>
       </p:sp>
@@ -9060,9 +10390,10 @@
           </a:ln>
         </p:spPr>
         <p:txBody>
-          <a:bodyPr lIns="122040" rIns="122040" tIns="60840" bIns="60840">
+          <a:bodyPr lIns="122040" tIns="60840" rIns="122040" bIns="60840">
             <a:noAutofit/>
           </a:bodyPr>
+          <a:lstStyle/>
           <a:p>
             <a:pPr marL="304920" indent="-304560">
               <a:lnSpc>
@@ -9078,48 +10409,54 @@
               <a:buChar char="•"/>
             </a:pPr>
             <a:r>
-              <a:rPr b="0" lang="en-US" sz="2800" spc="-1" strike="noStrike">
+              <a:rPr lang="en-US" sz="2800" b="0" strike="noStrike" spc="-1" dirty="0">
                 <a:solidFill>
-                  <a:srgbClr val="ffffff"/>
+                  <a:srgbClr val="FFFFFF"/>
                 </a:solidFill>
                 <a:latin typeface="Calibri"/>
               </a:rPr>
               <a:t>As a Do, I want to have a location to upload data from ETMS Reports, so that I am able to store the data from said reports in the application.</a:t>
             </a:r>
-            <a:endParaRPr b="0" lang="en-US" sz="2800" spc="-1" strike="noStrike">
-              <a:solidFill>
-                <a:srgbClr val="ffffff"/>
-              </a:solidFill>
-              <a:latin typeface="Calibri"/>
-            </a:endParaRPr>
-          </a:p>
-          <a:p>
-            <a:pPr lvl="1" marL="864000" indent="-324000">
+          </a:p>
+          <a:p>
+            <a:pPr marL="864000" lvl="1" indent="-324000">
               <a:spcBef>
                 <a:spcPts val="1134"/>
               </a:spcBef>
               <a:buClr>
-                <a:srgbClr val="ffffff"/>
+                <a:srgbClr val="FFFFFF"/>
               </a:buClr>
               <a:buSzPct val="75000"/>
               <a:buFont typeface="Symbol" charset="2"/>
               <a:buChar char=""/>
             </a:pPr>
             <a:r>
-              <a:rPr b="0" lang="en-US" sz="2800" spc="-1" strike="noStrike">
+              <a:rPr lang="en-US" sz="2800" b="0" strike="noStrike" spc="-1" dirty="0">
                 <a:solidFill>
-                  <a:srgbClr val="ffffff"/>
+                  <a:srgbClr val="FFFFFF"/>
                 </a:solidFill>
                 <a:latin typeface="Calibri"/>
               </a:rPr>
-              <a:t>Digest ETMS Data (Cyber Awareness, LoW, SABC, FP, Religious Freedom)</a:t>
+              <a:t>Digest ETMS Data (Cyber Awareness, </a:t>
             </a:r>
-            <a:endParaRPr b="0" lang="en-US" sz="2800" spc="-1" strike="noStrike">
-              <a:solidFill>
-                <a:srgbClr val="ffffff"/>
-              </a:solidFill>
-              <a:latin typeface="Calibri"/>
-            </a:endParaRPr>
+            <a:r>
+              <a:rPr lang="en-US" sz="2800" b="0" strike="noStrike" spc="-1" dirty="0" err="1">
+                <a:solidFill>
+                  <a:srgbClr val="FFFFFF"/>
+                </a:solidFill>
+                <a:latin typeface="Calibri"/>
+              </a:rPr>
+              <a:t>LoW</a:t>
+            </a:r>
+            <a:r>
+              <a:rPr lang="en-US" sz="2800" b="0" strike="noStrike" spc="-1" dirty="0">
+                <a:solidFill>
+                  <a:srgbClr val="FFFFFF"/>
+                </a:solidFill>
+                <a:latin typeface="Calibri"/>
+              </a:rPr>
+              <a:t>, SABC, FP, Religious Freedom)</a:t>
+            </a:r>
           </a:p>
           <a:p>
             <a:pPr marL="304920" indent="-304560">
@@ -9136,60 +10473,51 @@
               <a:buChar char="•"/>
             </a:pPr>
             <a:r>
-              <a:rPr b="0" lang="en-US" sz="2800" spc="-1" strike="noStrike">
+              <a:rPr lang="en-US" sz="2800" b="0" strike="noStrike" spc="-1" dirty="0">
                 <a:solidFill>
-                  <a:srgbClr val="ffffff"/>
+                  <a:srgbClr val="FFFFFF"/>
                 </a:solidFill>
                 <a:latin typeface="Calibri"/>
               </a:rPr>
               <a:t>As a DO, I want to be able to upload LOX data to the application, so that I can store my unit's readiness information</a:t>
             </a:r>
-            <a:endParaRPr b="0" lang="en-US" sz="2800" spc="-1" strike="noStrike">
-              <a:solidFill>
-                <a:srgbClr val="ffffff"/>
-              </a:solidFill>
-              <a:latin typeface="Calibri"/>
-            </a:endParaRPr>
-          </a:p>
-          <a:p>
-            <a:pPr lvl="1" marL="864000" indent="-324000">
+          </a:p>
+          <a:p>
+            <a:pPr marL="864000" lvl="1" indent="-324000">
               <a:spcBef>
                 <a:spcPts val="1134"/>
               </a:spcBef>
               <a:buClr>
-                <a:srgbClr val="ffffff"/>
+                <a:srgbClr val="FFFFFF"/>
               </a:buClr>
               <a:buSzPct val="75000"/>
               <a:buFont typeface="Symbol" charset="2"/>
               <a:buChar char=""/>
             </a:pPr>
             <a:r>
-              <a:rPr b="0" lang="en-US" sz="2800" spc="-1" strike="noStrike">
+              <a:rPr lang="en-US" sz="2800" b="0" strike="noStrike" spc="-1" dirty="0">
                 <a:solidFill>
-                  <a:srgbClr val="ffffff"/>
+                  <a:srgbClr val="FFFFFF"/>
                 </a:solidFill>
                 <a:latin typeface="Calibri"/>
               </a:rPr>
               <a:t>Move from Alpha Roster for Person object</a:t>
             </a:r>
-            <a:endParaRPr b="0" lang="en-US" sz="2800" spc="-1" strike="noStrike">
-              <a:solidFill>
-                <a:srgbClr val="ffffff"/>
-              </a:solidFill>
-              <a:latin typeface="Calibri"/>
-            </a:endParaRPr>
           </a:p>
         </p:txBody>
       </p:sp>
     </p:spTree>
   </p:cSld>
-  <mc:AlternateContent>
+  <p:clrMapOvr>
+    <a:masterClrMapping/>
+  </p:clrMapOvr>
+  <mc:AlternateContent xmlns:mc="http://schemas.openxmlformats.org/markup-compatibility/2006" xmlns:p14="http://schemas.microsoft.com/office/powerpoint/2010/main">
     <mc:Choice Requires="p14">
       <p:transition spd="med" p14:dur="700">
         <p:fade/>
       </p:transition>
     </mc:Choice>
-    <mc:Fallback>
+    <mc:Fallback xmlns:p15="http://schemas.microsoft.com/office/powerpoint/2012/main" xmlns="">
       <p:transition spd="med">
         <p:fade/>
       </p:transition>
@@ -9199,7 +10527,7 @@
 </file>
 
 <file path=ppt/slides/slide3.xml><?xml version="1.0" encoding="utf-8"?>
-<p:sld xmlns:a="http://schemas.openxmlformats.org/drawingml/2006/main" xmlns:p="http://schemas.openxmlformats.org/presentationml/2006/main" xmlns:r="http://schemas.openxmlformats.org/officeDocument/2006/relationships" xmlns:p14="http://schemas.microsoft.com/office/powerpoint/2010/main" xmlns:p15="http://schemas.microsoft.com/office/powerpoint/2012/main" xmlns:mc="http://schemas.openxmlformats.org/markup-compatibility/2006">
+<p:sld xmlns:a="http://schemas.openxmlformats.org/drawingml/2006/main" xmlns:r="http://schemas.openxmlformats.org/officeDocument/2006/relationships" xmlns:p="http://schemas.openxmlformats.org/presentationml/2006/main">
   <p:cSld>
     <p:spTree>
       <p:nvGrpSpPr>
@@ -9235,9 +10563,10 @@
           </a:ln>
         </p:spPr>
         <p:txBody>
-          <a:bodyPr lIns="122040" rIns="122040" tIns="60840" bIns="60840" anchor="b">
+          <a:bodyPr lIns="122040" tIns="60840" rIns="122040" bIns="60840" anchor="b">
             <a:noAutofit/>
           </a:bodyPr>
+          <a:lstStyle/>
           <a:p>
             <a:pPr>
               <a:lnSpc>
@@ -9245,32 +10574,59 @@
               </a:lnSpc>
             </a:pPr>
             <a:r>
-              <a:rPr b="0" lang="en-US" sz="3600" spc="-1" strike="noStrike">
+              <a:rPr lang="en-US" sz="3600" b="0" strike="noStrike" spc="-1">
                 <a:solidFill>
-                  <a:srgbClr val="ffffff"/>
+                  <a:srgbClr val="FFFFFF"/>
                 </a:solidFill>
                 <a:latin typeface="Calibri"/>
               </a:rPr>
               <a:t>Burndown/Velocity Charts</a:t>
             </a:r>
-            <a:endParaRPr b="0" lang="en-US" sz="3600" spc="-1" strike="noStrike">
-              <a:solidFill>
-                <a:srgbClr val="ffffff"/>
-              </a:solidFill>
-              <a:latin typeface="Calibri"/>
-            </a:endParaRPr>
-          </a:p>
-        </p:txBody>
-      </p:sp>
+          </a:p>
+        </p:txBody>
+      </p:sp>
+      <p:pic>
+        <p:nvPicPr>
+          <p:cNvPr id="9" name="Picture 8">
+            <a:extLst>
+              <a:ext uri="{FF2B5EF4-FFF2-40B4-BE49-F238E27FC236}">
+                <a16:creationId xmlns:a16="http://schemas.microsoft.com/office/drawing/2014/main" id="{EA9F045B-D6DA-4E1A-A4E9-CC9AFACC5088}"/>
+              </a:ext>
+            </a:extLst>
+          </p:cNvPr>
+          <p:cNvPicPr>
+            <a:picLocks noChangeAspect="1"/>
+          </p:cNvPicPr>
+          <p:nvPr/>
+        </p:nvPicPr>
+        <p:blipFill>
+          <a:blip r:embed="rId2"/>
+          <a:stretch>
+            <a:fillRect/>
+          </a:stretch>
+        </p:blipFill>
+        <p:spPr>
+          <a:xfrm>
+            <a:off x="1344705" y="1487686"/>
+            <a:ext cx="8158343" cy="4963594"/>
+          </a:xfrm>
+          <a:prstGeom prst="rect">
+            <a:avLst/>
+          </a:prstGeom>
+        </p:spPr>
+      </p:pic>
     </p:spTree>
   </p:cSld>
-  <mc:AlternateContent>
+  <p:clrMapOvr>
+    <a:masterClrMapping/>
+  </p:clrMapOvr>
+  <mc:AlternateContent xmlns:mc="http://schemas.openxmlformats.org/markup-compatibility/2006" xmlns:p14="http://schemas.microsoft.com/office/powerpoint/2010/main">
     <mc:Choice Requires="p14">
       <p:transition spd="med" p14:dur="700">
         <p:fade/>
       </p:transition>
     </mc:Choice>
-    <mc:Fallback>
+    <mc:Fallback xmlns:p15="http://schemas.microsoft.com/office/powerpoint/2012/main" xmlns="">
       <p:transition spd="med">
         <p:fade/>
       </p:transition>
@@ -9280,7 +10636,7 @@
 </file>
 
 <file path=ppt/slides/slide4.xml><?xml version="1.0" encoding="utf-8"?>
-<p:sld xmlns:a="http://schemas.openxmlformats.org/drawingml/2006/main" xmlns:p="http://schemas.openxmlformats.org/presentationml/2006/main" xmlns:r="http://schemas.openxmlformats.org/officeDocument/2006/relationships" xmlns:p14="http://schemas.microsoft.com/office/powerpoint/2010/main" xmlns:p15="http://schemas.microsoft.com/office/powerpoint/2012/main" xmlns:mc="http://schemas.openxmlformats.org/markup-compatibility/2006">
+<p:sld xmlns:a="http://schemas.openxmlformats.org/drawingml/2006/main" xmlns:r="http://schemas.openxmlformats.org/officeDocument/2006/relationships" xmlns:p="http://schemas.openxmlformats.org/presentationml/2006/main">
   <p:cSld>
     <p:spTree>
       <p:nvGrpSpPr>
@@ -9298,7 +10654,7 @@
       </p:grpSpPr>
       <p:sp>
         <p:nvSpPr>
-          <p:cNvPr id="197" name="Title 12"/>
+          <p:cNvPr id="196" name="Title 1"/>
           <p:cNvSpPr txBox="1"/>
           <p:nvPr/>
         </p:nvSpPr>
@@ -9316,9 +10672,10 @@
           </a:ln>
         </p:spPr>
         <p:txBody>
-          <a:bodyPr lIns="122040" rIns="122040" tIns="60840" bIns="60840" anchor="b">
+          <a:bodyPr lIns="122040" tIns="60840" rIns="122040" bIns="60840" anchor="b">
             <a:noAutofit/>
           </a:bodyPr>
+          <a:lstStyle/>
           <a:p>
             <a:pPr>
               <a:lnSpc>
@@ -9326,20 +10683,128 @@
               </a:lnSpc>
             </a:pPr>
             <a:r>
-              <a:rPr b="0" lang="en-US" sz="3600" spc="-1" strike="noStrike">
+              <a:rPr lang="en-US" sz="3600" b="0" strike="noStrike" spc="-1">
                 <a:solidFill>
-                  <a:srgbClr val="ffffff"/>
+                  <a:srgbClr val="FFFFFF"/>
+                </a:solidFill>
+                <a:latin typeface="Calibri"/>
+              </a:rPr>
+              <a:t>Burndown/Velocity Charts</a:t>
+            </a:r>
+          </a:p>
+        </p:txBody>
+      </p:sp>
+      <p:pic>
+        <p:nvPicPr>
+          <p:cNvPr id="3" name="Picture 2">
+            <a:extLst>
+              <a:ext uri="{FF2B5EF4-FFF2-40B4-BE49-F238E27FC236}">
+                <a16:creationId xmlns:a16="http://schemas.microsoft.com/office/drawing/2014/main" id="{F91CCCD4-F9B4-4B54-B100-C1903116DFFD}"/>
+              </a:ext>
+            </a:extLst>
+          </p:cNvPr>
+          <p:cNvPicPr>
+            <a:picLocks noChangeAspect="1"/>
+          </p:cNvPicPr>
+          <p:nvPr/>
+        </p:nvPicPr>
+        <p:blipFill>
+          <a:blip r:embed="rId2"/>
+          <a:stretch>
+            <a:fillRect/>
+          </a:stretch>
+        </p:blipFill>
+        <p:spPr>
+          <a:xfrm>
+            <a:off x="1085728" y="1668651"/>
+            <a:ext cx="10626544" cy="4794904"/>
+          </a:xfrm>
+          <a:prstGeom prst="rect">
+            <a:avLst/>
+          </a:prstGeom>
+        </p:spPr>
+      </p:pic>
+    </p:spTree>
+    <p:extLst>
+      <p:ext uri="{BB962C8B-B14F-4D97-AF65-F5344CB8AC3E}">
+        <p14:creationId xmlns:p14="http://schemas.microsoft.com/office/powerpoint/2010/main" val="3660614171"/>
+      </p:ext>
+    </p:extLst>
+  </p:cSld>
+  <p:clrMapOvr>
+    <a:masterClrMapping/>
+  </p:clrMapOvr>
+  <mc:AlternateContent xmlns:mc="http://schemas.openxmlformats.org/markup-compatibility/2006">
+    <mc:Choice xmlns:p14="http://schemas.microsoft.com/office/powerpoint/2010/main" Requires="p14">
+      <p:transition spd="med" p14:dur="700">
+        <p:fade/>
+      </p:transition>
+    </mc:Choice>
+    <mc:Fallback>
+      <p:transition spd="med">
+        <p:fade/>
+      </p:transition>
+    </mc:Fallback>
+  </mc:AlternateContent>
+</p:sld>
+</file>
+
+<file path=ppt/slides/slide5.xml><?xml version="1.0" encoding="utf-8"?>
+<p:sld xmlns:a="http://schemas.openxmlformats.org/drawingml/2006/main" xmlns:r="http://schemas.openxmlformats.org/officeDocument/2006/relationships" xmlns:p="http://schemas.openxmlformats.org/presentationml/2006/main">
+  <p:cSld>
+    <p:spTree>
+      <p:nvGrpSpPr>
+        <p:cNvPr id="1" name=""/>
+        <p:cNvGrpSpPr/>
+        <p:nvPr/>
+      </p:nvGrpSpPr>
+      <p:grpSpPr>
+        <a:xfrm>
+          <a:off x="0" y="0"/>
+          <a:ext cx="0" cy="0"/>
+          <a:chOff x="0" y="0"/>
+          <a:chExt cx="0" cy="0"/>
+        </a:xfrm>
+      </p:grpSpPr>
+      <p:sp>
+        <p:nvSpPr>
+          <p:cNvPr id="197" name="Title 12"/>
+          <p:cNvSpPr txBox="1"/>
+          <p:nvPr/>
+        </p:nvSpPr>
+        <p:spPr>
+          <a:xfrm>
+            <a:off x="1218960" y="274680"/>
+            <a:ext cx="10360080" cy="1223640"/>
+          </a:xfrm>
+          <a:prstGeom prst="rect">
+            <a:avLst/>
+          </a:prstGeom>
+          <a:noFill/>
+          <a:ln w="0">
+            <a:noFill/>
+          </a:ln>
+        </p:spPr>
+        <p:txBody>
+          <a:bodyPr lIns="122040" tIns="60840" rIns="122040" bIns="60840" anchor="b">
+            <a:noAutofit/>
+          </a:bodyPr>
+          <a:lstStyle/>
+          <a:p>
+            <a:pPr>
+              <a:lnSpc>
+                <a:spcPct val="90000"/>
+              </a:lnSpc>
+            </a:pPr>
+            <a:r>
+              <a:rPr lang="en-US" sz="3600" b="0" strike="noStrike" spc="-1">
+                <a:solidFill>
+                  <a:srgbClr val="FFFFFF"/>
                 </a:solidFill>
                 <a:latin typeface="Calibri"/>
               </a:rPr>
               <a:t>Gathering Additional Requirements</a:t>
             </a:r>
-            <a:endParaRPr b="0" lang="en-US" sz="3600" spc="-1" strike="noStrike">
-              <a:solidFill>
-                <a:srgbClr val="ffffff"/>
-              </a:solidFill>
-              <a:latin typeface="Calibri"/>
-            </a:endParaRPr>
           </a:p>
         </p:txBody>
       </p:sp>
@@ -9363,9 +10828,10 @@
           </a:ln>
         </p:spPr>
         <p:txBody>
-          <a:bodyPr lIns="122040" rIns="122040" tIns="60840" bIns="60840">
+          <a:bodyPr lIns="122040" tIns="60840" rIns="122040" bIns="60840">
             <a:noAutofit/>
           </a:bodyPr>
+          <a:lstStyle/>
           <a:p>
             <a:pPr marL="304920" indent="-304560">
               <a:lnSpc>
@@ -9381,29 +10847,23 @@
               <a:buChar char="•"/>
             </a:pPr>
             <a:r>
-              <a:rPr b="0" lang="en-US" sz="2800" spc="-1" strike="sngStrike">
+              <a:rPr lang="en-US" sz="2800" b="0" strike="sngStrike" spc="-1" dirty="0">
                 <a:solidFill>
-                  <a:srgbClr val="ffffff"/>
+                  <a:srgbClr val="FFFFFF"/>
                 </a:solidFill>
                 <a:latin typeface="Calibri"/>
               </a:rPr>
               <a:t>Need ETMS data prioritization</a:t>
             </a:r>
             <a:r>
-              <a:rPr b="0" lang="en-US" sz="2800" spc="-1" strike="noStrike">
+              <a:rPr lang="en-US" sz="2800" b="0" strike="noStrike" spc="-1" dirty="0">
                 <a:solidFill>
-                  <a:srgbClr val="ffffff"/>
+                  <a:srgbClr val="FFFFFF"/>
                 </a:solidFill>
                 <a:latin typeface="Calibri"/>
               </a:rPr>
               <a:t> </a:t>
             </a:r>
-            <a:endParaRPr b="0" lang="en-US" sz="2800" spc="-1" strike="noStrike">
-              <a:solidFill>
-                <a:srgbClr val="ffffff"/>
-              </a:solidFill>
-              <a:latin typeface="Calibri"/>
-            </a:endParaRPr>
           </a:p>
           <a:p>
             <a:pPr marL="304920" indent="-304560">
@@ -9420,20 +10880,14 @@
               <a:buChar char="•"/>
             </a:pPr>
             <a:r>
-              <a:rPr b="0" lang="en-US" sz="2800" spc="-1" strike="noStrike">
+              <a:rPr lang="en-US" sz="2800" b="0" strike="noStrike" spc="-1" dirty="0">
                 <a:solidFill>
-                  <a:srgbClr val="ffffff"/>
+                  <a:srgbClr val="FFFFFF"/>
                 </a:solidFill>
                 <a:latin typeface="Calibri"/>
               </a:rPr>
               <a:t>IMR/UPMER Reports?</a:t>
             </a:r>
-            <a:endParaRPr b="0" lang="en-US" sz="2800" spc="-1" strike="noStrike">
-              <a:solidFill>
-                <a:srgbClr val="ffffff"/>
-              </a:solidFill>
-              <a:latin typeface="Calibri"/>
-            </a:endParaRPr>
           </a:p>
           <a:p>
             <a:pPr marL="304920" indent="-304560">
@@ -9450,20 +10904,14 @@
               <a:buChar char="•"/>
             </a:pPr>
             <a:r>
-              <a:rPr b="0" lang="en-US" sz="2800" spc="-1" strike="noStrike">
+              <a:rPr lang="en-US" sz="2800" b="0" strike="noStrike" spc="-1" dirty="0">
                 <a:solidFill>
-                  <a:srgbClr val="ffffff"/>
+                  <a:srgbClr val="FFFFFF"/>
                 </a:solidFill>
                 <a:latin typeface="Calibri"/>
               </a:rPr>
               <a:t>Automatic Updates Vs. Manual Uploads</a:t>
             </a:r>
-            <a:endParaRPr b="0" lang="en-US" sz="2800" spc="-1" strike="noStrike">
-              <a:solidFill>
-                <a:srgbClr val="ffffff"/>
-              </a:solidFill>
-              <a:latin typeface="Calibri"/>
-            </a:endParaRPr>
           </a:p>
           <a:p>
             <a:pPr marL="304920" indent="-304560">
@@ -9480,20 +10928,41 @@
               <a:buChar char="•"/>
             </a:pPr>
             <a:r>
-              <a:rPr b="0" lang="en-US" sz="2800" spc="-1" strike="noStrike">
+              <a:rPr lang="en-US" sz="2800" b="0" strike="noStrike" spc="-1" dirty="0" err="1">
                 <a:solidFill>
-                  <a:srgbClr val="ffffff"/>
+                  <a:srgbClr val="FFFFFF"/>
                 </a:solidFill>
                 <a:latin typeface="Calibri"/>
               </a:rPr>
-              <a:t>Crewbuilder (Autobuild)</a:t>
+              <a:t>Crewbuilder</a:t>
             </a:r>
-            <a:endParaRPr b="0" lang="en-US" sz="2800" spc="-1" strike="noStrike">
-              <a:solidFill>
-                <a:srgbClr val="ffffff"/>
-              </a:solidFill>
-              <a:latin typeface="Calibri"/>
-            </a:endParaRPr>
+            <a:r>
+              <a:rPr lang="en-US" sz="2800" b="0" strike="noStrike" spc="-1" dirty="0">
+                <a:solidFill>
+                  <a:srgbClr val="FFFFFF"/>
+                </a:solidFill>
+                <a:latin typeface="Calibri"/>
+              </a:rPr>
+              <a:t> (</a:t>
+            </a:r>
+            <a:r>
+              <a:rPr lang="en-US" sz="2800" b="0" strike="noStrike" spc="-1" dirty="0" err="1">
+                <a:solidFill>
+                  <a:srgbClr val="FFFFFF"/>
+                </a:solidFill>
+                <a:latin typeface="Calibri"/>
+              </a:rPr>
+              <a:t>Autobuild</a:t>
+            </a:r>
+            <a:r>
+              <a:rPr lang="en-US" sz="2800" b="0" strike="noStrike" spc="-1" dirty="0">
+                <a:solidFill>
+                  <a:srgbClr val="FFFFFF"/>
+                </a:solidFill>
+                <a:latin typeface="Calibri"/>
+              </a:rPr>
+              <a:t>)</a:t>
+            </a:r>
           </a:p>
           <a:p>
             <a:pPr marL="304920" indent="-304560">
@@ -9510,20 +10979,14 @@
               <a:buChar char="•"/>
             </a:pPr>
             <a:r>
-              <a:rPr b="0" lang="en-US" sz="2800" spc="-1" strike="noStrike">
+              <a:rPr lang="en-US" sz="2800" b="0" strike="noStrike" spc="-1" dirty="0">
                 <a:solidFill>
-                  <a:srgbClr val="ffffff"/>
+                  <a:srgbClr val="FFFFFF"/>
                 </a:solidFill>
                 <a:latin typeface="Calibri"/>
               </a:rPr>
               <a:t>Lookup Tables (Supporting Information)</a:t>
             </a:r>
-            <a:endParaRPr b="0" lang="en-US" sz="2800" spc="-1" strike="noStrike">
-              <a:solidFill>
-                <a:srgbClr val="ffffff"/>
-              </a:solidFill>
-              <a:latin typeface="Calibri"/>
-            </a:endParaRPr>
           </a:p>
           <a:p>
             <a:pPr marL="304920" indent="-304560">
@@ -9540,25 +11003,22 @@
               <a:buChar char="•"/>
             </a:pPr>
             <a:r>
-              <a:rPr b="0" lang="en-US" sz="2800" spc="-1" strike="noStrike">
+              <a:rPr lang="en-US" sz="2800" b="0" strike="noStrike" spc="-1" dirty="0">
                 <a:solidFill>
-                  <a:srgbClr val="ffffff"/>
+                  <a:srgbClr val="FFFFFF"/>
                 </a:solidFill>
                 <a:latin typeface="Calibri"/>
               </a:rPr>
               <a:t>Exporting Data to clipboards / (ex. for hot sheets)</a:t>
             </a:r>
-            <a:endParaRPr b="0" lang="en-US" sz="2800" spc="-1" strike="noStrike">
-              <a:solidFill>
-                <a:srgbClr val="ffffff"/>
-              </a:solidFill>
-              <a:latin typeface="Calibri"/>
-            </a:endParaRPr>
           </a:p>
         </p:txBody>
       </p:sp>
     </p:spTree>
   </p:cSld>
+  <p:clrMapOvr>
+    <a:masterClrMapping/>
+  </p:clrMapOvr>
   <p:transition spd="slow">
     <p:fade/>
   </p:transition>
@@ -9576,34 +11036,34 @@
         <a:sysClr val="window" lastClr="FFFFFF"/>
       </a:lt1>
       <a:dk2>
-        <a:srgbClr val="192a52"/>
+        <a:srgbClr val="192A52"/>
       </a:dk2>
       <a:lt2>
-        <a:srgbClr val="c0c0c0"/>
+        <a:srgbClr val="C0C0C0"/>
       </a:lt2>
       <a:accent1>
         <a:srgbClr val="009999"/>
       </a:accent1>
       <a:accent2>
-        <a:srgbClr val="e98915"/>
+        <a:srgbClr val="E98915"/>
       </a:accent2>
       <a:accent3>
-        <a:srgbClr val="a419a7"/>
+        <a:srgbClr val="A419A7"/>
       </a:accent3>
       <a:accent4>
-        <a:srgbClr val="afc34d"/>
+        <a:srgbClr val="AFC34D"/>
       </a:accent4>
       <a:accent5>
-        <a:srgbClr val="e5572b"/>
+        <a:srgbClr val="E5572B"/>
       </a:accent5>
       <a:accent6>
-        <a:srgbClr val="6868c4"/>
+        <a:srgbClr val="6868C4"/>
       </a:accent6>
       <a:hlink>
         <a:srgbClr val="009999"/>
       </a:hlink>
       <a:folHlink>
-        <a:srgbClr val="7f7f7f"/>
+        <a:srgbClr val="7F7F7F"/>
       </a:folHlink>
     </a:clrScheme>
     <a:fontScheme name="Office">
@@ -9788,6 +11248,8 @@
       </a:bgFillStyleLst>
     </a:fmtScheme>
   </a:themeElements>
+  <a:objectDefaults/>
+  <a:extraClrSchemeLst/>
 </a:theme>
 </file>
 
@@ -9802,34 +11264,34 @@
         <a:sysClr val="window" lastClr="FFFFFF"/>
       </a:lt1>
       <a:dk2>
-        <a:srgbClr val="192a52"/>
+        <a:srgbClr val="192A52"/>
       </a:dk2>
       <a:lt2>
-        <a:srgbClr val="c0c0c0"/>
+        <a:srgbClr val="C0C0C0"/>
       </a:lt2>
       <a:accent1>
         <a:srgbClr val="009999"/>
       </a:accent1>
       <a:accent2>
-        <a:srgbClr val="e98915"/>
+        <a:srgbClr val="E98915"/>
       </a:accent2>
       <a:accent3>
-        <a:srgbClr val="a419a7"/>
+        <a:srgbClr val="A419A7"/>
       </a:accent3>
       <a:accent4>
-        <a:srgbClr val="afc34d"/>
+        <a:srgbClr val="AFC34D"/>
       </a:accent4>
       <a:accent5>
-        <a:srgbClr val="e5572b"/>
+        <a:srgbClr val="E5572B"/>
       </a:accent5>
       <a:accent6>
-        <a:srgbClr val="6868c4"/>
+        <a:srgbClr val="6868C4"/>
       </a:accent6>
       <a:hlink>
         <a:srgbClr val="009999"/>
       </a:hlink>
       <a:folHlink>
-        <a:srgbClr val="7f7f7f"/>
+        <a:srgbClr val="7F7F7F"/>
       </a:folHlink>
     </a:clrScheme>
     <a:fontScheme name="Office">
@@ -10014,6 +11476,8 @@
       </a:bgFillStyleLst>
     </a:fmtScheme>
   </a:themeElements>
+  <a:objectDefaults/>
+  <a:extraClrSchemeLst/>
 </a:theme>
 </file>
 
@@ -10028,34 +11492,34 @@
         <a:sysClr val="window" lastClr="FFFFFF"/>
       </a:lt1>
       <a:dk2>
-        <a:srgbClr val="192a52"/>
+        <a:srgbClr val="192A52"/>
       </a:dk2>
       <a:lt2>
-        <a:srgbClr val="c0c0c0"/>
+        <a:srgbClr val="C0C0C0"/>
       </a:lt2>
       <a:accent1>
         <a:srgbClr val="009999"/>
       </a:accent1>
       <a:accent2>
-        <a:srgbClr val="e98915"/>
+        <a:srgbClr val="E98915"/>
       </a:accent2>
       <a:accent3>
-        <a:srgbClr val="a419a7"/>
+        <a:srgbClr val="A419A7"/>
       </a:accent3>
       <a:accent4>
-        <a:srgbClr val="afc34d"/>
+        <a:srgbClr val="AFC34D"/>
       </a:accent4>
       <a:accent5>
-        <a:srgbClr val="e5572b"/>
+        <a:srgbClr val="E5572B"/>
       </a:accent5>
       <a:accent6>
-        <a:srgbClr val="6868c4"/>
+        <a:srgbClr val="6868C4"/>
       </a:accent6>
       <a:hlink>
         <a:srgbClr val="009999"/>
       </a:hlink>
       <a:folHlink>
-        <a:srgbClr val="7f7f7f"/>
+        <a:srgbClr val="7F7F7F"/>
       </a:folHlink>
     </a:clrScheme>
     <a:fontScheme name="Office">
@@ -10240,6 +11704,8 @@
       </a:bgFillStyleLst>
     </a:fmtScheme>
   </a:themeElements>
+  <a:objectDefaults/>
+  <a:extraClrSchemeLst/>
 </a:theme>
 </file>
 
@@ -10254,34 +11720,34 @@
         <a:sysClr val="window" lastClr="FFFFFF"/>
       </a:lt1>
       <a:dk2>
-        <a:srgbClr val="192a52"/>
+        <a:srgbClr val="192A52"/>
       </a:dk2>
       <a:lt2>
-        <a:srgbClr val="c0c0c0"/>
+        <a:srgbClr val="C0C0C0"/>
       </a:lt2>
       <a:accent1>
         <a:srgbClr val="009999"/>
       </a:accent1>
       <a:accent2>
-        <a:srgbClr val="e98915"/>
+        <a:srgbClr val="E98915"/>
       </a:accent2>
       <a:accent3>
-        <a:srgbClr val="a419a7"/>
+        <a:srgbClr val="A419A7"/>
       </a:accent3>
       <a:accent4>
-        <a:srgbClr val="afc34d"/>
+        <a:srgbClr val="AFC34D"/>
       </a:accent4>
       <a:accent5>
-        <a:srgbClr val="e5572b"/>
+        <a:srgbClr val="E5572B"/>
       </a:accent5>
       <a:accent6>
-        <a:srgbClr val="6868c4"/>
+        <a:srgbClr val="6868C4"/>
       </a:accent6>
       <a:hlink>
         <a:srgbClr val="009999"/>
       </a:hlink>
       <a:folHlink>
-        <a:srgbClr val="7f7f7f"/>
+        <a:srgbClr val="7F7F7F"/>
       </a:folHlink>
     </a:clrScheme>
     <a:fontScheme name="Office">
@@ -10466,1232 +11932,7 @@
       </a:bgFillStyleLst>
     </a:fmtScheme>
   </a:themeElements>
+  <a:objectDefaults/>
+  <a:extraClrSchemeLst/>
 </a:theme>
-</file>
-
-<file path=customXml/item1.xml><?xml version="1.0" encoding="utf-8"?>
-<ct:contentTypeSchema xmlns:ct="http://schemas.microsoft.com/office/2006/metadata/contentType" xmlns:ma="http://schemas.microsoft.com/office/2006/metadata/properties/metaAttributes" ct:_="" ma:_="" ma:contentTypeName="TemplateFile" ma:contentTypeID="0x0101006EDDDB5EE6D98C44930B742096920B300400F5B6D36B3EF94B4E9A635CDF2A18F5B8" ma:contentTypeVersion="72" ma:contentTypeDescription="Create a new document." ma:contentTypeScope="" ma:versionID="a23e56308344d904b51738559c3d67c9">
-  <xsd:schema xmlns:xsd="http://www.w3.org/2001/XMLSchema" xmlns:xs="http://www.w3.org/2001/XMLSchema" xmlns:p="http://schemas.microsoft.com/office/2006/metadata/properties" xmlns:ns2="4873beb7-5857-4685-be1f-d57550cc96cc" targetNamespace="http://schemas.microsoft.com/office/2006/metadata/properties" ma:root="true" ma:fieldsID="cd0908cc4600e77bf5da051303e00c8d" ns2:_="">
-    <xsd:import namespace="4873beb7-5857-4685-be1f-d57550cc96cc"/>
-    <xsd:element name="properties">
-      <xsd:complexType>
-        <xsd:sequence>
-          <xsd:element name="documentManagement">
-            <xsd:complexType>
-              <xsd:all>
-                <xsd:element ref="ns2:AcquiredFrom" minOccurs="0"/>
-                <xsd:element ref="ns2:UACurrentWords" minOccurs="0"/>
-                <xsd:element ref="ns2:TPApplication" minOccurs="0"/>
-                <xsd:element ref="ns2:ApprovalLog" minOccurs="0"/>
-                <xsd:element ref="ns2:ApprovalStatus" minOccurs="0"/>
-                <xsd:element ref="ns2:AssetStart" minOccurs="0"/>
-                <xsd:element ref="ns2:AssetExpire" minOccurs="0"/>
-                <xsd:element ref="ns2:AssetId" minOccurs="0"/>
-                <xsd:element ref="ns2:IsSearchable" minOccurs="0"/>
-                <xsd:element ref="ns2:AssetType" minOccurs="0"/>
-                <xsd:element ref="ns2:APAuthor" minOccurs="0"/>
-                <xsd:element ref="ns2:AverageRating" minOccurs="0"/>
-                <xsd:element ref="ns2:BlockPublish" minOccurs="0"/>
-                <xsd:element ref="ns2:BugNumber" minOccurs="0"/>
-                <xsd:element ref="ns2:CampaignTagsTaxHTField0" minOccurs="0"/>
-                <xsd:element ref="ns2:TPClientViewer" minOccurs="0"/>
-                <xsd:element ref="ns2:ClipArtFilename" minOccurs="0"/>
-                <xsd:element ref="ns2:TPCommandLine" minOccurs="0"/>
-                <xsd:element ref="ns2:TPComponent" minOccurs="0"/>
-                <xsd:element ref="ns2:ContentItem" minOccurs="0"/>
-                <xsd:element ref="ns2:CrawlForDependencies" minOccurs="0"/>
-                <xsd:element ref="ns2:CSXHash" minOccurs="0"/>
-                <xsd:element ref="ns2:CSXSubmissionMarket" minOccurs="0"/>
-                <xsd:element ref="ns2:CSXUpdate" minOccurs="0"/>
-                <xsd:element ref="ns2:IntlLangReviewDate" minOccurs="0"/>
-                <xsd:element ref="ns2:IsDeleted" minOccurs="0"/>
-                <xsd:element ref="ns2:APDescription" minOccurs="0"/>
-                <xsd:element ref="ns2:DirectSourceMarket" minOccurs="0"/>
-                <xsd:element ref="ns2:Downloads" minOccurs="0"/>
-                <xsd:element ref="ns2:DSATActionTaken" minOccurs="0"/>
-                <xsd:element ref="ns2:APEditor" minOccurs="0"/>
-                <xsd:element ref="ns2:EditorialStatus" minOccurs="0"/>
-                <xsd:element ref="ns2:EditorialTags" minOccurs="0"/>
-                <xsd:element ref="ns2:TPExecutable" minOccurs="0"/>
-                <xsd:element ref="ns2:FeatureTagsTaxHTField0" minOccurs="0"/>
-                <xsd:element ref="ns2:TPFriendlyName" minOccurs="0"/>
-                <xsd:element ref="ns2:FriendlyTitle" minOccurs="0"/>
-                <xsd:element ref="ns2:PrimaryImageGen" minOccurs="0"/>
-                <xsd:element ref="ns2:HandoffToMSDN" minOccurs="0"/>
-                <xsd:element ref="ns2:InProjectListLookup" minOccurs="0"/>
-                <xsd:element ref="ns2:TPInstallLocation" minOccurs="0"/>
-                <xsd:element ref="ns2:InternalTagsTaxHTField0" minOccurs="0"/>
-                <xsd:element ref="ns2:IntlLangReview" minOccurs="0"/>
-                <xsd:element ref="ns2:IntlLangReviewer" minOccurs="0"/>
-                <xsd:element ref="ns2:MarketSpecific" minOccurs="0"/>
-                <xsd:element ref="ns2:LastCompleteVersionLookup" minOccurs="0"/>
-                <xsd:element ref="ns2:LastHandOff" minOccurs="0"/>
-                <xsd:element ref="ns2:LastModifiedDateTime" minOccurs="0"/>
-                <xsd:element ref="ns2:LastPreviewErrorLookup" minOccurs="0"/>
-                <xsd:element ref="ns2:LastPreviewResultLookup" minOccurs="0"/>
-                <xsd:element ref="ns2:LastPreviewAttemptDateLookup" minOccurs="0"/>
-                <xsd:element ref="ns2:LastPreviewedByLookup" minOccurs="0"/>
-                <xsd:element ref="ns2:LastPreviewTimeLookup" minOccurs="0"/>
-                <xsd:element ref="ns2:LastPreviewVersionLookup" minOccurs="0"/>
-                <xsd:element ref="ns2:LastPublishErrorLookup" minOccurs="0"/>
-                <xsd:element ref="ns2:LastPublishResultLookup" minOccurs="0"/>
-                <xsd:element ref="ns2:LastPublishAttemptDateLookup" minOccurs="0"/>
-                <xsd:element ref="ns2:LastPublishedByLookup" minOccurs="0"/>
-                <xsd:element ref="ns2:LastPublishTimeLookup" minOccurs="0"/>
-                <xsd:element ref="ns2:LastPublishVersionLookup" minOccurs="0"/>
-                <xsd:element ref="ns2:TPLaunchHelpLinkType" minOccurs="0"/>
-                <xsd:element ref="ns2:LegacyData" minOccurs="0"/>
-                <xsd:element ref="ns2:TPLaunchHelpLink" minOccurs="0"/>
-                <xsd:element ref="ns2:LocComments" minOccurs="0"/>
-                <xsd:element ref="ns2:LocLastLocAttemptVersionLookup" minOccurs="0"/>
-                <xsd:element ref="ns2:LocLastLocAttemptVersionTypeLookup" minOccurs="0"/>
-                <xsd:element ref="ns2:LocManualTestRequired" minOccurs="0"/>
-                <xsd:element ref="ns2:LocMarketGroupTiers2" minOccurs="0"/>
-                <xsd:element ref="ns2:LocNewPublishedVersionLookup" minOccurs="0"/>
-                <xsd:element ref="ns2:LocOverallHandbackStatusLookup" minOccurs="0"/>
-                <xsd:element ref="ns2:LocOverallLocStatusLookup" minOccurs="0"/>
-                <xsd:element ref="ns2:LocOverallPreviewStatusLookup" minOccurs="0"/>
-                <xsd:element ref="ns2:LocOverallPublishStatusLookup" minOccurs="0"/>
-                <xsd:element ref="ns2:IntlLocPriority" minOccurs="0"/>
-                <xsd:element ref="ns2:LocProcessedForHandoffsLookup" minOccurs="0"/>
-                <xsd:element ref="ns2:LocProcessedForMarketsLookup" minOccurs="0"/>
-                <xsd:element ref="ns2:LocPublishedDependentAssetsLookup" minOccurs="0"/>
-                <xsd:element ref="ns2:LocPublishedLinkedAssetsLookup" minOccurs="0"/>
-                <xsd:element ref="ns2:LocRecommendedHandoff" minOccurs="0"/>
-                <xsd:element ref="ns2:LocalizationTagsTaxHTField0" minOccurs="0"/>
-                <xsd:element ref="ns2:MachineTranslated" minOccurs="0"/>
-                <xsd:element ref="ns2:Manager" minOccurs="0"/>
-                <xsd:element ref="ns2:Markets" minOccurs="0"/>
-                <xsd:element ref="ns2:Milestone" minOccurs="0"/>
-                <xsd:element ref="ns2:TPNamespace" minOccurs="0"/>
-                <xsd:element ref="ns2:NumericId" minOccurs="0"/>
-                <xsd:element ref="ns2:NumOfRatingsLookup" minOccurs="0"/>
-                <xsd:element ref="ns2:OOCacheId" minOccurs="0"/>
-                <xsd:element ref="ns2:OpenTemplate" minOccurs="0"/>
-                <xsd:element ref="ns2:OriginAsset" minOccurs="0"/>
-                <xsd:element ref="ns2:OriginalRelease" minOccurs="0"/>
-                <xsd:element ref="ns2:OriginalSourceMarket" minOccurs="0"/>
-                <xsd:element ref="ns2:OutputCachingOn" minOccurs="0"/>
-                <xsd:element ref="ns2:ParentAssetId" minOccurs="0"/>
-                <xsd:element ref="ns2:PlannedPubDate" minOccurs="0"/>
-                <xsd:element ref="ns2:PolicheckWords" minOccurs="0"/>
-                <xsd:element ref="ns2:BusinessGroup" minOccurs="0"/>
-                <xsd:element ref="ns2:UAProjectedTotalWords" minOccurs="0"/>
-                <xsd:element ref="ns2:Provider" minOccurs="0"/>
-                <xsd:element ref="ns2:Providers" minOccurs="0"/>
-                <xsd:element ref="ns2:PublishStatusLookup" minOccurs="0"/>
-                <xsd:element ref="ns2:PublishTargets" minOccurs="0"/>
-                <xsd:element ref="ns2:RecommendationsModifier" minOccurs="0"/>
-                <xsd:element ref="ns2:ArtSampleDocs" minOccurs="0"/>
-                <xsd:element ref="ns2:ScenarioTagsTaxHTField0" minOccurs="0"/>
-                <xsd:element ref="ns2:ShowIn" minOccurs="0"/>
-                <xsd:element ref="ns2:SourceTitle" minOccurs="0"/>
-                <xsd:element ref="ns2:CSXSubmissionDate" minOccurs="0"/>
-                <xsd:element ref="ns2:SubmitterId" minOccurs="0"/>
-                <xsd:element ref="ns2:TaxCatchAll" minOccurs="0"/>
-                <xsd:element ref="ns2:TaxCatchAllLabel" minOccurs="0"/>
-                <xsd:element ref="ns2:TemplateStatus" minOccurs="0"/>
-                <xsd:element ref="ns2:TemplateTemplateType" minOccurs="0"/>
-                <xsd:element ref="ns2:ThumbnailAssetId" minOccurs="0"/>
-                <xsd:element ref="ns2:TimesCloned" minOccurs="0"/>
-                <xsd:element ref="ns2:TrustLevel" minOccurs="0"/>
-                <xsd:element ref="ns2:UALocComments" minOccurs="0"/>
-                <xsd:element ref="ns2:UALocRecommendation" minOccurs="0"/>
-                <xsd:element ref="ns2:UANotes" minOccurs="0"/>
-                <xsd:element ref="ns2:TPAppVersion" minOccurs="0"/>
-                <xsd:element ref="ns2:VoteCount" minOccurs="0"/>
-              </xsd:all>
-            </xsd:complexType>
-          </xsd:element>
-        </xsd:sequence>
-      </xsd:complexType>
-    </xsd:element>
-  </xsd:schema>
-  <xsd:schema xmlns:xsd="http://www.w3.org/2001/XMLSchema" xmlns:xs="http://www.w3.org/2001/XMLSchema" xmlns:dms="http://schemas.microsoft.com/office/2006/documentManagement/types" xmlns:pc="http://schemas.microsoft.com/office/infopath/2007/PartnerControls" targetNamespace="4873beb7-5857-4685-be1f-d57550cc96cc" elementFormDefault="qualified">
-    <xsd:import namespace="http://schemas.microsoft.com/office/2006/documentManagement/types"/>
-    <xsd:import namespace="http://schemas.microsoft.com/office/infopath/2007/PartnerControls"/>
-    <xsd:element name="AcquiredFrom" ma:index="1" nillable="true" ma:displayName="Acquired From" ma:default="Internal MS" ma:internalName="AcquiredFrom" ma:readOnly="false">
-      <xsd:simpleType>
-        <xsd:restriction base="dms:Choice">
-          <xsd:enumeration value="Internal MS"/>
-          <xsd:enumeration value="Community"/>
-          <xsd:enumeration value="MVP"/>
-          <xsd:enumeration value="Publisher"/>
-          <xsd:enumeration value="Partner"/>
-          <xsd:enumeration value="None"/>
-        </xsd:restriction>
-      </xsd:simpleType>
-    </xsd:element>
-    <xsd:element name="UACurrentWords" ma:index="2" nillable="true" ma:displayName="Actual Word Count" ma:default="" ma:internalName="UACurrentWords" ma:readOnly="false">
-      <xsd:simpleType>
-        <xsd:restriction base="dms:Unknown"/>
-      </xsd:simpleType>
-    </xsd:element>
-    <xsd:element name="TPApplication" ma:index="3" nillable="true" ma:displayName="Application to Open Template With" ma:default="" ma:internalName="TPApplication">
-      <xsd:simpleType>
-        <xsd:restriction base="dms:Text"/>
-      </xsd:simpleType>
-    </xsd:element>
-    <xsd:element name="ApprovalLog" ma:index="4" nillable="true" ma:displayName="Approval Log" ma:default="" ma:hidden="true" ma:internalName="ApprovalLog" ma:readOnly="false">
-      <xsd:simpleType>
-        <xsd:restriction base="dms:Note"/>
-      </xsd:simpleType>
-    </xsd:element>
-    <xsd:element name="ApprovalStatus" ma:index="5" nillable="true" ma:displayName="Approval Status" ma:default="InProgress" ma:internalName="ApprovalStatus" ma:readOnly="false">
-      <xsd:simpleType>
-        <xsd:restriction base="dms:Choice">
-          <xsd:enumeration value="InProgress"/>
-          <xsd:enumeration value="Rejected"/>
-          <xsd:enumeration value="Questionable"/>
-          <xsd:enumeration value="ApprovedAutomatic"/>
-          <xsd:enumeration value="ApprovedManual"/>
-          <xsd:enumeration value="On Hold"/>
-          <xsd:enumeration value="Needs Review"/>
-          <xsd:enumeration value="A Violation"/>
-          <xsd:enumeration value="Unpublished Violation"/>
-        </xsd:restriction>
-      </xsd:simpleType>
-    </xsd:element>
-    <xsd:element name="AssetStart" ma:index="6" nillable="true" ma:displayName="Asset Begin Date" ma:default="[Today]" ma:internalName="AssetStart" ma:readOnly="false">
-      <xsd:simpleType>
-        <xsd:restriction base="dms:DateTime"/>
-      </xsd:simpleType>
-    </xsd:element>
-    <xsd:element name="AssetExpire" ma:index="7" nillable="true" ma:displayName="Asset End Date" ma:default="2029-01-01T08:00:00Z" ma:format="DateTime" ma:internalName="AssetExpire" ma:readOnly="false">
-      <xsd:simpleType>
-        <xsd:restriction base="dms:DateTime"/>
-      </xsd:simpleType>
-    </xsd:element>
-    <xsd:element name="AssetId" ma:index="8" nillable="true" ma:displayName="Asset ID" ma:default="" ma:indexed="true" ma:internalName="AssetId" ma:readOnly="false">
-      <xsd:simpleType>
-        <xsd:restriction base="dms:Text">
-          <xsd:maxLength value="255"/>
-        </xsd:restriction>
-      </xsd:simpleType>
-    </xsd:element>
-    <xsd:element name="IsSearchable" ma:index="9" nillable="true" ma:displayName="Asset Searchable?" ma:default="true" ma:internalName="IsSearchable" ma:readOnly="false">
-      <xsd:simpleType>
-        <xsd:restriction base="dms:Boolean"/>
-      </xsd:simpleType>
-    </xsd:element>
-    <xsd:element name="AssetType" ma:index="10" nillable="true" ma:displayName="Asset Type" ma:default="" ma:internalName="AssetType" ma:readOnly="false">
-      <xsd:simpleType>
-        <xsd:restriction base="dms:Unknown"/>
-      </xsd:simpleType>
-    </xsd:element>
-    <xsd:element name="APAuthor" ma:index="11" nillable="true" ma:displayName="Author" ma:default="" ma:list="UserInfo" ma:internalName="APAuthor" ma:readOnly="false">
-      <xsd:complexType>
-        <xsd:complexContent>
-          <xsd:extension base="dms:User">
-            <xsd:sequence>
-              <xsd:element name="UserInfo" minOccurs="0" maxOccurs="unbounded">
-                <xsd:complexType>
-                  <xsd:sequence>
-                    <xsd:element name="DisplayName" type="xsd:string" minOccurs="0"/>
-                    <xsd:element name="AccountId" type="dms:UserId" minOccurs="0" nillable="true"/>
-                    <xsd:element name="AccountType" type="xsd:string" minOccurs="0"/>
-                  </xsd:sequence>
-                </xsd:complexType>
-              </xsd:element>
-            </xsd:sequence>
-          </xsd:extension>
-        </xsd:complexContent>
-      </xsd:complexType>
-    </xsd:element>
-    <xsd:element name="AverageRating" ma:index="12" nillable="true" ma:displayName="Average Rating" ma:internalName="AverageRating" ma:readOnly="false">
-      <xsd:simpleType>
-        <xsd:restriction base="dms:Text"/>
-      </xsd:simpleType>
-    </xsd:element>
-    <xsd:element name="BlockPublish" ma:index="13" nillable="true" ma:displayName="Block from Publishing?" ma:default="" ma:internalName="BlockPublish" ma:readOnly="false">
-      <xsd:simpleType>
-        <xsd:restriction base="dms:Boolean"/>
-      </xsd:simpleType>
-    </xsd:element>
-    <xsd:element name="BugNumber" ma:index="14" nillable="true" ma:displayName="Bug Number" ma:default="" ma:internalName="BugNumber" ma:readOnly="false">
-      <xsd:simpleType>
-        <xsd:restriction base="dms:Text"/>
-      </xsd:simpleType>
-    </xsd:element>
-    <xsd:element name="CampaignTagsTaxHTField0" ma:index="16" nillable="true" ma:taxonomy="true" ma:internalName="CampaignTagsTaxHTField0" ma:taxonomyFieldName="CampaignTags" ma:displayName="Campaigns" ma:readOnly="false" ma:default="" ma:fieldId="{1df42cc3-2301-4f11-a52a-6ead923c29ed}" ma:taxonomyMulti="true" ma:sspId="8f79753a-75d3-41f5-8ca3-40b843941b4f" ma:termSetId="ca0e50d4-faa1-44ce-961e-bb1441c60e66" ma:anchorId="00000000-0000-0000-0000-000000000000" ma:open="false" ma:isKeyword="false">
-      <xsd:complexType>
-        <xsd:sequence>
-          <xsd:element ref="pc:Terms" minOccurs="0" maxOccurs="1"/>
-        </xsd:sequence>
-      </xsd:complexType>
-    </xsd:element>
-    <xsd:element name="TPClientViewer" ma:index="17" nillable="true" ma:displayName="Client Viewer" ma:default="" ma:internalName="TPClientViewer">
-      <xsd:simpleType>
-        <xsd:restriction base="dms:Text"/>
-      </xsd:simpleType>
-    </xsd:element>
-    <xsd:element name="ClipArtFilename" ma:index="18" nillable="true" ma:displayName="Clip Art Name" ma:default="" ma:internalName="ClipArtFilename" ma:readOnly="false">
-      <xsd:simpleType>
-        <xsd:restriction base="dms:Text"/>
-      </xsd:simpleType>
-    </xsd:element>
-    <xsd:element name="TPCommandLine" ma:index="19" nillable="true" ma:displayName="Command Line" ma:default="" ma:internalName="TPCommandLine">
-      <xsd:simpleType>
-        <xsd:restriction base="dms:Text"/>
-      </xsd:simpleType>
-    </xsd:element>
-    <xsd:element name="TPComponent" ma:index="20" nillable="true" ma:displayName="Component" ma:default="" ma:internalName="TPComponent">
-      <xsd:simpleType>
-        <xsd:restriction base="dms:Text"/>
-      </xsd:simpleType>
-    </xsd:element>
-    <xsd:element name="ContentItem" ma:index="21" nillable="true" ma:displayName="Content Item" ma:default="" ma:hidden="true" ma:internalName="ContentItem" ma:readOnly="false">
-      <xsd:simpleType>
-        <xsd:restriction base="dms:Unknown"/>
-      </xsd:simpleType>
-    </xsd:element>
-    <xsd:element name="CrawlForDependencies" ma:index="23" nillable="true" ma:displayName="Crawl for Dependencies?" ma:default="true" ma:internalName="CrawlForDependencies" ma:readOnly="false">
-      <xsd:simpleType>
-        <xsd:restriction base="dms:Boolean"/>
-      </xsd:simpleType>
-    </xsd:element>
-    <xsd:element name="CSXHash" ma:index="26" nillable="true" ma:displayName="CSX Hash" ma:default="" ma:indexed="true" ma:internalName="CSXHash" ma:readOnly="false">
-      <xsd:simpleType>
-        <xsd:restriction base="dms:Text"/>
-      </xsd:simpleType>
-    </xsd:element>
-    <xsd:element name="CSXSubmissionMarket" ma:index="27" nillable="true" ma:displayName="CSX Submission Market" ma:default="" ma:list="{2FBD1B11-2ACE-4FDC-B5A3-635D4ADF6F1B}" ma:internalName="CSXSubmissionMarket" ma:readOnly="false" ma:showField="MarketName" ma:web="4873beb7-5857-4685-be1f-d57550cc96cc">
-      <xsd:simpleType>
-        <xsd:restriction base="dms:Lookup"/>
-      </xsd:simpleType>
-    </xsd:element>
-    <xsd:element name="CSXUpdate" ma:index="28" nillable="true" ma:displayName="CSX Updated?" ma:default="false" ma:internalName="CSXUpdate" ma:readOnly="false">
-      <xsd:simpleType>
-        <xsd:restriction base="dms:Boolean"/>
-      </xsd:simpleType>
-    </xsd:element>
-    <xsd:element name="IntlLangReviewDate" ma:index="29" nillable="true" ma:displayName="Date to Complete Intl QA" ma:default="" ma:internalName="IntlLangReviewDate" ma:readOnly="false">
-      <xsd:simpleType>
-        <xsd:restriction base="dms:DateTime"/>
-      </xsd:simpleType>
-    </xsd:element>
-    <xsd:element name="IsDeleted" ma:index="30" nillable="true" ma:displayName="Deleted?" ma:default="" ma:internalName="IsDeleted" ma:readOnly="false">
-      <xsd:simpleType>
-        <xsd:restriction base="dms:Boolean"/>
-      </xsd:simpleType>
-    </xsd:element>
-    <xsd:element name="APDescription" ma:index="31" nillable="true" ma:displayName="Description" ma:default="" ma:internalName="APDescription" ma:readOnly="false">
-      <xsd:simpleType>
-        <xsd:restriction base="dms:Note"/>
-      </xsd:simpleType>
-    </xsd:element>
-    <xsd:element name="DirectSourceMarket" ma:index="32" nillable="true" ma:displayName="Direct Source Market Group" ma:default="" ma:internalName="DirectSourceMarket" ma:readOnly="false">
-      <xsd:simpleType>
-        <xsd:restriction base="dms:Text"/>
-      </xsd:simpleType>
-    </xsd:element>
-    <xsd:element name="Downloads" ma:index="33" nillable="true" ma:displayName="Downloads" ma:default="0" ma:hidden="true" ma:internalName="Downloads" ma:readOnly="false">
-      <xsd:simpleType>
-        <xsd:restriction base="dms:Unknown"/>
-      </xsd:simpleType>
-    </xsd:element>
-    <xsd:element name="DSATActionTaken" ma:index="34" nillable="true" ma:displayName="DSAT Action Taken" ma:default="" ma:internalName="DSATActionTaken" ma:readOnly="false">
-      <xsd:simpleType>
-        <xsd:restriction base="dms:Choice">
-          <xsd:enumeration value="Best Bets"/>
-          <xsd:enumeration value="Expire"/>
-          <xsd:enumeration value="Hide"/>
-          <xsd:enumeration value="None"/>
-        </xsd:restriction>
-      </xsd:simpleType>
-    </xsd:element>
-    <xsd:element name="APEditor" ma:index="35" nillable="true" ma:displayName="Editor" ma:default="" ma:list="UserInfo" ma:internalName="APEditor" ma:readOnly="false">
-      <xsd:complexType>
-        <xsd:complexContent>
-          <xsd:extension base="dms:User">
-            <xsd:sequence>
-              <xsd:element name="UserInfo" minOccurs="0" maxOccurs="unbounded">
-                <xsd:complexType>
-                  <xsd:sequence>
-                    <xsd:element name="DisplayName" type="xsd:string" minOccurs="0"/>
-                    <xsd:element name="AccountId" type="dms:UserId" minOccurs="0" nillable="true"/>
-                    <xsd:element name="AccountType" type="xsd:string" minOccurs="0"/>
-                  </xsd:sequence>
-                </xsd:complexType>
-              </xsd:element>
-            </xsd:sequence>
-          </xsd:extension>
-        </xsd:complexContent>
-      </xsd:complexType>
-    </xsd:element>
-    <xsd:element name="EditorialStatus" ma:index="36" nillable="true" ma:displayName="Editorial Status" ma:default="" ma:internalName="EditorialStatus" ma:readOnly="false">
-      <xsd:simpleType>
-        <xsd:restriction base="dms:Unknown"/>
-      </xsd:simpleType>
-    </xsd:element>
-    <xsd:element name="EditorialTags" ma:index="37" nillable="true" ma:displayName="Editorial Tags" ma:default="" ma:internalName="EditorialTags">
-      <xsd:simpleType>
-        <xsd:restriction base="dms:Unknown"/>
-      </xsd:simpleType>
-    </xsd:element>
-    <xsd:element name="TPExecutable" ma:index="38" nillable="true" ma:displayName="Executable" ma:default="" ma:internalName="TPExecutable">
-      <xsd:simpleType>
-        <xsd:restriction base="dms:Text"/>
-      </xsd:simpleType>
-    </xsd:element>
-    <xsd:element name="FeatureTagsTaxHTField0" ma:index="40" nillable="true" ma:taxonomy="true" ma:internalName="FeatureTagsTaxHTField0" ma:taxonomyFieldName="FeatureTags" ma:displayName="Features" ma:readOnly="false" ma:default="" ma:fieldId="{7fc0d542-15c6-4882-a8e3-13bca44403fb}" ma:taxonomyMulti="true" ma:sspId="8f79753a-75d3-41f5-8ca3-40b843941b4f" ma:termSetId="f1ab6845-967d-4854-a0ba-4ec07f0f8113" ma:anchorId="00000000-0000-0000-0000-000000000000" ma:open="false" ma:isKeyword="false">
-      <xsd:complexType>
-        <xsd:sequence>
-          <xsd:element ref="pc:Terms" minOccurs="0" maxOccurs="1"/>
-        </xsd:sequence>
-      </xsd:complexType>
-    </xsd:element>
-    <xsd:element name="TPFriendlyName" ma:index="41" nillable="true" ma:displayName="Friendly Name" ma:default="" ma:internalName="TPFriendlyName">
-      <xsd:simpleType>
-        <xsd:restriction base="dms:Text"/>
-      </xsd:simpleType>
-    </xsd:element>
-    <xsd:element name="FriendlyTitle" ma:index="42" nillable="true" ma:displayName="Friendly Title" ma:default="" ma:description="Shorter title to be used when displaying search results" ma:internalName="FriendlyTitle" ma:readOnly="false">
-      <xsd:simpleType>
-        <xsd:restriction base="dms:Text"/>
-      </xsd:simpleType>
-    </xsd:element>
-    <xsd:element name="PrimaryImageGen" ma:index="43" nillable="true" ma:displayName="Generate Images?" ma:default="true" ma:internalName="PrimaryImageGen">
-      <xsd:simpleType>
-        <xsd:restriction base="dms:Boolean"/>
-      </xsd:simpleType>
-    </xsd:element>
-    <xsd:element name="HandoffToMSDN" ma:index="44" nillable="true" ma:displayName="Handoff To MSDN Date" ma:default="" ma:internalName="HandoffToMSDN" ma:readOnly="false">
-      <xsd:simpleType>
-        <xsd:restriction base="dms:DateTime"/>
-      </xsd:simpleType>
-    </xsd:element>
-    <xsd:element name="InProjectListLookup" ma:index="45" nillable="true" ma:displayName="InProjectListLookup" ma:list="{9E343742-310B-4684-A24C-1D137CB4B230}" ma:internalName="InProjectListLookup" ma:readOnly="true" ma:showField="InProjectList" ma:web="4873beb7-5857-4685-be1f-d57550cc96cc">
-      <xsd:complexType>
-        <xsd:complexContent>
-          <xsd:extension base="dms:MultiChoiceLookup">
-            <xsd:sequence>
-              <xsd:element name="Value" type="dms:Lookup" maxOccurs="unbounded" minOccurs="0" nillable="true"/>
-            </xsd:sequence>
-          </xsd:extension>
-        </xsd:complexContent>
-      </xsd:complexType>
-    </xsd:element>
-    <xsd:element name="TPInstallLocation" ma:index="46" nillable="true" ma:displayName="Install Location" ma:default="" ma:internalName="TPInstallLocation">
-      <xsd:simpleType>
-        <xsd:restriction base="dms:Text"/>
-      </xsd:simpleType>
-    </xsd:element>
-    <xsd:element name="InternalTagsTaxHTField0" ma:index="48" nillable="true" ma:taxonomy="true" ma:internalName="InternalTagsTaxHTField0" ma:taxonomyFieldName="InternalTags" ma:displayName="Internal Tags" ma:readOnly="false" ma:default="" ma:fieldId="{1490b8a4-2706-41ec-b5e3-73176dccf34e}" ma:taxonomyMulti="true" ma:sspId="8f79753a-75d3-41f5-8ca3-40b843941b4f" ma:termSetId="82b6639e-f7fc-4c18-ad2d-003a6e707765" ma:anchorId="00000000-0000-0000-0000-000000000000" ma:open="false" ma:isKeyword="false">
-      <xsd:complexType>
-        <xsd:sequence>
-          <xsd:element ref="pc:Terms" minOccurs="0" maxOccurs="1"/>
-        </xsd:sequence>
-      </xsd:complexType>
-    </xsd:element>
-    <xsd:element name="IntlLangReview" ma:index="49" nillable="true" ma:displayName="Intl Lang QA Review Required?" ma:default="" ma:internalName="IntlLangReview" ma:readOnly="false">
-      <xsd:simpleType>
-        <xsd:restriction base="dms:Boolean"/>
-      </xsd:simpleType>
-    </xsd:element>
-    <xsd:element name="IntlLangReviewer" ma:index="50" nillable="true" ma:displayName="Intl Lang QA Reviewer" ma:default="" ma:internalName="IntlLangReviewer" ma:readOnly="false">
-      <xsd:simpleType>
-        <xsd:restriction base="dms:Text"/>
-      </xsd:simpleType>
-    </xsd:element>
-    <xsd:element name="MarketSpecific" ma:index="51" nillable="true" ma:displayName="Is Market Specific?" ma:default="" ma:internalName="MarketSpecific" ma:readOnly="false">
-      <xsd:simpleType>
-        <xsd:restriction base="dms:Boolean"/>
-      </xsd:simpleType>
-    </xsd:element>
-    <xsd:element name="LastCompleteVersionLookup" ma:index="52" nillable="true" ma:displayName="Last Complete Version Lookup" ma:default="" ma:list="{9E343742-310B-4684-A24C-1D137CB4B230}" ma:internalName="LastCompleteVersionLookup" ma:readOnly="true" ma:showField="LastCompleteVersion" ma:web="4873beb7-5857-4685-be1f-d57550cc96cc">
-      <xsd:complexType>
-        <xsd:complexContent>
-          <xsd:extension base="dms:MultiChoiceLookup">
-            <xsd:sequence>
-              <xsd:element name="Value" type="dms:Lookup" maxOccurs="unbounded" minOccurs="0" nillable="true"/>
-            </xsd:sequence>
-          </xsd:extension>
-        </xsd:complexContent>
-      </xsd:complexType>
-    </xsd:element>
-    <xsd:element name="LastHandOff" ma:index="53" nillable="true" ma:displayName="Last Hand-off" ma:default="" ma:internalName="LastHandOff" ma:readOnly="false">
-      <xsd:simpleType>
-        <xsd:restriction base="dms:DateTime"/>
-      </xsd:simpleType>
-    </xsd:element>
-    <xsd:element name="LastModifiedDateTime" ma:index="54" nillable="true" ma:displayName="Last Modified Date" ma:default="" ma:internalName="LastModifiedDateTime" ma:readOnly="false">
-      <xsd:simpleType>
-        <xsd:restriction base="dms:DateTime"/>
-      </xsd:simpleType>
-    </xsd:element>
-    <xsd:element name="LastPreviewErrorLookup" ma:index="55" nillable="true" ma:displayName="Last Preview Attempt Error" ma:default="" ma:list="{9E343742-310B-4684-A24C-1D137CB4B230}" ma:internalName="LastPreviewErrorLookup" ma:readOnly="true" ma:showField="LastPreviewError" ma:web="4873beb7-5857-4685-be1f-d57550cc96cc">
-      <xsd:complexType>
-        <xsd:complexContent>
-          <xsd:extension base="dms:MultiChoiceLookup">
-            <xsd:sequence>
-              <xsd:element name="Value" type="dms:Lookup" maxOccurs="unbounded" minOccurs="0" nillable="true"/>
-            </xsd:sequence>
-          </xsd:extension>
-        </xsd:complexContent>
-      </xsd:complexType>
-    </xsd:element>
-    <xsd:element name="LastPreviewResultLookup" ma:index="56" nillable="true" ma:displayName="Last Preview Attempt Result" ma:default="" ma:list="{9E343742-310B-4684-A24C-1D137CB4B230}" ma:internalName="LastPreviewResultLookup" ma:readOnly="true" ma:showField="LastPreviewResult" ma:web="4873beb7-5857-4685-be1f-d57550cc96cc">
-      <xsd:complexType>
-        <xsd:complexContent>
-          <xsd:extension base="dms:MultiChoiceLookup">
-            <xsd:sequence>
-              <xsd:element name="Value" type="dms:Lookup" maxOccurs="unbounded" minOccurs="0" nillable="true"/>
-            </xsd:sequence>
-          </xsd:extension>
-        </xsd:complexContent>
-      </xsd:complexType>
-    </xsd:element>
-    <xsd:element name="LastPreviewAttemptDateLookup" ma:index="57" nillable="true" ma:displayName="Last Preview Attempted On" ma:default="" ma:list="{9E343742-310B-4684-A24C-1D137CB4B230}" ma:internalName="LastPreviewAttemptDateLookup" ma:readOnly="true" ma:showField="LastPreviewAttemptDate" ma:web="4873beb7-5857-4685-be1f-d57550cc96cc">
-      <xsd:complexType>
-        <xsd:complexContent>
-          <xsd:extension base="dms:MultiChoiceLookup">
-            <xsd:sequence>
-              <xsd:element name="Value" type="dms:Lookup" maxOccurs="unbounded" minOccurs="0" nillable="true"/>
-            </xsd:sequence>
-          </xsd:extension>
-        </xsd:complexContent>
-      </xsd:complexType>
-    </xsd:element>
-    <xsd:element name="LastPreviewedByLookup" ma:index="58" nillable="true" ma:displayName="Last Previewed By" ma:default="" ma:list="{9E343742-310B-4684-A24C-1D137CB4B230}" ma:internalName="LastPreviewedByLookup" ma:readOnly="true" ma:showField="LastPreviewedBy" ma:web="4873beb7-5857-4685-be1f-d57550cc96cc">
-      <xsd:complexType>
-        <xsd:complexContent>
-          <xsd:extension base="dms:MultiChoiceLookup">
-            <xsd:sequence>
-              <xsd:element name="Value" type="dms:Lookup" maxOccurs="unbounded" minOccurs="0" nillable="true"/>
-            </xsd:sequence>
-          </xsd:extension>
-        </xsd:complexContent>
-      </xsd:complexType>
-    </xsd:element>
-    <xsd:element name="LastPreviewTimeLookup" ma:index="59" nillable="true" ma:displayName="Last Previewed Date" ma:default="" ma:list="{9E343742-310B-4684-A24C-1D137CB4B230}" ma:internalName="LastPreviewTimeLookup" ma:readOnly="true" ma:showField="LastPreviewTime" ma:web="4873beb7-5857-4685-be1f-d57550cc96cc">
-      <xsd:complexType>
-        <xsd:complexContent>
-          <xsd:extension base="dms:MultiChoiceLookup">
-            <xsd:sequence>
-              <xsd:element name="Value" type="dms:Lookup" maxOccurs="unbounded" minOccurs="0" nillable="true"/>
-            </xsd:sequence>
-          </xsd:extension>
-        </xsd:complexContent>
-      </xsd:complexType>
-    </xsd:element>
-    <xsd:element name="LastPreviewVersionLookup" ma:index="60" nillable="true" ma:displayName="Last Previewed Version" ma:default="" ma:list="{9E343742-310B-4684-A24C-1D137CB4B230}" ma:internalName="LastPreviewVersionLookup" ma:readOnly="true" ma:showField="LastPreviewVersion" ma:web="4873beb7-5857-4685-be1f-d57550cc96cc">
-      <xsd:complexType>
-        <xsd:complexContent>
-          <xsd:extension base="dms:MultiChoiceLookup">
-            <xsd:sequence>
-              <xsd:element name="Value" type="dms:Lookup" maxOccurs="unbounded" minOccurs="0" nillable="true"/>
-            </xsd:sequence>
-          </xsd:extension>
-        </xsd:complexContent>
-      </xsd:complexType>
-    </xsd:element>
-    <xsd:element name="LastPublishErrorLookup" ma:index="61" nillable="true" ma:displayName="Last Publish Attempt Error" ma:default="" ma:list="{9E343742-310B-4684-A24C-1D137CB4B230}" ma:internalName="LastPublishErrorLookup" ma:readOnly="true" ma:showField="LastPublishError" ma:web="4873beb7-5857-4685-be1f-d57550cc96cc">
-      <xsd:complexType>
-        <xsd:complexContent>
-          <xsd:extension base="dms:MultiChoiceLookup">
-            <xsd:sequence>
-              <xsd:element name="Value" type="dms:Lookup" maxOccurs="unbounded" minOccurs="0" nillable="true"/>
-            </xsd:sequence>
-          </xsd:extension>
-        </xsd:complexContent>
-      </xsd:complexType>
-    </xsd:element>
-    <xsd:element name="LastPublishResultLookup" ma:index="62" nillable="true" ma:displayName="Last Publish Attempt Result" ma:default="" ma:list="{9E343742-310B-4684-A24C-1D137CB4B230}" ma:internalName="LastPublishResultLookup" ma:readOnly="true" ma:showField="LastPublishResult" ma:web="4873beb7-5857-4685-be1f-d57550cc96cc">
-      <xsd:complexType>
-        <xsd:complexContent>
-          <xsd:extension base="dms:MultiChoiceLookup">
-            <xsd:sequence>
-              <xsd:element name="Value" type="dms:Lookup" maxOccurs="unbounded" minOccurs="0" nillable="true"/>
-            </xsd:sequence>
-          </xsd:extension>
-        </xsd:complexContent>
-      </xsd:complexType>
-    </xsd:element>
-    <xsd:element name="LastPublishAttemptDateLookup" ma:index="63" nillable="true" ma:displayName="Last Publish Attempted On" ma:default="" ma:list="{9E343742-310B-4684-A24C-1D137CB4B230}" ma:internalName="LastPublishAttemptDateLookup" ma:readOnly="true" ma:showField="LastPublishAttemptDate" ma:web="4873beb7-5857-4685-be1f-d57550cc96cc">
-      <xsd:complexType>
-        <xsd:complexContent>
-          <xsd:extension base="dms:MultiChoiceLookup">
-            <xsd:sequence>
-              <xsd:element name="Value" type="dms:Lookup" maxOccurs="unbounded" minOccurs="0" nillable="true"/>
-            </xsd:sequence>
-          </xsd:extension>
-        </xsd:complexContent>
-      </xsd:complexType>
-    </xsd:element>
-    <xsd:element name="LastPublishedByLookup" ma:index="64" nillable="true" ma:displayName="Last Published By" ma:default="" ma:list="{9E343742-310B-4684-A24C-1D137CB4B230}" ma:internalName="LastPublishedByLookup" ma:readOnly="true" ma:showField="LastPublishedBy" ma:web="4873beb7-5857-4685-be1f-d57550cc96cc">
-      <xsd:complexType>
-        <xsd:complexContent>
-          <xsd:extension base="dms:MultiChoiceLookup">
-            <xsd:sequence>
-              <xsd:element name="Value" type="dms:Lookup" maxOccurs="unbounded" minOccurs="0" nillable="true"/>
-            </xsd:sequence>
-          </xsd:extension>
-        </xsd:complexContent>
-      </xsd:complexType>
-    </xsd:element>
-    <xsd:element name="LastPublishTimeLookup" ma:index="65" nillable="true" ma:displayName="Last Published Date" ma:default="" ma:list="{9E343742-310B-4684-A24C-1D137CB4B230}" ma:internalName="LastPublishTimeLookup" ma:readOnly="true" ma:showField="LastPublishTime" ma:web="4873beb7-5857-4685-be1f-d57550cc96cc">
-      <xsd:complexType>
-        <xsd:complexContent>
-          <xsd:extension base="dms:MultiChoiceLookup">
-            <xsd:sequence>
-              <xsd:element name="Value" type="dms:Lookup" maxOccurs="unbounded" minOccurs="0" nillable="true"/>
-            </xsd:sequence>
-          </xsd:extension>
-        </xsd:complexContent>
-      </xsd:complexType>
-    </xsd:element>
-    <xsd:element name="LastPublishVersionLookup" ma:index="66" nillable="true" ma:displayName="Last Published Version" ma:default="" ma:list="{9E343742-310B-4684-A24C-1D137CB4B230}" ma:internalName="LastPublishVersionLookup" ma:readOnly="true" ma:showField="LastPublishVersion" ma:web="4873beb7-5857-4685-be1f-d57550cc96cc">
-      <xsd:complexType>
-        <xsd:complexContent>
-          <xsd:extension base="dms:MultiChoiceLookup">
-            <xsd:sequence>
-              <xsd:element name="Value" type="dms:Lookup" maxOccurs="unbounded" minOccurs="0" nillable="true"/>
-            </xsd:sequence>
-          </xsd:extension>
-        </xsd:complexContent>
-      </xsd:complexType>
-    </xsd:element>
-    <xsd:element name="TPLaunchHelpLinkType" ma:index="67" nillable="true" ma:displayName="Launch Help Link Type" ma:default="Template" ma:internalName="TPLaunchHelpLinkType">
-      <xsd:simpleType>
-        <xsd:restriction base="dms:Choice">
-          <xsd:enumeration value="Template"/>
-          <xsd:enumeration value="Training"/>
-          <xsd:enumeration value="URL"/>
-          <xsd:enumeration value="None"/>
-        </xsd:restriction>
-      </xsd:simpleType>
-    </xsd:element>
-    <xsd:element name="LegacyData" ma:index="68" nillable="true" ma:displayName="Legacy Data" ma:default="" ma:internalName="LegacyData" ma:readOnly="false">
-      <xsd:simpleType>
-        <xsd:restriction base="dms:Note"/>
-      </xsd:simpleType>
-    </xsd:element>
-    <xsd:element name="TPLaunchHelpLink" ma:index="69" nillable="true" ma:displayName="Link to Launch Help Topic" ma:default="" ma:internalName="TPLaunchHelpLink">
-      <xsd:simpleType>
-        <xsd:restriction base="dms:Text"/>
-      </xsd:simpleType>
-    </xsd:element>
-    <xsd:element name="LocComments" ma:index="70" nillable="true" ma:displayName="Loc Approval Comments" ma:default="" ma:internalName="LocComments" ma:readOnly="false">
-      <xsd:simpleType>
-        <xsd:restriction base="dms:Note"/>
-      </xsd:simpleType>
-    </xsd:element>
-    <xsd:element name="LocLastLocAttemptVersionLookup" ma:index="71" nillable="true" ma:displayName="Loc Last Loc Attempt Version" ma:default="" ma:list="{7DD1DCEC-E449-43D3-891F-7DC62F62AD21}" ma:internalName="LocLastLocAttemptVersionLookup" ma:readOnly="false" ma:showField="LastLocAttemptVersion" ma:web="4873beb7-5857-4685-be1f-d57550cc96cc">
-      <xsd:simpleType>
-        <xsd:restriction base="dms:Lookup"/>
-      </xsd:simpleType>
-    </xsd:element>
-    <xsd:element name="LocLastLocAttemptVersionTypeLookup" ma:index="72" nillable="true" ma:displayName="Loc Last Loc Attempt Version Type" ma:default="" ma:list="{7DD1DCEC-E449-43D3-891F-7DC62F62AD21}" ma:internalName="LocLastLocAttemptVersionTypeLookup" ma:readOnly="true" ma:showField="LastLocAttemptVersionType" ma:web="4873beb7-5857-4685-be1f-d57550cc96cc">
-      <xsd:simpleType>
-        <xsd:restriction base="dms:Lookup"/>
-      </xsd:simpleType>
-    </xsd:element>
-    <xsd:element name="LocManualTestRequired" ma:index="73" nillable="true" ma:displayName="Loc Manual Test Required" ma:default="" ma:internalName="LocManualTestRequired" ma:readOnly="false">
-      <xsd:simpleType>
-        <xsd:restriction base="dms:Boolean"/>
-      </xsd:simpleType>
-    </xsd:element>
-    <xsd:element name="LocMarketGroupTiers2" ma:index="74" nillable="true" ma:displayName="Loc Market Group Tiers" ma:internalName="LocMarketGroupTiers2" ma:readOnly="false">
-      <xsd:simpleType>
-        <xsd:restriction base="dms:Unknown"/>
-      </xsd:simpleType>
-    </xsd:element>
-    <xsd:element name="LocNewPublishedVersionLookup" ma:index="75" nillable="true" ma:displayName="Loc New Published Version Lookup" ma:default="" ma:list="{7DD1DCEC-E449-43D3-891F-7DC62F62AD21}" ma:internalName="LocNewPublishedVersionLookup" ma:readOnly="true" ma:showField="NewPublishedVersion" ma:web="4873beb7-5857-4685-be1f-d57550cc96cc">
-      <xsd:simpleType>
-        <xsd:restriction base="dms:Lookup"/>
-      </xsd:simpleType>
-    </xsd:element>
-    <xsd:element name="LocOverallHandbackStatusLookup" ma:index="76" nillable="true" ma:displayName="Loc Overall Handback Status" ma:default="" ma:list="{7DD1DCEC-E449-43D3-891F-7DC62F62AD21}" ma:internalName="LocOverallHandbackStatusLookup" ma:readOnly="true" ma:showField="OverallHandbackStatus" ma:web="4873beb7-5857-4685-be1f-d57550cc96cc">
-      <xsd:simpleType>
-        <xsd:restriction base="dms:Lookup"/>
-      </xsd:simpleType>
-    </xsd:element>
-    <xsd:element name="LocOverallLocStatusLookup" ma:index="77" nillable="true" ma:displayName="Loc Overall Localize Status" ma:default="" ma:list="{7DD1DCEC-E449-43D3-891F-7DC62F62AD21}" ma:internalName="LocOverallLocStatusLookup" ma:readOnly="true" ma:showField="OverallLocStatus" ma:web="4873beb7-5857-4685-be1f-d57550cc96cc">
-      <xsd:simpleType>
-        <xsd:restriction base="dms:Lookup"/>
-      </xsd:simpleType>
-    </xsd:element>
-    <xsd:element name="LocOverallPreviewStatusLookup" ma:index="78" nillable="true" ma:displayName="Loc Overall Preview Status" ma:default="" ma:list="{7DD1DCEC-E449-43D3-891F-7DC62F62AD21}" ma:internalName="LocOverallPreviewStatusLookup" ma:readOnly="true" ma:showField="OverallPreviewStatus" ma:web="4873beb7-5857-4685-be1f-d57550cc96cc">
-      <xsd:simpleType>
-        <xsd:restriction base="dms:Lookup"/>
-      </xsd:simpleType>
-    </xsd:element>
-    <xsd:element name="LocOverallPublishStatusLookup" ma:index="79" nillable="true" ma:displayName="Loc Overall Publish Status" ma:default="" ma:list="{7DD1DCEC-E449-43D3-891F-7DC62F62AD21}" ma:internalName="LocOverallPublishStatusLookup" ma:readOnly="true" ma:showField="OverallPublishStatus" ma:web="4873beb7-5857-4685-be1f-d57550cc96cc">
-      <xsd:simpleType>
-        <xsd:restriction base="dms:Lookup"/>
-      </xsd:simpleType>
-    </xsd:element>
-    <xsd:element name="IntlLocPriority" ma:index="80" nillable="true" ma:displayName="Loc Priority" ma:default="" ma:internalName="IntlLocPriority" ma:readOnly="false">
-      <xsd:simpleType>
-        <xsd:restriction base="dms:Unknown"/>
-      </xsd:simpleType>
-    </xsd:element>
-    <xsd:element name="LocProcessedForHandoffsLookup" ma:index="81" nillable="true" ma:displayName="Loc Processed For Handoffs" ma:default="" ma:list="{7DD1DCEC-E449-43D3-891F-7DC62F62AD21}" ma:internalName="LocProcessedForHandoffsLookup" ma:readOnly="true" ma:showField="ProcessedForHandoffs" ma:web="4873beb7-5857-4685-be1f-d57550cc96cc">
-      <xsd:simpleType>
-        <xsd:restriction base="dms:Lookup"/>
-      </xsd:simpleType>
-    </xsd:element>
-    <xsd:element name="LocProcessedForMarketsLookup" ma:index="82" nillable="true" ma:displayName="Loc Processed For Markets" ma:default="" ma:list="{7DD1DCEC-E449-43D3-891F-7DC62F62AD21}" ma:internalName="LocProcessedForMarketsLookup" ma:readOnly="true" ma:showField="ProcessedForMarkets" ma:web="4873beb7-5857-4685-be1f-d57550cc96cc">
-      <xsd:simpleType>
-        <xsd:restriction base="dms:Lookup"/>
-      </xsd:simpleType>
-    </xsd:element>
-    <xsd:element name="LocPublishedDependentAssetsLookup" ma:index="83" nillable="true" ma:displayName="Loc Published Dependent Assets" ma:default="" ma:list="{7DD1DCEC-E449-43D3-891F-7DC62F62AD21}" ma:internalName="LocPublishedDependentAssetsLookup" ma:readOnly="true" ma:showField="PublishedDependentAssets" ma:web="4873beb7-5857-4685-be1f-d57550cc96cc">
-      <xsd:simpleType>
-        <xsd:restriction base="dms:Lookup"/>
-      </xsd:simpleType>
-    </xsd:element>
-    <xsd:element name="LocPublishedLinkedAssetsLookup" ma:index="84" nillable="true" ma:displayName="Loc Published Linked Assets" ma:default="" ma:list="{7DD1DCEC-E449-43D3-891F-7DC62F62AD21}" ma:internalName="LocPublishedLinkedAssetsLookup" ma:readOnly="true" ma:showField="PublishedLinkedAssets" ma:web="4873beb7-5857-4685-be1f-d57550cc96cc">
-      <xsd:simpleType>
-        <xsd:restriction base="dms:Lookup"/>
-      </xsd:simpleType>
-    </xsd:element>
-    <xsd:element name="LocRecommendedHandoff" ma:index="85" nillable="true" ma:displayName="Loc Recommended Handoff" ma:default="" ma:indexed="true" ma:internalName="LocRecommendedHandoff" ma:readOnly="false">
-      <xsd:simpleType>
-        <xsd:restriction base="dms:Text"/>
-      </xsd:simpleType>
-    </xsd:element>
-    <xsd:element name="LocalizationTagsTaxHTField0" ma:index="87" nillable="true" ma:taxonomy="true" ma:internalName="LocalizationTagsTaxHTField0" ma:taxonomyFieldName="LocalizationTags" ma:displayName="Localization Tags" ma:readOnly="false" ma:default="" ma:fieldId="{00f02cb3-2c7c-424a-9c61-10e9b6878429}" ma:taxonomyMulti="true" ma:sspId="8f79753a-75d3-41f5-8ca3-40b843941b4f" ma:termSetId="5b7703a5-8e8b-4b58-8b31-1cea35331da3" ma:anchorId="00000000-0000-0000-0000-000000000000" ma:open="false" ma:isKeyword="false">
-      <xsd:complexType>
-        <xsd:sequence>
-          <xsd:element ref="pc:Terms" minOccurs="0" maxOccurs="1"/>
-        </xsd:sequence>
-      </xsd:complexType>
-    </xsd:element>
-    <xsd:element name="MachineTranslated" ma:index="88" nillable="true" ma:displayName="Machine Translated" ma:default="" ma:internalName="MachineTranslated" ma:readOnly="false">
-      <xsd:simpleType>
-        <xsd:restriction base="dms:Boolean"/>
-      </xsd:simpleType>
-    </xsd:element>
-    <xsd:element name="Manager" ma:index="89" nillable="true" ma:displayName="Manager" ma:hidden="true" ma:internalName="Manager" ma:readOnly="false">
-      <xsd:simpleType>
-        <xsd:restriction base="dms:Text"/>
-      </xsd:simpleType>
-    </xsd:element>
-    <xsd:element name="Markets" ma:index="90" nillable="true" ma:displayName="Markets" ma:default="" ma:description="Leave blank to show in all markets" ma:list="{2FBD1B11-2ACE-4FDC-B5A3-635D4ADF6F1B}" ma:internalName="Markets" ma:readOnly="false" ma:showField="MarketName" ma:web="4873beb7-5857-4685-be1f-d57550cc96cc">
-      <xsd:complexType>
-        <xsd:complexContent>
-          <xsd:extension base="dms:MultiChoiceLookup">
-            <xsd:sequence>
-              <xsd:element name="Value" type="dms:Lookup" maxOccurs="unbounded" minOccurs="0" nillable="true"/>
-            </xsd:sequence>
-          </xsd:extension>
-        </xsd:complexContent>
-      </xsd:complexType>
-    </xsd:element>
-    <xsd:element name="Milestone" ma:index="91" nillable="true" ma:displayName="Milestone" ma:default="" ma:internalName="Milestone" ma:readOnly="false">
-      <xsd:simpleType>
-        <xsd:restriction base="dms:Unknown"/>
-      </xsd:simpleType>
-    </xsd:element>
-    <xsd:element name="TPNamespace" ma:index="94" nillable="true" ma:displayName="Namespace" ma:default="" ma:internalName="TPNamespace">
-      <xsd:simpleType>
-        <xsd:restriction base="dms:Text"/>
-      </xsd:simpleType>
-    </xsd:element>
-    <xsd:element name="NumericId" ma:index="95" nillable="true" ma:displayName="Numeric ID" ma:default="" ma:indexed="true" ma:internalName="NumericId" ma:readOnly="false">
-      <xsd:simpleType>
-        <xsd:restriction base="dms:Number"/>
-      </xsd:simpleType>
-    </xsd:element>
-    <xsd:element name="NumOfRatingsLookup" ma:index="96" nillable="true" ma:displayName="NumOfRatings" ma:default="" ma:list="{9E343742-310B-4684-A24C-1D137CB4B230}" ma:internalName="NumOfRatingsLookup" ma:readOnly="true" ma:showField="NumOfRatings" ma:web="4873beb7-5857-4685-be1f-d57550cc96cc">
-      <xsd:complexType>
-        <xsd:complexContent>
-          <xsd:extension base="dms:MultiChoiceLookup">
-            <xsd:sequence>
-              <xsd:element name="Value" type="dms:Lookup" maxOccurs="unbounded" minOccurs="0" nillable="true"/>
-            </xsd:sequence>
-          </xsd:extension>
-        </xsd:complexContent>
-      </xsd:complexType>
-    </xsd:element>
-    <xsd:element name="OOCacheId" ma:index="97" nillable="true" ma:displayName="OOCacheId" ma:internalName="OOCacheId" ma:readOnly="false">
-      <xsd:simpleType>
-        <xsd:restriction base="dms:Text"/>
-      </xsd:simpleType>
-    </xsd:element>
-    <xsd:element name="OpenTemplate" ma:index="98" nillable="true" ma:displayName="Open Template" ma:default="true" ma:internalName="OpenTemplate">
-      <xsd:simpleType>
-        <xsd:restriction base="dms:Boolean"/>
-      </xsd:simpleType>
-    </xsd:element>
-    <xsd:element name="OriginAsset" ma:index="99" nillable="true" ma:displayName="Origin Asset" ma:default="" ma:internalName="OriginAsset" ma:readOnly="false">
-      <xsd:simpleType>
-        <xsd:restriction base="dms:Text"/>
-      </xsd:simpleType>
-    </xsd:element>
-    <xsd:element name="OriginalRelease" ma:index="100" nillable="true" ma:displayName="Original Release" ma:default="15" ma:internalName="OriginalRelease" ma:readOnly="false">
-      <xsd:simpleType>
-        <xsd:restriction base="dms:Choice">
-          <xsd:enumeration value="14"/>
-          <xsd:enumeration value="15"/>
-          <xsd:enumeration value="16"/>
-        </xsd:restriction>
-      </xsd:simpleType>
-    </xsd:element>
-    <xsd:element name="OriginalSourceMarket" ma:index="101" nillable="true" ma:displayName="Original Source Market Group" ma:default="" ma:internalName="OriginalSourceMarket" ma:readOnly="false">
-      <xsd:simpleType>
-        <xsd:restriction base="dms:Text"/>
-      </xsd:simpleType>
-    </xsd:element>
-    <xsd:element name="OutputCachingOn" ma:index="102" nillable="true" ma:displayName="Output Caching" ma:default="true" ma:hidden="true" ma:internalName="OutputCachingOn" ma:readOnly="false">
-      <xsd:simpleType>
-        <xsd:restriction base="dms:Boolean"/>
-      </xsd:simpleType>
-    </xsd:element>
-    <xsd:element name="ParentAssetId" ma:index="103" nillable="true" ma:displayName="Parent Asset Id" ma:default="" ma:internalName="ParentAssetId" ma:readOnly="false">
-      <xsd:simpleType>
-        <xsd:restriction base="dms:Text"/>
-      </xsd:simpleType>
-    </xsd:element>
-    <xsd:element name="PlannedPubDate" ma:index="104" nillable="true" ma:displayName="Planned Publish Date" ma:default="" ma:indexed="true" ma:internalName="PlannedPubDate" ma:readOnly="false">
-      <xsd:simpleType>
-        <xsd:restriction base="dms:DateTime"/>
-      </xsd:simpleType>
-    </xsd:element>
-    <xsd:element name="PolicheckWords" ma:index="105" nillable="true" ma:displayName="Policheck Words" ma:default="" ma:internalName="PolicheckWords" ma:readOnly="false">
-      <xsd:simpleType>
-        <xsd:restriction base="dms:Text"/>
-      </xsd:simpleType>
-    </xsd:element>
-    <xsd:element name="BusinessGroup" ma:index="106" nillable="true" ma:displayName="Product Division Owner" ma:default="" ma:internalName="BusinessGroup" ma:readOnly="false">
-      <xsd:simpleType>
-        <xsd:restriction base="dms:Unknown"/>
-      </xsd:simpleType>
-    </xsd:element>
-    <xsd:element name="UAProjectedTotalWords" ma:index="107" nillable="true" ma:displayName="Projected Word Count" ma:default="" ma:internalName="UAProjectedTotalWords" ma:readOnly="false">
-      <xsd:simpleType>
-        <xsd:restriction base="dms:Unknown"/>
-      </xsd:simpleType>
-    </xsd:element>
-    <xsd:element name="Provider" ma:index="108" nillable="true" ma:displayName="Provider" ma:default="" ma:internalName="Provider" ma:readOnly="false">
-      <xsd:simpleType>
-        <xsd:restriction base="dms:Unknown"/>
-      </xsd:simpleType>
-    </xsd:element>
-    <xsd:element name="Providers" ma:index="109" nillable="true" ma:displayName="Providers" ma:default="" ma:internalName="Providers">
-      <xsd:simpleType>
-        <xsd:restriction base="dms:Unknown"/>
-      </xsd:simpleType>
-    </xsd:element>
-    <xsd:element name="PublishStatusLookup" ma:index="110" nillable="true" ma:displayName="Publish Status" ma:default="" ma:list="{9E343742-310B-4684-A24C-1D137CB4B230}" ma:internalName="PublishStatusLookup" ma:readOnly="false" ma:showField="PublishStatus" ma:web="4873beb7-5857-4685-be1f-d57550cc96cc">
-      <xsd:complexType>
-        <xsd:complexContent>
-          <xsd:extension base="dms:MultiChoiceLookup">
-            <xsd:sequence>
-              <xsd:element name="Value" type="dms:Lookup" maxOccurs="unbounded" minOccurs="0" nillable="true"/>
-            </xsd:sequence>
-          </xsd:extension>
-        </xsd:complexContent>
-      </xsd:complexType>
-    </xsd:element>
-    <xsd:element name="PublishTargets" ma:index="111" nillable="true" ma:displayName="Publish Target" ma:default="OfficeOnlineVNext" ma:internalName="PublishTargets" ma:readOnly="false">
-      <xsd:simpleType>
-        <xsd:restriction base="dms:Unknown"/>
-      </xsd:simpleType>
-    </xsd:element>
-    <xsd:element name="RecommendationsModifier" ma:index="112" nillable="true" ma:displayName="Recommendations Modifier" ma:default="" ma:internalName="RecommendationsModifier" ma:readOnly="false">
-      <xsd:simpleType>
-        <xsd:restriction base="dms:Number"/>
-      </xsd:simpleType>
-    </xsd:element>
-    <xsd:element name="ArtSampleDocs" ma:index="113" nillable="true" ma:displayName="Sample Docs" ma:default="" ma:hidden="true" ma:internalName="ArtSampleDocs" ma:readOnly="false">
-      <xsd:simpleType>
-        <xsd:restriction base="dms:Text"/>
-      </xsd:simpleType>
-    </xsd:element>
-    <xsd:element name="ScenarioTagsTaxHTField0" ma:index="115" nillable="true" ma:taxonomy="true" ma:internalName="ScenarioTagsTaxHTField0" ma:taxonomyFieldName="ScenarioTags" ma:displayName="Scenarios" ma:readOnly="false" ma:default="" ma:fieldId="{93aef74d-6c78-4815-8310-51477dceeccc}" ma:taxonomyMulti="true" ma:sspId="8f79753a-75d3-41f5-8ca3-40b843941b4f" ma:termSetId="4b7d5f16-e2f2-4fc0-bab3-6e8b931e57d6" ma:anchorId="00000000-0000-0000-0000-000000000000" ma:open="false" ma:isKeyword="false">
-      <xsd:complexType>
-        <xsd:sequence>
-          <xsd:element ref="pc:Terms" minOccurs="0" maxOccurs="1"/>
-        </xsd:sequence>
-      </xsd:complexType>
-    </xsd:element>
-    <xsd:element name="ShowIn" ma:index="117" nillable="true" ma:displayName="Show In" ma:default="Show everywhere" ma:internalName="ShowIn" ma:readOnly="false">
-      <xsd:simpleType>
-        <xsd:restriction base="dms:Choice">
-          <xsd:enumeration value="Hide on web"/>
-          <xsd:enumeration value="On Web no search"/>
-          <xsd:enumeration value="Show everywhere"/>
-          <xsd:enumeration value="Special use only"/>
-        </xsd:restriction>
-      </xsd:simpleType>
-    </xsd:element>
-    <xsd:element name="SourceTitle" ma:index="118" nillable="true" ma:displayName="Source Title" ma:default="" ma:indexed="true" ma:internalName="SourceTitle" ma:readOnly="false">
-      <xsd:simpleType>
-        <xsd:restriction base="dms:Text"/>
-      </xsd:simpleType>
-    </xsd:element>
-    <xsd:element name="CSXSubmissionDate" ma:index="119" nillable="true" ma:displayName="Submission Date" ma:default="" ma:internalName="CSXSubmissionDate" ma:readOnly="false">
-      <xsd:simpleType>
-        <xsd:restriction base="dms:DateTime"/>
-      </xsd:simpleType>
-    </xsd:element>
-    <xsd:element name="SubmitterId" ma:index="120" nillable="true" ma:displayName="Submitter ID" ma:default="" ma:internalName="SubmitterId" ma:readOnly="false">
-      <xsd:simpleType>
-        <xsd:restriction base="dms:Text"/>
-      </xsd:simpleType>
-    </xsd:element>
-    <xsd:element name="TaxCatchAll" ma:index="121" nillable="true" ma:displayName="Taxonomy Catch All Column" ma:hidden="true" ma:list="{530f955b-6704-4601-bd83-f81d87f1e440}" ma:internalName="TaxCatchAll" ma:showField="CatchAllData" ma:web="4873beb7-5857-4685-be1f-d57550cc96cc">
-      <xsd:complexType>
-        <xsd:complexContent>
-          <xsd:extension base="dms:MultiChoiceLookup">
-            <xsd:sequence>
-              <xsd:element name="Value" type="dms:Lookup" maxOccurs="unbounded" minOccurs="0" nillable="true"/>
-            </xsd:sequence>
-          </xsd:extension>
-        </xsd:complexContent>
-      </xsd:complexType>
-    </xsd:element>
-    <xsd:element name="TaxCatchAllLabel" ma:index="122" nillable="true" ma:displayName="Taxonomy Catch All Column1" ma:hidden="true" ma:list="{530f955b-6704-4601-bd83-f81d87f1e440}" ma:internalName="TaxCatchAllLabel" ma:readOnly="true" ma:showField="CatchAllDataLabel" ma:web="4873beb7-5857-4685-be1f-d57550cc96cc">
-      <xsd:complexType>
-        <xsd:complexContent>
-          <xsd:extension base="dms:MultiChoiceLookup">
-            <xsd:sequence>
-              <xsd:element name="Value" type="dms:Lookup" maxOccurs="unbounded" minOccurs="0" nillable="true"/>
-            </xsd:sequence>
-          </xsd:extension>
-        </xsd:complexContent>
-      </xsd:complexType>
-    </xsd:element>
-    <xsd:element name="TemplateStatus" ma:index="123" nillable="true" ma:displayName="Template Status" ma:default="" ma:internalName="TemplateStatus">
-      <xsd:simpleType>
-        <xsd:restriction base="dms:Unknown"/>
-      </xsd:simpleType>
-    </xsd:element>
-    <xsd:element name="TemplateTemplateType" ma:index="124" nillable="true" ma:displayName="Template Type" ma:default="" ma:internalName="TemplateTemplateType">
-      <xsd:simpleType>
-        <xsd:restriction base="dms:Unknown"/>
-      </xsd:simpleType>
-    </xsd:element>
-    <xsd:element name="ThumbnailAssetId" ma:index="125" nillable="true" ma:displayName="Thumbnail Image Asset" ma:default="" ma:internalName="ThumbnailAssetId" ma:readOnly="false">
-      <xsd:simpleType>
-        <xsd:restriction base="dms:Text"/>
-      </xsd:simpleType>
-    </xsd:element>
-    <xsd:element name="TimesCloned" ma:index="126" nillable="true" ma:displayName="Times Cloned" ma:default="" ma:internalName="TimesCloned" ma:readOnly="false">
-      <xsd:simpleType>
-        <xsd:restriction base="dms:Number"/>
-      </xsd:simpleType>
-    </xsd:element>
-    <xsd:element name="TrustLevel" ma:index="128" nillable="true" ma:displayName="Trust Level" ma:default="1 Microsoft Managed Content" ma:internalName="TrustLevel" ma:readOnly="false">
-      <xsd:simpleType>
-        <xsd:restriction base="dms:Unknown"/>
-      </xsd:simpleType>
-    </xsd:element>
-    <xsd:element name="UALocComments" ma:index="129" nillable="true" ma:displayName="UA Loc Comments" ma:default="" ma:internalName="UALocComments" ma:readOnly="false">
-      <xsd:simpleType>
-        <xsd:restriction base="dms:Note"/>
-      </xsd:simpleType>
-    </xsd:element>
-    <xsd:element name="UALocRecommendation" ma:index="130" nillable="true" ma:displayName="UA Loc Recommendation" ma:default="Localize" ma:internalName="UALocRecommendation" ma:readOnly="false">
-      <xsd:simpleType>
-        <xsd:restriction base="dms:Choice">
-          <xsd:enumeration value="Localize"/>
-          <xsd:enumeration value="Never Localize"/>
-          <xsd:enumeration value="Priority Localize"/>
-        </xsd:restriction>
-      </xsd:simpleType>
-    </xsd:element>
-    <xsd:element name="UANotes" ma:index="131" nillable="true" ma:displayName="UA Notes" ma:default="" ma:internalName="UANotes" ma:readOnly="false">
-      <xsd:simpleType>
-        <xsd:restriction base="dms:Note"/>
-      </xsd:simpleType>
-    </xsd:element>
-    <xsd:element name="TPAppVersion" ma:index="132" nillable="true" ma:displayName="Version" ma:default="" ma:internalName="TPAppVersion">
-      <xsd:simpleType>
-        <xsd:restriction base="dms:Text"/>
-      </xsd:simpleType>
-    </xsd:element>
-    <xsd:element name="VoteCount" ma:index="133" nillable="true" ma:displayName="Vote Count" ma:default="" ma:internalName="VoteCount" ma:readOnly="false">
-      <xsd:simpleType>
-        <xsd:restriction base="dms:Unknown"/>
-      </xsd:simpleType>
-    </xsd:element>
-  </xsd:schema>
-  <xsd:schema xmlns="http://schemas.openxmlformats.org/package/2006/metadata/core-properties" xmlns:xsd="http://www.w3.org/2001/XMLSchema" xmlns:xsi="http://www.w3.org/2001/XMLSchema-instance" xmlns:dc="http://purl.org/dc/elements/1.1/" xmlns:dcterms="http://purl.org/dc/terms/" xmlns:odoc="http://schemas.microsoft.com/internal/obd" targetNamespace="http://schemas.openxmlformats.org/package/2006/metadata/core-properties" elementFormDefault="qualified" attributeFormDefault="unqualified" blockDefault="#all">
-    <xsd:import namespace="http://purl.org/dc/elements/1.1/" schemaLocation="http://dublincore.org/schemas/xmls/qdc/2003/04/02/dc.xsd"/>
-    <xsd:import namespace="http://purl.org/dc/terms/" schemaLocation="http://dublincore.org/schemas/xmls/qdc/2003/04/02/dcterms.xsd"/>
-    <xsd:element name="coreProperties" type="CT_coreProperties"/>
-    <xsd:complexType name="CT_coreProperties">
-      <xsd:all>
-        <xsd:element ref="dc:creator" minOccurs="0" maxOccurs="1"/>
-        <xsd:element ref="dcterms:created" minOccurs="0" maxOccurs="1"/>
-        <xsd:element ref="dc:identifier" minOccurs="0" maxOccurs="1"/>
-        <xsd:element name="contentType" minOccurs="0" maxOccurs="1" type="xsd:string" ma:index="22" ma:displayName="Content Type"/>
-        <xsd:element ref="dc:title" minOccurs="0" maxOccurs="1" ma:index="127" ma:displayName="Title"/>
-        <xsd:element ref="dc:subject" minOccurs="0" maxOccurs="1"/>
-        <xsd:element ref="dc:description" minOccurs="0" maxOccurs="1"/>
-        <xsd:element name="keywords" minOccurs="0" maxOccurs="1" type="xsd:string"/>
-        <xsd:element ref="dc:language" minOccurs="0" maxOccurs="1"/>
-        <xsd:element name="category" minOccurs="0" maxOccurs="1" type="xsd:string"/>
-        <xsd:element name="version" minOccurs="0" maxOccurs="1" type="xsd:string"/>
-        <xsd:element name="revision" minOccurs="0" maxOccurs="1" type="xsd:string">
-          <xsd:annotation>
-            <xsd:documentation>
-                        This value indicates the number of saves or revisions. The application is responsible for updating this value after each revision.
-                    </xsd:documentation>
-          </xsd:annotation>
-        </xsd:element>
-        <xsd:element name="lastModifiedBy" minOccurs="0" maxOccurs="1" type="xsd:string"/>
-        <xsd:element ref="dcterms:modified" minOccurs="0" maxOccurs="1"/>
-        <xsd:element name="contentStatus" minOccurs="0" maxOccurs="1" type="xsd:string"/>
-      </xsd:all>
-    </xsd:complexType>
-  </xsd:schema>
-  <xs:schema xmlns:pc="http://schemas.microsoft.com/office/infopath/2007/PartnerControls" xmlns:xs="http://www.w3.org/2001/XMLSchema" targetNamespace="http://schemas.microsoft.com/office/infopath/2007/PartnerControls" elementFormDefault="qualified" attributeFormDefault="unqualified">
-    <xs:element name="Person">
-      <xs:complexType>
-        <xs:sequence>
-          <xs:element ref="pc:DisplayName" minOccurs="0"/>
-          <xs:element ref="pc:AccountId" minOccurs="0"/>
-          <xs:element ref="pc:AccountType" minOccurs="0"/>
-        </xs:sequence>
-      </xs:complexType>
-    </xs:element>
-    <xs:element name="DisplayName" type="xs:string"/>
-    <xs:element name="AccountId" type="xs:string"/>
-    <xs:element name="AccountType" type="xs:string"/>
-    <xs:element name="BDCAssociatedEntity">
-      <xs:complexType>
-        <xs:sequence>
-          <xs:element ref="pc:BDCEntity" minOccurs="0" maxOccurs="unbounded"/>
-        </xs:sequence>
-        <xs:attribute ref="pc:EntityNamespace"/>
-        <xs:attribute ref="pc:EntityName"/>
-        <xs:attribute ref="pc:SystemInstanceName"/>
-        <xs:attribute ref="pc:AssociationName"/>
-      </xs:complexType>
-    </xs:element>
-    <xs:attribute name="EntityNamespace" type="xs:string"/>
-    <xs:attribute name="EntityName" type="xs:string"/>
-    <xs:attribute name="SystemInstanceName" type="xs:string"/>
-    <xs:attribute name="AssociationName" type="xs:string"/>
-    <xs:element name="BDCEntity">
-      <xs:complexType>
-        <xs:sequence>
-          <xs:element ref="pc:EntityDisplayName" minOccurs="0"/>
-          <xs:element ref="pc:EntityInstanceReference" minOccurs="0"/>
-          <xs:element ref="pc:EntityId1" minOccurs="0"/>
-          <xs:element ref="pc:EntityId2" minOccurs="0"/>
-          <xs:element ref="pc:EntityId3" minOccurs="0"/>
-          <xs:element ref="pc:EntityId4" minOccurs="0"/>
-          <xs:element ref="pc:EntityId5" minOccurs="0"/>
-        </xs:sequence>
-      </xs:complexType>
-    </xs:element>
-    <xs:element name="EntityDisplayName" type="xs:string"/>
-    <xs:element name="EntityInstanceReference" type="xs:string"/>
-    <xs:element name="EntityId1" type="xs:string"/>
-    <xs:element name="EntityId2" type="xs:string"/>
-    <xs:element name="EntityId3" type="xs:string"/>
-    <xs:element name="EntityId4" type="xs:string"/>
-    <xs:element name="EntityId5" type="xs:string"/>
-    <xs:element name="Terms">
-      <xs:complexType>
-        <xs:sequence>
-          <xs:element ref="pc:TermInfo" minOccurs="0" maxOccurs="unbounded"/>
-        </xs:sequence>
-      </xs:complexType>
-    </xs:element>
-    <xs:element name="TermInfo">
-      <xs:complexType>
-        <xs:sequence>
-          <xs:element ref="pc:TermName" minOccurs="0"/>
-          <xs:element ref="pc:TermId" minOccurs="0"/>
-        </xs:sequence>
-      </xs:complexType>
-    </xs:element>
-    <xs:element name="TermName" type="xs:string"/>
-    <xs:element name="TermId" type="xs:string"/>
-  </xs:schema>
-</ct:contentTypeSchema>
-</file>
-
-<file path=customXml/item2.xml><?xml version="1.0" encoding="utf-8"?>
-<?mso-contentType ?>
-<FormTemplates xmlns="http://schemas.microsoft.com/sharepoint/v3/contenttype/forms">
-  <Display>DocumentLibraryForm</Display>
-  <Edit>AssetEditForm</Edit>
-  <New>DocumentLibraryForm</New>
-</FormTemplates>
-</file>
-
-<file path=customXml/item3.xml><?xml version="1.0" encoding="utf-8"?>
-<p:properties xmlns:p="http://schemas.microsoft.com/office/2006/metadata/properties" xmlns:xsi="http://www.w3.org/2001/XMLSchema-instance" xmlns:pc="http://schemas.microsoft.com/office/infopath/2007/PartnerControls">
-  <documentManagement>
-    <LocPublishedLinkedAssetsLookup xmlns="4873beb7-5857-4685-be1f-d57550cc96cc" xsi:nil="true"/>
-    <ApprovalStatus xmlns="4873beb7-5857-4685-be1f-d57550cc96cc">InProgress</ApprovalStatus>
-    <MarketSpecific xmlns="4873beb7-5857-4685-be1f-d57550cc96cc">false</MarketSpecific>
-    <LocComments xmlns="4873beb7-5857-4685-be1f-d57550cc96cc" xsi:nil="true"/>
-    <LocLastLocAttemptVersionTypeLookup xmlns="4873beb7-5857-4685-be1f-d57550cc96cc" xsi:nil="true"/>
-    <DirectSourceMarket xmlns="4873beb7-5857-4685-be1f-d57550cc96cc" xsi:nil="true"/>
-    <ThumbnailAssetId xmlns="4873beb7-5857-4685-be1f-d57550cc96cc" xsi:nil="true"/>
-    <PrimaryImageGen xmlns="4873beb7-5857-4685-be1f-d57550cc96cc">false</PrimaryImageGen>
-    <LocNewPublishedVersionLookup xmlns="4873beb7-5857-4685-be1f-d57550cc96cc" xsi:nil="true"/>
-    <LegacyData xmlns="4873beb7-5857-4685-be1f-d57550cc96cc" xsi:nil="true"/>
-    <LocRecommendedHandoff xmlns="4873beb7-5857-4685-be1f-d57550cc96cc" xsi:nil="true"/>
-    <BusinessGroup xmlns="4873beb7-5857-4685-be1f-d57550cc96cc" xsi:nil="true"/>
-    <BlockPublish xmlns="4873beb7-5857-4685-be1f-d57550cc96cc">false</BlockPublish>
-    <TPFriendlyName xmlns="4873beb7-5857-4685-be1f-d57550cc96cc" xsi:nil="true"/>
-    <LocOverallPublishStatusLookup xmlns="4873beb7-5857-4685-be1f-d57550cc96cc" xsi:nil="true"/>
-    <NumericId xmlns="4873beb7-5857-4685-be1f-d57550cc96cc" xsi:nil="true"/>
-    <APEditor xmlns="4873beb7-5857-4685-be1f-d57550cc96cc">
-      <UserInfo>
-        <DisplayName/>
-        <AccountId xsi:nil="true"/>
-        <AccountType/>
-      </UserInfo>
-    </APEditor>
-    <SourceTitle xmlns="4873beb7-5857-4685-be1f-d57550cc96cc" xsi:nil="true"/>
-    <OpenTemplate xmlns="4873beb7-5857-4685-be1f-d57550cc96cc">true</OpenTemplate>
-    <LocOverallLocStatusLookup xmlns="4873beb7-5857-4685-be1f-d57550cc96cc" xsi:nil="true"/>
-    <UALocComments xmlns="4873beb7-5857-4685-be1f-d57550cc96cc" xsi:nil="true"/>
-    <ParentAssetId xmlns="4873beb7-5857-4685-be1f-d57550cc96cc" xsi:nil="true"/>
-    <IntlLangReviewDate xmlns="4873beb7-5857-4685-be1f-d57550cc96cc" xsi:nil="true"/>
-    <FeatureTagsTaxHTField0 xmlns="4873beb7-5857-4685-be1f-d57550cc96cc">
-      <Terms xmlns="http://schemas.microsoft.com/office/infopath/2007/PartnerControls"/>
-    </FeatureTagsTaxHTField0>
-    <PublishStatusLookup xmlns="4873beb7-5857-4685-be1f-d57550cc96cc">
-      <Value>1345093</Value>
-    </PublishStatusLookup>
-    <Providers xmlns="4873beb7-5857-4685-be1f-d57550cc96cc" xsi:nil="true"/>
-    <MachineTranslated xmlns="4873beb7-5857-4685-be1f-d57550cc96cc">false</MachineTranslated>
-    <OriginalSourceMarket xmlns="4873beb7-5857-4685-be1f-d57550cc96cc" xsi:nil="true"/>
-    <APDescription xmlns="4873beb7-5857-4685-be1f-d57550cc96cc">This simple template design works for technology and  businesses, but it's versatile enough to use in other contexts.  It features multiple slide layouts designed for widescreen (16x9 resolution) and includes a sample SmartArt list and chart that are easily editable.</APDescription>
-    <ClipArtFilename xmlns="4873beb7-5857-4685-be1f-d57550cc96cc" xsi:nil="true"/>
-    <ContentItem xmlns="4873beb7-5857-4685-be1f-d57550cc96cc" xsi:nil="true"/>
-    <TPInstallLocation xmlns="4873beb7-5857-4685-be1f-d57550cc96cc" xsi:nil="true"/>
-    <PublishTargets xmlns="4873beb7-5857-4685-be1f-d57550cc96cc">OfficeOnlineVNext</PublishTargets>
-    <TimesCloned xmlns="4873beb7-5857-4685-be1f-d57550cc96cc" xsi:nil="true"/>
-    <AssetStart xmlns="4873beb7-5857-4685-be1f-d57550cc96cc">2011-11-26T00:30:00+00:00</AssetStart>
-    <Provider xmlns="4873beb7-5857-4685-be1f-d57550cc96cc" xsi:nil="true"/>
-    <AcquiredFrom xmlns="4873beb7-5857-4685-be1f-d57550cc96cc">Internal MS</AcquiredFrom>
-    <FriendlyTitle xmlns="4873beb7-5857-4685-be1f-d57550cc96cc" xsi:nil="true"/>
-    <LastHandOff xmlns="4873beb7-5857-4685-be1f-d57550cc96cc" xsi:nil="true"/>
-    <TPClientViewer xmlns="4873beb7-5857-4685-be1f-d57550cc96cc" xsi:nil="true"/>
-    <TemplateStatus xmlns="4873beb7-5857-4685-be1f-d57550cc96cc">Complete</TemplateStatus>
-    <Downloads xmlns="4873beb7-5857-4685-be1f-d57550cc96cc">0</Downloads>
-    <OOCacheId xmlns="4873beb7-5857-4685-be1f-d57550cc96cc" xsi:nil="true"/>
-    <IsDeleted xmlns="4873beb7-5857-4685-be1f-d57550cc96cc">false</IsDeleted>
-    <LocPublishedDependentAssetsLookup xmlns="4873beb7-5857-4685-be1f-d57550cc96cc" xsi:nil="true"/>
-    <TPExecutable xmlns="4873beb7-5857-4685-be1f-d57550cc96cc" xsi:nil="true"/>
-    <EditorialTags xmlns="4873beb7-5857-4685-be1f-d57550cc96cc" xsi:nil="true"/>
-    <SubmitterId xmlns="4873beb7-5857-4685-be1f-d57550cc96cc" xsi:nil="true"/>
-    <ApprovalLog xmlns="4873beb7-5857-4685-be1f-d57550cc96cc" xsi:nil="true"/>
-    <AssetType xmlns="4873beb7-5857-4685-be1f-d57550cc96cc">TP</AssetType>
-    <BugNumber xmlns="4873beb7-5857-4685-be1f-d57550cc96cc" xsi:nil="true"/>
-    <CSXSubmissionDate xmlns="4873beb7-5857-4685-be1f-d57550cc96cc" xsi:nil="true"/>
-    <CSXUpdate xmlns="4873beb7-5857-4685-be1f-d57550cc96cc">false</CSXUpdate>
-    <Milestone xmlns="4873beb7-5857-4685-be1f-d57550cc96cc" xsi:nil="true"/>
-    <RecommendationsModifier xmlns="4873beb7-5857-4685-be1f-d57550cc96cc" xsi:nil="true"/>
-    <OriginAsset xmlns="4873beb7-5857-4685-be1f-d57550cc96cc" xsi:nil="true"/>
-    <TPComponent xmlns="4873beb7-5857-4685-be1f-d57550cc96cc" xsi:nil="true"/>
-    <AssetId xmlns="4873beb7-5857-4685-be1f-d57550cc96cc">TP102787989</AssetId>
-    <IntlLocPriority xmlns="4873beb7-5857-4685-be1f-d57550cc96cc" xsi:nil="true"/>
-    <PolicheckWords xmlns="4873beb7-5857-4685-be1f-d57550cc96cc" xsi:nil="true"/>
-    <TPLaunchHelpLink xmlns="4873beb7-5857-4685-be1f-d57550cc96cc" xsi:nil="true"/>
-    <TPApplication xmlns="4873beb7-5857-4685-be1f-d57550cc96cc" xsi:nil="true"/>
-    <CrawlForDependencies xmlns="4873beb7-5857-4685-be1f-d57550cc96cc">false</CrawlForDependencies>
-    <HandoffToMSDN xmlns="4873beb7-5857-4685-be1f-d57550cc96cc" xsi:nil="true"/>
-    <PlannedPubDate xmlns="4873beb7-5857-4685-be1f-d57550cc96cc" xsi:nil="true"/>
-    <IntlLangReviewer xmlns="4873beb7-5857-4685-be1f-d57550cc96cc" xsi:nil="true"/>
-    <TrustLevel xmlns="4873beb7-5857-4685-be1f-d57550cc96cc">1 Microsoft Managed Content</TrustLevel>
-    <LocLastLocAttemptVersionLookup xmlns="4873beb7-5857-4685-be1f-d57550cc96cc">694266</LocLastLocAttemptVersionLookup>
-    <LocProcessedForHandoffsLookup xmlns="4873beb7-5857-4685-be1f-d57550cc96cc" xsi:nil="true"/>
-    <IsSearchable xmlns="4873beb7-5857-4685-be1f-d57550cc96cc">true</IsSearchable>
-    <TemplateTemplateType xmlns="4873beb7-5857-4685-be1f-d57550cc96cc">PowerPoint Presentation Template</TemplateTemplateType>
-    <CampaignTagsTaxHTField0 xmlns="4873beb7-5857-4685-be1f-d57550cc96cc">
-      <Terms xmlns="http://schemas.microsoft.com/office/infopath/2007/PartnerControls"/>
-    </CampaignTagsTaxHTField0>
-    <TPNamespace xmlns="4873beb7-5857-4685-be1f-d57550cc96cc" xsi:nil="true"/>
-    <LocOverallPreviewStatusLookup xmlns="4873beb7-5857-4685-be1f-d57550cc96cc" xsi:nil="true"/>
-    <TaxCatchAll xmlns="4873beb7-5857-4685-be1f-d57550cc96cc"/>
-    <Markets xmlns="4873beb7-5857-4685-be1f-d57550cc96cc"/>
-    <UAProjectedTotalWords xmlns="4873beb7-5857-4685-be1f-d57550cc96cc" xsi:nil="true"/>
-    <IntlLangReview xmlns="4873beb7-5857-4685-be1f-d57550cc96cc" xsi:nil="true"/>
-    <OutputCachingOn xmlns="4873beb7-5857-4685-be1f-d57550cc96cc">false</OutputCachingOn>
-    <AverageRating xmlns="4873beb7-5857-4685-be1f-d57550cc96cc" xsi:nil="true"/>
-    <APAuthor xmlns="4873beb7-5857-4685-be1f-d57550cc96cc">
-      <UserInfo>
-        <DisplayName>REDMOND\kristaa</DisplayName>
-        <AccountId>136</AccountId>
-        <AccountType/>
-      </UserInfo>
-    </APAuthor>
-    <LocManualTestRequired xmlns="4873beb7-5857-4685-be1f-d57550cc96cc">false</LocManualTestRequired>
-    <TPCommandLine xmlns="4873beb7-5857-4685-be1f-d57550cc96cc" xsi:nil="true"/>
-    <TPAppVersion xmlns="4873beb7-5857-4685-be1f-d57550cc96cc" xsi:nil="true"/>
-    <EditorialStatus xmlns="4873beb7-5857-4685-be1f-d57550cc96cc">Complete</EditorialStatus>
-    <LastModifiedDateTime xmlns="4873beb7-5857-4685-be1f-d57550cc96cc" xsi:nil="true"/>
-    <ScenarioTagsTaxHTField0 xmlns="4873beb7-5857-4685-be1f-d57550cc96cc">
-      <Terms xmlns="http://schemas.microsoft.com/office/infopath/2007/PartnerControls"/>
-    </ScenarioTagsTaxHTField0>
-    <LocProcessedForMarketsLookup xmlns="4873beb7-5857-4685-be1f-d57550cc96cc" xsi:nil="true"/>
-    <TPLaunchHelpLinkType xmlns="4873beb7-5857-4685-be1f-d57550cc96cc">Template</TPLaunchHelpLinkType>
-    <OriginalRelease xmlns="4873beb7-5857-4685-be1f-d57550cc96cc">15</OriginalRelease>
-    <LocalizationTagsTaxHTField0 xmlns="4873beb7-5857-4685-be1f-d57550cc96cc">
-      <Terms xmlns="http://schemas.microsoft.com/office/infopath/2007/PartnerControls"/>
-    </LocalizationTagsTaxHTField0>
-    <UACurrentWords xmlns="4873beb7-5857-4685-be1f-d57550cc96cc" xsi:nil="true"/>
-    <ArtSampleDocs xmlns="4873beb7-5857-4685-be1f-d57550cc96cc" xsi:nil="true"/>
-    <UALocRecommendation xmlns="4873beb7-5857-4685-be1f-d57550cc96cc">Localize</UALocRecommendation>
-    <Manager xmlns="4873beb7-5857-4685-be1f-d57550cc96cc" xsi:nil="true"/>
-    <LocOverallHandbackStatusLookup xmlns="4873beb7-5857-4685-be1f-d57550cc96cc" xsi:nil="true"/>
-    <ShowIn xmlns="4873beb7-5857-4685-be1f-d57550cc96cc">Show everywhere</ShowIn>
-    <UANotes xmlns="4873beb7-5857-4685-be1f-d57550cc96cc" xsi:nil="true"/>
-    <InternalTagsTaxHTField0 xmlns="4873beb7-5857-4685-be1f-d57550cc96cc">
-      <Terms xmlns="http://schemas.microsoft.com/office/infopath/2007/PartnerControls"/>
-    </InternalTagsTaxHTField0>
-    <CSXHash xmlns="4873beb7-5857-4685-be1f-d57550cc96cc" xsi:nil="true"/>
-    <VoteCount xmlns="4873beb7-5857-4685-be1f-d57550cc96cc" xsi:nil="true"/>
-    <AssetExpire xmlns="4873beb7-5857-4685-be1f-d57550cc96cc">2029-05-12T07:00:00+00:00</AssetExpire>
-    <DSATActionTaken xmlns="4873beb7-5857-4685-be1f-d57550cc96cc" xsi:nil="true"/>
-    <CSXSubmissionMarket xmlns="4873beb7-5857-4685-be1f-d57550cc96cc" xsi:nil="true"/>
-    <LocMarketGroupTiers2 xmlns="4873beb7-5857-4685-be1f-d57550cc96cc" xsi:nil="true"/>
-  </documentManagement>
-</p:properties>
-</file>
-
-<file path=customXml/itemProps1.xml><?xml version="1.0" encoding="utf-8"?>
-<ds:datastoreItem xmlns:ds="http://schemas.openxmlformats.org/officeDocument/2006/customXml" ds:itemID="{A09BF4D4-EF60-4196-BFC3-9462D607978C}">
-  <ds:schemaRefs>
-    <ds:schemaRef ds:uri="http://schemas.microsoft.com/office/2006/metadata/contentType"/>
-    <ds:schemaRef ds:uri="http://schemas.microsoft.com/office/2006/metadata/properties/metaAttributes"/>
-    <ds:schemaRef ds:uri="http://www.w3.org/2001/XMLSchema"/>
-    <ds:schemaRef ds:uri="http://schemas.microsoft.com/office/2006/metadata/properties"/>
-    <ds:schemaRef ds:uri="4873beb7-5857-4685-be1f-d57550cc96cc"/>
-    <ds:schemaRef ds:uri="http://schemas.microsoft.com/office/2006/documentManagement/types"/>
-    <ds:schemaRef ds:uri="http://schemas.microsoft.com/office/infopath/2007/PartnerControls"/>
-    <ds:schemaRef ds:uri="http://schemas.openxmlformats.org/package/2006/metadata/core-properties"/>
-    <ds:schemaRef ds:uri="http://purl.org/dc/elements/1.1/"/>
-    <ds:schemaRef ds:uri="http://purl.org/dc/terms/"/>
-    <ds:schemaRef ds:uri="http://schemas.microsoft.com/internal/obd"/>
-  </ds:schemaRefs>
-</ds:datastoreItem>
-</file>
-
-<file path=customXml/itemProps2.xml><?xml version="1.0" encoding="utf-8"?>
-<ds:datastoreItem xmlns:ds="http://schemas.openxmlformats.org/officeDocument/2006/customXml" ds:itemID="{3836F65B-1B07-41EE-A0E8-BC6EF3855225}">
-  <ds:schemaRefs>
-    <ds:schemaRef ds:uri="http://schemas.microsoft.com/sharepoint/v3/contenttype/forms"/>
-  </ds:schemaRefs>
-</ds:datastoreItem>
-</file>
-
-<file path=customXml/itemProps3.xml><?xml version="1.0" encoding="utf-8"?>
-<ds:datastoreItem xmlns:ds="http://schemas.openxmlformats.org/officeDocument/2006/customXml" ds:itemID="{60C67BEE-D13F-4BD2-98A5-34D8A0977F68}">
-  <ds:schemaRefs>
-    <ds:schemaRef ds:uri="http://schemas.microsoft.com/office/2006/metadata/properties"/>
-    <ds:schemaRef ds:uri="4873beb7-5857-4685-be1f-d57550cc96cc"/>
-    <ds:schemaRef ds:uri="http://schemas.microsoft.com/office/2006/documentManagement/types"/>
-    <ds:schemaRef ds:uri="http://purl.org/dc/elements/1.1/"/>
-    <ds:schemaRef ds:uri="http://purl.org/dc/terms/"/>
-    <ds:schemaRef ds:uri="http://purl.org/dc/dcmitype/"/>
-    <ds:schemaRef ds:uri="http://schemas.microsoft.com/office/infopath/2007/PartnerControls"/>
-    <ds:schemaRef ds:uri="http://schemas.openxmlformats.org/package/2006/metadata/core-properties"/>
-    <ds:schemaRef ds:uri="http://www.w3.org/XML/1998/namespace"/>
-  </ds:schemaRefs>
-</ds:datastoreItem>
 </file>